--- a/Documents/Newsletter.pptx
+++ b/Documents/Newsletter.pptx
@@ -6,15 +6,17 @@
   </p:sldMasterIdLst>
   <p:sldIdLst>
     <p:sldId id="256" r:id="rId2"/>
-    <p:sldId id="257" r:id="rId3"/>
-    <p:sldId id="258" r:id="rId4"/>
-    <p:sldId id="259" r:id="rId5"/>
-    <p:sldId id="260" r:id="rId6"/>
-    <p:sldId id="261" r:id="rId7"/>
-    <p:sldId id="262" r:id="rId8"/>
-    <p:sldId id="263" r:id="rId9"/>
-    <p:sldId id="265" r:id="rId10"/>
-    <p:sldId id="264" r:id="rId11"/>
+    <p:sldId id="266" r:id="rId3"/>
+    <p:sldId id="267" r:id="rId4"/>
+    <p:sldId id="257" r:id="rId5"/>
+    <p:sldId id="258" r:id="rId6"/>
+    <p:sldId id="259" r:id="rId7"/>
+    <p:sldId id="260" r:id="rId8"/>
+    <p:sldId id="261" r:id="rId9"/>
+    <p:sldId id="262" r:id="rId10"/>
+    <p:sldId id="263" r:id="rId11"/>
+    <p:sldId id="265" r:id="rId12"/>
+    <p:sldId id="264" r:id="rId13"/>
   </p:sldIdLst>
   <p:sldSz cx="12192000" cy="6858000"/>
   <p:notesSz cx="6858000" cy="9144000"/>
@@ -113,6 +115,11 @@
       </a:defRPr>
     </a:lvl9pPr>
   </p:defaultTextStyle>
+  <p:extLst>
+    <p:ext uri="{EFAFB233-063F-42B5-8137-9DF3F51BA10A}">
+      <p15:sldGuideLst xmlns:p15="http://schemas.microsoft.com/office/powerpoint/2012/main"/>
+    </p:ext>
+  </p:extLst>
 </p:presentation>
 </file>
 
@@ -263,7 +270,7 @@
           <a:p>
             <a:fld id="{79A50466-656F-490F-AF25-ED87A19EECF4}" type="datetimeFigureOut">
               <a:rPr lang="es-ES" smtClean="0"/>
-              <a:t>04/12/2023</a:t>
+              <a:t>10/12/2023</a:t>
             </a:fld>
             <a:endParaRPr lang="es-ES"/>
           </a:p>
@@ -461,7 +468,7 @@
           <a:p>
             <a:fld id="{79A50466-656F-490F-AF25-ED87A19EECF4}" type="datetimeFigureOut">
               <a:rPr lang="es-ES" smtClean="0"/>
-              <a:t>04/12/2023</a:t>
+              <a:t>10/12/2023</a:t>
             </a:fld>
             <a:endParaRPr lang="es-ES"/>
           </a:p>
@@ -669,7 +676,7 @@
           <a:p>
             <a:fld id="{79A50466-656F-490F-AF25-ED87A19EECF4}" type="datetimeFigureOut">
               <a:rPr lang="es-ES" smtClean="0"/>
-              <a:t>04/12/2023</a:t>
+              <a:t>10/12/2023</a:t>
             </a:fld>
             <a:endParaRPr lang="es-ES"/>
           </a:p>
@@ -867,7 +874,7 @@
           <a:p>
             <a:fld id="{79A50466-656F-490F-AF25-ED87A19EECF4}" type="datetimeFigureOut">
               <a:rPr lang="es-ES" smtClean="0"/>
-              <a:t>04/12/2023</a:t>
+              <a:t>10/12/2023</a:t>
             </a:fld>
             <a:endParaRPr lang="es-ES"/>
           </a:p>
@@ -1142,7 +1149,7 @@
           <a:p>
             <a:fld id="{79A50466-656F-490F-AF25-ED87A19EECF4}" type="datetimeFigureOut">
               <a:rPr lang="es-ES" smtClean="0"/>
-              <a:t>04/12/2023</a:t>
+              <a:t>10/12/2023</a:t>
             </a:fld>
             <a:endParaRPr lang="es-ES"/>
           </a:p>
@@ -1407,7 +1414,7 @@
           <a:p>
             <a:fld id="{79A50466-656F-490F-AF25-ED87A19EECF4}" type="datetimeFigureOut">
               <a:rPr lang="es-ES" smtClean="0"/>
-              <a:t>04/12/2023</a:t>
+              <a:t>10/12/2023</a:t>
             </a:fld>
             <a:endParaRPr lang="es-ES"/>
           </a:p>
@@ -1819,7 +1826,7 @@
           <a:p>
             <a:fld id="{79A50466-656F-490F-AF25-ED87A19EECF4}" type="datetimeFigureOut">
               <a:rPr lang="es-ES" smtClean="0"/>
-              <a:t>04/12/2023</a:t>
+              <a:t>10/12/2023</a:t>
             </a:fld>
             <a:endParaRPr lang="es-ES"/>
           </a:p>
@@ -1960,7 +1967,7 @@
           <a:p>
             <a:fld id="{79A50466-656F-490F-AF25-ED87A19EECF4}" type="datetimeFigureOut">
               <a:rPr lang="es-ES" smtClean="0"/>
-              <a:t>04/12/2023</a:t>
+              <a:t>10/12/2023</a:t>
             </a:fld>
             <a:endParaRPr lang="es-ES"/>
           </a:p>
@@ -2073,7 +2080,7 @@
           <a:p>
             <a:fld id="{79A50466-656F-490F-AF25-ED87A19EECF4}" type="datetimeFigureOut">
               <a:rPr lang="es-ES" smtClean="0"/>
-              <a:t>04/12/2023</a:t>
+              <a:t>10/12/2023</a:t>
             </a:fld>
             <a:endParaRPr lang="es-ES"/>
           </a:p>
@@ -2384,7 +2391,7 @@
           <a:p>
             <a:fld id="{79A50466-656F-490F-AF25-ED87A19EECF4}" type="datetimeFigureOut">
               <a:rPr lang="es-ES" smtClean="0"/>
-              <a:t>04/12/2023</a:t>
+              <a:t>10/12/2023</a:t>
             </a:fld>
             <a:endParaRPr lang="es-ES"/>
           </a:p>
@@ -2672,7 +2679,7 @@
           <a:p>
             <a:fld id="{79A50466-656F-490F-AF25-ED87A19EECF4}" type="datetimeFigureOut">
               <a:rPr lang="es-ES" smtClean="0"/>
-              <a:t>04/12/2023</a:t>
+              <a:t>10/12/2023</a:t>
             </a:fld>
             <a:endParaRPr lang="es-ES"/>
           </a:p>
@@ -2913,7 +2920,7 @@
           <a:p>
             <a:fld id="{79A50466-656F-490F-AF25-ED87A19EECF4}" type="datetimeFigureOut">
               <a:rPr lang="es-ES" smtClean="0"/>
-              <a:t>04/12/2023</a:t>
+              <a:t>10/12/2023</a:t>
             </a:fld>
             <a:endParaRPr lang="es-ES"/>
           </a:p>
@@ -3388,6 +3395,147 @@
           <a:chExt cx="0" cy="0"/>
         </a:xfrm>
       </p:grpSpPr>
+      <p:sp>
+        <p:nvSpPr>
+          <p:cNvPr id="2" name="Título 1">
+            <a:extLst>
+              <a:ext uri="{FF2B5EF4-FFF2-40B4-BE49-F238E27FC236}">
+                <a16:creationId xmlns:a16="http://schemas.microsoft.com/office/drawing/2014/main" id="{680D64C3-6C7E-8C50-A64D-53C166B94EB0}"/>
+              </a:ext>
+            </a:extLst>
+          </p:cNvPr>
+          <p:cNvSpPr txBox="1">
+            <a:spLocks/>
+          </p:cNvSpPr>
+          <p:nvPr/>
+        </p:nvSpPr>
+        <p:spPr>
+          <a:xfrm>
+            <a:off x="1524000" y="1122363"/>
+            <a:ext cx="9144000" cy="2387600"/>
+          </a:xfrm>
+          <a:prstGeom prst="rect">
+            <a:avLst/>
+          </a:prstGeom>
+        </p:spPr>
+        <p:txBody>
+          <a:bodyPr vert="horz" lIns="91440" tIns="45720" rIns="91440" bIns="45720" rtlCol="0" anchor="b">
+            <a:normAutofit/>
+          </a:bodyPr>
+          <a:lstStyle>
+            <a:lvl1pPr algn="ctr">
+              <a:lnSpc>
+                <a:spcPct val="90000"/>
+              </a:lnSpc>
+              <a:spcBef>
+                <a:spcPct val="0"/>
+              </a:spcBef>
+              <a:buNone/>
+              <a:defRPr sz="6000">
+                <a:latin typeface="+mj-lt"/>
+                <a:ea typeface="+mj-ea"/>
+                <a:cs typeface="+mj-cs"/>
+              </a:defRPr>
+            </a:lvl1pPr>
+          </a:lstStyle>
+          <a:p>
+            <a:r>
+              <a:rPr lang="es-ES" dirty="0"/>
+              <a:t>4 – Envío de emails</a:t>
+            </a:r>
+          </a:p>
+        </p:txBody>
+      </p:sp>
+    </p:spTree>
+    <p:extLst>
+      <p:ext uri="{BB962C8B-B14F-4D97-AF65-F5344CB8AC3E}">
+        <p14:creationId xmlns:p14="http://schemas.microsoft.com/office/powerpoint/2010/main" val="1029428208"/>
+      </p:ext>
+    </p:extLst>
+  </p:cSld>
+  <p:clrMapOvr>
+    <a:masterClrMapping/>
+  </p:clrMapOvr>
+</p:sld>
+</file>
+
+<file path=ppt/slides/slide11.xml><?xml version="1.0" encoding="utf-8"?>
+<p:sld xmlns:a="http://schemas.openxmlformats.org/drawingml/2006/main" xmlns:r="http://schemas.openxmlformats.org/officeDocument/2006/relationships" xmlns:p="http://schemas.openxmlformats.org/presentationml/2006/main">
+  <p:cSld>
+    <p:spTree>
+      <p:nvGrpSpPr>
+        <p:cNvPr id="1" name=""/>
+        <p:cNvGrpSpPr/>
+        <p:nvPr/>
+      </p:nvGrpSpPr>
+      <p:grpSpPr>
+        <a:xfrm>
+          <a:off x="0" y="0"/>
+          <a:ext cx="0" cy="0"/>
+          <a:chOff x="0" y="0"/>
+          <a:chExt cx="0" cy="0"/>
+        </a:xfrm>
+      </p:grpSpPr>
+      <p:pic>
+        <p:nvPicPr>
+          <p:cNvPr id="2" name="Imagen 1">
+            <a:extLst>
+              <a:ext uri="{FF2B5EF4-FFF2-40B4-BE49-F238E27FC236}">
+                <a16:creationId xmlns:a16="http://schemas.microsoft.com/office/drawing/2014/main" id="{4444CD85-E2A9-C74C-A26C-E26E8E2BB8AB}"/>
+              </a:ext>
+            </a:extLst>
+          </p:cNvPr>
+          <p:cNvPicPr>
+            <a:picLocks noChangeAspect="1"/>
+          </p:cNvPicPr>
+          <p:nvPr/>
+        </p:nvPicPr>
+        <p:blipFill>
+          <a:blip r:embed="rId2"/>
+          <a:stretch>
+            <a:fillRect/>
+          </a:stretch>
+        </p:blipFill>
+        <p:spPr>
+          <a:xfrm>
+            <a:off x="202301" y="2522911"/>
+            <a:ext cx="3855812" cy="2757638"/>
+          </a:xfrm>
+          <a:prstGeom prst="rect">
+            <a:avLst/>
+          </a:prstGeom>
+        </p:spPr>
+      </p:pic>
+    </p:spTree>
+    <p:extLst>
+      <p:ext uri="{BB962C8B-B14F-4D97-AF65-F5344CB8AC3E}">
+        <p14:creationId xmlns:p14="http://schemas.microsoft.com/office/powerpoint/2010/main" val="3244459405"/>
+      </p:ext>
+    </p:extLst>
+  </p:cSld>
+  <p:clrMapOvr>
+    <a:masterClrMapping/>
+  </p:clrMapOvr>
+</p:sld>
+</file>
+
+<file path=ppt/slides/slide12.xml><?xml version="1.0" encoding="utf-8"?>
+<p:sld xmlns:a="http://schemas.openxmlformats.org/drawingml/2006/main" xmlns:r="http://schemas.openxmlformats.org/officeDocument/2006/relationships" xmlns:p="http://schemas.openxmlformats.org/presentationml/2006/main">
+  <p:cSld>
+    <p:spTree>
+      <p:nvGrpSpPr>
+        <p:cNvPr id="1" name=""/>
+        <p:cNvGrpSpPr/>
+        <p:nvPr/>
+      </p:nvGrpSpPr>
+      <p:grpSpPr>
+        <a:xfrm>
+          <a:off x="0" y="0"/>
+          <a:ext cx="0" cy="0"/>
+          <a:chOff x="0" y="0"/>
+          <a:chExt cx="0" cy="0"/>
+        </a:xfrm>
+      </p:grpSpPr>
       <p:pic>
         <p:nvPicPr>
           <p:cNvPr id="19" name="Imagen 18">
@@ -3886,441 +4034,1231 @@
           <a:chExt cx="0" cy="0"/>
         </a:xfrm>
       </p:grpSpPr>
+      <p:sp>
+        <p:nvSpPr>
+          <p:cNvPr id="32" name="Rectángulo 31">
+            <a:extLst>
+              <a:ext uri="{FF2B5EF4-FFF2-40B4-BE49-F238E27FC236}">
+                <a16:creationId xmlns:a16="http://schemas.microsoft.com/office/drawing/2014/main" id="{7FF0EF33-FA05-2C12-E961-2D9A3BCE3C90}"/>
+              </a:ext>
+            </a:extLst>
+          </p:cNvPr>
+          <p:cNvSpPr/>
+          <p:nvPr/>
+        </p:nvSpPr>
+        <p:spPr>
+          <a:xfrm>
+            <a:off x="7276496" y="3157268"/>
+            <a:ext cx="1483743" cy="1915064"/>
+          </a:xfrm>
+          <a:prstGeom prst="rect">
+            <a:avLst/>
+          </a:prstGeom>
+        </p:spPr>
+        <p:style>
+          <a:lnRef idx="2">
+            <a:schemeClr val="accent2"/>
+          </a:lnRef>
+          <a:fillRef idx="1">
+            <a:schemeClr val="lt1"/>
+          </a:fillRef>
+          <a:effectRef idx="0">
+            <a:schemeClr val="accent2"/>
+          </a:effectRef>
+          <a:fontRef idx="minor">
+            <a:schemeClr val="dk1"/>
+          </a:fontRef>
+        </p:style>
+        <p:txBody>
+          <a:bodyPr rtlCol="0" anchor="ctr"/>
+          <a:lstStyle/>
+          <a:p>
+            <a:pPr algn="ctr"/>
+            <a:r>
+              <a:rPr lang="es-ES" dirty="0"/>
+              <a:t>ASTERBCN</a:t>
+            </a:r>
+          </a:p>
+          <a:p>
+            <a:pPr algn="ctr"/>
+            <a:endParaRPr lang="es-ES" dirty="0"/>
+          </a:p>
+          <a:p>
+            <a:pPr algn="ctr"/>
+            <a:r>
+              <a:rPr lang="es-ES" dirty="0" err="1"/>
+              <a:t>Pàginas</a:t>
+            </a:r>
+            <a:r>
+              <a:rPr lang="es-ES" dirty="0"/>
+              <a:t>  HTML</a:t>
+            </a:r>
+          </a:p>
+        </p:txBody>
+      </p:sp>
+      <p:sp>
+        <p:nvSpPr>
+          <p:cNvPr id="2" name="Rectángulo 1">
+            <a:extLst>
+              <a:ext uri="{FF2B5EF4-FFF2-40B4-BE49-F238E27FC236}">
+                <a16:creationId xmlns:a16="http://schemas.microsoft.com/office/drawing/2014/main" id="{8D30AF73-3033-0195-BBBE-42D1AA346764}"/>
+              </a:ext>
+            </a:extLst>
+          </p:cNvPr>
+          <p:cNvSpPr/>
+          <p:nvPr/>
+        </p:nvSpPr>
+        <p:spPr>
+          <a:xfrm>
+            <a:off x="2742885" y="3157268"/>
+            <a:ext cx="1483743" cy="1915064"/>
+          </a:xfrm>
+          <a:prstGeom prst="rect">
+            <a:avLst/>
+          </a:prstGeom>
+        </p:spPr>
+        <p:style>
+          <a:lnRef idx="2">
+            <a:schemeClr val="accent2"/>
+          </a:lnRef>
+          <a:fillRef idx="1">
+            <a:schemeClr val="lt1"/>
+          </a:fillRef>
+          <a:effectRef idx="0">
+            <a:schemeClr val="accent2"/>
+          </a:effectRef>
+          <a:fontRef idx="minor">
+            <a:schemeClr val="dk1"/>
+          </a:fontRef>
+        </p:style>
+        <p:txBody>
+          <a:bodyPr rtlCol="0" anchor="ctr"/>
+          <a:lstStyle/>
+          <a:p>
+            <a:pPr algn="ctr"/>
+            <a:r>
+              <a:rPr lang="es-ES" dirty="0"/>
+              <a:t>GITHUB</a:t>
+            </a:r>
+          </a:p>
+          <a:p>
+            <a:pPr algn="ctr"/>
+            <a:endParaRPr lang="es-ES" dirty="0"/>
+          </a:p>
+          <a:p>
+            <a:pPr algn="ctr"/>
+            <a:r>
+              <a:rPr lang="es-ES" dirty="0"/>
+              <a:t>Dades</a:t>
+            </a:r>
+          </a:p>
+          <a:p>
+            <a:pPr algn="ctr"/>
+            <a:r>
+              <a:rPr lang="es-ES" dirty="0"/>
+              <a:t>(JSON)</a:t>
+            </a:r>
+          </a:p>
+        </p:txBody>
+      </p:sp>
+      <p:sp>
+        <p:nvSpPr>
+          <p:cNvPr id="4" name="CuadroTexto 3">
+            <a:extLst>
+              <a:ext uri="{FF2B5EF4-FFF2-40B4-BE49-F238E27FC236}">
+                <a16:creationId xmlns:a16="http://schemas.microsoft.com/office/drawing/2014/main" id="{E85E7AFB-170F-FF13-69D3-D15A4AD6D178}"/>
+              </a:ext>
+            </a:extLst>
+          </p:cNvPr>
+          <p:cNvSpPr txBox="1"/>
+          <p:nvPr/>
+        </p:nvSpPr>
+        <p:spPr>
+          <a:xfrm>
+            <a:off x="2429098" y="2579623"/>
+            <a:ext cx="2111315" cy="600164"/>
+          </a:xfrm>
+          <a:prstGeom prst="rect">
+            <a:avLst/>
+          </a:prstGeom>
+          <a:noFill/>
+        </p:spPr>
+        <p:txBody>
+          <a:bodyPr wrap="square">
+            <a:spAutoFit/>
+          </a:bodyPr>
+          <a:lstStyle/>
+          <a:p>
+            <a:pPr algn="ctr"/>
+            <a:r>
+              <a:rPr lang="es-ES" sz="1100" dirty="0">
+                <a:hlinkClick r:id="rId2"/>
+              </a:rPr>
+              <a:t>despatx4@aster.cat</a:t>
+            </a:r>
+          </a:p>
+          <a:p>
+            <a:pPr algn="ctr"/>
+            <a:r>
+              <a:rPr lang="es-ES" sz="1100" dirty="0">
+                <a:hlinkClick r:id="rId2"/>
+              </a:rPr>
+              <a:t>https://github.com/AsterBCN/repository/edit/main/db.json</a:t>
+            </a:r>
+            <a:endParaRPr lang="es-ES" sz="1100" dirty="0"/>
+          </a:p>
+        </p:txBody>
+      </p:sp>
+      <p:sp>
+        <p:nvSpPr>
+          <p:cNvPr id="5" name="Rectángulo 4">
+            <a:extLst>
+              <a:ext uri="{FF2B5EF4-FFF2-40B4-BE49-F238E27FC236}">
+                <a16:creationId xmlns:a16="http://schemas.microsoft.com/office/drawing/2014/main" id="{6087D08B-E653-C4ED-779D-A08C07C9FF58}"/>
+              </a:ext>
+            </a:extLst>
+          </p:cNvPr>
+          <p:cNvSpPr/>
+          <p:nvPr/>
+        </p:nvSpPr>
+        <p:spPr>
+          <a:xfrm>
+            <a:off x="5081488" y="3157268"/>
+            <a:ext cx="1483743" cy="1915064"/>
+          </a:xfrm>
+          <a:prstGeom prst="rect">
+            <a:avLst/>
+          </a:prstGeom>
+        </p:spPr>
+        <p:style>
+          <a:lnRef idx="2">
+            <a:schemeClr val="accent2"/>
+          </a:lnRef>
+          <a:fillRef idx="1">
+            <a:schemeClr val="lt1"/>
+          </a:fillRef>
+          <a:effectRef idx="0">
+            <a:schemeClr val="accent2"/>
+          </a:effectRef>
+          <a:fontRef idx="minor">
+            <a:schemeClr val="dk1"/>
+          </a:fontRef>
+        </p:style>
+        <p:txBody>
+          <a:bodyPr rtlCol="0" anchor="ctr"/>
+          <a:lstStyle/>
+          <a:p>
+            <a:pPr algn="ctr"/>
+            <a:r>
+              <a:rPr lang="es-ES" dirty="0"/>
+              <a:t>GITHUB</a:t>
+            </a:r>
+          </a:p>
+          <a:p>
+            <a:pPr algn="ctr"/>
+            <a:endParaRPr lang="es-ES" dirty="0"/>
+          </a:p>
+          <a:p>
+            <a:pPr algn="ctr"/>
+            <a:r>
+              <a:rPr lang="es-ES" dirty="0" err="1"/>
+              <a:t>Pàginas</a:t>
+            </a:r>
+            <a:r>
+              <a:rPr lang="es-ES" dirty="0"/>
+              <a:t>  HTML</a:t>
+            </a:r>
+          </a:p>
+        </p:txBody>
+      </p:sp>
+      <p:sp>
+        <p:nvSpPr>
+          <p:cNvPr id="6" name="CuadroTexto 5">
+            <a:extLst>
+              <a:ext uri="{FF2B5EF4-FFF2-40B4-BE49-F238E27FC236}">
+                <a16:creationId xmlns:a16="http://schemas.microsoft.com/office/drawing/2014/main" id="{38711305-3382-134C-734D-26D2B85F71B1}"/>
+              </a:ext>
+            </a:extLst>
+          </p:cNvPr>
+          <p:cNvSpPr txBox="1"/>
+          <p:nvPr/>
+        </p:nvSpPr>
+        <p:spPr>
+          <a:xfrm>
+            <a:off x="4786551" y="2579623"/>
+            <a:ext cx="2111315" cy="600164"/>
+          </a:xfrm>
+          <a:prstGeom prst="rect">
+            <a:avLst/>
+          </a:prstGeom>
+          <a:noFill/>
+        </p:spPr>
+        <p:txBody>
+          <a:bodyPr wrap="square">
+            <a:spAutoFit/>
+          </a:bodyPr>
+          <a:lstStyle/>
+          <a:p>
+            <a:pPr algn="ctr"/>
+            <a:r>
+              <a:rPr lang="es-ES" sz="1100" dirty="0">
+                <a:hlinkClick r:id="rId2"/>
+              </a:rPr>
+              <a:t>despatx4@aster.cat</a:t>
+            </a:r>
+          </a:p>
+          <a:p>
+            <a:pPr algn="ctr"/>
+            <a:r>
+              <a:rPr lang="es-ES" sz="1100" dirty="0">
+                <a:hlinkClick r:id="rId2"/>
+              </a:rPr>
+              <a:t>https://github.com/AsterBCN/repository/edit/main/db.json</a:t>
+            </a:r>
+            <a:endParaRPr lang="es-ES" sz="1100" dirty="0"/>
+          </a:p>
+        </p:txBody>
+      </p:sp>
+      <p:sp>
+        <p:nvSpPr>
+          <p:cNvPr id="7" name="Rectángulo 6">
+            <a:extLst>
+              <a:ext uri="{FF2B5EF4-FFF2-40B4-BE49-F238E27FC236}">
+                <a16:creationId xmlns:a16="http://schemas.microsoft.com/office/drawing/2014/main" id="{AE71B09C-39ED-6EB8-A5EA-24C2215DAC5F}"/>
+              </a:ext>
+            </a:extLst>
+          </p:cNvPr>
+          <p:cNvSpPr/>
+          <p:nvPr/>
+        </p:nvSpPr>
+        <p:spPr>
+          <a:xfrm>
+            <a:off x="9632635" y="3157268"/>
+            <a:ext cx="1483743" cy="1915064"/>
+          </a:xfrm>
+          <a:prstGeom prst="rect">
+            <a:avLst/>
+          </a:prstGeom>
+        </p:spPr>
+        <p:style>
+          <a:lnRef idx="2">
+            <a:schemeClr val="accent2"/>
+          </a:lnRef>
+          <a:fillRef idx="1">
+            <a:schemeClr val="lt1"/>
+          </a:fillRef>
+          <a:effectRef idx="0">
+            <a:schemeClr val="accent2"/>
+          </a:effectRef>
+          <a:fontRef idx="minor">
+            <a:schemeClr val="dk1"/>
+          </a:fontRef>
+        </p:style>
+        <p:txBody>
+          <a:bodyPr rtlCol="0" anchor="ctr"/>
+          <a:lstStyle/>
+          <a:p>
+            <a:pPr algn="ctr"/>
+            <a:r>
+              <a:rPr lang="es-ES" dirty="0" err="1"/>
+              <a:t>MailChim</a:t>
+            </a:r>
+            <a:endParaRPr lang="es-ES" dirty="0"/>
+          </a:p>
+          <a:p>
+            <a:pPr algn="ctr"/>
+            <a:endParaRPr lang="es-ES" dirty="0"/>
+          </a:p>
+          <a:p>
+            <a:pPr algn="ctr"/>
+            <a:r>
+              <a:rPr lang="es-ES" b="0" i="0" dirty="0">
+                <a:solidFill>
+                  <a:srgbClr val="3C4043"/>
+                </a:solidFill>
+                <a:effectLst/>
+                <a:latin typeface="Roboto" panose="02000000000000000000" pitchFamily="2" charset="0"/>
+              </a:rPr>
+              <a:t>HTML-</a:t>
+            </a:r>
+            <a:r>
+              <a:rPr lang="es-ES" b="0" i="0" dirty="0" err="1">
+                <a:solidFill>
+                  <a:srgbClr val="3C4043"/>
+                </a:solidFill>
+                <a:effectLst/>
+                <a:latin typeface="Roboto" panose="02000000000000000000" pitchFamily="2" charset="0"/>
+              </a:rPr>
+              <a:t>correu</a:t>
+            </a:r>
+            <a:endParaRPr lang="es-ES" dirty="0"/>
+          </a:p>
+        </p:txBody>
+      </p:sp>
+      <p:sp>
+        <p:nvSpPr>
+          <p:cNvPr id="8" name="CuadroTexto 7">
+            <a:extLst>
+              <a:ext uri="{FF2B5EF4-FFF2-40B4-BE49-F238E27FC236}">
+                <a16:creationId xmlns:a16="http://schemas.microsoft.com/office/drawing/2014/main" id="{A35E36BF-A4AB-856A-D452-2E58CB91E917}"/>
+              </a:ext>
+            </a:extLst>
+          </p:cNvPr>
+          <p:cNvSpPr txBox="1"/>
+          <p:nvPr/>
+        </p:nvSpPr>
+        <p:spPr>
+          <a:xfrm>
+            <a:off x="9318848" y="2579623"/>
+            <a:ext cx="2111315" cy="600164"/>
+          </a:xfrm>
+          <a:prstGeom prst="rect">
+            <a:avLst/>
+          </a:prstGeom>
+          <a:noFill/>
+        </p:spPr>
+        <p:txBody>
+          <a:bodyPr wrap="square">
+            <a:spAutoFit/>
+          </a:bodyPr>
+          <a:lstStyle/>
+          <a:p>
+            <a:pPr algn="ctr"/>
+            <a:r>
+              <a:rPr lang="es-ES" sz="1100" dirty="0">
+                <a:hlinkClick r:id="rId2"/>
+              </a:rPr>
+              <a:t>despatx4@aster.cat</a:t>
+            </a:r>
+          </a:p>
+          <a:p>
+            <a:pPr algn="ctr"/>
+            <a:r>
+              <a:rPr lang="es-ES" sz="1100" dirty="0">
+                <a:hlinkClick r:id="rId2"/>
+              </a:rPr>
+              <a:t>https://github.com/AsterBCN/repository/edit/main/db.json</a:t>
+            </a:r>
+            <a:endParaRPr lang="es-ES" sz="1100" dirty="0"/>
+          </a:p>
+        </p:txBody>
+      </p:sp>
+      <p:sp>
+        <p:nvSpPr>
+          <p:cNvPr id="9" name="CuadroTexto 8">
+            <a:extLst>
+              <a:ext uri="{FF2B5EF4-FFF2-40B4-BE49-F238E27FC236}">
+                <a16:creationId xmlns:a16="http://schemas.microsoft.com/office/drawing/2014/main" id="{88B7ECDE-DF1C-89D6-448D-40F71DB42344}"/>
+              </a:ext>
+            </a:extLst>
+          </p:cNvPr>
+          <p:cNvSpPr txBox="1"/>
+          <p:nvPr/>
+        </p:nvSpPr>
+        <p:spPr>
+          <a:xfrm>
+            <a:off x="2596237" y="1199072"/>
+            <a:ext cx="1716657" cy="923330"/>
+          </a:xfrm>
+          <a:prstGeom prst="rect">
+            <a:avLst/>
+          </a:prstGeom>
+          <a:noFill/>
+        </p:spPr>
+        <p:txBody>
+          <a:bodyPr wrap="square" rtlCol="0">
+            <a:spAutoFit/>
+          </a:bodyPr>
+          <a:lstStyle/>
+          <a:p>
+            <a:pPr algn="ctr"/>
+            <a:r>
+              <a:rPr lang="es-ES" dirty="0"/>
+              <a:t>Inserir el </a:t>
+            </a:r>
+            <a:r>
+              <a:rPr lang="es-ES" dirty="0" err="1"/>
+              <a:t>contingut</a:t>
+            </a:r>
+            <a:r>
+              <a:rPr lang="es-ES" dirty="0"/>
+              <a:t> del </a:t>
+            </a:r>
+            <a:r>
+              <a:rPr lang="es-ES" dirty="0" err="1"/>
+              <a:t>newsletter</a:t>
+            </a:r>
+            <a:endParaRPr lang="es-ES" dirty="0"/>
+          </a:p>
+        </p:txBody>
+      </p:sp>
+      <p:sp>
+        <p:nvSpPr>
+          <p:cNvPr id="10" name="CuadroTexto 9">
+            <a:extLst>
+              <a:ext uri="{FF2B5EF4-FFF2-40B4-BE49-F238E27FC236}">
+                <a16:creationId xmlns:a16="http://schemas.microsoft.com/office/drawing/2014/main" id="{8B805E47-29F9-8EF0-8F9C-FE7EDA9C5A17}"/>
+              </a:ext>
+            </a:extLst>
+          </p:cNvPr>
+          <p:cNvSpPr txBox="1"/>
+          <p:nvPr/>
+        </p:nvSpPr>
+        <p:spPr>
+          <a:xfrm>
+            <a:off x="4965029" y="1225255"/>
+            <a:ext cx="1716657" cy="923330"/>
+          </a:xfrm>
+          <a:prstGeom prst="rect">
+            <a:avLst/>
+          </a:prstGeom>
+          <a:noFill/>
+        </p:spPr>
+        <p:txBody>
+          <a:bodyPr wrap="square" rtlCol="0">
+            <a:spAutoFit/>
+          </a:bodyPr>
+          <a:lstStyle/>
+          <a:p>
+            <a:pPr algn="ctr"/>
+            <a:r>
+              <a:rPr lang="es-ES" dirty="0" err="1"/>
+              <a:t>Reconstrucció</a:t>
+            </a:r>
+            <a:r>
+              <a:rPr lang="es-ES" dirty="0"/>
+              <a:t> de les </a:t>
+            </a:r>
+            <a:r>
+              <a:rPr lang="es-ES" dirty="0" err="1"/>
+              <a:t>pàgines</a:t>
+            </a:r>
+            <a:r>
+              <a:rPr lang="es-ES" dirty="0"/>
+              <a:t> HTML</a:t>
+            </a:r>
+          </a:p>
+        </p:txBody>
+      </p:sp>
+      <p:sp>
+        <p:nvSpPr>
+          <p:cNvPr id="11" name="CuadroTexto 10">
+            <a:extLst>
+              <a:ext uri="{FF2B5EF4-FFF2-40B4-BE49-F238E27FC236}">
+                <a16:creationId xmlns:a16="http://schemas.microsoft.com/office/drawing/2014/main" id="{DCBDBCC7-A665-1170-E3E3-4ADA33396647}"/>
+              </a:ext>
+            </a:extLst>
+          </p:cNvPr>
+          <p:cNvSpPr txBox="1"/>
+          <p:nvPr/>
+        </p:nvSpPr>
+        <p:spPr>
+          <a:xfrm>
+            <a:off x="9516176" y="1199072"/>
+            <a:ext cx="1716657" cy="1200329"/>
+          </a:xfrm>
+          <a:prstGeom prst="rect">
+            <a:avLst/>
+          </a:prstGeom>
+          <a:noFill/>
+        </p:spPr>
+        <p:txBody>
+          <a:bodyPr wrap="square" rtlCol="0">
+            <a:spAutoFit/>
+          </a:bodyPr>
+          <a:lstStyle/>
+          <a:p>
+            <a:pPr algn="ctr"/>
+            <a:r>
+              <a:rPr lang="es-ES" dirty="0" err="1"/>
+              <a:t>Fusió</a:t>
+            </a:r>
+            <a:r>
+              <a:rPr lang="es-ES" dirty="0"/>
+              <a:t> de </a:t>
+            </a:r>
+            <a:r>
+              <a:rPr lang="es-ES" dirty="0" err="1"/>
+              <a:t>l'HTML</a:t>
+            </a:r>
+            <a:r>
+              <a:rPr lang="es-ES" dirty="0"/>
+              <a:t> </a:t>
+            </a:r>
+            <a:r>
+              <a:rPr lang="es-ES" dirty="0" err="1"/>
+              <a:t>amb</a:t>
+            </a:r>
+            <a:r>
+              <a:rPr lang="es-ES" dirty="0"/>
+              <a:t> </a:t>
+            </a:r>
+            <a:r>
+              <a:rPr lang="es-ES" dirty="0" err="1"/>
+              <a:t>els</a:t>
+            </a:r>
+            <a:r>
+              <a:rPr lang="es-ES" dirty="0"/>
+              <a:t> </a:t>
+            </a:r>
+            <a:r>
+              <a:rPr lang="es-ES" dirty="0" err="1"/>
+              <a:t>destinataris</a:t>
+            </a:r>
+            <a:r>
+              <a:rPr lang="es-ES" dirty="0"/>
+              <a:t> de </a:t>
+            </a:r>
+            <a:r>
+              <a:rPr lang="es-ES" dirty="0" err="1"/>
+              <a:t>correu</a:t>
+            </a:r>
+            <a:endParaRPr lang="es-ES" dirty="0"/>
+          </a:p>
+        </p:txBody>
+      </p:sp>
+      <p:sp>
+        <p:nvSpPr>
+          <p:cNvPr id="12" name="CuadroTexto 11">
+            <a:extLst>
+              <a:ext uri="{FF2B5EF4-FFF2-40B4-BE49-F238E27FC236}">
+                <a16:creationId xmlns:a16="http://schemas.microsoft.com/office/drawing/2014/main" id="{ED2AF1F1-5B22-6843-4025-9426012A564D}"/>
+              </a:ext>
+            </a:extLst>
+          </p:cNvPr>
+          <p:cNvSpPr txBox="1"/>
+          <p:nvPr/>
+        </p:nvSpPr>
+        <p:spPr>
+          <a:xfrm>
+            <a:off x="167089" y="1563960"/>
+            <a:ext cx="1971935" cy="2031325"/>
+          </a:xfrm>
+          <a:prstGeom prst="rect">
+            <a:avLst/>
+          </a:prstGeom>
+          <a:noFill/>
+          <a:ln>
+            <a:solidFill>
+              <a:schemeClr val="accent1"/>
+            </a:solidFill>
+          </a:ln>
+        </p:spPr>
+        <p:txBody>
+          <a:bodyPr wrap="square" rtlCol="0">
+            <a:spAutoFit/>
+          </a:bodyPr>
+          <a:lstStyle/>
+          <a:p>
+            <a:pPr algn="ctr"/>
+            <a:r>
+              <a:rPr lang="es-ES" dirty="0"/>
+              <a:t>Recopilación de noticias, comunicados, …</a:t>
+            </a:r>
+          </a:p>
+          <a:p>
+            <a:pPr algn="ctr"/>
+            <a:endParaRPr lang="es-ES" dirty="0"/>
+          </a:p>
+          <a:p>
+            <a:pPr algn="ctr"/>
+            <a:r>
+              <a:rPr lang="es-ES" dirty="0"/>
+              <a:t>Diseño estético y estratégico de presentación</a:t>
+            </a:r>
+          </a:p>
+        </p:txBody>
+      </p:sp>
       <p:pic>
         <p:nvPicPr>
-          <p:cNvPr id="5" name="Imagen 4">
-            <a:extLst>
-              <a:ext uri="{FF2B5EF4-FFF2-40B4-BE49-F238E27FC236}">
-                <a16:creationId xmlns:a16="http://schemas.microsoft.com/office/drawing/2014/main" id="{FD674CAB-7AA8-17C6-B6C2-B79BDD315760}"/>
+          <p:cNvPr id="1026" name="Picture 2" descr="Microsoft office excel - Iconos Social Media y Logos">
+            <a:extLst>
+              <a:ext uri="{FF2B5EF4-FFF2-40B4-BE49-F238E27FC236}">
+                <a16:creationId xmlns:a16="http://schemas.microsoft.com/office/drawing/2014/main" id="{6541C5F0-FA8D-0E3F-821F-2159547436C3}"/>
               </a:ext>
             </a:extLst>
           </p:cNvPr>
           <p:cNvPicPr>
-            <a:picLocks noChangeAspect="1"/>
+            <a:picLocks noChangeAspect="1" noChangeArrowheads="1"/>
           </p:cNvPicPr>
           <p:nvPr/>
         </p:nvPicPr>
         <p:blipFill>
-          <a:blip r:embed="rId2"/>
+          <a:blip r:embed="rId3">
+            <a:extLst>
+              <a:ext uri="{28A0092B-C50C-407E-A947-70E740481C1C}">
+                <a14:useLocalDpi xmlns:a14="http://schemas.microsoft.com/office/drawing/2010/main" val="0"/>
+              </a:ext>
+            </a:extLst>
+          </a:blip>
+          <a:srcRect/>
           <a:stretch>
             <a:fillRect/>
           </a:stretch>
         </p:blipFill>
-        <p:spPr>
+        <p:spPr bwMode="auto">
           <a:xfrm>
-            <a:off x="445374" y="801273"/>
-            <a:ext cx="4836085" cy="5594808"/>
+            <a:off x="657503" y="5072332"/>
+            <a:ext cx="1299238" cy="1299238"/>
           </a:xfrm>
           <a:prstGeom prst="rect">
             <a:avLst/>
           </a:prstGeom>
+          <a:noFill/>
+          <a:extLst>
+            <a:ext uri="{909E8E84-426E-40DD-AFC4-6F175D3DCCD1}">
+              <a14:hiddenFill xmlns:a14="http://schemas.microsoft.com/office/drawing/2010/main">
+                <a:solidFill>
+                  <a:srgbClr val="FFFFFF"/>
+                </a:solidFill>
+              </a14:hiddenFill>
+            </a:ext>
+          </a:extLst>
         </p:spPr>
       </p:pic>
+      <p:sp>
+        <p:nvSpPr>
+          <p:cNvPr id="13" name="Flecha: hacia abajo 12">
+            <a:extLst>
+              <a:ext uri="{FF2B5EF4-FFF2-40B4-BE49-F238E27FC236}">
+                <a16:creationId xmlns:a16="http://schemas.microsoft.com/office/drawing/2014/main" id="{B79AEAD5-81AD-990F-B32D-FA976A8DDBA1}"/>
+              </a:ext>
+            </a:extLst>
+          </p:cNvPr>
+          <p:cNvSpPr/>
+          <p:nvPr/>
+        </p:nvSpPr>
+        <p:spPr>
+          <a:xfrm>
+            <a:off x="880322" y="3921551"/>
+            <a:ext cx="671961" cy="942703"/>
+          </a:xfrm>
+          <a:prstGeom prst="downArrow">
+            <a:avLst/>
+          </a:prstGeom>
+        </p:spPr>
+        <p:style>
+          <a:lnRef idx="2">
+            <a:schemeClr val="accent1">
+              <a:shade val="15000"/>
+            </a:schemeClr>
+          </a:lnRef>
+          <a:fillRef idx="1">
+            <a:schemeClr val="accent1"/>
+          </a:fillRef>
+          <a:effectRef idx="0">
+            <a:schemeClr val="accent1"/>
+          </a:effectRef>
+          <a:fontRef idx="minor">
+            <a:schemeClr val="lt1"/>
+          </a:fontRef>
+        </p:style>
+        <p:txBody>
+          <a:bodyPr rtlCol="0" anchor="ctr"/>
+          <a:lstStyle/>
+          <a:p>
+            <a:pPr algn="ctr"/>
+            <a:endParaRPr lang="es-ES"/>
+          </a:p>
+        </p:txBody>
+      </p:sp>
+      <p:sp>
+        <p:nvSpPr>
+          <p:cNvPr id="14" name="Flecha: a la derecha 13">
+            <a:extLst>
+              <a:ext uri="{FF2B5EF4-FFF2-40B4-BE49-F238E27FC236}">
+                <a16:creationId xmlns:a16="http://schemas.microsoft.com/office/drawing/2014/main" id="{568FFF1C-77E9-7A2C-2C78-CBE552B29AF2}"/>
+              </a:ext>
+            </a:extLst>
+          </p:cNvPr>
+          <p:cNvSpPr/>
+          <p:nvPr/>
+        </p:nvSpPr>
+        <p:spPr>
+          <a:xfrm>
+            <a:off x="2284345" y="5519275"/>
+            <a:ext cx="492433" cy="405352"/>
+          </a:xfrm>
+          <a:prstGeom prst="rightArrow">
+            <a:avLst/>
+          </a:prstGeom>
+        </p:spPr>
+        <p:style>
+          <a:lnRef idx="2">
+            <a:schemeClr val="accent1">
+              <a:shade val="15000"/>
+            </a:schemeClr>
+          </a:lnRef>
+          <a:fillRef idx="1">
+            <a:schemeClr val="accent1"/>
+          </a:fillRef>
+          <a:effectRef idx="0">
+            <a:schemeClr val="accent1"/>
+          </a:effectRef>
+          <a:fontRef idx="minor">
+            <a:schemeClr val="lt1"/>
+          </a:fontRef>
+        </p:style>
+        <p:txBody>
+          <a:bodyPr rtlCol="0" anchor="ctr"/>
+          <a:lstStyle/>
+          <a:p>
+            <a:pPr algn="ctr"/>
+            <a:endParaRPr lang="es-ES"/>
+          </a:p>
+        </p:txBody>
+      </p:sp>
       <p:pic>
         <p:nvPicPr>
-          <p:cNvPr id="7" name="Imagen 6">
-            <a:extLst>
-              <a:ext uri="{FF2B5EF4-FFF2-40B4-BE49-F238E27FC236}">
-                <a16:creationId xmlns:a16="http://schemas.microsoft.com/office/drawing/2014/main" id="{BDB4286E-B9E8-B0D1-58A2-B66025255F5A}"/>
+          <p:cNvPr id="1034" name="Picture 10" descr="Programador de iconos de computadora, dtp, ángulo, mueble, computadora png  | PNGWing">
+            <a:extLst>
+              <a:ext uri="{FF2B5EF4-FFF2-40B4-BE49-F238E27FC236}">
+                <a16:creationId xmlns:a16="http://schemas.microsoft.com/office/drawing/2014/main" id="{12606F09-B816-1D41-B84D-98C9E13C3E9C}"/>
               </a:ext>
             </a:extLst>
           </p:cNvPr>
           <p:cNvPicPr>
-            <a:picLocks noChangeAspect="1"/>
+            <a:picLocks noChangeAspect="1" noChangeArrowheads="1"/>
           </p:cNvPicPr>
           <p:nvPr/>
         </p:nvPicPr>
         <p:blipFill>
-          <a:blip r:embed="rId3"/>
+          <a:blip r:embed="rId4">
+            <a:extLst>
+              <a:ext uri="{28A0092B-C50C-407E-A947-70E740481C1C}">
+                <a14:useLocalDpi xmlns:a14="http://schemas.microsoft.com/office/drawing/2010/main" val="0"/>
+              </a:ext>
+            </a:extLst>
+          </a:blip>
+          <a:srcRect/>
           <a:stretch>
             <a:fillRect/>
           </a:stretch>
         </p:blipFill>
-        <p:spPr>
+        <p:spPr bwMode="auto">
           <a:xfrm>
-            <a:off x="6247269" y="904967"/>
-            <a:ext cx="5671354" cy="5660796"/>
-          </a:xfrm>
-          <a:prstGeom prst="rect">
-            <a:avLst/>
-          </a:prstGeom>
-        </p:spPr>
-      </p:pic>
-      <p:cxnSp>
-        <p:nvCxnSpPr>
-          <p:cNvPr id="9" name="Conector recto de flecha 8">
-            <a:extLst>
-              <a:ext uri="{FF2B5EF4-FFF2-40B4-BE49-F238E27FC236}">
-                <a16:creationId xmlns:a16="http://schemas.microsoft.com/office/drawing/2014/main" id="{97FF4BD7-FB4B-1D2A-ACCE-BE149B04F850}"/>
-              </a:ext>
-            </a:extLst>
-          </p:cNvPr>
-          <p:cNvCxnSpPr>
-            <a:cxnSpLocks/>
-          </p:cNvCxnSpPr>
-          <p:nvPr/>
-        </p:nvCxnSpPr>
-        <p:spPr>
-          <a:xfrm flipH="1">
-            <a:off x="3553905" y="2537227"/>
-            <a:ext cx="3356638" cy="215394"/>
-          </a:xfrm>
-          <a:prstGeom prst="straightConnector1">
-            <a:avLst/>
-          </a:prstGeom>
-          <a:ln>
-            <a:solidFill>
-              <a:srgbClr val="FF0000"/>
-            </a:solidFill>
-            <a:tailEnd type="triangle"/>
-          </a:ln>
-        </p:spPr>
-        <p:style>
-          <a:lnRef idx="3">
-            <a:schemeClr val="accent2"/>
-          </a:lnRef>
-          <a:fillRef idx="0">
-            <a:schemeClr val="accent2"/>
-          </a:fillRef>
-          <a:effectRef idx="2">
-            <a:schemeClr val="accent2"/>
-          </a:effectRef>
-          <a:fontRef idx="minor">
-            <a:schemeClr val="tx1"/>
-          </a:fontRef>
-        </p:style>
-      </p:cxnSp>
-      <p:cxnSp>
-        <p:nvCxnSpPr>
-          <p:cNvPr id="11" name="Conector recto de flecha 10">
-            <a:extLst>
-              <a:ext uri="{FF2B5EF4-FFF2-40B4-BE49-F238E27FC236}">
-                <a16:creationId xmlns:a16="http://schemas.microsoft.com/office/drawing/2014/main" id="{7154EA90-6D0E-778E-80F5-E26858D5DC0E}"/>
-              </a:ext>
-            </a:extLst>
-          </p:cNvPr>
-          <p:cNvCxnSpPr>
-            <a:cxnSpLocks/>
-          </p:cNvCxnSpPr>
-          <p:nvPr/>
-        </p:nvCxnSpPr>
-        <p:spPr>
-          <a:xfrm flipH="1">
-            <a:off x="3553905" y="2709222"/>
-            <a:ext cx="3356638" cy="215394"/>
-          </a:xfrm>
-          <a:prstGeom prst="straightConnector1">
-            <a:avLst/>
-          </a:prstGeom>
-          <a:ln>
-            <a:solidFill>
-              <a:srgbClr val="FF0000"/>
-            </a:solidFill>
-            <a:tailEnd type="triangle"/>
-          </a:ln>
-        </p:spPr>
-        <p:style>
-          <a:lnRef idx="3">
-            <a:schemeClr val="accent2"/>
-          </a:lnRef>
-          <a:fillRef idx="0">
-            <a:schemeClr val="accent2"/>
-          </a:fillRef>
-          <a:effectRef idx="2">
-            <a:schemeClr val="accent2"/>
-          </a:effectRef>
-          <a:fontRef idx="minor">
-            <a:schemeClr val="tx1"/>
-          </a:fontRef>
-        </p:style>
-      </p:cxnSp>
-      <p:cxnSp>
-        <p:nvCxnSpPr>
-          <p:cNvPr id="12" name="Conector recto de flecha 11">
-            <a:extLst>
-              <a:ext uri="{FF2B5EF4-FFF2-40B4-BE49-F238E27FC236}">
-                <a16:creationId xmlns:a16="http://schemas.microsoft.com/office/drawing/2014/main" id="{FF32274F-D37C-4EFB-4A82-8FE0F7925E36}"/>
-              </a:ext>
-            </a:extLst>
-          </p:cNvPr>
-          <p:cNvCxnSpPr>
-            <a:cxnSpLocks/>
-          </p:cNvCxnSpPr>
-          <p:nvPr/>
-        </p:nvCxnSpPr>
-        <p:spPr>
-          <a:xfrm flipH="1">
-            <a:off x="3553905" y="3096611"/>
-            <a:ext cx="3614646" cy="252300"/>
-          </a:xfrm>
-          <a:prstGeom prst="straightConnector1">
-            <a:avLst/>
-          </a:prstGeom>
-          <a:ln>
-            <a:tailEnd type="triangle"/>
-          </a:ln>
-        </p:spPr>
-        <p:style>
-          <a:lnRef idx="3">
-            <a:schemeClr val="accent2"/>
-          </a:lnRef>
-          <a:fillRef idx="0">
-            <a:schemeClr val="accent2"/>
-          </a:fillRef>
-          <a:effectRef idx="2">
-            <a:schemeClr val="accent2"/>
-          </a:effectRef>
-          <a:fontRef idx="minor">
-            <a:schemeClr val="tx1"/>
-          </a:fontRef>
-        </p:style>
-      </p:cxnSp>
-      <p:cxnSp>
-        <p:nvCxnSpPr>
-          <p:cNvPr id="15" name="Conector recto de flecha 14">
-            <a:extLst>
-              <a:ext uri="{FF2B5EF4-FFF2-40B4-BE49-F238E27FC236}">
-                <a16:creationId xmlns:a16="http://schemas.microsoft.com/office/drawing/2014/main" id="{0623A7E2-5695-F318-5B7E-7EE9FA0E2C0F}"/>
-              </a:ext>
-            </a:extLst>
-          </p:cNvPr>
-          <p:cNvCxnSpPr>
-            <a:cxnSpLocks/>
-          </p:cNvCxnSpPr>
-          <p:nvPr/>
-        </p:nvCxnSpPr>
-        <p:spPr>
-          <a:xfrm flipH="1">
-            <a:off x="3076577" y="3226674"/>
-            <a:ext cx="4091974" cy="555959"/>
-          </a:xfrm>
-          <a:prstGeom prst="straightConnector1">
-            <a:avLst/>
-          </a:prstGeom>
-          <a:ln>
-            <a:solidFill>
-              <a:schemeClr val="accent5">
-                <a:lumMod val="75000"/>
-              </a:schemeClr>
-            </a:solidFill>
-            <a:tailEnd type="triangle"/>
-          </a:ln>
-        </p:spPr>
-        <p:style>
-          <a:lnRef idx="3">
-            <a:schemeClr val="accent2"/>
-          </a:lnRef>
-          <a:fillRef idx="0">
-            <a:schemeClr val="accent2"/>
-          </a:fillRef>
-          <a:effectRef idx="2">
-            <a:schemeClr val="accent2"/>
-          </a:effectRef>
-          <a:fontRef idx="minor">
-            <a:schemeClr val="tx1"/>
-          </a:fontRef>
-        </p:style>
-      </p:cxnSp>
-      <p:cxnSp>
-        <p:nvCxnSpPr>
-          <p:cNvPr id="17" name="Conector recto de flecha 16">
-            <a:extLst>
-              <a:ext uri="{FF2B5EF4-FFF2-40B4-BE49-F238E27FC236}">
-                <a16:creationId xmlns:a16="http://schemas.microsoft.com/office/drawing/2014/main" id="{0A9F8307-61A7-0142-905C-2FB6AE45CB47}"/>
-              </a:ext>
-            </a:extLst>
-          </p:cNvPr>
-          <p:cNvCxnSpPr>
-            <a:cxnSpLocks/>
-          </p:cNvCxnSpPr>
-          <p:nvPr/>
-        </p:nvCxnSpPr>
-        <p:spPr>
-          <a:xfrm flipH="1">
-            <a:off x="4317476" y="3377977"/>
-            <a:ext cx="2861368" cy="1038584"/>
-          </a:xfrm>
-          <a:prstGeom prst="straightConnector1">
-            <a:avLst/>
-          </a:prstGeom>
-          <a:ln>
-            <a:tailEnd type="triangle"/>
-          </a:ln>
-        </p:spPr>
-        <p:style>
-          <a:lnRef idx="3">
-            <a:schemeClr val="accent2"/>
-          </a:lnRef>
-          <a:fillRef idx="0">
-            <a:schemeClr val="accent2"/>
-          </a:fillRef>
-          <a:effectRef idx="2">
-            <a:schemeClr val="accent2"/>
-          </a:effectRef>
-          <a:fontRef idx="minor">
-            <a:schemeClr val="tx1"/>
-          </a:fontRef>
-        </p:style>
-      </p:cxnSp>
-      <p:cxnSp>
-        <p:nvCxnSpPr>
-          <p:cNvPr id="19" name="Conector recto de flecha 18">
-            <a:extLst>
-              <a:ext uri="{FF2B5EF4-FFF2-40B4-BE49-F238E27FC236}">
-                <a16:creationId xmlns:a16="http://schemas.microsoft.com/office/drawing/2014/main" id="{420E4A36-8069-42E3-9E09-E1E61AC50EDA}"/>
-              </a:ext>
-            </a:extLst>
-          </p:cNvPr>
-          <p:cNvCxnSpPr>
-            <a:cxnSpLocks/>
-          </p:cNvCxnSpPr>
-          <p:nvPr/>
-        </p:nvCxnSpPr>
-        <p:spPr>
-          <a:xfrm flipH="1">
-            <a:off x="3076577" y="3528733"/>
-            <a:ext cx="4091974" cy="303058"/>
-          </a:xfrm>
-          <a:prstGeom prst="straightConnector1">
-            <a:avLst/>
-          </a:prstGeom>
-          <a:ln>
-            <a:solidFill>
-              <a:schemeClr val="accent6">
-                <a:lumMod val="75000"/>
-              </a:schemeClr>
-            </a:solidFill>
-            <a:tailEnd type="triangle"/>
-          </a:ln>
-        </p:spPr>
-        <p:style>
-          <a:lnRef idx="3">
-            <a:schemeClr val="accent2"/>
-          </a:lnRef>
-          <a:fillRef idx="0">
-            <a:schemeClr val="accent2"/>
-          </a:fillRef>
-          <a:effectRef idx="2">
-            <a:schemeClr val="accent2"/>
-          </a:effectRef>
-          <a:fontRef idx="minor">
-            <a:schemeClr val="tx1"/>
-          </a:fontRef>
-        </p:style>
-      </p:cxnSp>
-      <p:cxnSp>
-        <p:nvCxnSpPr>
-          <p:cNvPr id="27" name="Conector recto de flecha 26">
-            <a:extLst>
-              <a:ext uri="{FF2B5EF4-FFF2-40B4-BE49-F238E27FC236}">
-                <a16:creationId xmlns:a16="http://schemas.microsoft.com/office/drawing/2014/main" id="{2FEB00EA-45B8-D341-A4B0-291A63EA9E17}"/>
-              </a:ext>
-            </a:extLst>
-          </p:cNvPr>
-          <p:cNvCxnSpPr>
-            <a:cxnSpLocks/>
-          </p:cNvCxnSpPr>
-          <p:nvPr/>
-        </p:nvCxnSpPr>
-        <p:spPr>
-          <a:xfrm flipH="1">
-            <a:off x="4317476" y="3222761"/>
-            <a:ext cx="2830490" cy="1161455"/>
-          </a:xfrm>
-          <a:prstGeom prst="straightConnector1">
-            <a:avLst/>
-          </a:prstGeom>
-          <a:ln>
-            <a:solidFill>
-              <a:schemeClr val="accent5">
-                <a:lumMod val="75000"/>
-              </a:schemeClr>
-            </a:solidFill>
-            <a:tailEnd type="triangle"/>
-          </a:ln>
-        </p:spPr>
-        <p:style>
-          <a:lnRef idx="3">
-            <a:schemeClr val="accent2"/>
-          </a:lnRef>
-          <a:fillRef idx="0">
-            <a:schemeClr val="accent2"/>
-          </a:fillRef>
-          <a:effectRef idx="2">
-            <a:schemeClr val="accent2"/>
-          </a:effectRef>
-          <a:fontRef idx="minor">
-            <a:schemeClr val="tx1"/>
-          </a:fontRef>
-        </p:style>
-      </p:cxnSp>
-      <p:cxnSp>
-        <p:nvCxnSpPr>
-          <p:cNvPr id="28" name="Conector recto de flecha 27">
-            <a:extLst>
-              <a:ext uri="{FF2B5EF4-FFF2-40B4-BE49-F238E27FC236}">
-                <a16:creationId xmlns:a16="http://schemas.microsoft.com/office/drawing/2014/main" id="{C4055FC5-B6BB-8EA3-E1EC-BF303ABC62DA}"/>
-              </a:ext>
-            </a:extLst>
-          </p:cNvPr>
-          <p:cNvCxnSpPr>
-            <a:cxnSpLocks/>
-          </p:cNvCxnSpPr>
-          <p:nvPr/>
-        </p:nvCxnSpPr>
-        <p:spPr>
-          <a:xfrm flipH="1">
-            <a:off x="3076577" y="3650969"/>
-            <a:ext cx="4071389" cy="611011"/>
-          </a:xfrm>
-          <a:prstGeom prst="straightConnector1">
-            <a:avLst/>
-          </a:prstGeom>
-          <a:ln>
-            <a:solidFill>
-              <a:schemeClr val="accent2">
-                <a:lumMod val="50000"/>
-              </a:schemeClr>
-            </a:solidFill>
-            <a:tailEnd type="triangle"/>
-          </a:ln>
-        </p:spPr>
-        <p:style>
-          <a:lnRef idx="3">
-            <a:schemeClr val="accent2"/>
-          </a:lnRef>
-          <a:fillRef idx="0">
-            <a:schemeClr val="accent2"/>
-          </a:fillRef>
-          <a:effectRef idx="2">
-            <a:schemeClr val="accent2"/>
-          </a:effectRef>
-          <a:fontRef idx="minor">
-            <a:schemeClr val="tx1"/>
-          </a:fontRef>
-        </p:style>
-      </p:cxnSp>
-      <p:sp>
-        <p:nvSpPr>
-          <p:cNvPr id="41" name="CuadroTexto 40">
-            <a:extLst>
-              <a:ext uri="{FF2B5EF4-FFF2-40B4-BE49-F238E27FC236}">
-                <a16:creationId xmlns:a16="http://schemas.microsoft.com/office/drawing/2014/main" id="{F63253A6-F975-B891-51CD-2B36388BB11D}"/>
-              </a:ext>
-            </a:extLst>
-          </p:cNvPr>
-          <p:cNvSpPr txBox="1"/>
-          <p:nvPr/>
-        </p:nvSpPr>
-        <p:spPr>
-          <a:xfrm>
-            <a:off x="6703636" y="595623"/>
-            <a:ext cx="4347027" cy="276999"/>
+            <a:off x="2920476" y="5500302"/>
+            <a:ext cx="1128557" cy="784536"/>
           </a:xfrm>
           <a:prstGeom prst="rect">
             <a:avLst/>
           </a:prstGeom>
           <a:noFill/>
+          <a:extLst>
+            <a:ext uri="{909E8E84-426E-40DD-AFC4-6F175D3DCCD1}">
+              <a14:hiddenFill xmlns:a14="http://schemas.microsoft.com/office/drawing/2010/main">
+                <a:solidFill>
+                  <a:srgbClr val="FFFFFF"/>
+                </a:solidFill>
+              </a14:hiddenFill>
+            </a:ext>
+          </a:extLst>
+        </p:spPr>
+      </p:pic>
+      <p:sp>
+        <p:nvSpPr>
+          <p:cNvPr id="18" name="Flecha: hacia arriba 17">
+            <a:extLst>
+              <a:ext uri="{FF2B5EF4-FFF2-40B4-BE49-F238E27FC236}">
+                <a16:creationId xmlns:a16="http://schemas.microsoft.com/office/drawing/2014/main" id="{15760E4D-317C-8DB6-4FB4-0E58C74806EF}"/>
+              </a:ext>
+            </a:extLst>
+          </p:cNvPr>
+          <p:cNvSpPr/>
+          <p:nvPr/>
+        </p:nvSpPr>
+        <p:spPr>
+          <a:xfrm>
+            <a:off x="3329212" y="5131233"/>
+            <a:ext cx="311084" cy="306133"/>
+          </a:xfrm>
+          <a:prstGeom prst="upArrow">
+            <a:avLst/>
+          </a:prstGeom>
+          <a:solidFill>
+            <a:srgbClr val="FF0000"/>
+          </a:solidFill>
+        </p:spPr>
+        <p:style>
+          <a:lnRef idx="2">
+            <a:schemeClr val="accent1">
+              <a:shade val="15000"/>
+            </a:schemeClr>
+          </a:lnRef>
+          <a:fillRef idx="1">
+            <a:schemeClr val="accent1"/>
+          </a:fillRef>
+          <a:effectRef idx="0">
+            <a:schemeClr val="accent1"/>
+          </a:effectRef>
+          <a:fontRef idx="minor">
+            <a:schemeClr val="lt1"/>
+          </a:fontRef>
+        </p:style>
+        <p:txBody>
+          <a:bodyPr rtlCol="0" anchor="ctr"/>
+          <a:lstStyle/>
+          <a:p>
+            <a:pPr algn="ctr"/>
+            <a:endParaRPr lang="es-ES"/>
+          </a:p>
+        </p:txBody>
+      </p:sp>
+      <p:sp>
+        <p:nvSpPr>
+          <p:cNvPr id="19" name="Flecha: hacia arriba 18">
+            <a:extLst>
+              <a:ext uri="{FF2B5EF4-FFF2-40B4-BE49-F238E27FC236}">
+                <a16:creationId xmlns:a16="http://schemas.microsoft.com/office/drawing/2014/main" id="{CD22566D-5D7E-5A4C-9472-916E29A84E08}"/>
+              </a:ext>
+            </a:extLst>
+          </p:cNvPr>
+          <p:cNvSpPr/>
+          <p:nvPr/>
+        </p:nvSpPr>
+        <p:spPr>
+          <a:xfrm>
+            <a:off x="5689776" y="5131233"/>
+            <a:ext cx="311084" cy="306133"/>
+          </a:xfrm>
+          <a:prstGeom prst="upArrow">
+            <a:avLst/>
+          </a:prstGeom>
+          <a:solidFill>
+            <a:srgbClr val="FF0000"/>
+          </a:solidFill>
+        </p:spPr>
+        <p:style>
+          <a:lnRef idx="2">
+            <a:schemeClr val="accent1">
+              <a:shade val="15000"/>
+            </a:schemeClr>
+          </a:lnRef>
+          <a:fillRef idx="1">
+            <a:schemeClr val="accent1"/>
+          </a:fillRef>
+          <a:effectRef idx="0">
+            <a:schemeClr val="accent1"/>
+          </a:effectRef>
+          <a:fontRef idx="minor">
+            <a:schemeClr val="lt1"/>
+          </a:fontRef>
+        </p:style>
+        <p:txBody>
+          <a:bodyPr rtlCol="0" anchor="ctr"/>
+          <a:lstStyle/>
+          <a:p>
+            <a:pPr algn="ctr"/>
+            <a:endParaRPr lang="es-ES"/>
+          </a:p>
+        </p:txBody>
+      </p:sp>
+      <p:pic>
+        <p:nvPicPr>
+          <p:cNvPr id="20" name="Picture 10" descr="Programador de iconos de computadora, dtp, ángulo, mueble, computadora png  | PNGWing">
+            <a:extLst>
+              <a:ext uri="{FF2B5EF4-FFF2-40B4-BE49-F238E27FC236}">
+                <a16:creationId xmlns:a16="http://schemas.microsoft.com/office/drawing/2014/main" id="{8C55FE61-6F5C-35B0-41BE-3BBEAA663BD5}"/>
+              </a:ext>
+            </a:extLst>
+          </p:cNvPr>
+          <p:cNvPicPr>
+            <a:picLocks noChangeAspect="1" noChangeArrowheads="1"/>
+          </p:cNvPicPr>
+          <p:nvPr/>
+        </p:nvPicPr>
+        <p:blipFill>
+          <a:blip r:embed="rId4">
+            <a:extLst>
+              <a:ext uri="{28A0092B-C50C-407E-A947-70E740481C1C}">
+                <a14:useLocalDpi xmlns:a14="http://schemas.microsoft.com/office/drawing/2010/main" val="0"/>
+              </a:ext>
+            </a:extLst>
+          </a:blip>
+          <a:srcRect/>
+          <a:stretch>
+            <a:fillRect/>
+          </a:stretch>
+        </p:blipFill>
+        <p:spPr bwMode="auto">
+          <a:xfrm>
+            <a:off x="5220858" y="5532359"/>
+            <a:ext cx="1128557" cy="784536"/>
+          </a:xfrm>
+          <a:prstGeom prst="rect">
+            <a:avLst/>
+          </a:prstGeom>
+          <a:noFill/>
+          <a:extLst>
+            <a:ext uri="{909E8E84-426E-40DD-AFC4-6F175D3DCCD1}">
+              <a14:hiddenFill xmlns:a14="http://schemas.microsoft.com/office/drawing/2010/main">
+                <a:solidFill>
+                  <a:srgbClr val="FFFFFF"/>
+                </a:solidFill>
+              </a14:hiddenFill>
+            </a:ext>
+          </a:extLst>
+        </p:spPr>
+      </p:pic>
+      <p:pic>
+        <p:nvPicPr>
+          <p:cNvPr id="1038" name="Picture 14" descr="Archivo de extensión html - Iconos Archivos y Carpetas">
+            <a:extLst>
+              <a:ext uri="{FF2B5EF4-FFF2-40B4-BE49-F238E27FC236}">
+                <a16:creationId xmlns:a16="http://schemas.microsoft.com/office/drawing/2014/main" id="{7F71D891-8396-A496-2DAA-D3D04AB354B2}"/>
+              </a:ext>
+            </a:extLst>
+          </p:cNvPr>
+          <p:cNvPicPr>
+            <a:picLocks noChangeAspect="1" noChangeArrowheads="1"/>
+          </p:cNvPicPr>
+          <p:nvPr/>
+        </p:nvPicPr>
+        <p:blipFill>
+          <a:blip r:embed="rId5">
+            <a:extLst>
+              <a:ext uri="{28A0092B-C50C-407E-A947-70E740481C1C}">
+                <a14:useLocalDpi xmlns:a14="http://schemas.microsoft.com/office/drawing/2010/main" val="0"/>
+              </a:ext>
+            </a:extLst>
+          </a:blip>
+          <a:srcRect/>
+          <a:stretch>
+            <a:fillRect/>
+          </a:stretch>
+        </p:blipFill>
+        <p:spPr bwMode="auto">
+          <a:xfrm>
+            <a:off x="8343348" y="3733231"/>
+            <a:ext cx="696195" cy="696195"/>
+          </a:xfrm>
+          <a:prstGeom prst="rect">
+            <a:avLst/>
+          </a:prstGeom>
+          <a:noFill/>
+          <a:extLst>
+            <a:ext uri="{909E8E84-426E-40DD-AFC4-6F175D3DCCD1}">
+              <a14:hiddenFill xmlns:a14="http://schemas.microsoft.com/office/drawing/2010/main">
+                <a:solidFill>
+                  <a:srgbClr val="FFFFFF"/>
+                </a:solidFill>
+              </a14:hiddenFill>
+            </a:ext>
+          </a:extLst>
+        </p:spPr>
+      </p:pic>
+      <p:pic>
+        <p:nvPicPr>
+          <p:cNvPr id="1042" name="Picture 18" descr="Archivo json - Iconos gratis de interfaz">
+            <a:extLst>
+              <a:ext uri="{FF2B5EF4-FFF2-40B4-BE49-F238E27FC236}">
+                <a16:creationId xmlns:a16="http://schemas.microsoft.com/office/drawing/2014/main" id="{1DC64D89-F7BA-D77D-459B-F4EA21FE75D1}"/>
+              </a:ext>
+            </a:extLst>
+          </p:cNvPr>
+          <p:cNvPicPr>
+            <a:picLocks noChangeAspect="1" noChangeArrowheads="1"/>
+          </p:cNvPicPr>
+          <p:nvPr/>
+        </p:nvPicPr>
+        <p:blipFill>
+          <a:blip r:embed="rId6">
+            <a:extLst>
+              <a:ext uri="{28A0092B-C50C-407E-A947-70E740481C1C}">
+                <a14:useLocalDpi xmlns:a14="http://schemas.microsoft.com/office/drawing/2010/main" val="0"/>
+              </a:ext>
+            </a:extLst>
+          </a:blip>
+          <a:srcRect/>
+          <a:stretch>
+            <a:fillRect/>
+          </a:stretch>
+        </p:blipFill>
+        <p:spPr bwMode="auto">
+          <a:xfrm>
+            <a:off x="3896143" y="3688153"/>
+            <a:ext cx="673281" cy="673281"/>
+          </a:xfrm>
+          <a:prstGeom prst="rect">
+            <a:avLst/>
+          </a:prstGeom>
+          <a:noFill/>
+          <a:extLst>
+            <a:ext uri="{909E8E84-426E-40DD-AFC4-6F175D3DCCD1}">
+              <a14:hiddenFill xmlns:a14="http://schemas.microsoft.com/office/drawing/2010/main">
+                <a:solidFill>
+                  <a:srgbClr val="FFFFFF"/>
+                </a:solidFill>
+              </a14:hiddenFill>
+            </a:ext>
+          </a:extLst>
+        </p:spPr>
+      </p:pic>
+      <p:grpSp>
+        <p:nvGrpSpPr>
+          <p:cNvPr id="39" name="Grupo 38">
+            <a:extLst>
+              <a:ext uri="{FF2B5EF4-FFF2-40B4-BE49-F238E27FC236}">
+                <a16:creationId xmlns:a16="http://schemas.microsoft.com/office/drawing/2014/main" id="{91E0A7D3-6287-E64E-55E9-D2D4ED1F005C}"/>
+              </a:ext>
+            </a:extLst>
+          </p:cNvPr>
+          <p:cNvGrpSpPr/>
+          <p:nvPr/>
+        </p:nvGrpSpPr>
+        <p:grpSpPr>
+          <a:xfrm>
+            <a:off x="4540677" y="3896392"/>
+            <a:ext cx="422044" cy="313774"/>
+            <a:chOff x="4658222" y="3855563"/>
+            <a:chExt cx="571306" cy="313774"/>
+          </a:xfrm>
+        </p:grpSpPr>
+        <p:cxnSp>
+          <p:nvCxnSpPr>
+            <p:cNvPr id="27" name="Conector recto de flecha 26">
+              <a:extLst>
+                <a:ext uri="{FF2B5EF4-FFF2-40B4-BE49-F238E27FC236}">
+                  <a16:creationId xmlns:a16="http://schemas.microsoft.com/office/drawing/2014/main" id="{87EEC593-8AF4-2A6C-1BCF-8DBEEBDB08BB}"/>
+                </a:ext>
+              </a:extLst>
+            </p:cNvPr>
+            <p:cNvCxnSpPr>
+              <a:cxnSpLocks/>
+            </p:cNvCxnSpPr>
+            <p:nvPr/>
+          </p:nvCxnSpPr>
+          <p:spPr>
+            <a:xfrm>
+              <a:off x="4658222" y="3855563"/>
+              <a:ext cx="561879" cy="0"/>
+            </a:xfrm>
+            <a:prstGeom prst="straightConnector1">
+              <a:avLst/>
+            </a:prstGeom>
+            <a:ln>
+              <a:tailEnd type="triangle"/>
+            </a:ln>
+          </p:spPr>
+          <p:style>
+            <a:lnRef idx="1">
+              <a:schemeClr val="accent1"/>
+            </a:lnRef>
+            <a:fillRef idx="0">
+              <a:schemeClr val="accent1"/>
+            </a:fillRef>
+            <a:effectRef idx="0">
+              <a:schemeClr val="accent1"/>
+            </a:effectRef>
+            <a:fontRef idx="minor">
+              <a:schemeClr val="tx1"/>
+            </a:fontRef>
+          </p:style>
+        </p:cxnSp>
+        <p:cxnSp>
+          <p:nvCxnSpPr>
+            <p:cNvPr id="28" name="Conector recto de flecha 27">
+              <a:extLst>
+                <a:ext uri="{FF2B5EF4-FFF2-40B4-BE49-F238E27FC236}">
+                  <a16:creationId xmlns:a16="http://schemas.microsoft.com/office/drawing/2014/main" id="{0A33F5C0-38BA-FFC1-5823-3021D4B3077D}"/>
+                </a:ext>
+              </a:extLst>
+            </p:cNvPr>
+            <p:cNvCxnSpPr>
+              <a:cxnSpLocks/>
+            </p:cNvCxnSpPr>
+            <p:nvPr/>
+          </p:nvCxnSpPr>
+          <p:spPr>
+            <a:xfrm>
+              <a:off x="4667649" y="4007511"/>
+              <a:ext cx="561879" cy="0"/>
+            </a:xfrm>
+            <a:prstGeom prst="straightConnector1">
+              <a:avLst/>
+            </a:prstGeom>
+            <a:ln>
+              <a:tailEnd type="triangle"/>
+            </a:ln>
+          </p:spPr>
+          <p:style>
+            <a:lnRef idx="1">
+              <a:schemeClr val="accent1"/>
+            </a:lnRef>
+            <a:fillRef idx="0">
+              <a:schemeClr val="accent1"/>
+            </a:fillRef>
+            <a:effectRef idx="0">
+              <a:schemeClr val="accent1"/>
+            </a:effectRef>
+            <a:fontRef idx="minor">
+              <a:schemeClr val="tx1"/>
+            </a:fontRef>
+          </p:style>
+        </p:cxnSp>
+        <p:cxnSp>
+          <p:nvCxnSpPr>
+            <p:cNvPr id="29" name="Conector recto de flecha 28">
+              <a:extLst>
+                <a:ext uri="{FF2B5EF4-FFF2-40B4-BE49-F238E27FC236}">
+                  <a16:creationId xmlns:a16="http://schemas.microsoft.com/office/drawing/2014/main" id="{525FB9E4-4F6C-585D-603D-4501A8B45E90}"/>
+                </a:ext>
+              </a:extLst>
+            </p:cNvPr>
+            <p:cNvCxnSpPr>
+              <a:cxnSpLocks/>
+            </p:cNvCxnSpPr>
+            <p:nvPr/>
+          </p:nvCxnSpPr>
+          <p:spPr>
+            <a:xfrm>
+              <a:off x="4658222" y="4169337"/>
+              <a:ext cx="561879" cy="0"/>
+            </a:xfrm>
+            <a:prstGeom prst="straightConnector1">
+              <a:avLst/>
+            </a:prstGeom>
+            <a:ln>
+              <a:tailEnd type="triangle"/>
+            </a:ln>
+          </p:spPr>
+          <p:style>
+            <a:lnRef idx="1">
+              <a:schemeClr val="accent1"/>
+            </a:lnRef>
+            <a:fillRef idx="0">
+              <a:schemeClr val="accent1"/>
+            </a:fillRef>
+            <a:effectRef idx="0">
+              <a:schemeClr val="accent1"/>
+            </a:effectRef>
+            <a:fontRef idx="minor">
+              <a:schemeClr val="tx1"/>
+            </a:fontRef>
+          </p:style>
+        </p:cxnSp>
+      </p:grpSp>
+      <p:sp>
+        <p:nvSpPr>
+          <p:cNvPr id="31" name="CuadroTexto 30">
+            <a:extLst>
+              <a:ext uri="{FF2B5EF4-FFF2-40B4-BE49-F238E27FC236}">
+                <a16:creationId xmlns:a16="http://schemas.microsoft.com/office/drawing/2014/main" id="{20A8815E-CE10-FD5B-FB91-BD8180F5C95A}"/>
+              </a:ext>
+            </a:extLst>
+          </p:cNvPr>
+          <p:cNvSpPr txBox="1"/>
+          <p:nvPr/>
+        </p:nvSpPr>
+        <p:spPr>
+          <a:xfrm>
+            <a:off x="7160038" y="2664261"/>
+            <a:ext cx="1671295" cy="430887"/>
+          </a:xfrm>
+          <a:prstGeom prst="rect">
+            <a:avLst/>
+          </a:prstGeom>
+          <a:noFill/>
         </p:spPr>
         <p:txBody>
           <a:bodyPr wrap="square">
@@ -4328,58 +5266,812 @@
           </a:bodyPr>
           <a:lstStyle/>
           <a:p>
-            <a:r>
-              <a:rPr lang="es-ES" sz="1200">
-                <a:hlinkClick r:id="rId4"/>
-              </a:rPr>
-              <a:t>https://github.com/CaptWhite/aster-repository/blob/main/db.json</a:t>
-            </a:r>
-            <a:endParaRPr lang="es-ES" sz="1200" dirty="0"/>
-          </a:p>
-        </p:txBody>
-      </p:sp>
-      <p:sp>
-        <p:nvSpPr>
-          <p:cNvPr id="42" name="CuadroTexto 41">
-            <a:extLst>
-              <a:ext uri="{FF2B5EF4-FFF2-40B4-BE49-F238E27FC236}">
-                <a16:creationId xmlns:a16="http://schemas.microsoft.com/office/drawing/2014/main" id="{B0A9D0CF-6315-148B-8E9B-8B26F667A051}"/>
-              </a:ext>
-            </a:extLst>
-          </p:cNvPr>
-          <p:cNvSpPr txBox="1"/>
+            <a:pPr algn="ctr"/>
+            <a:r>
+              <a:rPr lang="es-ES" sz="1100" dirty="0">
+                <a:hlinkClick r:id="rId7"/>
+              </a:rPr>
+              <a:t>https://asterbcn.github.io/newsletter </a:t>
+            </a:r>
+            <a:endParaRPr lang="es-ES" sz="1100" dirty="0"/>
+          </a:p>
+        </p:txBody>
+      </p:sp>
+      <p:pic>
+        <p:nvPicPr>
+          <p:cNvPr id="1044" name="Picture 20" descr="Icono de engranaje, símbolo, diseño de icono, engranaje negro, accesorio de  hardware, línea, círculo, ángulo, ángulo, engranaje negro, circulo png |  PNGWing">
+            <a:extLst>
+              <a:ext uri="{FF2B5EF4-FFF2-40B4-BE49-F238E27FC236}">
+                <a16:creationId xmlns:a16="http://schemas.microsoft.com/office/drawing/2014/main" id="{03463264-313B-4633-34B7-1BA975648A5F}"/>
+              </a:ext>
+            </a:extLst>
+          </p:cNvPr>
+          <p:cNvPicPr>
+            <a:picLocks noChangeAspect="1" noChangeArrowheads="1"/>
+          </p:cNvPicPr>
           <p:nvPr/>
-        </p:nvSpPr>
-        <p:spPr>
+        </p:nvPicPr>
+        <p:blipFill>
+          <a:blip r:embed="rId8">
+            <a:extLst>
+              <a:ext uri="{28A0092B-C50C-407E-A947-70E740481C1C}">
+                <a14:useLocalDpi xmlns:a14="http://schemas.microsoft.com/office/drawing/2010/main" val="0"/>
+              </a:ext>
+            </a:extLst>
+          </a:blip>
+          <a:srcRect/>
+          <a:stretch>
+            <a:fillRect/>
+          </a:stretch>
+        </p:blipFill>
+        <p:spPr bwMode="auto">
           <a:xfrm>
-            <a:off x="1264938" y="505586"/>
-            <a:ext cx="2713174" cy="276999"/>
+            <a:off x="6232933" y="3785262"/>
+            <a:ext cx="518063" cy="536034"/>
           </a:xfrm>
           <a:prstGeom prst="rect">
             <a:avLst/>
           </a:prstGeom>
           <a:noFill/>
-        </p:spPr>
-        <p:txBody>
-          <a:bodyPr wrap="square">
+          <a:extLst>
+            <a:ext uri="{909E8E84-426E-40DD-AFC4-6F175D3DCCD1}">
+              <a14:hiddenFill xmlns:a14="http://schemas.microsoft.com/office/drawing/2010/main">
+                <a:solidFill>
+                  <a:srgbClr val="FFFFFF"/>
+                </a:solidFill>
+              </a14:hiddenFill>
+            </a:ext>
+          </a:extLst>
+        </p:spPr>
+      </p:pic>
+      <p:sp>
+        <p:nvSpPr>
+          <p:cNvPr id="40" name="CuadroTexto 39">
+            <a:extLst>
+              <a:ext uri="{FF2B5EF4-FFF2-40B4-BE49-F238E27FC236}">
+                <a16:creationId xmlns:a16="http://schemas.microsoft.com/office/drawing/2014/main" id="{7786B1D5-DE2D-54C7-D376-79FDF3E89562}"/>
+              </a:ext>
+            </a:extLst>
+          </p:cNvPr>
+          <p:cNvSpPr txBox="1"/>
+          <p:nvPr/>
+        </p:nvSpPr>
+        <p:spPr>
+          <a:xfrm>
+            <a:off x="7160038" y="1337571"/>
+            <a:ext cx="1716657" cy="923330"/>
+          </a:xfrm>
+          <a:prstGeom prst="rect">
+            <a:avLst/>
+          </a:prstGeom>
+          <a:noFill/>
+        </p:spPr>
+        <p:txBody>
+          <a:bodyPr wrap="square" rtlCol="0">
             <a:spAutoFit/>
           </a:bodyPr>
           <a:lstStyle/>
           <a:p>
-            <a:r>
-              <a:rPr lang="es-ES" sz="1200" dirty="0">
-                <a:hlinkClick r:id="rId5"/>
-              </a:rPr>
-              <a:t>https://captwhite.github.io/newsletter/</a:t>
-            </a:r>
-            <a:endParaRPr lang="es-ES" sz="1200" dirty="0"/>
-          </a:p>
-        </p:txBody>
-      </p:sp>
+            <a:pPr algn="ctr"/>
+            <a:r>
+              <a:rPr lang="fr-FR" dirty="0"/>
+              <a:t>Obtenir </a:t>
+            </a:r>
+            <a:r>
+              <a:rPr lang="fr-FR" dirty="0" err="1"/>
+              <a:t>codi</a:t>
+            </a:r>
+            <a:r>
+              <a:rPr lang="fr-FR" dirty="0"/>
+              <a:t> font </a:t>
+            </a:r>
+            <a:r>
+              <a:rPr lang="fr-FR" dirty="0" err="1"/>
+              <a:t>del</a:t>
+            </a:r>
+            <a:r>
+              <a:rPr lang="fr-FR" dirty="0"/>
+              <a:t> </a:t>
+            </a:r>
+            <a:r>
+              <a:rPr lang="fr-FR" dirty="0" err="1"/>
+              <a:t>fitxer</a:t>
+            </a:r>
+            <a:r>
+              <a:rPr lang="fr-FR" dirty="0"/>
+              <a:t> HTML</a:t>
+            </a:r>
+            <a:endParaRPr lang="es-ES" dirty="0"/>
+          </a:p>
+        </p:txBody>
+      </p:sp>
+      <p:grpSp>
+        <p:nvGrpSpPr>
+          <p:cNvPr id="41" name="Grupo 40">
+            <a:extLst>
+              <a:ext uri="{FF2B5EF4-FFF2-40B4-BE49-F238E27FC236}">
+                <a16:creationId xmlns:a16="http://schemas.microsoft.com/office/drawing/2014/main" id="{4855FFEA-D9DD-BEA8-1F71-033A4196EA52}"/>
+              </a:ext>
+            </a:extLst>
+          </p:cNvPr>
+          <p:cNvGrpSpPr/>
+          <p:nvPr/>
+        </p:nvGrpSpPr>
+        <p:grpSpPr>
+          <a:xfrm>
+            <a:off x="6784004" y="3891453"/>
+            <a:ext cx="422044" cy="313774"/>
+            <a:chOff x="4658222" y="3855563"/>
+            <a:chExt cx="571306" cy="313774"/>
+          </a:xfrm>
+        </p:grpSpPr>
+        <p:cxnSp>
+          <p:nvCxnSpPr>
+            <p:cNvPr id="42" name="Conector recto de flecha 41">
+              <a:extLst>
+                <a:ext uri="{FF2B5EF4-FFF2-40B4-BE49-F238E27FC236}">
+                  <a16:creationId xmlns:a16="http://schemas.microsoft.com/office/drawing/2014/main" id="{91203EEA-0ECF-0D0E-EF36-F7FF25D9E683}"/>
+                </a:ext>
+              </a:extLst>
+            </p:cNvPr>
+            <p:cNvCxnSpPr>
+              <a:cxnSpLocks/>
+            </p:cNvCxnSpPr>
+            <p:nvPr/>
+          </p:nvCxnSpPr>
+          <p:spPr>
+            <a:xfrm>
+              <a:off x="4658222" y="3855563"/>
+              <a:ext cx="561879" cy="0"/>
+            </a:xfrm>
+            <a:prstGeom prst="straightConnector1">
+              <a:avLst/>
+            </a:prstGeom>
+            <a:ln>
+              <a:tailEnd type="triangle"/>
+            </a:ln>
+          </p:spPr>
+          <p:style>
+            <a:lnRef idx="1">
+              <a:schemeClr val="accent1"/>
+            </a:lnRef>
+            <a:fillRef idx="0">
+              <a:schemeClr val="accent1"/>
+            </a:fillRef>
+            <a:effectRef idx="0">
+              <a:schemeClr val="accent1"/>
+            </a:effectRef>
+            <a:fontRef idx="minor">
+              <a:schemeClr val="tx1"/>
+            </a:fontRef>
+          </p:style>
+        </p:cxnSp>
+        <p:cxnSp>
+          <p:nvCxnSpPr>
+            <p:cNvPr id="43" name="Conector recto de flecha 42">
+              <a:extLst>
+                <a:ext uri="{FF2B5EF4-FFF2-40B4-BE49-F238E27FC236}">
+                  <a16:creationId xmlns:a16="http://schemas.microsoft.com/office/drawing/2014/main" id="{CE8FEB7F-3EB0-8F6B-94DE-E424A6FB185B}"/>
+                </a:ext>
+              </a:extLst>
+            </p:cNvPr>
+            <p:cNvCxnSpPr>
+              <a:cxnSpLocks/>
+            </p:cNvCxnSpPr>
+            <p:nvPr/>
+          </p:nvCxnSpPr>
+          <p:spPr>
+            <a:xfrm>
+              <a:off x="4667649" y="4007511"/>
+              <a:ext cx="561879" cy="0"/>
+            </a:xfrm>
+            <a:prstGeom prst="straightConnector1">
+              <a:avLst/>
+            </a:prstGeom>
+            <a:ln>
+              <a:tailEnd type="triangle"/>
+            </a:ln>
+          </p:spPr>
+          <p:style>
+            <a:lnRef idx="1">
+              <a:schemeClr val="accent1"/>
+            </a:lnRef>
+            <a:fillRef idx="0">
+              <a:schemeClr val="accent1"/>
+            </a:fillRef>
+            <a:effectRef idx="0">
+              <a:schemeClr val="accent1"/>
+            </a:effectRef>
+            <a:fontRef idx="minor">
+              <a:schemeClr val="tx1"/>
+            </a:fontRef>
+          </p:style>
+        </p:cxnSp>
+        <p:cxnSp>
+          <p:nvCxnSpPr>
+            <p:cNvPr id="44" name="Conector recto de flecha 43">
+              <a:extLst>
+                <a:ext uri="{FF2B5EF4-FFF2-40B4-BE49-F238E27FC236}">
+                  <a16:creationId xmlns:a16="http://schemas.microsoft.com/office/drawing/2014/main" id="{7B15B665-BD64-D62C-E4F6-EB3C093087A8}"/>
+                </a:ext>
+              </a:extLst>
+            </p:cNvPr>
+            <p:cNvCxnSpPr>
+              <a:cxnSpLocks/>
+            </p:cNvCxnSpPr>
+            <p:nvPr/>
+          </p:nvCxnSpPr>
+          <p:spPr>
+            <a:xfrm>
+              <a:off x="4658222" y="4169337"/>
+              <a:ext cx="561879" cy="0"/>
+            </a:xfrm>
+            <a:prstGeom prst="straightConnector1">
+              <a:avLst/>
+            </a:prstGeom>
+            <a:ln>
+              <a:tailEnd type="triangle"/>
+            </a:ln>
+          </p:spPr>
+          <p:style>
+            <a:lnRef idx="1">
+              <a:schemeClr val="accent1"/>
+            </a:lnRef>
+            <a:fillRef idx="0">
+              <a:schemeClr val="accent1"/>
+            </a:fillRef>
+            <a:effectRef idx="0">
+              <a:schemeClr val="accent1"/>
+            </a:effectRef>
+            <a:fontRef idx="minor">
+              <a:schemeClr val="tx1"/>
+            </a:fontRef>
+          </p:style>
+        </p:cxnSp>
+      </p:grpSp>
+      <p:sp>
+        <p:nvSpPr>
+          <p:cNvPr id="45" name="Flecha: hacia arriba 44">
+            <a:extLst>
+              <a:ext uri="{FF2B5EF4-FFF2-40B4-BE49-F238E27FC236}">
+                <a16:creationId xmlns:a16="http://schemas.microsoft.com/office/drawing/2014/main" id="{0B1367D3-0C15-F2CE-5CFE-4A88C2E0B8D0}"/>
+              </a:ext>
+            </a:extLst>
+          </p:cNvPr>
+          <p:cNvSpPr/>
+          <p:nvPr/>
+        </p:nvSpPr>
+        <p:spPr>
+          <a:xfrm>
+            <a:off x="7859498" y="5143470"/>
+            <a:ext cx="311084" cy="306133"/>
+          </a:xfrm>
+          <a:prstGeom prst="upArrow">
+            <a:avLst/>
+          </a:prstGeom>
+          <a:solidFill>
+            <a:srgbClr val="FF0000"/>
+          </a:solidFill>
+        </p:spPr>
+        <p:style>
+          <a:lnRef idx="2">
+            <a:schemeClr val="accent1">
+              <a:shade val="15000"/>
+            </a:schemeClr>
+          </a:lnRef>
+          <a:fillRef idx="1">
+            <a:schemeClr val="accent1"/>
+          </a:fillRef>
+          <a:effectRef idx="0">
+            <a:schemeClr val="accent1"/>
+          </a:effectRef>
+          <a:fontRef idx="minor">
+            <a:schemeClr val="lt1"/>
+          </a:fontRef>
+        </p:style>
+        <p:txBody>
+          <a:bodyPr rtlCol="0" anchor="ctr"/>
+          <a:lstStyle/>
+          <a:p>
+            <a:pPr algn="ctr"/>
+            <a:endParaRPr lang="es-ES"/>
+          </a:p>
+        </p:txBody>
+      </p:sp>
+      <p:pic>
+        <p:nvPicPr>
+          <p:cNvPr id="46" name="Picture 10" descr="Programador de iconos de computadora, dtp, ángulo, mueble, computadora png  | PNGWing">
+            <a:extLst>
+              <a:ext uri="{FF2B5EF4-FFF2-40B4-BE49-F238E27FC236}">
+                <a16:creationId xmlns:a16="http://schemas.microsoft.com/office/drawing/2014/main" id="{F34B1518-2299-6D8F-C5D9-DA2A2FC06454}"/>
+              </a:ext>
+            </a:extLst>
+          </p:cNvPr>
+          <p:cNvPicPr>
+            <a:picLocks noChangeAspect="1" noChangeArrowheads="1"/>
+          </p:cNvPicPr>
+          <p:nvPr/>
+        </p:nvPicPr>
+        <p:blipFill>
+          <a:blip r:embed="rId4">
+            <a:extLst>
+              <a:ext uri="{28A0092B-C50C-407E-A947-70E740481C1C}">
+                <a14:useLocalDpi xmlns:a14="http://schemas.microsoft.com/office/drawing/2010/main" val="0"/>
+              </a:ext>
+            </a:extLst>
+          </a:blip>
+          <a:srcRect/>
+          <a:stretch>
+            <a:fillRect/>
+          </a:stretch>
+        </p:blipFill>
+        <p:spPr bwMode="auto">
+          <a:xfrm>
+            <a:off x="7390580" y="5544596"/>
+            <a:ext cx="1128557" cy="784536"/>
+          </a:xfrm>
+          <a:prstGeom prst="rect">
+            <a:avLst/>
+          </a:prstGeom>
+          <a:noFill/>
+          <a:extLst>
+            <a:ext uri="{909E8E84-426E-40DD-AFC4-6F175D3DCCD1}">
+              <a14:hiddenFill xmlns:a14="http://schemas.microsoft.com/office/drawing/2010/main">
+                <a:solidFill>
+                  <a:srgbClr val="FFFFFF"/>
+                </a:solidFill>
+              </a14:hiddenFill>
+            </a:ext>
+          </a:extLst>
+        </p:spPr>
+      </p:pic>
+      <p:pic>
+        <p:nvPicPr>
+          <p:cNvPr id="1046" name="Picture 22" descr="Icono De Correo Electrónico En Estilo Plano PNG , Iconos De Correo  Electrónico, Iconos De Estilo, En Iconos PNG y Vector para Descargar Gratis  | Pngtree | Iconos de redes sociales, Iconos">
+            <a:extLst>
+              <a:ext uri="{FF2B5EF4-FFF2-40B4-BE49-F238E27FC236}">
+                <a16:creationId xmlns:a16="http://schemas.microsoft.com/office/drawing/2014/main" id="{2C7F99A4-6676-CA18-BDA9-9AE01114C013}"/>
+              </a:ext>
+            </a:extLst>
+          </p:cNvPr>
+          <p:cNvPicPr>
+            <a:picLocks noChangeAspect="1" noChangeArrowheads="1"/>
+          </p:cNvPicPr>
+          <p:nvPr/>
+        </p:nvPicPr>
+        <p:blipFill>
+          <a:blip r:embed="rId9">
+            <a:extLst>
+              <a:ext uri="{28A0092B-C50C-407E-A947-70E740481C1C}">
+                <a14:useLocalDpi xmlns:a14="http://schemas.microsoft.com/office/drawing/2010/main" val="0"/>
+              </a:ext>
+            </a:extLst>
+          </a:blip>
+          <a:srcRect/>
+          <a:stretch>
+            <a:fillRect/>
+          </a:stretch>
+        </p:blipFill>
+        <p:spPr bwMode="auto">
+          <a:xfrm>
+            <a:off x="10694409" y="3659361"/>
+            <a:ext cx="843937" cy="843937"/>
+          </a:xfrm>
+          <a:prstGeom prst="rect">
+            <a:avLst/>
+          </a:prstGeom>
+          <a:noFill/>
+          <a:extLst>
+            <a:ext uri="{909E8E84-426E-40DD-AFC4-6F175D3DCCD1}">
+              <a14:hiddenFill xmlns:a14="http://schemas.microsoft.com/office/drawing/2010/main">
+                <a:solidFill>
+                  <a:srgbClr val="FFFFFF"/>
+                </a:solidFill>
+              </a14:hiddenFill>
+            </a:ext>
+          </a:extLst>
+        </p:spPr>
+      </p:pic>
+      <p:sp>
+        <p:nvSpPr>
+          <p:cNvPr id="47" name="Flecha: hacia arriba 46">
+            <a:extLst>
+              <a:ext uri="{FF2B5EF4-FFF2-40B4-BE49-F238E27FC236}">
+                <a16:creationId xmlns:a16="http://schemas.microsoft.com/office/drawing/2014/main" id="{42BC9E5D-17BF-F609-1E19-37C35693E762}"/>
+              </a:ext>
+            </a:extLst>
+          </p:cNvPr>
+          <p:cNvSpPr/>
+          <p:nvPr/>
+        </p:nvSpPr>
+        <p:spPr>
+          <a:xfrm>
+            <a:off x="10282414" y="5131233"/>
+            <a:ext cx="311084" cy="306133"/>
+          </a:xfrm>
+          <a:prstGeom prst="upArrow">
+            <a:avLst/>
+          </a:prstGeom>
+          <a:solidFill>
+            <a:srgbClr val="FF0000"/>
+          </a:solidFill>
+        </p:spPr>
+        <p:style>
+          <a:lnRef idx="2">
+            <a:schemeClr val="accent1">
+              <a:shade val="15000"/>
+            </a:schemeClr>
+          </a:lnRef>
+          <a:fillRef idx="1">
+            <a:schemeClr val="accent1"/>
+          </a:fillRef>
+          <a:effectRef idx="0">
+            <a:schemeClr val="accent1"/>
+          </a:effectRef>
+          <a:fontRef idx="minor">
+            <a:schemeClr val="lt1"/>
+          </a:fontRef>
+        </p:style>
+        <p:txBody>
+          <a:bodyPr rtlCol="0" anchor="ctr"/>
+          <a:lstStyle/>
+          <a:p>
+            <a:pPr algn="ctr"/>
+            <a:endParaRPr lang="es-ES"/>
+          </a:p>
+        </p:txBody>
+      </p:sp>
+      <p:pic>
+        <p:nvPicPr>
+          <p:cNvPr id="48" name="Picture 10" descr="Programador de iconos de computadora, dtp, ángulo, mueble, computadora png  | PNGWing">
+            <a:extLst>
+              <a:ext uri="{FF2B5EF4-FFF2-40B4-BE49-F238E27FC236}">
+                <a16:creationId xmlns:a16="http://schemas.microsoft.com/office/drawing/2014/main" id="{0BB3AD5C-DC13-1DBB-F7EF-49FE0528926B}"/>
+              </a:ext>
+            </a:extLst>
+          </p:cNvPr>
+          <p:cNvPicPr>
+            <a:picLocks noChangeAspect="1" noChangeArrowheads="1"/>
+          </p:cNvPicPr>
+          <p:nvPr/>
+        </p:nvPicPr>
+        <p:blipFill>
+          <a:blip r:embed="rId4">
+            <a:extLst>
+              <a:ext uri="{28A0092B-C50C-407E-A947-70E740481C1C}">
+                <a14:useLocalDpi xmlns:a14="http://schemas.microsoft.com/office/drawing/2010/main" val="0"/>
+              </a:ext>
+            </a:extLst>
+          </a:blip>
+          <a:srcRect/>
+          <a:stretch>
+            <a:fillRect/>
+          </a:stretch>
+        </p:blipFill>
+        <p:spPr bwMode="auto">
+          <a:xfrm>
+            <a:off x="9813496" y="5532359"/>
+            <a:ext cx="1128557" cy="784536"/>
+          </a:xfrm>
+          <a:prstGeom prst="rect">
+            <a:avLst/>
+          </a:prstGeom>
+          <a:noFill/>
+          <a:extLst>
+            <a:ext uri="{909E8E84-426E-40DD-AFC4-6F175D3DCCD1}">
+              <a14:hiddenFill xmlns:a14="http://schemas.microsoft.com/office/drawing/2010/main">
+                <a:solidFill>
+                  <a:srgbClr val="FFFFFF"/>
+                </a:solidFill>
+              </a14:hiddenFill>
+            </a:ext>
+          </a:extLst>
+        </p:spPr>
+      </p:pic>
+      <p:sp>
+        <p:nvSpPr>
+          <p:cNvPr id="49" name="CuadroTexto 48">
+            <a:extLst>
+              <a:ext uri="{FF2B5EF4-FFF2-40B4-BE49-F238E27FC236}">
+                <a16:creationId xmlns:a16="http://schemas.microsoft.com/office/drawing/2014/main" id="{3AEECB0A-2CD7-9014-0DA7-0647C0301593}"/>
+              </a:ext>
+            </a:extLst>
+          </p:cNvPr>
+          <p:cNvSpPr txBox="1"/>
+          <p:nvPr/>
+        </p:nvSpPr>
+        <p:spPr>
+          <a:xfrm>
+            <a:off x="3144156" y="20474"/>
+            <a:ext cx="538877" cy="1200329"/>
+          </a:xfrm>
+          <a:prstGeom prst="rect">
+            <a:avLst/>
+          </a:prstGeom>
+          <a:noFill/>
+        </p:spPr>
+        <p:txBody>
+          <a:bodyPr wrap="square" rtlCol="0">
+            <a:spAutoFit/>
+          </a:bodyPr>
+          <a:lstStyle/>
+          <a:p>
+            <a:r>
+              <a:rPr lang="es-ES" sz="7200" dirty="0">
+                <a:solidFill>
+                  <a:srgbClr val="FF0000"/>
+                </a:solidFill>
+              </a:rPr>
+              <a:t>1</a:t>
+            </a:r>
+          </a:p>
+        </p:txBody>
+      </p:sp>
+      <p:sp>
+        <p:nvSpPr>
+          <p:cNvPr id="50" name="CuadroTexto 49">
+            <a:extLst>
+              <a:ext uri="{FF2B5EF4-FFF2-40B4-BE49-F238E27FC236}">
+                <a16:creationId xmlns:a16="http://schemas.microsoft.com/office/drawing/2014/main" id="{69E80965-8904-FDC8-98F8-D7B43ADDB500}"/>
+              </a:ext>
+            </a:extLst>
+          </p:cNvPr>
+          <p:cNvSpPr txBox="1"/>
+          <p:nvPr/>
+        </p:nvSpPr>
+        <p:spPr>
+          <a:xfrm>
+            <a:off x="5430695" y="117265"/>
+            <a:ext cx="538877" cy="1200329"/>
+          </a:xfrm>
+          <a:prstGeom prst="rect">
+            <a:avLst/>
+          </a:prstGeom>
+          <a:noFill/>
+        </p:spPr>
+        <p:txBody>
+          <a:bodyPr wrap="square" rtlCol="0">
+            <a:spAutoFit/>
+          </a:bodyPr>
+          <a:lstStyle/>
+          <a:p>
+            <a:r>
+              <a:rPr lang="es-ES" sz="7200" dirty="0">
+                <a:solidFill>
+                  <a:srgbClr val="FF0000"/>
+                </a:solidFill>
+              </a:rPr>
+              <a:t>2</a:t>
+            </a:r>
+          </a:p>
+        </p:txBody>
+      </p:sp>
+      <p:sp>
+        <p:nvSpPr>
+          <p:cNvPr id="51" name="CuadroTexto 50">
+            <a:extLst>
+              <a:ext uri="{FF2B5EF4-FFF2-40B4-BE49-F238E27FC236}">
+                <a16:creationId xmlns:a16="http://schemas.microsoft.com/office/drawing/2014/main" id="{DCF386D6-66C6-20A4-AA60-9EB373D5F6A4}"/>
+              </a:ext>
+            </a:extLst>
+          </p:cNvPr>
+          <p:cNvSpPr txBox="1"/>
+          <p:nvPr/>
+        </p:nvSpPr>
+        <p:spPr>
+          <a:xfrm>
+            <a:off x="7590059" y="115999"/>
+            <a:ext cx="538877" cy="1200329"/>
+          </a:xfrm>
+          <a:prstGeom prst="rect">
+            <a:avLst/>
+          </a:prstGeom>
+          <a:noFill/>
+        </p:spPr>
+        <p:txBody>
+          <a:bodyPr wrap="square" rtlCol="0">
+            <a:spAutoFit/>
+          </a:bodyPr>
+          <a:lstStyle/>
+          <a:p>
+            <a:r>
+              <a:rPr lang="es-ES" sz="7200" dirty="0">
+                <a:solidFill>
+                  <a:srgbClr val="FF0000"/>
+                </a:solidFill>
+              </a:rPr>
+              <a:t>3</a:t>
+            </a:r>
+          </a:p>
+        </p:txBody>
+      </p:sp>
+      <p:sp>
+        <p:nvSpPr>
+          <p:cNvPr id="52" name="CuadroTexto 51">
+            <a:extLst>
+              <a:ext uri="{FF2B5EF4-FFF2-40B4-BE49-F238E27FC236}">
+                <a16:creationId xmlns:a16="http://schemas.microsoft.com/office/drawing/2014/main" id="{A2819ECB-CC69-F74E-77B6-6E75EFC2F314}"/>
+              </a:ext>
+            </a:extLst>
+          </p:cNvPr>
+          <p:cNvSpPr txBox="1"/>
+          <p:nvPr/>
+        </p:nvSpPr>
+        <p:spPr>
+          <a:xfrm>
+            <a:off x="9905584" y="121107"/>
+            <a:ext cx="538877" cy="1200329"/>
+          </a:xfrm>
+          <a:prstGeom prst="rect">
+            <a:avLst/>
+          </a:prstGeom>
+          <a:noFill/>
+        </p:spPr>
+        <p:txBody>
+          <a:bodyPr wrap="square" rtlCol="0">
+            <a:spAutoFit/>
+          </a:bodyPr>
+          <a:lstStyle/>
+          <a:p>
+            <a:r>
+              <a:rPr lang="es-ES" sz="7200" dirty="0">
+                <a:solidFill>
+                  <a:srgbClr val="FF0000"/>
+                </a:solidFill>
+              </a:rPr>
+              <a:t>4</a:t>
+            </a:r>
+          </a:p>
+        </p:txBody>
+      </p:sp>
+      <p:grpSp>
+        <p:nvGrpSpPr>
+          <p:cNvPr id="53" name="Grupo 52">
+            <a:extLst>
+              <a:ext uri="{FF2B5EF4-FFF2-40B4-BE49-F238E27FC236}">
+                <a16:creationId xmlns:a16="http://schemas.microsoft.com/office/drawing/2014/main" id="{76FC1E6E-0763-587D-07D5-5AB9B8D605D9}"/>
+              </a:ext>
+            </a:extLst>
+          </p:cNvPr>
+          <p:cNvGrpSpPr/>
+          <p:nvPr/>
+        </p:nvGrpSpPr>
+        <p:grpSpPr>
+          <a:xfrm>
+            <a:off x="9094132" y="3896392"/>
+            <a:ext cx="422044" cy="313774"/>
+            <a:chOff x="4658222" y="3855563"/>
+            <a:chExt cx="571306" cy="313774"/>
+          </a:xfrm>
+        </p:grpSpPr>
+        <p:cxnSp>
+          <p:nvCxnSpPr>
+            <p:cNvPr id="54" name="Conector recto de flecha 53">
+              <a:extLst>
+                <a:ext uri="{FF2B5EF4-FFF2-40B4-BE49-F238E27FC236}">
+                  <a16:creationId xmlns:a16="http://schemas.microsoft.com/office/drawing/2014/main" id="{8E500672-4B6B-B5B6-6F45-1A76AEDD230D}"/>
+                </a:ext>
+              </a:extLst>
+            </p:cNvPr>
+            <p:cNvCxnSpPr>
+              <a:cxnSpLocks/>
+            </p:cNvCxnSpPr>
+            <p:nvPr/>
+          </p:nvCxnSpPr>
+          <p:spPr>
+            <a:xfrm>
+              <a:off x="4658222" y="3855563"/>
+              <a:ext cx="561879" cy="0"/>
+            </a:xfrm>
+            <a:prstGeom prst="straightConnector1">
+              <a:avLst/>
+            </a:prstGeom>
+            <a:ln>
+              <a:tailEnd type="triangle"/>
+            </a:ln>
+          </p:spPr>
+          <p:style>
+            <a:lnRef idx="1">
+              <a:schemeClr val="accent1"/>
+            </a:lnRef>
+            <a:fillRef idx="0">
+              <a:schemeClr val="accent1"/>
+            </a:fillRef>
+            <a:effectRef idx="0">
+              <a:schemeClr val="accent1"/>
+            </a:effectRef>
+            <a:fontRef idx="minor">
+              <a:schemeClr val="tx1"/>
+            </a:fontRef>
+          </p:style>
+        </p:cxnSp>
+        <p:cxnSp>
+          <p:nvCxnSpPr>
+            <p:cNvPr id="55" name="Conector recto de flecha 54">
+              <a:extLst>
+                <a:ext uri="{FF2B5EF4-FFF2-40B4-BE49-F238E27FC236}">
+                  <a16:creationId xmlns:a16="http://schemas.microsoft.com/office/drawing/2014/main" id="{122E415C-2942-1B91-D975-42AADC1CD7E6}"/>
+                </a:ext>
+              </a:extLst>
+            </p:cNvPr>
+            <p:cNvCxnSpPr>
+              <a:cxnSpLocks/>
+            </p:cNvCxnSpPr>
+            <p:nvPr/>
+          </p:nvCxnSpPr>
+          <p:spPr>
+            <a:xfrm>
+              <a:off x="4667649" y="4007511"/>
+              <a:ext cx="561879" cy="0"/>
+            </a:xfrm>
+            <a:prstGeom prst="straightConnector1">
+              <a:avLst/>
+            </a:prstGeom>
+            <a:ln>
+              <a:tailEnd type="triangle"/>
+            </a:ln>
+          </p:spPr>
+          <p:style>
+            <a:lnRef idx="1">
+              <a:schemeClr val="accent1"/>
+            </a:lnRef>
+            <a:fillRef idx="0">
+              <a:schemeClr val="accent1"/>
+            </a:fillRef>
+            <a:effectRef idx="0">
+              <a:schemeClr val="accent1"/>
+            </a:effectRef>
+            <a:fontRef idx="minor">
+              <a:schemeClr val="tx1"/>
+            </a:fontRef>
+          </p:style>
+        </p:cxnSp>
+        <p:cxnSp>
+          <p:nvCxnSpPr>
+            <p:cNvPr id="56" name="Conector recto de flecha 55">
+              <a:extLst>
+                <a:ext uri="{FF2B5EF4-FFF2-40B4-BE49-F238E27FC236}">
+                  <a16:creationId xmlns:a16="http://schemas.microsoft.com/office/drawing/2014/main" id="{D9511AE9-4E18-8FCF-BC2F-5E6949F656DC}"/>
+                </a:ext>
+              </a:extLst>
+            </p:cNvPr>
+            <p:cNvCxnSpPr>
+              <a:cxnSpLocks/>
+            </p:cNvCxnSpPr>
+            <p:nvPr/>
+          </p:nvCxnSpPr>
+          <p:spPr>
+            <a:xfrm>
+              <a:off x="4658222" y="4169337"/>
+              <a:ext cx="561879" cy="0"/>
+            </a:xfrm>
+            <a:prstGeom prst="straightConnector1">
+              <a:avLst/>
+            </a:prstGeom>
+            <a:ln>
+              <a:tailEnd type="triangle"/>
+            </a:ln>
+          </p:spPr>
+          <p:style>
+            <a:lnRef idx="1">
+              <a:schemeClr val="accent1"/>
+            </a:lnRef>
+            <a:fillRef idx="0">
+              <a:schemeClr val="accent1"/>
+            </a:fillRef>
+            <a:effectRef idx="0">
+              <a:schemeClr val="accent1"/>
+            </a:effectRef>
+            <a:fontRef idx="minor">
+              <a:schemeClr val="tx1"/>
+            </a:fontRef>
+          </p:style>
+        </p:cxnSp>
+      </p:grpSp>
     </p:spTree>
     <p:extLst>
       <p:ext uri="{BB962C8B-B14F-4D97-AF65-F5344CB8AC3E}">
-        <p14:creationId xmlns:p14="http://schemas.microsoft.com/office/powerpoint/2010/main" val="1644902410"/>
+        <p14:creationId xmlns:p14="http://schemas.microsoft.com/office/powerpoint/2010/main" val="2677563648"/>
       </p:ext>
     </p:extLst>
   </p:cSld>
@@ -4408,10 +6100,10 @@
       </p:grpSpPr>
       <p:pic>
         <p:nvPicPr>
-          <p:cNvPr id="2" name="Imagen 1">
-            <a:extLst>
-              <a:ext uri="{FF2B5EF4-FFF2-40B4-BE49-F238E27FC236}">
-                <a16:creationId xmlns:a16="http://schemas.microsoft.com/office/drawing/2014/main" id="{19C2BBE1-75D8-DCE9-0CDF-89DC390B0386}"/>
+          <p:cNvPr id="24" name="Imagen 23">
+            <a:extLst>
+              <a:ext uri="{FF2B5EF4-FFF2-40B4-BE49-F238E27FC236}">
+                <a16:creationId xmlns:a16="http://schemas.microsoft.com/office/drawing/2014/main" id="{8718DC45-EF23-7482-B5F5-652A7703DC41}"/>
               </a:ext>
             </a:extLst>
           </p:cNvPr>
@@ -4428,482 +6120,20 @@
         </p:blipFill>
         <p:spPr>
           <a:xfrm>
-            <a:off x="930415" y="384583"/>
-            <a:ext cx="3707438" cy="3949749"/>
+            <a:off x="65987" y="3224508"/>
+            <a:ext cx="7723134" cy="1752845"/>
           </a:xfrm>
           <a:prstGeom prst="rect">
             <a:avLst/>
           </a:prstGeom>
         </p:spPr>
       </p:pic>
-      <p:sp>
-        <p:nvSpPr>
-          <p:cNvPr id="3" name="CuadroTexto 2">
-            <a:extLst>
-              <a:ext uri="{FF2B5EF4-FFF2-40B4-BE49-F238E27FC236}">
-                <a16:creationId xmlns:a16="http://schemas.microsoft.com/office/drawing/2014/main" id="{1D6BAC1C-A484-4687-EB45-E4AF3E33F0A8}"/>
-              </a:ext>
-            </a:extLst>
-          </p:cNvPr>
-          <p:cNvSpPr txBox="1"/>
-          <p:nvPr/>
-        </p:nvSpPr>
-        <p:spPr>
-          <a:xfrm>
-            <a:off x="930416" y="138362"/>
-            <a:ext cx="3707437" cy="246221"/>
-          </a:xfrm>
-          <a:prstGeom prst="rect">
-            <a:avLst/>
-          </a:prstGeom>
-          <a:noFill/>
-        </p:spPr>
-        <p:txBody>
-          <a:bodyPr wrap="square">
-            <a:spAutoFit/>
-          </a:bodyPr>
-          <a:lstStyle/>
-          <a:p>
-            <a:r>
-              <a:rPr lang="es-ES" sz="1000" dirty="0">
-                <a:hlinkClick r:id="rId3"/>
-              </a:rPr>
-              <a:t>https://github.com/CaptWhite/aster-repository/blob/main/db.json</a:t>
-            </a:r>
-            <a:endParaRPr lang="es-ES" sz="1000" dirty="0"/>
-          </a:p>
-        </p:txBody>
-      </p:sp>
-      <p:sp>
-        <p:nvSpPr>
-          <p:cNvPr id="5" name="CuadroTexto 4">
-            <a:extLst>
-              <a:ext uri="{FF2B5EF4-FFF2-40B4-BE49-F238E27FC236}">
-                <a16:creationId xmlns:a16="http://schemas.microsoft.com/office/drawing/2014/main" id="{6284AA95-26C5-0CED-1FFE-7EB3DEDB99FD}"/>
-              </a:ext>
-            </a:extLst>
-          </p:cNvPr>
-          <p:cNvSpPr txBox="1"/>
-          <p:nvPr/>
-        </p:nvSpPr>
-        <p:spPr>
-          <a:xfrm>
-            <a:off x="336040" y="4580553"/>
-            <a:ext cx="4792141" cy="2185214"/>
-          </a:xfrm>
-          <a:prstGeom prst="rect">
-            <a:avLst/>
-          </a:prstGeom>
-          <a:noFill/>
-          <a:ln>
-            <a:solidFill>
-              <a:schemeClr val="tx1"/>
-            </a:solidFill>
-          </a:ln>
-        </p:spPr>
-        <p:txBody>
-          <a:bodyPr wrap="square">
-            <a:spAutoFit/>
-          </a:bodyPr>
-          <a:lstStyle/>
-          <a:p>
-            <a:r>
-              <a:rPr lang="es-ES" sz="1000" dirty="0" err="1">
-                <a:solidFill>
-                  <a:schemeClr val="accent6">
-                    <a:lumMod val="75000"/>
-                  </a:schemeClr>
-                </a:solidFill>
-              </a:rPr>
-              <a:t>category</a:t>
-            </a:r>
-            <a:r>
-              <a:rPr lang="es-ES" sz="1000" dirty="0"/>
-              <a:t>: Los comunicados se agrupan por categorías.</a:t>
-            </a:r>
-          </a:p>
-          <a:p>
-            <a:endParaRPr lang="es-ES" sz="1000" dirty="0"/>
-          </a:p>
-          <a:p>
-            <a:r>
-              <a:rPr lang="es-ES" sz="1000" dirty="0" err="1">
-                <a:solidFill>
-                  <a:schemeClr val="accent6">
-                    <a:lumMod val="75000"/>
-                  </a:schemeClr>
-                </a:solidFill>
-              </a:rPr>
-              <a:t>order</a:t>
-            </a:r>
-            <a:r>
-              <a:rPr lang="es-ES" sz="1000" dirty="0"/>
-              <a:t>:      Dentro de cada categoría, los comunicados se ordenan por este campo. </a:t>
-            </a:r>
-          </a:p>
-          <a:p>
-            <a:r>
-              <a:rPr lang="es-ES" sz="1000" dirty="0"/>
-              <a:t>                  Si el orden es impar la foto sale a la izquierda, si es par a la derecha.</a:t>
-            </a:r>
-          </a:p>
-          <a:p>
-            <a:endParaRPr lang="es-ES" sz="1000" dirty="0"/>
-          </a:p>
-          <a:p>
-            <a:r>
-              <a:rPr lang="es-ES" sz="1000" dirty="0" err="1">
-                <a:solidFill>
-                  <a:schemeClr val="accent6">
-                    <a:lumMod val="75000"/>
-                  </a:schemeClr>
-                </a:solidFill>
-              </a:rPr>
-              <a:t>summary</a:t>
-            </a:r>
-            <a:r>
-              <a:rPr lang="es-ES" sz="1000" dirty="0"/>
-              <a:t>:  No pueden haber 'saltos de línea'.  Se representan con los valores '</a:t>
-            </a:r>
-            <a:r>
-              <a:rPr lang="es-ES" sz="1000" dirty="0">
-                <a:solidFill>
-                  <a:srgbClr val="FF0000"/>
-                </a:solidFill>
-              </a:rPr>
-              <a:t>/n</a:t>
-            </a:r>
-            <a:r>
-              <a:rPr lang="es-ES" sz="1000" dirty="0"/>
-              <a:t>'</a:t>
-            </a:r>
-          </a:p>
-          <a:p>
-            <a:r>
-              <a:rPr lang="es-ES" sz="1000" dirty="0"/>
-              <a:t>                     Para representar una 'comilla doble’ usar '</a:t>
-            </a:r>
-            <a:r>
-              <a:rPr lang="es-ES" sz="1000" dirty="0">
-                <a:solidFill>
-                  <a:srgbClr val="FF0000"/>
-                </a:solidFill>
-              </a:rPr>
-              <a:t>/''</a:t>
-            </a:r>
-            <a:r>
-              <a:rPr lang="es-ES" sz="1000" dirty="0"/>
-              <a:t>'. </a:t>
-            </a:r>
-          </a:p>
-          <a:p>
-            <a:r>
-              <a:rPr lang="es-ES" sz="1000" dirty="0"/>
-              <a:t>            -----------------------------------------------------------------------------------------</a:t>
-            </a:r>
-          </a:p>
-          <a:p>
-            <a:r>
-              <a:rPr lang="es-ES" sz="1000" dirty="0"/>
-              <a:t>Deben respetarse escrupulosamente los campos representados en verde en la figura, así como los signos  '</a:t>
-            </a:r>
-            <a:r>
-              <a:rPr lang="es-ES" sz="1000" dirty="0">
-                <a:solidFill>
-                  <a:srgbClr val="FF0000"/>
-                </a:solidFill>
-              </a:rPr>
-              <a:t>{</a:t>
-            </a:r>
-            <a:r>
-              <a:rPr lang="es-ES" sz="1000" dirty="0"/>
-              <a:t>'    '</a:t>
-            </a:r>
-            <a:r>
-              <a:rPr lang="es-ES" sz="1000" dirty="0">
-                <a:solidFill>
-                  <a:srgbClr val="FF0000"/>
-                </a:solidFill>
-              </a:rPr>
-              <a:t>}</a:t>
-            </a:r>
-            <a:r>
-              <a:rPr lang="es-ES" sz="1000" dirty="0"/>
-              <a:t> '   ' </a:t>
-            </a:r>
-            <a:r>
-              <a:rPr lang="es-ES" sz="1000" dirty="0">
-                <a:solidFill>
-                  <a:srgbClr val="FF0000"/>
-                </a:solidFill>
-              </a:rPr>
-              <a:t>[</a:t>
-            </a:r>
-            <a:r>
-              <a:rPr lang="es-ES" sz="1000" dirty="0"/>
-              <a:t>'    ‘</a:t>
-            </a:r>
-            <a:r>
-              <a:rPr lang="es-ES" sz="1000" dirty="0">
-                <a:solidFill>
-                  <a:srgbClr val="FF0000"/>
-                </a:solidFill>
-              </a:rPr>
-              <a:t>]</a:t>
-            </a:r>
-            <a:r>
-              <a:rPr lang="es-ES" sz="1000" dirty="0"/>
-              <a:t> '   '</a:t>
-            </a:r>
-            <a:r>
-              <a:rPr lang="es-ES" sz="1000" dirty="0">
-                <a:solidFill>
-                  <a:srgbClr val="FF0000"/>
-                </a:solidFill>
-              </a:rPr>
-              <a:t>=</a:t>
-            </a:r>
-            <a:r>
-              <a:rPr lang="es-ES" sz="1000" dirty="0"/>
-              <a:t>'    '</a:t>
-            </a:r>
-            <a:r>
-              <a:rPr lang="es-ES" sz="1000" dirty="0">
-                <a:solidFill>
-                  <a:srgbClr val="FF0000"/>
-                </a:solidFill>
-              </a:rPr>
-              <a:t>:</a:t>
-            </a:r>
-            <a:r>
-              <a:rPr lang="es-ES" sz="1000" dirty="0"/>
-              <a:t>'.       </a:t>
-            </a:r>
-          </a:p>
-          <a:p>
-            <a:endParaRPr lang="es-ES" sz="1000" dirty="0"/>
-          </a:p>
-          <a:p>
-            <a:pPr algn="ctr"/>
-            <a:r>
-              <a:rPr lang="es-ES" sz="1400" dirty="0">
-                <a:hlinkClick r:id="rId4"/>
-              </a:rPr>
-              <a:t>JSON </a:t>
-            </a:r>
-            <a:r>
-              <a:rPr lang="es-ES" sz="1400" dirty="0" err="1">
-                <a:hlinkClick r:id="rId4"/>
-              </a:rPr>
-              <a:t>Validator</a:t>
-            </a:r>
-            <a:r>
-              <a:rPr lang="es-ES" sz="1400" dirty="0">
-                <a:hlinkClick r:id="rId4"/>
-              </a:rPr>
-              <a:t> (piliapp.com)</a:t>
-            </a:r>
-            <a:endParaRPr lang="es-ES" sz="1400" dirty="0"/>
-          </a:p>
-          <a:p>
-            <a:endParaRPr lang="es-ES" sz="1200" dirty="0"/>
-          </a:p>
-        </p:txBody>
-      </p:sp>
-      <p:sp>
-        <p:nvSpPr>
-          <p:cNvPr id="11" name="CuadroTexto 10">
-            <a:extLst>
-              <a:ext uri="{FF2B5EF4-FFF2-40B4-BE49-F238E27FC236}">
-                <a16:creationId xmlns:a16="http://schemas.microsoft.com/office/drawing/2014/main" id="{62FE6205-29E2-277C-C74F-DD05D5FB617D}"/>
-              </a:ext>
-            </a:extLst>
-          </p:cNvPr>
-          <p:cNvSpPr txBox="1"/>
-          <p:nvPr/>
-        </p:nvSpPr>
-        <p:spPr>
-          <a:xfrm>
-            <a:off x="5588526" y="1359183"/>
-            <a:ext cx="6603474" cy="2000548"/>
-          </a:xfrm>
-          <a:prstGeom prst="rect">
-            <a:avLst/>
-          </a:prstGeom>
-          <a:noFill/>
-          <a:ln>
-            <a:solidFill>
-              <a:schemeClr val="tx1"/>
-            </a:solidFill>
-          </a:ln>
-        </p:spPr>
-        <p:txBody>
-          <a:bodyPr wrap="square">
-            <a:spAutoFit/>
-          </a:bodyPr>
-          <a:lstStyle/>
-          <a:p>
-            <a:r>
-              <a:rPr lang="es-ES" sz="1200" dirty="0"/>
-              <a:t>Para modificar los contenidos debe accederse al fichero a través de la URL de </a:t>
-            </a:r>
-            <a:r>
-              <a:rPr lang="es-ES" sz="1200" dirty="0" err="1"/>
-              <a:t>github</a:t>
-            </a:r>
-            <a:r>
-              <a:rPr lang="es-ES" sz="1200" dirty="0"/>
-              <a:t>.  </a:t>
-            </a:r>
-          </a:p>
-          <a:p>
-            <a:r>
-              <a:rPr lang="es-ES" sz="1200" dirty="0"/>
-              <a:t>1 - Tendremos en un editor el fichero JSON. Lo seleccionamos todo y cortamos en el portapapeles</a:t>
-            </a:r>
-          </a:p>
-          <a:p>
-            <a:r>
-              <a:rPr lang="es-ES" sz="1200" dirty="0"/>
-              <a:t>2 - Picar sobre el icono del lápiz para editar.</a:t>
-            </a:r>
-          </a:p>
-          <a:p>
-            <a:r>
-              <a:rPr lang="es-ES" sz="1200" dirty="0"/>
-              <a:t>3 - Modificar el fichero </a:t>
-            </a:r>
-            <a:r>
-              <a:rPr lang="es-ES" sz="1200" dirty="0" err="1"/>
-              <a:t>github</a:t>
-            </a:r>
-            <a:r>
-              <a:rPr lang="es-ES" sz="1200" dirty="0"/>
-              <a:t>. Generalmente será borrarlo todo y pegar el contenido del portapapeles. </a:t>
-            </a:r>
-          </a:p>
-          <a:p>
-            <a:r>
-              <a:rPr lang="es-ES" sz="1200" dirty="0"/>
-              <a:t>4 - Pulsar el botón '</a:t>
-            </a:r>
-            <a:r>
-              <a:rPr lang="es-ES" sz="1200" dirty="0" err="1"/>
-              <a:t>Commit</a:t>
-            </a:r>
-            <a:r>
-              <a:rPr lang="es-ES" sz="1200" dirty="0"/>
-              <a:t> </a:t>
-            </a:r>
-            <a:r>
-              <a:rPr lang="es-ES" sz="1200" dirty="0" err="1"/>
-              <a:t>changes</a:t>
-            </a:r>
-            <a:r>
-              <a:rPr lang="es-ES" sz="1200" dirty="0"/>
-              <a:t>'. En la ventana emergente poner en el campo '</a:t>
-            </a:r>
-            <a:r>
-              <a:rPr lang="es-ES" sz="1200" dirty="0" err="1"/>
-              <a:t>Commit</a:t>
-            </a:r>
-            <a:r>
-              <a:rPr lang="es-ES" sz="1200" dirty="0"/>
-              <a:t> </a:t>
-            </a:r>
-            <a:r>
-              <a:rPr lang="es-ES" sz="1200" dirty="0" err="1"/>
-              <a:t>change</a:t>
-            </a:r>
-            <a:r>
-              <a:rPr lang="es-ES" sz="1200" dirty="0"/>
-              <a:t>' el </a:t>
-            </a:r>
-            <a:r>
-              <a:rPr lang="es-ES" sz="1200" dirty="0" err="1"/>
-              <a:t>text</a:t>
-            </a:r>
-            <a:r>
-              <a:rPr lang="es-ES" sz="1200" dirty="0"/>
-              <a:t> '</a:t>
-            </a:r>
-            <a:r>
-              <a:rPr lang="es-ES" sz="1200" dirty="0" err="1"/>
-              <a:t>Butlletí</a:t>
-            </a:r>
-            <a:r>
-              <a:rPr lang="es-ES" sz="1200" dirty="0"/>
-              <a:t> XXX' y pulsar </a:t>
-            </a:r>
-            <a:r>
-              <a:rPr lang="es-ES" sz="1200" dirty="0" err="1"/>
-              <a:t>Commit</a:t>
-            </a:r>
-            <a:r>
-              <a:rPr lang="es-ES" sz="1200" dirty="0"/>
-              <a:t> </a:t>
-            </a:r>
-            <a:r>
-              <a:rPr lang="es-ES" sz="1200" dirty="0" err="1"/>
-              <a:t>changes</a:t>
-            </a:r>
-            <a:endParaRPr lang="es-ES" sz="1200" dirty="0"/>
-          </a:p>
-          <a:p>
-            <a:endParaRPr lang="es-ES" sz="1200" dirty="0"/>
-          </a:p>
-          <a:p>
-            <a:r>
-              <a:rPr lang="es-ES" sz="1200" dirty="0"/>
-              <a:t>El fichero queda modificado y pasado un minuto </a:t>
-            </a:r>
-            <a:r>
-              <a:rPr lang="es-ES" sz="1200" dirty="0" err="1"/>
-              <a:t>serrá</a:t>
-            </a:r>
-            <a:r>
-              <a:rPr lang="es-ES" sz="1200" dirty="0"/>
-              <a:t> accesible desde: </a:t>
-            </a:r>
-          </a:p>
-          <a:p>
-            <a:endParaRPr lang="es-ES" sz="1200" dirty="0"/>
-          </a:p>
-          <a:p>
-            <a:pPr algn="ctr"/>
-            <a:r>
-              <a:rPr lang="es-ES" sz="1600" dirty="0">
-                <a:solidFill>
-                  <a:schemeClr val="accent5">
-                    <a:lumMod val="75000"/>
-                  </a:schemeClr>
-                </a:solidFill>
-                <a:hlinkClick r:id="rId5">
-                  <a:extLst>
-                    <a:ext uri="{A12FA001-AC4F-418D-AE19-62706E023703}">
-                      <ahyp:hlinkClr xmlns:ahyp="http://schemas.microsoft.com/office/drawing/2018/hyperlinkcolor" val="tx"/>
-                    </a:ext>
-                  </a:extLst>
-                </a:hlinkClick>
-              </a:rPr>
-              <a:t>https://my-json-server.typicode.com/CaptWhite/aster-newsletter/data </a:t>
-            </a:r>
-            <a:endParaRPr lang="es-ES" sz="1600" dirty="0">
-              <a:solidFill>
-                <a:schemeClr val="accent5">
-                  <a:lumMod val="75000"/>
-                </a:schemeClr>
-              </a:solidFill>
-            </a:endParaRPr>
-          </a:p>
-        </p:txBody>
-      </p:sp>
       <p:pic>
         <p:nvPicPr>
-          <p:cNvPr id="13" name="Imagen 12">
-            <a:extLst>
-              <a:ext uri="{FF2B5EF4-FFF2-40B4-BE49-F238E27FC236}">
-                <a16:creationId xmlns:a16="http://schemas.microsoft.com/office/drawing/2014/main" id="{22F50EFC-02FB-A764-922E-9BE7EC1D2EB7}"/>
+          <p:cNvPr id="7" name="Imagen 6">
+            <a:extLst>
+              <a:ext uri="{FF2B5EF4-FFF2-40B4-BE49-F238E27FC236}">
+                <a16:creationId xmlns:a16="http://schemas.microsoft.com/office/drawing/2014/main" id="{69E9289A-0F7E-9253-B655-A7ECD79EC6D2}"/>
               </a:ext>
             </a:extLst>
           </p:cNvPr>
@@ -4913,25 +6143,344 @@
           <p:nvPr/>
         </p:nvPicPr>
         <p:blipFill>
-          <a:blip r:embed="rId6"/>
+          <a:blip r:embed="rId3"/>
           <a:stretch>
             <a:fillRect/>
           </a:stretch>
         </p:blipFill>
         <p:spPr>
           <a:xfrm>
-            <a:off x="5722071" y="3498270"/>
-            <a:ext cx="6133889" cy="2940293"/>
+            <a:off x="7807974" y="0"/>
+            <a:ext cx="4478294" cy="6795163"/>
           </a:xfrm>
           <a:prstGeom prst="rect">
             <a:avLst/>
           </a:prstGeom>
         </p:spPr>
       </p:pic>
+      <p:cxnSp>
+        <p:nvCxnSpPr>
+          <p:cNvPr id="9" name="Conector recto de flecha 8">
+            <a:extLst>
+              <a:ext uri="{FF2B5EF4-FFF2-40B4-BE49-F238E27FC236}">
+                <a16:creationId xmlns:a16="http://schemas.microsoft.com/office/drawing/2014/main" id="{5AB850CD-2B22-2723-C0E5-FC3E2C22E55E}"/>
+              </a:ext>
+            </a:extLst>
+          </p:cNvPr>
+          <p:cNvCxnSpPr>
+            <a:cxnSpLocks/>
+          </p:cNvCxnSpPr>
+          <p:nvPr/>
+        </p:nvCxnSpPr>
+        <p:spPr>
+          <a:xfrm flipV="1">
+            <a:off x="622169" y="1781666"/>
+            <a:ext cx="9257122" cy="1932495"/>
+          </a:xfrm>
+          <a:prstGeom prst="straightConnector1">
+            <a:avLst/>
+          </a:prstGeom>
+          <a:ln w="25400">
+            <a:tailEnd type="triangle"/>
+          </a:ln>
+        </p:spPr>
+        <p:style>
+          <a:lnRef idx="3">
+            <a:schemeClr val="accent2"/>
+          </a:lnRef>
+          <a:fillRef idx="0">
+            <a:schemeClr val="accent2"/>
+          </a:fillRef>
+          <a:effectRef idx="2">
+            <a:schemeClr val="accent2"/>
+          </a:effectRef>
+          <a:fontRef idx="minor">
+            <a:schemeClr val="tx1"/>
+          </a:fontRef>
+        </p:style>
+      </p:cxnSp>
+      <p:cxnSp>
+        <p:nvCxnSpPr>
+          <p:cNvPr id="17" name="Conector recto de flecha 16">
+            <a:extLst>
+              <a:ext uri="{FF2B5EF4-FFF2-40B4-BE49-F238E27FC236}">
+                <a16:creationId xmlns:a16="http://schemas.microsoft.com/office/drawing/2014/main" id="{16A32771-EEB1-A207-6204-DD7179C88C15}"/>
+              </a:ext>
+            </a:extLst>
+          </p:cNvPr>
+          <p:cNvCxnSpPr>
+            <a:cxnSpLocks/>
+          </p:cNvCxnSpPr>
+          <p:nvPr/>
+        </p:nvCxnSpPr>
+        <p:spPr>
+          <a:xfrm flipV="1">
+            <a:off x="961534" y="1668544"/>
+            <a:ext cx="9568206" cy="3195687"/>
+          </a:xfrm>
+          <a:prstGeom prst="straightConnector1">
+            <a:avLst/>
+          </a:prstGeom>
+          <a:ln w="25400">
+            <a:tailEnd type="triangle"/>
+          </a:ln>
+        </p:spPr>
+        <p:style>
+          <a:lnRef idx="1">
+            <a:schemeClr val="accent1"/>
+          </a:lnRef>
+          <a:fillRef idx="0">
+            <a:schemeClr val="accent1"/>
+          </a:fillRef>
+          <a:effectRef idx="0">
+            <a:schemeClr val="accent1"/>
+          </a:effectRef>
+          <a:fontRef idx="minor">
+            <a:schemeClr val="tx1"/>
+          </a:fontRef>
+        </p:style>
+      </p:cxnSp>
+      <p:cxnSp>
+        <p:nvCxnSpPr>
+          <p:cNvPr id="19" name="Conector recto de flecha 18">
+            <a:extLst>
+              <a:ext uri="{FF2B5EF4-FFF2-40B4-BE49-F238E27FC236}">
+                <a16:creationId xmlns:a16="http://schemas.microsoft.com/office/drawing/2014/main" id="{B0C7B527-8262-2748-D487-FCAF4B2ADDDA}"/>
+              </a:ext>
+            </a:extLst>
+          </p:cNvPr>
+          <p:cNvCxnSpPr>
+            <a:cxnSpLocks/>
+          </p:cNvCxnSpPr>
+          <p:nvPr/>
+        </p:nvCxnSpPr>
+        <p:spPr>
+          <a:xfrm flipV="1">
+            <a:off x="2564091" y="2130458"/>
+            <a:ext cx="7220932" cy="1849755"/>
+          </a:xfrm>
+          <a:prstGeom prst="straightConnector1">
+            <a:avLst/>
+          </a:prstGeom>
+          <a:ln w="25400" cap="flat" cmpd="sng" algn="ctr">
+            <a:solidFill>
+              <a:schemeClr val="accent6"/>
+            </a:solidFill>
+            <a:prstDash val="solid"/>
+            <a:round/>
+            <a:headEnd type="none" w="med" len="med"/>
+            <a:tailEnd type="arrow" w="med" len="med"/>
+          </a:ln>
+        </p:spPr>
+        <p:style>
+          <a:lnRef idx="0">
+            <a:scrgbClr r="0" g="0" b="0"/>
+          </a:lnRef>
+          <a:fillRef idx="0">
+            <a:scrgbClr r="0" g="0" b="0"/>
+          </a:fillRef>
+          <a:effectRef idx="0">
+            <a:scrgbClr r="0" g="0" b="0"/>
+          </a:effectRef>
+          <a:fontRef idx="minor">
+            <a:schemeClr val="tx1"/>
+          </a:fontRef>
+        </p:style>
+      </p:cxnSp>
+      <p:cxnSp>
+        <p:nvCxnSpPr>
+          <p:cNvPr id="20" name="Conector recto de flecha 19">
+            <a:extLst>
+              <a:ext uri="{FF2B5EF4-FFF2-40B4-BE49-F238E27FC236}">
+                <a16:creationId xmlns:a16="http://schemas.microsoft.com/office/drawing/2014/main" id="{C98A1013-2E3A-AD20-F8E5-CB4B085DD4AA}"/>
+              </a:ext>
+            </a:extLst>
+          </p:cNvPr>
+          <p:cNvCxnSpPr>
+            <a:cxnSpLocks/>
+          </p:cNvCxnSpPr>
+          <p:nvPr/>
+        </p:nvCxnSpPr>
+        <p:spPr>
+          <a:xfrm>
+            <a:off x="2422689" y="4329005"/>
+            <a:ext cx="7088956" cy="535226"/>
+          </a:xfrm>
+          <a:prstGeom prst="straightConnector1">
+            <a:avLst/>
+          </a:prstGeom>
+          <a:ln w="25400" cap="flat" cmpd="sng" algn="ctr">
+            <a:solidFill>
+              <a:schemeClr val="accent6"/>
+            </a:solidFill>
+            <a:prstDash val="solid"/>
+            <a:round/>
+            <a:headEnd type="none" w="med" len="med"/>
+            <a:tailEnd type="arrow" w="med" len="med"/>
+          </a:ln>
+        </p:spPr>
+        <p:style>
+          <a:lnRef idx="0">
+            <a:scrgbClr r="0" g="0" b="0"/>
+          </a:lnRef>
+          <a:fillRef idx="0">
+            <a:scrgbClr r="0" g="0" b="0"/>
+          </a:fillRef>
+          <a:effectRef idx="0">
+            <a:scrgbClr r="0" g="0" b="0"/>
+          </a:effectRef>
+          <a:fontRef idx="minor">
+            <a:schemeClr val="tx1"/>
+          </a:fontRef>
+        </p:style>
+      </p:cxnSp>
+      <p:cxnSp>
+        <p:nvCxnSpPr>
+          <p:cNvPr id="29" name="Conector recto de flecha 28">
+            <a:extLst>
+              <a:ext uri="{FF2B5EF4-FFF2-40B4-BE49-F238E27FC236}">
+                <a16:creationId xmlns:a16="http://schemas.microsoft.com/office/drawing/2014/main" id="{609F6D2A-A08B-1434-EA8B-2B120258448A}"/>
+              </a:ext>
+            </a:extLst>
+          </p:cNvPr>
+          <p:cNvCxnSpPr>
+            <a:cxnSpLocks/>
+          </p:cNvCxnSpPr>
+          <p:nvPr/>
+        </p:nvCxnSpPr>
+        <p:spPr>
+          <a:xfrm>
+            <a:off x="5156462" y="4329005"/>
+            <a:ext cx="3403076" cy="842648"/>
+          </a:xfrm>
+          <a:prstGeom prst="straightConnector1">
+            <a:avLst/>
+          </a:prstGeom>
+          <a:ln w="25400" cap="flat" cmpd="sng" algn="ctr">
+            <a:solidFill>
+              <a:srgbClr val="FF0000"/>
+            </a:solidFill>
+            <a:prstDash val="solid"/>
+            <a:round/>
+            <a:headEnd type="none" w="med" len="med"/>
+            <a:tailEnd type="arrow" w="med" len="med"/>
+          </a:ln>
+        </p:spPr>
+        <p:style>
+          <a:lnRef idx="0">
+            <a:scrgbClr r="0" g="0" b="0"/>
+          </a:lnRef>
+          <a:fillRef idx="0">
+            <a:scrgbClr r="0" g="0" b="0"/>
+          </a:fillRef>
+          <a:effectRef idx="0">
+            <a:scrgbClr r="0" g="0" b="0"/>
+          </a:effectRef>
+          <a:fontRef idx="minor">
+            <a:schemeClr val="tx1"/>
+          </a:fontRef>
+        </p:style>
+      </p:cxnSp>
+      <p:cxnSp>
+        <p:nvCxnSpPr>
+          <p:cNvPr id="32" name="Conector recto de flecha 31">
+            <a:extLst>
+              <a:ext uri="{FF2B5EF4-FFF2-40B4-BE49-F238E27FC236}">
+                <a16:creationId xmlns:a16="http://schemas.microsoft.com/office/drawing/2014/main" id="{0182AC6C-B389-99F8-57E3-D04F82E77DA7}"/>
+              </a:ext>
+            </a:extLst>
+          </p:cNvPr>
+          <p:cNvCxnSpPr>
+            <a:cxnSpLocks/>
+          </p:cNvCxnSpPr>
+          <p:nvPr/>
+        </p:nvCxnSpPr>
+        <p:spPr>
+          <a:xfrm>
+            <a:off x="5156462" y="4100930"/>
+            <a:ext cx="3770722" cy="208301"/>
+          </a:xfrm>
+          <a:prstGeom prst="straightConnector1">
+            <a:avLst/>
+          </a:prstGeom>
+          <a:ln w="25400" cap="flat" cmpd="sng" algn="ctr">
+            <a:solidFill>
+              <a:srgbClr val="FF0000"/>
+            </a:solidFill>
+            <a:prstDash val="solid"/>
+            <a:round/>
+            <a:headEnd type="none" w="med" len="med"/>
+            <a:tailEnd type="arrow" w="med" len="med"/>
+          </a:ln>
+        </p:spPr>
+        <p:style>
+          <a:lnRef idx="0">
+            <a:scrgbClr r="0" g="0" b="0"/>
+          </a:lnRef>
+          <a:fillRef idx="0">
+            <a:scrgbClr r="0" g="0" b="0"/>
+          </a:fillRef>
+          <a:effectRef idx="0">
+            <a:scrgbClr r="0" g="0" b="0"/>
+          </a:effectRef>
+          <a:fontRef idx="minor">
+            <a:schemeClr val="tx1"/>
+          </a:fontRef>
+        </p:style>
+      </p:cxnSp>
+      <p:cxnSp>
+        <p:nvCxnSpPr>
+          <p:cNvPr id="35" name="Conector recto de flecha 34">
+            <a:extLst>
+              <a:ext uri="{FF2B5EF4-FFF2-40B4-BE49-F238E27FC236}">
+                <a16:creationId xmlns:a16="http://schemas.microsoft.com/office/drawing/2014/main" id="{A12CE444-1B01-BD37-3D66-0894552FC148}"/>
+              </a:ext>
+            </a:extLst>
+          </p:cNvPr>
+          <p:cNvCxnSpPr>
+            <a:cxnSpLocks/>
+          </p:cNvCxnSpPr>
+          <p:nvPr/>
+        </p:nvCxnSpPr>
+        <p:spPr>
+          <a:xfrm>
+            <a:off x="6372520" y="4370644"/>
+            <a:ext cx="2205871" cy="1521109"/>
+          </a:xfrm>
+          <a:prstGeom prst="straightConnector1">
+            <a:avLst/>
+          </a:prstGeom>
+          <a:ln w="25400" cap="flat" cmpd="sng" algn="ctr">
+            <a:solidFill>
+              <a:schemeClr val="accent6">
+                <a:lumMod val="75000"/>
+              </a:schemeClr>
+            </a:solidFill>
+            <a:prstDash val="solid"/>
+            <a:round/>
+            <a:headEnd type="none" w="med" len="med"/>
+            <a:tailEnd type="arrow" w="med" len="med"/>
+          </a:ln>
+        </p:spPr>
+        <p:style>
+          <a:lnRef idx="0">
+            <a:scrgbClr r="0" g="0" b="0"/>
+          </a:lnRef>
+          <a:fillRef idx="0">
+            <a:scrgbClr r="0" g="0" b="0"/>
+          </a:fillRef>
+          <a:effectRef idx="0">
+            <a:scrgbClr r="0" g="0" b="0"/>
+          </a:effectRef>
+          <a:fontRef idx="minor">
+            <a:schemeClr val="tx1"/>
+          </a:fontRef>
+        </p:style>
+      </p:cxnSp>
     </p:spTree>
     <p:extLst>
       <p:ext uri="{BB962C8B-B14F-4D97-AF65-F5344CB8AC3E}">
-        <p14:creationId xmlns:p14="http://schemas.microsoft.com/office/powerpoint/2010/main" val="2886117099"/>
+        <p14:creationId xmlns:p14="http://schemas.microsoft.com/office/powerpoint/2010/main" val="2385655234"/>
       </p:ext>
     </p:extLst>
   </p:cSld>
@@ -4958,12 +6507,426 @@
           <a:chExt cx="0" cy="0"/>
         </a:xfrm>
       </p:grpSpPr>
-      <p:sp>
-        <p:nvSpPr>
-          <p:cNvPr id="3" name="CuadroTexto 2">
-            <a:extLst>
-              <a:ext uri="{FF2B5EF4-FFF2-40B4-BE49-F238E27FC236}">
-                <a16:creationId xmlns:a16="http://schemas.microsoft.com/office/drawing/2014/main" id="{F2782D3D-4B03-6B0C-0B83-95C9480DC136}"/>
+      <p:pic>
+        <p:nvPicPr>
+          <p:cNvPr id="5" name="Imagen 4">
+            <a:extLst>
+              <a:ext uri="{FF2B5EF4-FFF2-40B4-BE49-F238E27FC236}">
+                <a16:creationId xmlns:a16="http://schemas.microsoft.com/office/drawing/2014/main" id="{FD674CAB-7AA8-17C6-B6C2-B79BDD315760}"/>
+              </a:ext>
+            </a:extLst>
+          </p:cNvPr>
+          <p:cNvPicPr>
+            <a:picLocks noChangeAspect="1"/>
+          </p:cNvPicPr>
+          <p:nvPr/>
+        </p:nvPicPr>
+        <p:blipFill>
+          <a:blip r:embed="rId2"/>
+          <a:stretch>
+            <a:fillRect/>
+          </a:stretch>
+        </p:blipFill>
+        <p:spPr>
+          <a:xfrm>
+            <a:off x="445374" y="801273"/>
+            <a:ext cx="4836085" cy="5594808"/>
+          </a:xfrm>
+          <a:prstGeom prst="rect">
+            <a:avLst/>
+          </a:prstGeom>
+        </p:spPr>
+      </p:pic>
+      <p:pic>
+        <p:nvPicPr>
+          <p:cNvPr id="7" name="Imagen 6">
+            <a:extLst>
+              <a:ext uri="{FF2B5EF4-FFF2-40B4-BE49-F238E27FC236}">
+                <a16:creationId xmlns:a16="http://schemas.microsoft.com/office/drawing/2014/main" id="{BDB4286E-B9E8-B0D1-58A2-B66025255F5A}"/>
+              </a:ext>
+            </a:extLst>
+          </p:cNvPr>
+          <p:cNvPicPr>
+            <a:picLocks noChangeAspect="1"/>
+          </p:cNvPicPr>
+          <p:nvPr/>
+        </p:nvPicPr>
+        <p:blipFill>
+          <a:blip r:embed="rId3"/>
+          <a:stretch>
+            <a:fillRect/>
+          </a:stretch>
+        </p:blipFill>
+        <p:spPr>
+          <a:xfrm>
+            <a:off x="6247269" y="904967"/>
+            <a:ext cx="5671354" cy="5660796"/>
+          </a:xfrm>
+          <a:prstGeom prst="rect">
+            <a:avLst/>
+          </a:prstGeom>
+        </p:spPr>
+      </p:pic>
+      <p:cxnSp>
+        <p:nvCxnSpPr>
+          <p:cNvPr id="9" name="Conector recto de flecha 8">
+            <a:extLst>
+              <a:ext uri="{FF2B5EF4-FFF2-40B4-BE49-F238E27FC236}">
+                <a16:creationId xmlns:a16="http://schemas.microsoft.com/office/drawing/2014/main" id="{97FF4BD7-FB4B-1D2A-ACCE-BE149B04F850}"/>
+              </a:ext>
+            </a:extLst>
+          </p:cNvPr>
+          <p:cNvCxnSpPr>
+            <a:cxnSpLocks/>
+          </p:cNvCxnSpPr>
+          <p:nvPr/>
+        </p:nvCxnSpPr>
+        <p:spPr>
+          <a:xfrm flipH="1">
+            <a:off x="3553905" y="2537227"/>
+            <a:ext cx="3356638" cy="215394"/>
+          </a:xfrm>
+          <a:prstGeom prst="straightConnector1">
+            <a:avLst/>
+          </a:prstGeom>
+          <a:ln>
+            <a:solidFill>
+              <a:srgbClr val="FF0000"/>
+            </a:solidFill>
+            <a:tailEnd type="triangle"/>
+          </a:ln>
+        </p:spPr>
+        <p:style>
+          <a:lnRef idx="3">
+            <a:schemeClr val="accent2"/>
+          </a:lnRef>
+          <a:fillRef idx="0">
+            <a:schemeClr val="accent2"/>
+          </a:fillRef>
+          <a:effectRef idx="2">
+            <a:schemeClr val="accent2"/>
+          </a:effectRef>
+          <a:fontRef idx="minor">
+            <a:schemeClr val="tx1"/>
+          </a:fontRef>
+        </p:style>
+      </p:cxnSp>
+      <p:cxnSp>
+        <p:nvCxnSpPr>
+          <p:cNvPr id="11" name="Conector recto de flecha 10">
+            <a:extLst>
+              <a:ext uri="{FF2B5EF4-FFF2-40B4-BE49-F238E27FC236}">
+                <a16:creationId xmlns:a16="http://schemas.microsoft.com/office/drawing/2014/main" id="{7154EA90-6D0E-778E-80F5-E26858D5DC0E}"/>
+              </a:ext>
+            </a:extLst>
+          </p:cNvPr>
+          <p:cNvCxnSpPr>
+            <a:cxnSpLocks/>
+          </p:cNvCxnSpPr>
+          <p:nvPr/>
+        </p:nvCxnSpPr>
+        <p:spPr>
+          <a:xfrm flipH="1">
+            <a:off x="3553905" y="2709222"/>
+            <a:ext cx="3356638" cy="215394"/>
+          </a:xfrm>
+          <a:prstGeom prst="straightConnector1">
+            <a:avLst/>
+          </a:prstGeom>
+          <a:ln>
+            <a:solidFill>
+              <a:srgbClr val="FF0000"/>
+            </a:solidFill>
+            <a:tailEnd type="triangle"/>
+          </a:ln>
+        </p:spPr>
+        <p:style>
+          <a:lnRef idx="3">
+            <a:schemeClr val="accent2"/>
+          </a:lnRef>
+          <a:fillRef idx="0">
+            <a:schemeClr val="accent2"/>
+          </a:fillRef>
+          <a:effectRef idx="2">
+            <a:schemeClr val="accent2"/>
+          </a:effectRef>
+          <a:fontRef idx="minor">
+            <a:schemeClr val="tx1"/>
+          </a:fontRef>
+        </p:style>
+      </p:cxnSp>
+      <p:cxnSp>
+        <p:nvCxnSpPr>
+          <p:cNvPr id="12" name="Conector recto de flecha 11">
+            <a:extLst>
+              <a:ext uri="{FF2B5EF4-FFF2-40B4-BE49-F238E27FC236}">
+                <a16:creationId xmlns:a16="http://schemas.microsoft.com/office/drawing/2014/main" id="{FF32274F-D37C-4EFB-4A82-8FE0F7925E36}"/>
+              </a:ext>
+            </a:extLst>
+          </p:cNvPr>
+          <p:cNvCxnSpPr>
+            <a:cxnSpLocks/>
+          </p:cNvCxnSpPr>
+          <p:nvPr/>
+        </p:nvCxnSpPr>
+        <p:spPr>
+          <a:xfrm flipH="1">
+            <a:off x="3553905" y="3096611"/>
+            <a:ext cx="3614646" cy="252300"/>
+          </a:xfrm>
+          <a:prstGeom prst="straightConnector1">
+            <a:avLst/>
+          </a:prstGeom>
+          <a:ln>
+            <a:tailEnd type="triangle"/>
+          </a:ln>
+        </p:spPr>
+        <p:style>
+          <a:lnRef idx="3">
+            <a:schemeClr val="accent2"/>
+          </a:lnRef>
+          <a:fillRef idx="0">
+            <a:schemeClr val="accent2"/>
+          </a:fillRef>
+          <a:effectRef idx="2">
+            <a:schemeClr val="accent2"/>
+          </a:effectRef>
+          <a:fontRef idx="minor">
+            <a:schemeClr val="tx1"/>
+          </a:fontRef>
+        </p:style>
+      </p:cxnSp>
+      <p:cxnSp>
+        <p:nvCxnSpPr>
+          <p:cNvPr id="15" name="Conector recto de flecha 14">
+            <a:extLst>
+              <a:ext uri="{FF2B5EF4-FFF2-40B4-BE49-F238E27FC236}">
+                <a16:creationId xmlns:a16="http://schemas.microsoft.com/office/drawing/2014/main" id="{0623A7E2-5695-F318-5B7E-7EE9FA0E2C0F}"/>
+              </a:ext>
+            </a:extLst>
+          </p:cNvPr>
+          <p:cNvCxnSpPr>
+            <a:cxnSpLocks/>
+          </p:cNvCxnSpPr>
+          <p:nvPr/>
+        </p:nvCxnSpPr>
+        <p:spPr>
+          <a:xfrm flipH="1">
+            <a:off x="3076577" y="3226674"/>
+            <a:ext cx="4091974" cy="555959"/>
+          </a:xfrm>
+          <a:prstGeom prst="straightConnector1">
+            <a:avLst/>
+          </a:prstGeom>
+          <a:ln>
+            <a:solidFill>
+              <a:schemeClr val="accent5">
+                <a:lumMod val="75000"/>
+              </a:schemeClr>
+            </a:solidFill>
+            <a:tailEnd type="triangle"/>
+          </a:ln>
+        </p:spPr>
+        <p:style>
+          <a:lnRef idx="3">
+            <a:schemeClr val="accent2"/>
+          </a:lnRef>
+          <a:fillRef idx="0">
+            <a:schemeClr val="accent2"/>
+          </a:fillRef>
+          <a:effectRef idx="2">
+            <a:schemeClr val="accent2"/>
+          </a:effectRef>
+          <a:fontRef idx="minor">
+            <a:schemeClr val="tx1"/>
+          </a:fontRef>
+        </p:style>
+      </p:cxnSp>
+      <p:cxnSp>
+        <p:nvCxnSpPr>
+          <p:cNvPr id="17" name="Conector recto de flecha 16">
+            <a:extLst>
+              <a:ext uri="{FF2B5EF4-FFF2-40B4-BE49-F238E27FC236}">
+                <a16:creationId xmlns:a16="http://schemas.microsoft.com/office/drawing/2014/main" id="{0A9F8307-61A7-0142-905C-2FB6AE45CB47}"/>
+              </a:ext>
+            </a:extLst>
+          </p:cNvPr>
+          <p:cNvCxnSpPr>
+            <a:cxnSpLocks/>
+          </p:cNvCxnSpPr>
+          <p:nvPr/>
+        </p:nvCxnSpPr>
+        <p:spPr>
+          <a:xfrm flipH="1">
+            <a:off x="4317476" y="3377977"/>
+            <a:ext cx="2861368" cy="1038584"/>
+          </a:xfrm>
+          <a:prstGeom prst="straightConnector1">
+            <a:avLst/>
+          </a:prstGeom>
+          <a:ln>
+            <a:tailEnd type="triangle"/>
+          </a:ln>
+        </p:spPr>
+        <p:style>
+          <a:lnRef idx="3">
+            <a:schemeClr val="accent2"/>
+          </a:lnRef>
+          <a:fillRef idx="0">
+            <a:schemeClr val="accent2"/>
+          </a:fillRef>
+          <a:effectRef idx="2">
+            <a:schemeClr val="accent2"/>
+          </a:effectRef>
+          <a:fontRef idx="minor">
+            <a:schemeClr val="tx1"/>
+          </a:fontRef>
+        </p:style>
+      </p:cxnSp>
+      <p:cxnSp>
+        <p:nvCxnSpPr>
+          <p:cNvPr id="19" name="Conector recto de flecha 18">
+            <a:extLst>
+              <a:ext uri="{FF2B5EF4-FFF2-40B4-BE49-F238E27FC236}">
+                <a16:creationId xmlns:a16="http://schemas.microsoft.com/office/drawing/2014/main" id="{420E4A36-8069-42E3-9E09-E1E61AC50EDA}"/>
+              </a:ext>
+            </a:extLst>
+          </p:cNvPr>
+          <p:cNvCxnSpPr>
+            <a:cxnSpLocks/>
+          </p:cNvCxnSpPr>
+          <p:nvPr/>
+        </p:nvCxnSpPr>
+        <p:spPr>
+          <a:xfrm flipH="1">
+            <a:off x="3076577" y="3528733"/>
+            <a:ext cx="4091974" cy="303058"/>
+          </a:xfrm>
+          <a:prstGeom prst="straightConnector1">
+            <a:avLst/>
+          </a:prstGeom>
+          <a:ln>
+            <a:solidFill>
+              <a:schemeClr val="accent6">
+                <a:lumMod val="75000"/>
+              </a:schemeClr>
+            </a:solidFill>
+            <a:tailEnd type="triangle"/>
+          </a:ln>
+        </p:spPr>
+        <p:style>
+          <a:lnRef idx="3">
+            <a:schemeClr val="accent2"/>
+          </a:lnRef>
+          <a:fillRef idx="0">
+            <a:schemeClr val="accent2"/>
+          </a:fillRef>
+          <a:effectRef idx="2">
+            <a:schemeClr val="accent2"/>
+          </a:effectRef>
+          <a:fontRef idx="minor">
+            <a:schemeClr val="tx1"/>
+          </a:fontRef>
+        </p:style>
+      </p:cxnSp>
+      <p:cxnSp>
+        <p:nvCxnSpPr>
+          <p:cNvPr id="27" name="Conector recto de flecha 26">
+            <a:extLst>
+              <a:ext uri="{FF2B5EF4-FFF2-40B4-BE49-F238E27FC236}">
+                <a16:creationId xmlns:a16="http://schemas.microsoft.com/office/drawing/2014/main" id="{2FEB00EA-45B8-D341-A4B0-291A63EA9E17}"/>
+              </a:ext>
+            </a:extLst>
+          </p:cNvPr>
+          <p:cNvCxnSpPr>
+            <a:cxnSpLocks/>
+          </p:cNvCxnSpPr>
+          <p:nvPr/>
+        </p:nvCxnSpPr>
+        <p:spPr>
+          <a:xfrm flipH="1">
+            <a:off x="4317476" y="3222761"/>
+            <a:ext cx="2830490" cy="1161455"/>
+          </a:xfrm>
+          <a:prstGeom prst="straightConnector1">
+            <a:avLst/>
+          </a:prstGeom>
+          <a:ln>
+            <a:solidFill>
+              <a:schemeClr val="accent5">
+                <a:lumMod val="75000"/>
+              </a:schemeClr>
+            </a:solidFill>
+            <a:tailEnd type="triangle"/>
+          </a:ln>
+        </p:spPr>
+        <p:style>
+          <a:lnRef idx="3">
+            <a:schemeClr val="accent2"/>
+          </a:lnRef>
+          <a:fillRef idx="0">
+            <a:schemeClr val="accent2"/>
+          </a:fillRef>
+          <a:effectRef idx="2">
+            <a:schemeClr val="accent2"/>
+          </a:effectRef>
+          <a:fontRef idx="minor">
+            <a:schemeClr val="tx1"/>
+          </a:fontRef>
+        </p:style>
+      </p:cxnSp>
+      <p:cxnSp>
+        <p:nvCxnSpPr>
+          <p:cNvPr id="28" name="Conector recto de flecha 27">
+            <a:extLst>
+              <a:ext uri="{FF2B5EF4-FFF2-40B4-BE49-F238E27FC236}">
+                <a16:creationId xmlns:a16="http://schemas.microsoft.com/office/drawing/2014/main" id="{C4055FC5-B6BB-8EA3-E1EC-BF303ABC62DA}"/>
+              </a:ext>
+            </a:extLst>
+          </p:cNvPr>
+          <p:cNvCxnSpPr>
+            <a:cxnSpLocks/>
+          </p:cNvCxnSpPr>
+          <p:nvPr/>
+        </p:nvCxnSpPr>
+        <p:spPr>
+          <a:xfrm flipH="1">
+            <a:off x="3076577" y="3650969"/>
+            <a:ext cx="4071389" cy="611011"/>
+          </a:xfrm>
+          <a:prstGeom prst="straightConnector1">
+            <a:avLst/>
+          </a:prstGeom>
+          <a:ln>
+            <a:solidFill>
+              <a:schemeClr val="accent2">
+                <a:lumMod val="50000"/>
+              </a:schemeClr>
+            </a:solidFill>
+            <a:tailEnd type="triangle"/>
+          </a:ln>
+        </p:spPr>
+        <p:style>
+          <a:lnRef idx="3">
+            <a:schemeClr val="accent2"/>
+          </a:lnRef>
+          <a:fillRef idx="0">
+            <a:schemeClr val="accent2"/>
+          </a:fillRef>
+          <a:effectRef idx="2">
+            <a:schemeClr val="accent2"/>
+          </a:effectRef>
+          <a:fontRef idx="minor">
+            <a:schemeClr val="tx1"/>
+          </a:fontRef>
+        </p:style>
+      </p:cxnSp>
+      <p:sp>
+        <p:nvSpPr>
+          <p:cNvPr id="41" name="CuadroTexto 40">
+            <a:extLst>
+              <a:ext uri="{FF2B5EF4-FFF2-40B4-BE49-F238E27FC236}">
+                <a16:creationId xmlns:a16="http://schemas.microsoft.com/office/drawing/2014/main" id="{F63253A6-F975-B891-51CD-2B36388BB11D}"/>
               </a:ext>
             </a:extLst>
           </p:cNvPr>
@@ -4972,8 +6935,8 @@
         </p:nvSpPr>
         <p:spPr>
           <a:xfrm>
-            <a:off x="122549" y="574893"/>
-            <a:ext cx="6862713" cy="4339650"/>
+            <a:off x="6703636" y="595623"/>
+            <a:ext cx="4347027" cy="276999"/>
           </a:xfrm>
           <a:prstGeom prst="rect">
             <a:avLst/>
@@ -4987,702 +6950,21 @@
           <a:lstStyle/>
           <a:p>
             <a:r>
-              <a:rPr lang="es-ES" u="sng" dirty="0"/>
-              <a:t>Alternativa a actualizar el fichero JSON desde una consola de comandos </a:t>
-            </a:r>
-          </a:p>
-          <a:p>
-            <a:endParaRPr lang="es-ES" dirty="0"/>
-          </a:p>
-          <a:p>
-            <a:r>
-              <a:rPr lang="es-ES" sz="1600" dirty="0"/>
-              <a:t>Debe tener el programa </a:t>
-            </a:r>
-            <a:r>
-              <a:rPr lang="es-ES" sz="1600" dirty="0" err="1"/>
-              <a:t>git</a:t>
-            </a:r>
-            <a:r>
-              <a:rPr lang="es-ES" sz="1600" dirty="0"/>
-              <a:t> instalado ( https://git-scm.com )</a:t>
-            </a:r>
-          </a:p>
-          <a:p>
-            <a:r>
-              <a:rPr lang="es-ES" sz="1600" dirty="0"/>
-              <a:t>Crear un directorio que contenga exclusivamente el fichero '</a:t>
-            </a:r>
-            <a:r>
-              <a:rPr lang="es-ES" sz="1600" dirty="0" err="1"/>
-              <a:t>newsletter.json</a:t>
-            </a:r>
-            <a:r>
-              <a:rPr lang="es-ES" sz="1600" dirty="0"/>
-              <a:t>' donde habremos copiado su contenido</a:t>
-            </a:r>
-          </a:p>
-          <a:p>
-            <a:r>
-              <a:rPr lang="es-ES" sz="1600" dirty="0"/>
-              <a:t>	La primera vez (y solo una vez):  				</a:t>
-            </a:r>
-          </a:p>
-          <a:p>
-            <a:r>
-              <a:rPr lang="es-ES" sz="1600" dirty="0"/>
-              <a:t>		</a:t>
-            </a:r>
-            <a:r>
-              <a:rPr lang="es-ES" sz="1600" dirty="0">
-                <a:solidFill>
-                  <a:schemeClr val="accent5">
-                    <a:lumMod val="75000"/>
-                  </a:schemeClr>
-                </a:solidFill>
-              </a:rPr>
-              <a:t>echo "# Borrar-</a:t>
-            </a:r>
-            <a:r>
-              <a:rPr lang="es-ES" sz="1600" dirty="0" err="1">
-                <a:solidFill>
-                  <a:schemeClr val="accent5">
-                    <a:lumMod val="75000"/>
-                  </a:schemeClr>
-                </a:solidFill>
-              </a:rPr>
-              <a:t>xyz</a:t>
-            </a:r>
-            <a:r>
-              <a:rPr lang="es-ES" sz="1600" dirty="0">
-                <a:solidFill>
-                  <a:schemeClr val="accent5">
-                    <a:lumMod val="75000"/>
-                  </a:schemeClr>
-                </a:solidFill>
-              </a:rPr>
-              <a:t>" &gt;&gt; README.md</a:t>
-            </a:r>
-          </a:p>
-          <a:p>
-            <a:r>
-              <a:rPr lang="es-ES" sz="1600" dirty="0">
-                <a:solidFill>
-                  <a:schemeClr val="accent5">
-                    <a:lumMod val="75000"/>
-                  </a:schemeClr>
-                </a:solidFill>
-              </a:rPr>
-              <a:t>		</a:t>
-            </a:r>
-            <a:r>
-              <a:rPr lang="es-ES" sz="1600" dirty="0" err="1">
-                <a:solidFill>
-                  <a:schemeClr val="accent5">
-                    <a:lumMod val="75000"/>
-                  </a:schemeClr>
-                </a:solidFill>
-              </a:rPr>
-              <a:t>git</a:t>
-            </a:r>
-            <a:r>
-              <a:rPr lang="es-ES" sz="1600" dirty="0">
-                <a:solidFill>
-                  <a:schemeClr val="accent5">
-                    <a:lumMod val="75000"/>
-                  </a:schemeClr>
-                </a:solidFill>
-              </a:rPr>
-              <a:t> </a:t>
-            </a:r>
-            <a:r>
-              <a:rPr lang="es-ES" sz="1600" dirty="0" err="1">
-                <a:solidFill>
-                  <a:schemeClr val="accent5">
-                    <a:lumMod val="75000"/>
-                  </a:schemeClr>
-                </a:solidFill>
-              </a:rPr>
-              <a:t>init</a:t>
-            </a:r>
-            <a:endParaRPr lang="es-ES" sz="1600" dirty="0">
-              <a:solidFill>
-                <a:schemeClr val="accent5">
-                  <a:lumMod val="75000"/>
-                </a:schemeClr>
-              </a:solidFill>
-            </a:endParaRPr>
-          </a:p>
-          <a:p>
-            <a:r>
-              <a:rPr lang="es-ES" sz="1600" dirty="0">
-                <a:solidFill>
-                  <a:schemeClr val="accent5">
-                    <a:lumMod val="75000"/>
-                  </a:schemeClr>
-                </a:solidFill>
-              </a:rPr>
-              <a:t>		</a:t>
-            </a:r>
-            <a:r>
-              <a:rPr lang="es-ES" sz="1600" dirty="0" err="1">
-                <a:solidFill>
-                  <a:schemeClr val="accent5">
-                    <a:lumMod val="75000"/>
-                  </a:schemeClr>
-                </a:solidFill>
-              </a:rPr>
-              <a:t>git</a:t>
-            </a:r>
-            <a:r>
-              <a:rPr lang="es-ES" sz="1600" dirty="0">
-                <a:solidFill>
-                  <a:schemeClr val="accent5">
-                    <a:lumMod val="75000"/>
-                  </a:schemeClr>
-                </a:solidFill>
-              </a:rPr>
-              <a:t> </a:t>
-            </a:r>
-            <a:r>
-              <a:rPr lang="es-ES" sz="1600" dirty="0" err="1">
-                <a:solidFill>
-                  <a:schemeClr val="accent5">
-                    <a:lumMod val="75000"/>
-                  </a:schemeClr>
-                </a:solidFill>
-              </a:rPr>
-              <a:t>add</a:t>
-            </a:r>
-            <a:r>
-              <a:rPr lang="es-ES" sz="1600" dirty="0">
-                <a:solidFill>
-                  <a:schemeClr val="accent5">
-                    <a:lumMod val="75000"/>
-                  </a:schemeClr>
-                </a:solidFill>
-              </a:rPr>
-              <a:t> README.md</a:t>
-            </a:r>
-          </a:p>
-          <a:p>
-            <a:r>
-              <a:rPr lang="es-ES" sz="1600" dirty="0">
-                <a:solidFill>
-                  <a:schemeClr val="accent5">
-                    <a:lumMod val="75000"/>
-                  </a:schemeClr>
-                </a:solidFill>
-              </a:rPr>
-              <a:t>		</a:t>
-            </a:r>
-            <a:r>
-              <a:rPr lang="es-ES" sz="1600" dirty="0" err="1">
-                <a:solidFill>
-                  <a:schemeClr val="accent5">
-                    <a:lumMod val="75000"/>
-                  </a:schemeClr>
-                </a:solidFill>
-              </a:rPr>
-              <a:t>git</a:t>
-            </a:r>
-            <a:r>
-              <a:rPr lang="es-ES" sz="1600" dirty="0">
-                <a:solidFill>
-                  <a:schemeClr val="accent5">
-                    <a:lumMod val="75000"/>
-                  </a:schemeClr>
-                </a:solidFill>
-              </a:rPr>
-              <a:t> </a:t>
-            </a:r>
-            <a:r>
-              <a:rPr lang="es-ES" sz="1600" dirty="0" err="1">
-                <a:solidFill>
-                  <a:schemeClr val="accent5">
-                    <a:lumMod val="75000"/>
-                  </a:schemeClr>
-                </a:solidFill>
-              </a:rPr>
-              <a:t>commit</a:t>
-            </a:r>
-            <a:r>
-              <a:rPr lang="es-ES" sz="1600" dirty="0">
-                <a:solidFill>
-                  <a:schemeClr val="accent5">
-                    <a:lumMod val="75000"/>
-                  </a:schemeClr>
-                </a:solidFill>
-              </a:rPr>
-              <a:t> -m "</a:t>
-            </a:r>
-            <a:r>
-              <a:rPr lang="es-ES" sz="1600" dirty="0" err="1">
-                <a:solidFill>
-                  <a:schemeClr val="accent5">
-                    <a:lumMod val="75000"/>
-                  </a:schemeClr>
-                </a:solidFill>
-              </a:rPr>
-              <a:t>first</a:t>
-            </a:r>
-            <a:r>
-              <a:rPr lang="es-ES" sz="1600" dirty="0">
-                <a:solidFill>
-                  <a:schemeClr val="accent5">
-                    <a:lumMod val="75000"/>
-                  </a:schemeClr>
-                </a:solidFill>
-              </a:rPr>
-              <a:t> </a:t>
-            </a:r>
-            <a:r>
-              <a:rPr lang="es-ES" sz="1600" dirty="0" err="1">
-                <a:solidFill>
-                  <a:schemeClr val="accent5">
-                    <a:lumMod val="75000"/>
-                  </a:schemeClr>
-                </a:solidFill>
-              </a:rPr>
-              <a:t>commit</a:t>
-            </a:r>
-            <a:r>
-              <a:rPr lang="es-ES" sz="1600" dirty="0">
-                <a:solidFill>
-                  <a:schemeClr val="accent5">
-                    <a:lumMod val="75000"/>
-                  </a:schemeClr>
-                </a:solidFill>
-              </a:rPr>
-              <a:t>"</a:t>
-            </a:r>
-          </a:p>
-          <a:p>
-            <a:r>
-              <a:rPr lang="es-ES" sz="1600" dirty="0">
-                <a:solidFill>
-                  <a:schemeClr val="accent5">
-                    <a:lumMod val="75000"/>
-                  </a:schemeClr>
-                </a:solidFill>
-              </a:rPr>
-              <a:t>		</a:t>
-            </a:r>
-            <a:r>
-              <a:rPr lang="es-ES" sz="1600" dirty="0" err="1">
-                <a:solidFill>
-                  <a:schemeClr val="accent5">
-                    <a:lumMod val="75000"/>
-                  </a:schemeClr>
-                </a:solidFill>
-              </a:rPr>
-              <a:t>git</a:t>
-            </a:r>
-            <a:r>
-              <a:rPr lang="es-ES" sz="1600" dirty="0">
-                <a:solidFill>
-                  <a:schemeClr val="accent5">
-                    <a:lumMod val="75000"/>
-                  </a:schemeClr>
-                </a:solidFill>
-              </a:rPr>
-              <a:t> </a:t>
-            </a:r>
-            <a:r>
-              <a:rPr lang="es-ES" sz="1600" dirty="0" err="1">
-                <a:solidFill>
-                  <a:schemeClr val="accent5">
-                    <a:lumMod val="75000"/>
-                  </a:schemeClr>
-                </a:solidFill>
-              </a:rPr>
-              <a:t>branch</a:t>
-            </a:r>
-            <a:r>
-              <a:rPr lang="es-ES" sz="1600" dirty="0">
-                <a:solidFill>
-                  <a:schemeClr val="accent5">
-                    <a:lumMod val="75000"/>
-                  </a:schemeClr>
-                </a:solidFill>
-              </a:rPr>
-              <a:t> -M </a:t>
-            </a:r>
-            <a:r>
-              <a:rPr lang="es-ES" sz="1600" dirty="0" err="1">
-                <a:solidFill>
-                  <a:schemeClr val="accent5">
-                    <a:lumMod val="75000"/>
-                  </a:schemeClr>
-                </a:solidFill>
-              </a:rPr>
-              <a:t>main</a:t>
-            </a:r>
-            <a:endParaRPr lang="es-ES" sz="1600" dirty="0">
-              <a:solidFill>
-                <a:schemeClr val="accent5">
-                  <a:lumMod val="75000"/>
-                </a:schemeClr>
-              </a:solidFill>
-            </a:endParaRPr>
-          </a:p>
-          <a:p>
-            <a:r>
-              <a:rPr lang="es-ES" sz="1600" dirty="0">
-                <a:solidFill>
-                  <a:schemeClr val="accent5">
-                    <a:lumMod val="75000"/>
-                  </a:schemeClr>
-                </a:solidFill>
-              </a:rPr>
-              <a:t>		</a:t>
-            </a:r>
-            <a:r>
-              <a:rPr lang="es-ES" sz="1400" dirty="0" err="1">
-                <a:solidFill>
-                  <a:schemeClr val="accent5">
-                    <a:lumMod val="75000"/>
-                  </a:schemeClr>
-                </a:solidFill>
-              </a:rPr>
-              <a:t>git</a:t>
-            </a:r>
-            <a:r>
-              <a:rPr lang="es-ES" sz="1400" dirty="0">
-                <a:solidFill>
-                  <a:schemeClr val="accent5">
-                    <a:lumMod val="75000"/>
-                  </a:schemeClr>
-                </a:solidFill>
-              </a:rPr>
-              <a:t> remote </a:t>
-            </a:r>
-            <a:r>
-              <a:rPr lang="es-ES" sz="1400" dirty="0" err="1">
-                <a:solidFill>
-                  <a:schemeClr val="accent5">
-                    <a:lumMod val="75000"/>
-                  </a:schemeClr>
-                </a:solidFill>
-              </a:rPr>
-              <a:t>add</a:t>
-            </a:r>
-            <a:r>
-              <a:rPr lang="es-ES" sz="1400" dirty="0">
-                <a:solidFill>
-                  <a:schemeClr val="accent5">
-                    <a:lumMod val="75000"/>
-                  </a:schemeClr>
-                </a:solidFill>
-              </a:rPr>
-              <a:t> </a:t>
-            </a:r>
-            <a:r>
-              <a:rPr lang="es-ES" sz="1400" dirty="0" err="1">
-                <a:solidFill>
-                  <a:schemeClr val="accent5">
-                    <a:lumMod val="75000"/>
-                  </a:schemeClr>
-                </a:solidFill>
-              </a:rPr>
-              <a:t>origin</a:t>
-            </a:r>
-            <a:r>
-              <a:rPr lang="es-ES" sz="1400" dirty="0">
-                <a:solidFill>
-                  <a:schemeClr val="accent5">
-                    <a:lumMod val="75000"/>
-                  </a:schemeClr>
-                </a:solidFill>
-              </a:rPr>
-              <a:t> https://github.com/CaptWhite/newsletter.git</a:t>
-            </a:r>
-            <a:endParaRPr lang="es-ES" sz="1600" dirty="0">
-              <a:solidFill>
-                <a:schemeClr val="accent5">
-                  <a:lumMod val="75000"/>
-                </a:schemeClr>
-              </a:solidFill>
-            </a:endParaRPr>
-          </a:p>
-          <a:p>
-            <a:r>
-              <a:rPr lang="es-ES" sz="1600" dirty="0">
-                <a:solidFill>
-                  <a:schemeClr val="accent5">
-                    <a:lumMod val="75000"/>
-                  </a:schemeClr>
-                </a:solidFill>
-              </a:rPr>
-              <a:t>		</a:t>
-            </a:r>
-            <a:r>
-              <a:rPr lang="es-ES" sz="1600" dirty="0" err="1">
-                <a:solidFill>
-                  <a:schemeClr val="accent5">
-                    <a:lumMod val="75000"/>
-                  </a:schemeClr>
-                </a:solidFill>
-              </a:rPr>
-              <a:t>git</a:t>
-            </a:r>
-            <a:r>
-              <a:rPr lang="es-ES" sz="1600" dirty="0">
-                <a:solidFill>
-                  <a:schemeClr val="accent5">
-                    <a:lumMod val="75000"/>
-                  </a:schemeClr>
-                </a:solidFill>
-              </a:rPr>
-              <a:t> </a:t>
-            </a:r>
-            <a:r>
-              <a:rPr lang="es-ES" sz="1600" dirty="0" err="1">
-                <a:solidFill>
-                  <a:schemeClr val="accent5">
-                    <a:lumMod val="75000"/>
-                  </a:schemeClr>
-                </a:solidFill>
-              </a:rPr>
-              <a:t>push</a:t>
-            </a:r>
-            <a:r>
-              <a:rPr lang="es-ES" sz="1600" dirty="0">
-                <a:solidFill>
-                  <a:schemeClr val="accent5">
-                    <a:lumMod val="75000"/>
-                  </a:schemeClr>
-                </a:solidFill>
-              </a:rPr>
-              <a:t> -u </a:t>
-            </a:r>
-            <a:r>
-              <a:rPr lang="es-ES" sz="1600" dirty="0" err="1">
-                <a:solidFill>
-                  <a:schemeClr val="accent5">
-                    <a:lumMod val="75000"/>
-                  </a:schemeClr>
-                </a:solidFill>
-              </a:rPr>
-              <a:t>origin</a:t>
-            </a:r>
-            <a:r>
-              <a:rPr lang="es-ES" sz="1600" dirty="0">
-                <a:solidFill>
-                  <a:schemeClr val="accent5">
-                    <a:lumMod val="75000"/>
-                  </a:schemeClr>
-                </a:solidFill>
-              </a:rPr>
-              <a:t> </a:t>
-            </a:r>
-            <a:r>
-              <a:rPr lang="es-ES" sz="1600" dirty="0" err="1">
-                <a:solidFill>
-                  <a:schemeClr val="accent5">
-                    <a:lumMod val="75000"/>
-                  </a:schemeClr>
-                </a:solidFill>
-              </a:rPr>
-              <a:t>main</a:t>
-            </a:r>
-            <a:endParaRPr lang="es-ES" sz="1600" dirty="0">
-              <a:solidFill>
-                <a:schemeClr val="accent5">
-                  <a:lumMod val="75000"/>
-                </a:schemeClr>
-              </a:solidFill>
-            </a:endParaRPr>
-          </a:p>
-          <a:p>
-            <a:r>
-              <a:rPr lang="es-ES" sz="1600" dirty="0"/>
-              <a:t>	En veces sucesivas:</a:t>
-            </a:r>
-          </a:p>
-          <a:p>
-            <a:r>
-              <a:rPr lang="es-ES" sz="1600" dirty="0"/>
-              <a:t>		</a:t>
-            </a:r>
-            <a:r>
-              <a:rPr lang="es-ES" sz="1600" dirty="0" err="1">
-                <a:solidFill>
-                  <a:srgbClr val="FF0000"/>
-                </a:solidFill>
-              </a:rPr>
-              <a:t>git</a:t>
-            </a:r>
-            <a:r>
-              <a:rPr lang="es-ES" sz="1600" dirty="0">
-                <a:solidFill>
-                  <a:srgbClr val="FF0000"/>
-                </a:solidFill>
-              </a:rPr>
-              <a:t> </a:t>
-            </a:r>
-            <a:r>
-              <a:rPr lang="es-ES" sz="1600" dirty="0" err="1">
-                <a:solidFill>
-                  <a:srgbClr val="FF0000"/>
-                </a:solidFill>
-              </a:rPr>
-              <a:t>add</a:t>
-            </a:r>
-            <a:r>
-              <a:rPr lang="es-ES" sz="1600" dirty="0">
-                <a:solidFill>
-                  <a:srgbClr val="FF0000"/>
-                </a:solidFill>
-              </a:rPr>
-              <a:t> .</a:t>
-            </a:r>
-          </a:p>
-          <a:p>
-            <a:r>
-              <a:rPr lang="es-ES" sz="1600" dirty="0">
-                <a:solidFill>
-                  <a:srgbClr val="FF0000"/>
-                </a:solidFill>
-              </a:rPr>
-              <a:t>		</a:t>
-            </a:r>
-            <a:r>
-              <a:rPr lang="es-ES" sz="1600" dirty="0" err="1">
-                <a:solidFill>
-                  <a:srgbClr val="FF0000"/>
-                </a:solidFill>
-              </a:rPr>
-              <a:t>git</a:t>
-            </a:r>
-            <a:r>
-              <a:rPr lang="es-ES" sz="1600" dirty="0">
-                <a:solidFill>
-                  <a:srgbClr val="FF0000"/>
-                </a:solidFill>
-              </a:rPr>
-              <a:t> </a:t>
-            </a:r>
-            <a:r>
-              <a:rPr lang="es-ES" sz="1600" dirty="0" err="1">
-                <a:solidFill>
-                  <a:srgbClr val="FF0000"/>
-                </a:solidFill>
-              </a:rPr>
-              <a:t>commit</a:t>
-            </a:r>
-            <a:r>
-              <a:rPr lang="es-ES" sz="1600" dirty="0">
-                <a:solidFill>
-                  <a:srgbClr val="FF0000"/>
-                </a:solidFill>
-              </a:rPr>
-              <a:t> -m "</a:t>
-            </a:r>
-            <a:r>
-              <a:rPr lang="es-ES" sz="1600" b="1" noProof="1">
-                <a:solidFill>
-                  <a:srgbClr val="FF0000"/>
-                </a:solidFill>
-              </a:rPr>
-              <a:t> </a:t>
-            </a:r>
-            <a:r>
-              <a:rPr lang="es-ES" sz="1400" noProof="1">
-                <a:solidFill>
-                  <a:srgbClr val="FF0000"/>
-                </a:solidFill>
-              </a:rPr>
-              <a:t>Butlletí 102 </a:t>
-            </a:r>
-            <a:r>
-              <a:rPr lang="es-ES" sz="1600" dirty="0">
-                <a:solidFill>
-                  <a:srgbClr val="FF0000"/>
-                </a:solidFill>
-              </a:rPr>
-              <a:t>"</a:t>
-            </a:r>
-          </a:p>
-          <a:p>
-            <a:r>
-              <a:rPr lang="es-ES" sz="1600" dirty="0">
-                <a:solidFill>
-                  <a:srgbClr val="FF0000"/>
-                </a:solidFill>
-              </a:rPr>
-              <a:t>		</a:t>
-            </a:r>
-            <a:r>
-              <a:rPr lang="es-ES" sz="1600" dirty="0" err="1">
-                <a:solidFill>
-                  <a:srgbClr val="FF0000"/>
-                </a:solidFill>
-              </a:rPr>
-              <a:t>git</a:t>
-            </a:r>
-            <a:r>
-              <a:rPr lang="es-ES" sz="1600" dirty="0">
-                <a:solidFill>
-                  <a:srgbClr val="FF0000"/>
-                </a:solidFill>
-              </a:rPr>
-              <a:t> </a:t>
-            </a:r>
-            <a:r>
-              <a:rPr lang="es-ES" sz="1600" dirty="0" err="1">
-                <a:solidFill>
-                  <a:srgbClr val="FF0000"/>
-                </a:solidFill>
-              </a:rPr>
-              <a:t>push</a:t>
-            </a:r>
-            <a:r>
-              <a:rPr lang="es-ES" sz="1600" dirty="0">
-                <a:solidFill>
-                  <a:srgbClr val="FF0000"/>
-                </a:solidFill>
-              </a:rPr>
-              <a:t> -u </a:t>
-            </a:r>
-            <a:r>
-              <a:rPr lang="es-ES" sz="1600" dirty="0" err="1">
-                <a:solidFill>
-                  <a:srgbClr val="FF0000"/>
-                </a:solidFill>
-              </a:rPr>
-              <a:t>origin</a:t>
-            </a:r>
-            <a:r>
-              <a:rPr lang="es-ES" sz="1600" dirty="0">
-                <a:solidFill>
-                  <a:srgbClr val="FF0000"/>
-                </a:solidFill>
-              </a:rPr>
-              <a:t> </a:t>
-            </a:r>
-            <a:r>
-              <a:rPr lang="es-ES" sz="1600" dirty="0" err="1">
-                <a:solidFill>
-                  <a:srgbClr val="FF0000"/>
-                </a:solidFill>
-              </a:rPr>
-              <a:t>main</a:t>
-            </a:r>
-            <a:endParaRPr lang="es-ES" sz="1600" dirty="0">
-              <a:solidFill>
-                <a:srgbClr val="FF0000"/>
-              </a:solidFill>
-            </a:endParaRPr>
-          </a:p>
-        </p:txBody>
-      </p:sp>
-      <p:sp>
-        <p:nvSpPr>
-          <p:cNvPr id="4" name="CuadroTexto 3">
-            <a:extLst>
-              <a:ext uri="{FF2B5EF4-FFF2-40B4-BE49-F238E27FC236}">
-                <a16:creationId xmlns:a16="http://schemas.microsoft.com/office/drawing/2014/main" id="{6D0A0C43-712A-7BF1-84AC-6D3037F8AED8}"/>
+              <a:rPr lang="es-ES" sz="1200" dirty="0">
+                <a:hlinkClick r:id="rId4"/>
+              </a:rPr>
+              <a:t>https://github.com/CaptWhite/aster-repository/blob/main/db.json</a:t>
+            </a:r>
+            <a:endParaRPr lang="es-ES" sz="1200" dirty="0"/>
+          </a:p>
+        </p:txBody>
+      </p:sp>
+      <p:sp>
+        <p:nvSpPr>
+          <p:cNvPr id="42" name="CuadroTexto 41">
+            <a:extLst>
+              <a:ext uri="{FF2B5EF4-FFF2-40B4-BE49-F238E27FC236}">
+                <a16:creationId xmlns:a16="http://schemas.microsoft.com/office/drawing/2014/main" id="{B0A9D0CF-6315-148B-8E9B-8B26F667A051}"/>
               </a:ext>
             </a:extLst>
           </p:cNvPr>
@@ -5691,8 +6973,8 @@
         </p:nvSpPr>
         <p:spPr>
           <a:xfrm>
-            <a:off x="7051250" y="560824"/>
-            <a:ext cx="4946715" cy="5816977"/>
+            <a:off x="1264938" y="505586"/>
+            <a:ext cx="2713174" cy="276999"/>
           </a:xfrm>
           <a:prstGeom prst="rect">
             <a:avLst/>
@@ -5706,366 +6988,19 @@
           <a:lstStyle/>
           <a:p>
             <a:r>
-              <a:rPr lang="es-ES" sz="800" dirty="0"/>
-              <a:t>(</a:t>
-            </a:r>
-            <a:r>
-              <a:rPr lang="es-ES" sz="800" noProof="1"/>
-              <a:t>base) PS C:\Users\captw\workspaces\Astronomia\WEB ASTER\Repository</a:t>
-            </a:r>
-            <a:r>
-              <a:rPr lang="es-ES" sz="800" b="1" noProof="1">
-                <a:solidFill>
-                  <a:srgbClr val="FF0000"/>
-                </a:solidFill>
-              </a:rPr>
-              <a:t>&gt; </a:t>
-            </a:r>
-            <a:r>
-              <a:rPr lang="es-ES" sz="900" b="1" noProof="1">
-                <a:solidFill>
-                  <a:srgbClr val="FF0000"/>
-                </a:solidFill>
-              </a:rPr>
-              <a:t>git add .</a:t>
-            </a:r>
-          </a:p>
-          <a:p>
-            <a:r>
-              <a:rPr lang="es-ES" sz="800" noProof="1"/>
-              <a:t>(base) PS C:\Users\captw\workspaces\Astronomia\WEB ASTER\Repository</a:t>
-            </a:r>
-            <a:r>
-              <a:rPr lang="es-ES" sz="900" b="1" noProof="1">
-                <a:solidFill>
-                  <a:srgbClr val="FF0000"/>
-                </a:solidFill>
-              </a:rPr>
-              <a:t>&gt; git commit -m "Butlletí 102"</a:t>
-            </a:r>
-          </a:p>
-          <a:p>
-            <a:r>
-              <a:rPr lang="es-ES" sz="800" noProof="1"/>
-              <a:t>[main 18f84a9] Butlletí 102</a:t>
-            </a:r>
-          </a:p>
-          <a:p>
-            <a:r>
-              <a:rPr lang="es-ES" sz="800" noProof="1"/>
-              <a:t> 1 file changed, 1 insertion(+), 1 deletion(-)</a:t>
-            </a:r>
-          </a:p>
-          <a:p>
-            <a:r>
-              <a:rPr lang="es-ES" sz="800" noProof="1"/>
-              <a:t>(base) PS C:\Users\captw\workspaces\Astronomia\WEB ASTER\Repository&gt; </a:t>
-            </a:r>
-            <a:r>
-              <a:rPr lang="es-ES" sz="900" b="1" noProof="1">
-                <a:solidFill>
-                  <a:srgbClr val="FF0000"/>
-                </a:solidFill>
-              </a:rPr>
-              <a:t>git push -u origin main     </a:t>
-            </a:r>
-          </a:p>
-          <a:p>
-            <a:r>
-              <a:rPr lang="es-ES" sz="800" noProof="1"/>
-              <a:t>To https://github.com/CaptWhite/aster-newsletter.git</a:t>
-            </a:r>
-          </a:p>
-          <a:p>
-            <a:r>
-              <a:rPr lang="es-ES" sz="800" noProof="1"/>
-              <a:t> ! [rejected]        main -&gt; main (fetch first)</a:t>
-            </a:r>
-          </a:p>
-          <a:p>
-            <a:r>
-              <a:rPr lang="es-ES" sz="800" noProof="1"/>
-              <a:t>error: failed to push some refs to 'https://github.com/CaptWhite/aster-newsletter.git'</a:t>
-            </a:r>
-          </a:p>
-          <a:p>
-            <a:r>
-              <a:rPr lang="es-ES" sz="800" noProof="1"/>
-              <a:t>hint: Updates were rejected because the remote contains work that you do</a:t>
-            </a:r>
-          </a:p>
-          <a:p>
-            <a:r>
-              <a:rPr lang="es-ES" sz="800" noProof="1"/>
-              <a:t>hint: not have locally. This is usually caused by another repository pushing</a:t>
-            </a:r>
-          </a:p>
-          <a:p>
-            <a:r>
-              <a:rPr lang="es-ES" sz="800" noProof="1"/>
-              <a:t>hint: to the same ref. You may want to first integrate the remote changes</a:t>
-            </a:r>
-          </a:p>
-          <a:p>
-            <a:r>
-              <a:rPr lang="es-ES" sz="800" noProof="1"/>
-              <a:t>hint: (e.g., 'git pull ...') before pushing again.</a:t>
-            </a:r>
-          </a:p>
-          <a:p>
-            <a:r>
-              <a:rPr lang="es-ES" sz="800" noProof="1"/>
-              <a:t>hint: See the 'Note about fast-forwards' in 'git push --help' for details.</a:t>
-            </a:r>
-          </a:p>
-          <a:p>
-            <a:r>
-              <a:rPr lang="es-ES" sz="800" noProof="1"/>
-              <a:t>(base) PS C:\Users\captw\workspaces\Astronomia\WEB ASTER\Repository&gt; </a:t>
-            </a:r>
-            <a:r>
-              <a:rPr lang="es-ES" sz="900" b="1" noProof="1">
-                <a:solidFill>
-                  <a:srgbClr val="FF0000"/>
-                </a:solidFill>
-              </a:rPr>
-              <a:t>git pull</a:t>
-            </a:r>
-            <a:endParaRPr lang="es-ES" sz="800" b="1" noProof="1">
-              <a:solidFill>
-                <a:srgbClr val="FF0000"/>
-              </a:solidFill>
-            </a:endParaRPr>
-          </a:p>
-          <a:p>
-            <a:r>
-              <a:rPr lang="es-ES" sz="800" noProof="1"/>
-              <a:t>remote: Enumerating objects: 5, done.</a:t>
-            </a:r>
-          </a:p>
-          <a:p>
-            <a:r>
-              <a:rPr lang="es-ES" sz="800" noProof="1"/>
-              <a:t>remote: Counting objects: 100% (5/5), done.</a:t>
-            </a:r>
-          </a:p>
-          <a:p>
-            <a:r>
-              <a:rPr lang="es-ES" sz="800" noProof="1"/>
-              <a:t>remote: Compressing objects: 100% (3/3), done.</a:t>
-            </a:r>
-          </a:p>
-          <a:p>
-            <a:r>
-              <a:rPr lang="es-ES" sz="800" noProof="1"/>
-              <a:t>remote: Total 3 (delta 2), reused 0 (delta 0), pack-reused 0</a:t>
-            </a:r>
-          </a:p>
-          <a:p>
-            <a:r>
-              <a:rPr lang="es-ES" sz="800" noProof="1"/>
-              <a:t>Unpacking objects: 100% (3/3), 656 bytes | 16.00 KiB/s, done.</a:t>
-            </a:r>
-          </a:p>
-          <a:p>
-            <a:r>
-              <a:rPr lang="es-ES" sz="800" noProof="1"/>
-              <a:t>From https://github.com/CaptWhite/aster-newsletter</a:t>
-            </a:r>
-          </a:p>
-          <a:p>
-            <a:r>
-              <a:rPr lang="es-ES" sz="800" noProof="1"/>
-              <a:t>   09493c1..13390f3  main       -&gt; origin/main</a:t>
-            </a:r>
-          </a:p>
-          <a:p>
-            <a:r>
-              <a:rPr lang="es-ES" sz="800" noProof="1"/>
-              <a:t>Auto-merging db.json</a:t>
-            </a:r>
-          </a:p>
-          <a:p>
-            <a:r>
-              <a:rPr lang="es-ES" sz="800" noProof="1"/>
-              <a:t>Merge made by the 'recursive' strategy.</a:t>
-            </a:r>
-          </a:p>
-          <a:p>
-            <a:r>
-              <a:rPr lang="es-ES" sz="800" noProof="1"/>
-              <a:t> db.json | 4 ++--</a:t>
-            </a:r>
-          </a:p>
-          <a:p>
-            <a:r>
-              <a:rPr lang="es-ES" sz="800" noProof="1"/>
-              <a:t> 1 file changed, 2 insertions(+), 2 deletions(-)</a:t>
-            </a:r>
-          </a:p>
-          <a:p>
-            <a:r>
-              <a:rPr lang="es-ES" sz="800" noProof="1"/>
-              <a:t>(base) PS C:\Users\captw\workspaces\Astronomia\WEB ASTER\Repository</a:t>
-            </a:r>
-            <a:r>
-              <a:rPr lang="es-ES" sz="900" b="1" noProof="1">
-                <a:solidFill>
-                  <a:srgbClr val="FF0000"/>
-                </a:solidFill>
-              </a:rPr>
-              <a:t>&gt; git add .</a:t>
-            </a:r>
-          </a:p>
-          <a:p>
-            <a:r>
-              <a:rPr lang="es-ES" sz="800" noProof="1"/>
-              <a:t>(base) PS C:\Users\captw\workspaces\Astronomia\WEB ASTER\Repository&gt; </a:t>
-            </a:r>
-            <a:r>
-              <a:rPr lang="es-ES" sz="900" b="1" noProof="1">
-                <a:solidFill>
-                  <a:srgbClr val="FF0000"/>
-                </a:solidFill>
-              </a:rPr>
-              <a:t>git commit -m "Butlletí 102"</a:t>
-            </a:r>
-            <a:endParaRPr lang="es-ES" sz="800" b="1" noProof="1">
-              <a:solidFill>
-                <a:srgbClr val="FF0000"/>
-              </a:solidFill>
-            </a:endParaRPr>
-          </a:p>
-          <a:p>
-            <a:r>
-              <a:rPr lang="es-ES" sz="800" noProof="1"/>
-              <a:t>On branch main</a:t>
-            </a:r>
-          </a:p>
-          <a:p>
-            <a:r>
-              <a:rPr lang="es-ES" sz="800" noProof="1"/>
-              <a:t>Your branch is ahead of 'origin/main' by 2 commits.</a:t>
-            </a:r>
-          </a:p>
-          <a:p>
-            <a:r>
-              <a:rPr lang="es-ES" sz="800" noProof="1"/>
-              <a:t>  (use "git push" to publish your local commits)</a:t>
-            </a:r>
-          </a:p>
-          <a:p>
-            <a:endParaRPr lang="es-ES" sz="800" noProof="1"/>
-          </a:p>
-          <a:p>
-            <a:r>
-              <a:rPr lang="es-ES" sz="800" noProof="1"/>
-              <a:t>nothing to commit, working tree clean</a:t>
-            </a:r>
-          </a:p>
-          <a:p>
-            <a:r>
-              <a:rPr lang="es-ES" sz="800" noProof="1"/>
-              <a:t>(base) PS C:\Users\captw\workspaces\Astronomia\WEB ASTER\Repository</a:t>
-            </a:r>
-            <a:r>
-              <a:rPr lang="es-ES" sz="900" b="1" noProof="1">
-                <a:solidFill>
-                  <a:srgbClr val="FF0000"/>
-                </a:solidFill>
-              </a:rPr>
-              <a:t>                                  </a:t>
-            </a:r>
-            <a:endParaRPr lang="es-ES" sz="800" b="1" noProof="1">
-              <a:solidFill>
-                <a:srgbClr val="FF0000"/>
-              </a:solidFill>
-            </a:endParaRPr>
-          </a:p>
-          <a:p>
-            <a:r>
-              <a:rPr lang="es-ES" sz="800" noProof="1"/>
-              <a:t>Enumerating objects: 10, done.</a:t>
-            </a:r>
-          </a:p>
-          <a:p>
-            <a:r>
-              <a:rPr lang="es-ES" sz="800" noProof="1"/>
-              <a:t>Counting objects: 100% (10/10), done.</a:t>
-            </a:r>
-          </a:p>
-          <a:p>
-            <a:r>
-              <a:rPr lang="es-ES" sz="800" noProof="1"/>
-              <a:t>Delta compression using up to 8 threads</a:t>
-            </a:r>
-          </a:p>
-          <a:p>
-            <a:r>
-              <a:rPr lang="es-ES" sz="800" noProof="1"/>
-              <a:t>Compressing objects: 100% (6/6), done.</a:t>
-            </a:r>
-          </a:p>
-          <a:p>
-            <a:r>
-              <a:rPr lang="es-ES" sz="800" noProof="1"/>
-              <a:t>Writing objects: 100% (6/6), 622 bytes | 622.00 KiB/s, done.</a:t>
-            </a:r>
-          </a:p>
-          <a:p>
-            <a:r>
-              <a:rPr lang="es-ES" sz="800" noProof="1"/>
-              <a:t>Total 6 (delta 4), reused 0 (delta 0), pack-reused 0</a:t>
-            </a:r>
-          </a:p>
-          <a:p>
-            <a:r>
-              <a:rPr lang="es-ES" sz="800" noProof="1"/>
-              <a:t>remote: Resolving deltas: 100% (4/4), completed with 2 local objects.</a:t>
-            </a:r>
-          </a:p>
-          <a:p>
-            <a:r>
-              <a:rPr lang="es-ES" sz="800" noProof="1"/>
-              <a:t>remote: This repository moved. Please use the new location:</a:t>
-            </a:r>
-          </a:p>
-          <a:p>
-            <a:r>
-              <a:rPr lang="es-ES" sz="800" noProof="1"/>
-              <a:t>remote:   https://github.com/CaptWhite/aster-repository.git</a:t>
-            </a:r>
-          </a:p>
-          <a:p>
-            <a:r>
-              <a:rPr lang="es-ES" sz="800" noProof="1"/>
-              <a:t>To https://github.com/CaptWhite/aster-newsletter.git</a:t>
-            </a:r>
-          </a:p>
-          <a:p>
-            <a:r>
-              <a:rPr lang="es-ES" sz="800" noProof="1"/>
-              <a:t>   13390f3..327c69f  main -&gt; main</a:t>
-            </a:r>
-          </a:p>
-          <a:p>
-            <a:r>
-              <a:rPr lang="es-ES" sz="800" noProof="1"/>
-              <a:t>Branch 'main' set up to track remote branch 'main' from 'origin'.</a:t>
-            </a:r>
-          </a:p>
-          <a:p>
-            <a:r>
-              <a:rPr lang="es-ES" sz="800" noProof="1"/>
-              <a:t>(base) PS C:\Users\captw\workspaces\Astronomia\WEB ASTER\Repository&gt;</a:t>
-            </a:r>
+              <a:rPr lang="es-ES" sz="1200" dirty="0">
+                <a:hlinkClick r:id="rId5"/>
+              </a:rPr>
+              <a:t>https://captwhite.github.io/newsletter/</a:t>
+            </a:r>
+            <a:endParaRPr lang="es-ES" sz="1200" dirty="0"/>
           </a:p>
         </p:txBody>
       </p:sp>
     </p:spTree>
     <p:extLst>
       <p:ext uri="{BB962C8B-B14F-4D97-AF65-F5344CB8AC3E}">
-        <p14:creationId xmlns:p14="http://schemas.microsoft.com/office/powerpoint/2010/main" val="3200502280"/>
+        <p14:creationId xmlns:p14="http://schemas.microsoft.com/office/powerpoint/2010/main" val="1644902410"/>
       </p:ext>
     </p:extLst>
   </p:cSld>
@@ -6092,61 +7027,532 @@
           <a:chExt cx="0" cy="0"/>
         </a:xfrm>
       </p:grpSpPr>
-      <p:sp>
-        <p:nvSpPr>
-          <p:cNvPr id="2" name="Título 1">
-            <a:extLst>
-              <a:ext uri="{FF2B5EF4-FFF2-40B4-BE49-F238E27FC236}">
-                <a16:creationId xmlns:a16="http://schemas.microsoft.com/office/drawing/2014/main" id="{680D64C3-6C7E-8C50-A64D-53C166B94EB0}"/>
-              </a:ext>
-            </a:extLst>
-          </p:cNvPr>
-          <p:cNvSpPr txBox="1">
-            <a:spLocks/>
-          </p:cNvSpPr>
+      <p:pic>
+        <p:nvPicPr>
+          <p:cNvPr id="2" name="Imagen 1">
+            <a:extLst>
+              <a:ext uri="{FF2B5EF4-FFF2-40B4-BE49-F238E27FC236}">
+                <a16:creationId xmlns:a16="http://schemas.microsoft.com/office/drawing/2014/main" id="{19C2BBE1-75D8-DCE9-0CDF-89DC390B0386}"/>
+              </a:ext>
+            </a:extLst>
+          </p:cNvPr>
+          <p:cNvPicPr>
+            <a:picLocks noChangeAspect="1"/>
+          </p:cNvPicPr>
           <p:nvPr/>
-        </p:nvSpPr>
+        </p:nvPicPr>
+        <p:blipFill>
+          <a:blip r:embed="rId2"/>
+          <a:stretch>
+            <a:fillRect/>
+          </a:stretch>
+        </p:blipFill>
         <p:spPr>
           <a:xfrm>
-            <a:off x="1524000" y="1122363"/>
-            <a:ext cx="9144000" cy="2387600"/>
+            <a:off x="930415" y="384583"/>
+            <a:ext cx="3707438" cy="3949749"/>
           </a:xfrm>
           <a:prstGeom prst="rect">
             <a:avLst/>
           </a:prstGeom>
         </p:spPr>
-        <p:txBody>
-          <a:bodyPr vert="horz" lIns="91440" tIns="45720" rIns="91440" bIns="45720" rtlCol="0" anchor="b">
-            <a:normAutofit/>
+      </p:pic>
+      <p:sp>
+        <p:nvSpPr>
+          <p:cNvPr id="3" name="CuadroTexto 2">
+            <a:extLst>
+              <a:ext uri="{FF2B5EF4-FFF2-40B4-BE49-F238E27FC236}">
+                <a16:creationId xmlns:a16="http://schemas.microsoft.com/office/drawing/2014/main" id="{1D6BAC1C-A484-4687-EB45-E4AF3E33F0A8}"/>
+              </a:ext>
+            </a:extLst>
+          </p:cNvPr>
+          <p:cNvSpPr txBox="1"/>
+          <p:nvPr/>
+        </p:nvSpPr>
+        <p:spPr>
+          <a:xfrm>
+            <a:off x="930416" y="138362"/>
+            <a:ext cx="3707437" cy="246221"/>
+          </a:xfrm>
+          <a:prstGeom prst="rect">
+            <a:avLst/>
+          </a:prstGeom>
+          <a:noFill/>
+        </p:spPr>
+        <p:txBody>
+          <a:bodyPr wrap="square">
+            <a:spAutoFit/>
           </a:bodyPr>
-          <a:lstStyle>
-            <a:lvl1pPr algn="ctr">
-              <a:lnSpc>
-                <a:spcPct val="90000"/>
-              </a:lnSpc>
-              <a:spcBef>
-                <a:spcPct val="0"/>
-              </a:spcBef>
-              <a:buNone/>
-              <a:defRPr sz="6000">
-                <a:latin typeface="+mj-lt"/>
-                <a:ea typeface="+mj-ea"/>
-                <a:cs typeface="+mj-cs"/>
-              </a:defRPr>
-            </a:lvl1pPr>
-          </a:lstStyle>
-          <a:p>
-            <a:r>
-              <a:rPr lang="es-ES" dirty="0"/>
-              <a:t>2 – Regenerar la página web</a:t>
-            </a:r>
-          </a:p>
-        </p:txBody>
-      </p:sp>
+          <a:lstStyle/>
+          <a:p>
+            <a:r>
+              <a:rPr lang="es-ES" sz="1000" dirty="0">
+                <a:hlinkClick r:id="rId3"/>
+              </a:rPr>
+              <a:t>https://github.com/CaptWhite/aster-repository/blob/main/db.json</a:t>
+            </a:r>
+            <a:endParaRPr lang="es-ES" sz="1000" dirty="0"/>
+          </a:p>
+        </p:txBody>
+      </p:sp>
+      <p:sp>
+        <p:nvSpPr>
+          <p:cNvPr id="5" name="CuadroTexto 4">
+            <a:extLst>
+              <a:ext uri="{FF2B5EF4-FFF2-40B4-BE49-F238E27FC236}">
+                <a16:creationId xmlns:a16="http://schemas.microsoft.com/office/drawing/2014/main" id="{6284AA95-26C5-0CED-1FFE-7EB3DEDB99FD}"/>
+              </a:ext>
+            </a:extLst>
+          </p:cNvPr>
+          <p:cNvSpPr txBox="1"/>
+          <p:nvPr/>
+        </p:nvSpPr>
+        <p:spPr>
+          <a:xfrm>
+            <a:off x="336040" y="4580553"/>
+            <a:ext cx="4792141" cy="2185214"/>
+          </a:xfrm>
+          <a:prstGeom prst="rect">
+            <a:avLst/>
+          </a:prstGeom>
+          <a:noFill/>
+          <a:ln>
+            <a:solidFill>
+              <a:schemeClr val="tx1"/>
+            </a:solidFill>
+          </a:ln>
+        </p:spPr>
+        <p:txBody>
+          <a:bodyPr wrap="square">
+            <a:spAutoFit/>
+          </a:bodyPr>
+          <a:lstStyle/>
+          <a:p>
+            <a:r>
+              <a:rPr lang="es-ES" sz="1000" dirty="0" err="1">
+                <a:solidFill>
+                  <a:schemeClr val="accent6">
+                    <a:lumMod val="75000"/>
+                  </a:schemeClr>
+                </a:solidFill>
+              </a:rPr>
+              <a:t>category</a:t>
+            </a:r>
+            <a:r>
+              <a:rPr lang="es-ES" sz="1000" dirty="0"/>
+              <a:t>: Los comunicados se agrupan por categorías.</a:t>
+            </a:r>
+          </a:p>
+          <a:p>
+            <a:endParaRPr lang="es-ES" sz="1000" dirty="0"/>
+          </a:p>
+          <a:p>
+            <a:r>
+              <a:rPr lang="es-ES" sz="1000" dirty="0" err="1">
+                <a:solidFill>
+                  <a:schemeClr val="accent6">
+                    <a:lumMod val="75000"/>
+                  </a:schemeClr>
+                </a:solidFill>
+              </a:rPr>
+              <a:t>order</a:t>
+            </a:r>
+            <a:r>
+              <a:rPr lang="es-ES" sz="1000" dirty="0"/>
+              <a:t>:      Dentro de cada categoría, los comunicados se ordenan por este campo. </a:t>
+            </a:r>
+          </a:p>
+          <a:p>
+            <a:r>
+              <a:rPr lang="es-ES" sz="1000" dirty="0"/>
+              <a:t>                  Si el orden es impar la foto sale a la izquierda, si es par a la derecha.</a:t>
+            </a:r>
+          </a:p>
+          <a:p>
+            <a:endParaRPr lang="es-ES" sz="1000" dirty="0"/>
+          </a:p>
+          <a:p>
+            <a:r>
+              <a:rPr lang="es-ES" sz="1000" dirty="0" err="1">
+                <a:solidFill>
+                  <a:schemeClr val="accent6">
+                    <a:lumMod val="75000"/>
+                  </a:schemeClr>
+                </a:solidFill>
+              </a:rPr>
+              <a:t>summary</a:t>
+            </a:r>
+            <a:r>
+              <a:rPr lang="es-ES" sz="1000" dirty="0"/>
+              <a:t>:  No pueden haber 'saltos de línea'.  Se representan con los valores '</a:t>
+            </a:r>
+            <a:r>
+              <a:rPr lang="es-ES" sz="1000" dirty="0">
+                <a:solidFill>
+                  <a:srgbClr val="FF0000"/>
+                </a:solidFill>
+              </a:rPr>
+              <a:t>/n</a:t>
+            </a:r>
+            <a:r>
+              <a:rPr lang="es-ES" sz="1000" dirty="0"/>
+              <a:t>'</a:t>
+            </a:r>
+          </a:p>
+          <a:p>
+            <a:r>
+              <a:rPr lang="es-ES" sz="1000" dirty="0"/>
+              <a:t>                     Para representar una 'comilla doble’ usar '</a:t>
+            </a:r>
+            <a:r>
+              <a:rPr lang="es-ES" sz="1000" dirty="0">
+                <a:solidFill>
+                  <a:srgbClr val="FF0000"/>
+                </a:solidFill>
+              </a:rPr>
+              <a:t>/''</a:t>
+            </a:r>
+            <a:r>
+              <a:rPr lang="es-ES" sz="1000" dirty="0"/>
+              <a:t>'. </a:t>
+            </a:r>
+          </a:p>
+          <a:p>
+            <a:r>
+              <a:rPr lang="es-ES" sz="1000" dirty="0"/>
+              <a:t>            -----------------------------------------------------------------------------------------</a:t>
+            </a:r>
+          </a:p>
+          <a:p>
+            <a:r>
+              <a:rPr lang="es-ES" sz="1000" dirty="0"/>
+              <a:t>Deben respetarse escrupulosamente los campos representados en verde en la figura, así como los signos  '</a:t>
+            </a:r>
+            <a:r>
+              <a:rPr lang="es-ES" sz="1000" dirty="0">
+                <a:solidFill>
+                  <a:srgbClr val="FF0000"/>
+                </a:solidFill>
+              </a:rPr>
+              <a:t>{</a:t>
+            </a:r>
+            <a:r>
+              <a:rPr lang="es-ES" sz="1000" dirty="0"/>
+              <a:t>'    '</a:t>
+            </a:r>
+            <a:r>
+              <a:rPr lang="es-ES" sz="1000" dirty="0">
+                <a:solidFill>
+                  <a:srgbClr val="FF0000"/>
+                </a:solidFill>
+              </a:rPr>
+              <a:t>}</a:t>
+            </a:r>
+            <a:r>
+              <a:rPr lang="es-ES" sz="1000" dirty="0"/>
+              <a:t> '   ' </a:t>
+            </a:r>
+            <a:r>
+              <a:rPr lang="es-ES" sz="1000" dirty="0">
+                <a:solidFill>
+                  <a:srgbClr val="FF0000"/>
+                </a:solidFill>
+              </a:rPr>
+              <a:t>[</a:t>
+            </a:r>
+            <a:r>
+              <a:rPr lang="es-ES" sz="1000" dirty="0"/>
+              <a:t>'    ‘</a:t>
+            </a:r>
+            <a:r>
+              <a:rPr lang="es-ES" sz="1000" dirty="0">
+                <a:solidFill>
+                  <a:srgbClr val="FF0000"/>
+                </a:solidFill>
+              </a:rPr>
+              <a:t>]</a:t>
+            </a:r>
+            <a:r>
+              <a:rPr lang="es-ES" sz="1000" dirty="0"/>
+              <a:t> '   '</a:t>
+            </a:r>
+            <a:r>
+              <a:rPr lang="es-ES" sz="1000" dirty="0">
+                <a:solidFill>
+                  <a:srgbClr val="FF0000"/>
+                </a:solidFill>
+              </a:rPr>
+              <a:t>=</a:t>
+            </a:r>
+            <a:r>
+              <a:rPr lang="es-ES" sz="1000" dirty="0"/>
+              <a:t>'    '</a:t>
+            </a:r>
+            <a:r>
+              <a:rPr lang="es-ES" sz="1000" dirty="0">
+                <a:solidFill>
+                  <a:srgbClr val="FF0000"/>
+                </a:solidFill>
+              </a:rPr>
+              <a:t>:</a:t>
+            </a:r>
+            <a:r>
+              <a:rPr lang="es-ES" sz="1000" dirty="0"/>
+              <a:t>'.       </a:t>
+            </a:r>
+          </a:p>
+          <a:p>
+            <a:endParaRPr lang="es-ES" sz="1000" dirty="0"/>
+          </a:p>
+          <a:p>
+            <a:pPr algn="ctr"/>
+            <a:r>
+              <a:rPr lang="es-ES" sz="1400" dirty="0">
+                <a:hlinkClick r:id="rId4"/>
+              </a:rPr>
+              <a:t>JSON </a:t>
+            </a:r>
+            <a:r>
+              <a:rPr lang="es-ES" sz="1400" dirty="0" err="1">
+                <a:hlinkClick r:id="rId4"/>
+              </a:rPr>
+              <a:t>Validator</a:t>
+            </a:r>
+            <a:r>
+              <a:rPr lang="es-ES" sz="1400" dirty="0">
+                <a:hlinkClick r:id="rId4"/>
+              </a:rPr>
+              <a:t> (piliapp.com)</a:t>
+            </a:r>
+            <a:endParaRPr lang="es-ES" sz="1400" dirty="0"/>
+          </a:p>
+          <a:p>
+            <a:endParaRPr lang="es-ES" sz="1200" dirty="0"/>
+          </a:p>
+        </p:txBody>
+      </p:sp>
+      <p:sp>
+        <p:nvSpPr>
+          <p:cNvPr id="11" name="CuadroTexto 10">
+            <a:extLst>
+              <a:ext uri="{FF2B5EF4-FFF2-40B4-BE49-F238E27FC236}">
+                <a16:creationId xmlns:a16="http://schemas.microsoft.com/office/drawing/2014/main" id="{62FE6205-29E2-277C-C74F-DD05D5FB617D}"/>
+              </a:ext>
+            </a:extLst>
+          </p:cNvPr>
+          <p:cNvSpPr txBox="1"/>
+          <p:nvPr/>
+        </p:nvSpPr>
+        <p:spPr>
+          <a:xfrm>
+            <a:off x="5588526" y="1359183"/>
+            <a:ext cx="6603474" cy="2000548"/>
+          </a:xfrm>
+          <a:prstGeom prst="rect">
+            <a:avLst/>
+          </a:prstGeom>
+          <a:noFill/>
+          <a:ln>
+            <a:solidFill>
+              <a:schemeClr val="tx1"/>
+            </a:solidFill>
+          </a:ln>
+        </p:spPr>
+        <p:txBody>
+          <a:bodyPr wrap="square">
+            <a:spAutoFit/>
+          </a:bodyPr>
+          <a:lstStyle/>
+          <a:p>
+            <a:r>
+              <a:rPr lang="es-ES" sz="1200" dirty="0"/>
+              <a:t>Para modificar los contenidos debe accederse al fichero a través de la URL de </a:t>
+            </a:r>
+            <a:r>
+              <a:rPr lang="es-ES" sz="1200" dirty="0" err="1"/>
+              <a:t>github</a:t>
+            </a:r>
+            <a:r>
+              <a:rPr lang="es-ES" sz="1200" dirty="0"/>
+              <a:t>.  </a:t>
+            </a:r>
+          </a:p>
+          <a:p>
+            <a:r>
+              <a:rPr lang="es-ES" sz="1200" dirty="0"/>
+              <a:t>1 - Tendremos en un editor el fichero JSON. Lo seleccionamos todo y cortamos en el portapapeles</a:t>
+            </a:r>
+          </a:p>
+          <a:p>
+            <a:r>
+              <a:rPr lang="es-ES" sz="1200" dirty="0"/>
+              <a:t>2 - Picar sobre el icono del lápiz para editar.</a:t>
+            </a:r>
+          </a:p>
+          <a:p>
+            <a:r>
+              <a:rPr lang="es-ES" sz="1200" dirty="0"/>
+              <a:t>3 - Modificar el fichero </a:t>
+            </a:r>
+            <a:r>
+              <a:rPr lang="es-ES" sz="1200" dirty="0" err="1"/>
+              <a:t>github</a:t>
+            </a:r>
+            <a:r>
+              <a:rPr lang="es-ES" sz="1200" dirty="0"/>
+              <a:t>. Generalmente será borrarlo todo y pegar el contenido del portapapeles. </a:t>
+            </a:r>
+          </a:p>
+          <a:p>
+            <a:r>
+              <a:rPr lang="es-ES" sz="1200" dirty="0"/>
+              <a:t>4 - Pulsar el botón '</a:t>
+            </a:r>
+            <a:r>
+              <a:rPr lang="es-ES" sz="1200" dirty="0" err="1"/>
+              <a:t>Commit</a:t>
+            </a:r>
+            <a:r>
+              <a:rPr lang="es-ES" sz="1200" dirty="0"/>
+              <a:t> </a:t>
+            </a:r>
+            <a:r>
+              <a:rPr lang="es-ES" sz="1200" dirty="0" err="1"/>
+              <a:t>changes</a:t>
+            </a:r>
+            <a:r>
+              <a:rPr lang="es-ES" sz="1200" dirty="0"/>
+              <a:t>'. En la ventana emergente poner en el campo '</a:t>
+            </a:r>
+            <a:r>
+              <a:rPr lang="es-ES" sz="1200" dirty="0" err="1"/>
+              <a:t>Commit</a:t>
+            </a:r>
+            <a:r>
+              <a:rPr lang="es-ES" sz="1200" dirty="0"/>
+              <a:t> </a:t>
+            </a:r>
+            <a:r>
+              <a:rPr lang="es-ES" sz="1200" dirty="0" err="1"/>
+              <a:t>change</a:t>
+            </a:r>
+            <a:r>
+              <a:rPr lang="es-ES" sz="1200" dirty="0"/>
+              <a:t>' el </a:t>
+            </a:r>
+            <a:r>
+              <a:rPr lang="es-ES" sz="1200" dirty="0" err="1"/>
+              <a:t>text</a:t>
+            </a:r>
+            <a:r>
+              <a:rPr lang="es-ES" sz="1200" dirty="0"/>
+              <a:t> '</a:t>
+            </a:r>
+            <a:r>
+              <a:rPr lang="es-ES" sz="1200" dirty="0" err="1"/>
+              <a:t>Butlletí</a:t>
+            </a:r>
+            <a:r>
+              <a:rPr lang="es-ES" sz="1200" dirty="0"/>
+              <a:t> XXX' y pulsar </a:t>
+            </a:r>
+            <a:r>
+              <a:rPr lang="es-ES" sz="1200" dirty="0" err="1"/>
+              <a:t>Commit</a:t>
+            </a:r>
+            <a:r>
+              <a:rPr lang="es-ES" sz="1200" dirty="0"/>
+              <a:t> </a:t>
+            </a:r>
+            <a:r>
+              <a:rPr lang="es-ES" sz="1200" dirty="0" err="1"/>
+              <a:t>changes</a:t>
+            </a:r>
+            <a:endParaRPr lang="es-ES" sz="1200" dirty="0"/>
+          </a:p>
+          <a:p>
+            <a:endParaRPr lang="es-ES" sz="1200" dirty="0"/>
+          </a:p>
+          <a:p>
+            <a:r>
+              <a:rPr lang="es-ES" sz="1200" dirty="0"/>
+              <a:t>El fichero queda modificado y pasado un minuto </a:t>
+            </a:r>
+            <a:r>
+              <a:rPr lang="es-ES" sz="1200" dirty="0" err="1"/>
+              <a:t>serrá</a:t>
+            </a:r>
+            <a:r>
+              <a:rPr lang="es-ES" sz="1200" dirty="0"/>
+              <a:t> accesible desde: </a:t>
+            </a:r>
+          </a:p>
+          <a:p>
+            <a:endParaRPr lang="es-ES" sz="1200" dirty="0"/>
+          </a:p>
+          <a:p>
+            <a:pPr algn="ctr"/>
+            <a:r>
+              <a:rPr lang="es-ES" sz="1600" dirty="0">
+                <a:solidFill>
+                  <a:schemeClr val="accent5">
+                    <a:lumMod val="75000"/>
+                  </a:schemeClr>
+                </a:solidFill>
+                <a:hlinkClick r:id="rId5">
+                  <a:extLst>
+                    <a:ext uri="{A12FA001-AC4F-418D-AE19-62706E023703}">
+                      <ahyp:hlinkClr xmlns:ahyp="http://schemas.microsoft.com/office/drawing/2018/hyperlinkcolor" val="tx"/>
+                    </a:ext>
+                  </a:extLst>
+                </a:hlinkClick>
+              </a:rPr>
+              <a:t>https://my-json-server.typicode.com/CaptWhite/aster-newsletter/data </a:t>
+            </a:r>
+            <a:endParaRPr lang="es-ES" sz="1600" dirty="0">
+              <a:solidFill>
+                <a:schemeClr val="accent5">
+                  <a:lumMod val="75000"/>
+                </a:schemeClr>
+              </a:solidFill>
+            </a:endParaRPr>
+          </a:p>
+        </p:txBody>
+      </p:sp>
+      <p:pic>
+        <p:nvPicPr>
+          <p:cNvPr id="13" name="Imagen 12">
+            <a:extLst>
+              <a:ext uri="{FF2B5EF4-FFF2-40B4-BE49-F238E27FC236}">
+                <a16:creationId xmlns:a16="http://schemas.microsoft.com/office/drawing/2014/main" id="{22F50EFC-02FB-A764-922E-9BE7EC1D2EB7}"/>
+              </a:ext>
+            </a:extLst>
+          </p:cNvPr>
+          <p:cNvPicPr>
+            <a:picLocks noChangeAspect="1"/>
+          </p:cNvPicPr>
+          <p:nvPr/>
+        </p:nvPicPr>
+        <p:blipFill>
+          <a:blip r:embed="rId6"/>
+          <a:stretch>
+            <a:fillRect/>
+          </a:stretch>
+        </p:blipFill>
+        <p:spPr>
+          <a:xfrm>
+            <a:off x="5722071" y="3498270"/>
+            <a:ext cx="6133889" cy="2940293"/>
+          </a:xfrm>
+          <a:prstGeom prst="rect">
+            <a:avLst/>
+          </a:prstGeom>
+        </p:spPr>
+      </p:pic>
     </p:spTree>
     <p:extLst>
       <p:ext uri="{BB962C8B-B14F-4D97-AF65-F5344CB8AC3E}">
-        <p14:creationId xmlns:p14="http://schemas.microsoft.com/office/powerpoint/2010/main" val="3472020467"/>
+        <p14:creationId xmlns:p14="http://schemas.microsoft.com/office/powerpoint/2010/main" val="2886117099"/>
       </p:ext>
     </p:extLst>
   </p:cSld>
@@ -6175,11 +7581,10 @@
       </p:grpSpPr>
       <p:sp>
         <p:nvSpPr>
-          <p:cNvPr id="5" name="CuadroTexto 4">
-            <a:hlinkClick r:id="rId2"/>
-            <a:extLst>
-              <a:ext uri="{FF2B5EF4-FFF2-40B4-BE49-F238E27FC236}">
-                <a16:creationId xmlns:a16="http://schemas.microsoft.com/office/drawing/2014/main" id="{6B21F938-9186-7AED-5449-B4A9E66BD36F}"/>
+          <p:cNvPr id="3" name="CuadroTexto 2">
+            <a:extLst>
+              <a:ext uri="{FF2B5EF4-FFF2-40B4-BE49-F238E27FC236}">
+                <a16:creationId xmlns:a16="http://schemas.microsoft.com/office/drawing/2014/main" id="{F2782D3D-4B03-6B0C-0B83-95C9480DC136}"/>
               </a:ext>
             </a:extLst>
           </p:cNvPr>
@@ -6187,593 +7592,14 @@
           <p:nvPr/>
         </p:nvSpPr>
         <p:spPr>
-          <a:xfrm rot="16200000">
-            <a:off x="-713803" y="1452739"/>
-            <a:ext cx="2916004" cy="246221"/>
+          <a:xfrm>
+            <a:off x="122549" y="574893"/>
+            <a:ext cx="6862713" cy="4339650"/>
           </a:xfrm>
           <a:prstGeom prst="rect">
             <a:avLst/>
           </a:prstGeom>
-          <a:solidFill>
-            <a:schemeClr val="accent5">
-              <a:lumMod val="60000"/>
-              <a:lumOff val="40000"/>
-            </a:schemeClr>
-          </a:solidFill>
-          <a:ln>
-            <a:solidFill>
-              <a:schemeClr val="tx1"/>
-            </a:solidFill>
-          </a:ln>
-          <a:effectLst>
-            <a:softEdge rad="31750"/>
-          </a:effectLst>
-        </p:spPr>
-        <p:txBody>
-          <a:bodyPr wrap="square">
-            <a:spAutoFit/>
-          </a:bodyPr>
-          <a:lstStyle>
-            <a:defPPr>
-              <a:defRPr lang="es-ES"/>
-            </a:defPPr>
-            <a:lvl1pPr>
-              <a:defRPr sz="1000">
-                <a:solidFill>
-                  <a:srgbClr val="0070C0"/>
-                </a:solidFill>
-              </a:defRPr>
-            </a:lvl1pPr>
-          </a:lstStyle>
-          <a:p>
-            <a:r>
-              <a:rPr lang="es-ES" dirty="0"/>
-              <a:t>https://github.com/CaptWhite/newsletter/actions</a:t>
-            </a:r>
-          </a:p>
-        </p:txBody>
-      </p:sp>
-      <p:pic>
-        <p:nvPicPr>
-          <p:cNvPr id="7" name="Imagen 6">
-            <a:extLst>
-              <a:ext uri="{FF2B5EF4-FFF2-40B4-BE49-F238E27FC236}">
-                <a16:creationId xmlns:a16="http://schemas.microsoft.com/office/drawing/2014/main" id="{8EABCE2F-C8ED-8E25-88DE-40401394EF88}"/>
-              </a:ext>
-            </a:extLst>
-          </p:cNvPr>
-          <p:cNvPicPr>
-            <a:picLocks noChangeAspect="1"/>
-          </p:cNvPicPr>
-          <p:nvPr/>
-        </p:nvPicPr>
-        <p:blipFill>
-          <a:blip r:embed="rId3"/>
-          <a:stretch>
-            <a:fillRect/>
-          </a:stretch>
-        </p:blipFill>
-        <p:spPr>
-          <a:xfrm>
-            <a:off x="1357568" y="135844"/>
-            <a:ext cx="3666918" cy="2638628"/>
-          </a:xfrm>
-          <a:prstGeom prst="rect">
-            <a:avLst/>
-          </a:prstGeom>
-        </p:spPr>
-      </p:pic>
-      <p:cxnSp>
-        <p:nvCxnSpPr>
-          <p:cNvPr id="11" name="Conector recto de flecha 10">
-            <a:extLst>
-              <a:ext uri="{FF2B5EF4-FFF2-40B4-BE49-F238E27FC236}">
-                <a16:creationId xmlns:a16="http://schemas.microsoft.com/office/drawing/2014/main" id="{C93D9B34-3530-0DF8-C56D-A3EEB0B083F8}"/>
-              </a:ext>
-            </a:extLst>
-          </p:cNvPr>
-          <p:cNvCxnSpPr/>
-          <p:nvPr/>
-        </p:nvCxnSpPr>
-        <p:spPr>
-          <a:xfrm flipH="1">
-            <a:off x="2931790" y="1706252"/>
-            <a:ext cx="518474" cy="480767"/>
-          </a:xfrm>
-          <a:prstGeom prst="straightConnector1">
-            <a:avLst/>
-          </a:prstGeom>
-          <a:ln w="50800">
-            <a:solidFill>
-              <a:srgbClr val="FF0000"/>
-            </a:solidFill>
-            <a:tailEnd type="triangle"/>
-          </a:ln>
-        </p:spPr>
-        <p:style>
-          <a:lnRef idx="1">
-            <a:schemeClr val="accent1"/>
-          </a:lnRef>
-          <a:fillRef idx="0">
-            <a:schemeClr val="accent1"/>
-          </a:fillRef>
-          <a:effectRef idx="0">
-            <a:schemeClr val="accent1"/>
-          </a:effectRef>
-          <a:fontRef idx="minor">
-            <a:schemeClr val="tx1"/>
-          </a:fontRef>
-        </p:style>
-      </p:cxnSp>
-      <p:pic>
-        <p:nvPicPr>
-          <p:cNvPr id="13" name="Imagen 12">
-            <a:extLst>
-              <a:ext uri="{FF2B5EF4-FFF2-40B4-BE49-F238E27FC236}">
-                <a16:creationId xmlns:a16="http://schemas.microsoft.com/office/drawing/2014/main" id="{D61EF1A5-E891-E2FF-687B-BFA4EF0BB2E9}"/>
-              </a:ext>
-            </a:extLst>
-          </p:cNvPr>
-          <p:cNvPicPr>
-            <a:picLocks noChangeAspect="1"/>
-          </p:cNvPicPr>
-          <p:nvPr/>
-        </p:nvPicPr>
-        <p:blipFill>
-          <a:blip r:embed="rId4"/>
-          <a:stretch>
-            <a:fillRect/>
-          </a:stretch>
-        </p:blipFill>
-        <p:spPr>
-          <a:xfrm>
-            <a:off x="6458614" y="137417"/>
-            <a:ext cx="3998855" cy="2638628"/>
-          </a:xfrm>
-          <a:prstGeom prst="rect">
-            <a:avLst/>
-          </a:prstGeom>
-        </p:spPr>
-      </p:pic>
-      <p:cxnSp>
-        <p:nvCxnSpPr>
-          <p:cNvPr id="14" name="Conector recto de flecha 13">
-            <a:extLst>
-              <a:ext uri="{FF2B5EF4-FFF2-40B4-BE49-F238E27FC236}">
-                <a16:creationId xmlns:a16="http://schemas.microsoft.com/office/drawing/2014/main" id="{4B54F26D-0E30-FF7C-B27D-3EB6FC61BC0B}"/>
-              </a:ext>
-            </a:extLst>
-          </p:cNvPr>
-          <p:cNvCxnSpPr/>
-          <p:nvPr/>
-        </p:nvCxnSpPr>
-        <p:spPr>
-          <a:xfrm flipH="1">
-            <a:off x="10075319" y="538900"/>
-            <a:ext cx="518474" cy="480767"/>
-          </a:xfrm>
-          <a:prstGeom prst="straightConnector1">
-            <a:avLst/>
-          </a:prstGeom>
-          <a:ln w="50800">
-            <a:solidFill>
-              <a:srgbClr val="FF0000"/>
-            </a:solidFill>
-            <a:tailEnd type="triangle"/>
-          </a:ln>
-        </p:spPr>
-        <p:style>
-          <a:lnRef idx="1">
-            <a:schemeClr val="accent1"/>
-          </a:lnRef>
-          <a:fillRef idx="0">
-            <a:schemeClr val="accent1"/>
-          </a:fillRef>
-          <a:effectRef idx="0">
-            <a:schemeClr val="accent1"/>
-          </a:effectRef>
-          <a:fontRef idx="minor">
-            <a:schemeClr val="tx1"/>
-          </a:fontRef>
-        </p:style>
-      </p:cxnSp>
-      <p:pic>
-        <p:nvPicPr>
-          <p:cNvPr id="16" name="Imagen 15">
-            <a:extLst>
-              <a:ext uri="{FF2B5EF4-FFF2-40B4-BE49-F238E27FC236}">
-                <a16:creationId xmlns:a16="http://schemas.microsoft.com/office/drawing/2014/main" id="{9E372567-E826-FAB1-F50D-54B5F6082AC4}"/>
-              </a:ext>
-            </a:extLst>
-          </p:cNvPr>
-          <p:cNvPicPr>
-            <a:picLocks noChangeAspect="1"/>
-          </p:cNvPicPr>
-          <p:nvPr/>
-        </p:nvPicPr>
-        <p:blipFill>
-          <a:blip r:embed="rId5"/>
-          <a:stretch>
-            <a:fillRect/>
-          </a:stretch>
-        </p:blipFill>
-        <p:spPr>
-          <a:xfrm>
-            <a:off x="7172877" y="2922001"/>
-            <a:ext cx="2370819" cy="819079"/>
-          </a:xfrm>
-          <a:prstGeom prst="rect">
-            <a:avLst/>
-          </a:prstGeom>
-        </p:spPr>
-      </p:pic>
-      <p:pic>
-        <p:nvPicPr>
-          <p:cNvPr id="18" name="Imagen 17">
-            <a:extLst>
-              <a:ext uri="{FF2B5EF4-FFF2-40B4-BE49-F238E27FC236}">
-                <a16:creationId xmlns:a16="http://schemas.microsoft.com/office/drawing/2014/main" id="{043EE056-315C-A257-A88B-19EEEDB36BD5}"/>
-              </a:ext>
-            </a:extLst>
-          </p:cNvPr>
-          <p:cNvPicPr>
-            <a:picLocks noChangeAspect="1"/>
-          </p:cNvPicPr>
-          <p:nvPr/>
-        </p:nvPicPr>
-        <p:blipFill>
-          <a:blip r:embed="rId6"/>
-          <a:stretch>
-            <a:fillRect/>
-          </a:stretch>
-        </p:blipFill>
-        <p:spPr>
-          <a:xfrm>
-            <a:off x="6458614" y="3949948"/>
-            <a:ext cx="4290995" cy="2644941"/>
-          </a:xfrm>
-          <a:prstGeom prst="rect">
-            <a:avLst/>
-          </a:prstGeom>
-        </p:spPr>
-      </p:pic>
-      <p:pic>
-        <p:nvPicPr>
-          <p:cNvPr id="20" name="Imagen 19">
-            <a:extLst>
-              <a:ext uri="{FF2B5EF4-FFF2-40B4-BE49-F238E27FC236}">
-                <a16:creationId xmlns:a16="http://schemas.microsoft.com/office/drawing/2014/main" id="{2CDB78A6-187F-86F9-FE7E-645819D79D02}"/>
-              </a:ext>
-            </a:extLst>
-          </p:cNvPr>
-          <p:cNvPicPr>
-            <a:picLocks noChangeAspect="1"/>
-          </p:cNvPicPr>
-          <p:nvPr/>
-        </p:nvPicPr>
-        <p:blipFill>
-          <a:blip r:embed="rId7"/>
-          <a:stretch>
-            <a:fillRect/>
-          </a:stretch>
-        </p:blipFill>
-        <p:spPr>
-          <a:xfrm>
-            <a:off x="1367048" y="3616871"/>
-            <a:ext cx="3666918" cy="2644942"/>
-          </a:xfrm>
-          <a:prstGeom prst="rect">
-            <a:avLst/>
-          </a:prstGeom>
-        </p:spPr>
-      </p:pic>
-      <p:sp>
-        <p:nvSpPr>
-          <p:cNvPr id="21" name="Flecha: a la derecha 20">
-            <a:extLst>
-              <a:ext uri="{FF2B5EF4-FFF2-40B4-BE49-F238E27FC236}">
-                <a16:creationId xmlns:a16="http://schemas.microsoft.com/office/drawing/2014/main" id="{D133209A-F9A9-72E1-DF66-B3204AE055AC}"/>
-              </a:ext>
-            </a:extLst>
-          </p:cNvPr>
-          <p:cNvSpPr/>
-          <p:nvPr/>
-        </p:nvSpPr>
-        <p:spPr>
-          <a:xfrm>
-            <a:off x="5621697" y="1455158"/>
-            <a:ext cx="470777" cy="318155"/>
-          </a:xfrm>
-          <a:prstGeom prst="rightArrow">
-            <a:avLst/>
-          </a:prstGeom>
-        </p:spPr>
-        <p:style>
-          <a:lnRef idx="2">
-            <a:schemeClr val="accent1">
-              <a:shade val="15000"/>
-            </a:schemeClr>
-          </a:lnRef>
-          <a:fillRef idx="1">
-            <a:schemeClr val="accent1"/>
-          </a:fillRef>
-          <a:effectRef idx="0">
-            <a:schemeClr val="accent1"/>
-          </a:effectRef>
-          <a:fontRef idx="minor">
-            <a:schemeClr val="lt1"/>
-          </a:fontRef>
-        </p:style>
-        <p:txBody>
-          <a:bodyPr rtlCol="0" anchor="ctr"/>
-          <a:lstStyle/>
-          <a:p>
-            <a:pPr algn="ctr"/>
-            <a:endParaRPr lang="es-ES"/>
-          </a:p>
-        </p:txBody>
-      </p:sp>
-      <p:sp>
-        <p:nvSpPr>
-          <p:cNvPr id="22" name="Flecha: a la derecha 21">
-            <a:extLst>
-              <a:ext uri="{FF2B5EF4-FFF2-40B4-BE49-F238E27FC236}">
-                <a16:creationId xmlns:a16="http://schemas.microsoft.com/office/drawing/2014/main" id="{69E5AD6E-45D9-4C1C-C3F2-D0A0FAFE7EF4}"/>
-              </a:ext>
-            </a:extLst>
-          </p:cNvPr>
-          <p:cNvSpPr/>
-          <p:nvPr/>
-        </p:nvSpPr>
-        <p:spPr>
-          <a:xfrm>
-            <a:off x="867310" y="1455158"/>
-            <a:ext cx="470777" cy="318155"/>
-          </a:xfrm>
-          <a:prstGeom prst="rightArrow">
-            <a:avLst/>
-          </a:prstGeom>
-        </p:spPr>
-        <p:style>
-          <a:lnRef idx="2">
-            <a:schemeClr val="accent1">
-              <a:shade val="15000"/>
-            </a:schemeClr>
-          </a:lnRef>
-          <a:fillRef idx="1">
-            <a:schemeClr val="accent1"/>
-          </a:fillRef>
-          <a:effectRef idx="0">
-            <a:schemeClr val="accent1"/>
-          </a:effectRef>
-          <a:fontRef idx="minor">
-            <a:schemeClr val="lt1"/>
-          </a:fontRef>
-        </p:style>
-        <p:txBody>
-          <a:bodyPr rtlCol="0" anchor="ctr"/>
-          <a:lstStyle/>
-          <a:p>
-            <a:pPr algn="ctr"/>
-            <a:endParaRPr lang="es-ES"/>
-          </a:p>
-        </p:txBody>
-      </p:sp>
-      <p:sp>
-        <p:nvSpPr>
-          <p:cNvPr id="23" name="Flecha: a la derecha 22">
-            <a:extLst>
-              <a:ext uri="{FF2B5EF4-FFF2-40B4-BE49-F238E27FC236}">
-                <a16:creationId xmlns:a16="http://schemas.microsoft.com/office/drawing/2014/main" id="{216DCAAC-2C3C-0100-3F1A-84DC9576ACC3}"/>
-              </a:ext>
-            </a:extLst>
-          </p:cNvPr>
-          <p:cNvSpPr/>
-          <p:nvPr/>
-        </p:nvSpPr>
-        <p:spPr>
-          <a:xfrm rot="5400000">
-            <a:off x="8122897" y="2642628"/>
-            <a:ext cx="470777" cy="318155"/>
-          </a:xfrm>
-          <a:prstGeom prst="rightArrow">
-            <a:avLst/>
-          </a:prstGeom>
-        </p:spPr>
-        <p:style>
-          <a:lnRef idx="2">
-            <a:schemeClr val="accent1">
-              <a:shade val="15000"/>
-            </a:schemeClr>
-          </a:lnRef>
-          <a:fillRef idx="1">
-            <a:schemeClr val="accent1"/>
-          </a:fillRef>
-          <a:effectRef idx="0">
-            <a:schemeClr val="accent1"/>
-          </a:effectRef>
-          <a:fontRef idx="minor">
-            <a:schemeClr val="lt1"/>
-          </a:fontRef>
-        </p:style>
-        <p:txBody>
-          <a:bodyPr rtlCol="0" anchor="ctr"/>
-          <a:lstStyle/>
-          <a:p>
-            <a:pPr algn="ctr"/>
-            <a:endParaRPr lang="es-ES"/>
-          </a:p>
-        </p:txBody>
-      </p:sp>
-      <p:cxnSp>
-        <p:nvCxnSpPr>
-          <p:cNvPr id="24" name="Conector recto de flecha 23">
-            <a:extLst>
-              <a:ext uri="{FF2B5EF4-FFF2-40B4-BE49-F238E27FC236}">
-                <a16:creationId xmlns:a16="http://schemas.microsoft.com/office/drawing/2014/main" id="{E0270ECA-DF36-CE84-D362-9395FB8EF64A}"/>
-              </a:ext>
-            </a:extLst>
-          </p:cNvPr>
-          <p:cNvCxnSpPr/>
-          <p:nvPr/>
-        </p:nvCxnSpPr>
-        <p:spPr>
-          <a:xfrm flipH="1">
-            <a:off x="9388154" y="3122613"/>
-            <a:ext cx="518474" cy="480767"/>
-          </a:xfrm>
-          <a:prstGeom prst="straightConnector1">
-            <a:avLst/>
-          </a:prstGeom>
-          <a:ln w="50800">
-            <a:solidFill>
-              <a:srgbClr val="FF0000"/>
-            </a:solidFill>
-            <a:tailEnd type="triangle"/>
-          </a:ln>
-        </p:spPr>
-        <p:style>
-          <a:lnRef idx="1">
-            <a:schemeClr val="accent1"/>
-          </a:lnRef>
-          <a:fillRef idx="0">
-            <a:schemeClr val="accent1"/>
-          </a:fillRef>
-          <a:effectRef idx="0">
-            <a:schemeClr val="accent1"/>
-          </a:effectRef>
-          <a:fontRef idx="minor">
-            <a:schemeClr val="tx1"/>
-          </a:fontRef>
-        </p:style>
-      </p:cxnSp>
-      <p:sp>
-        <p:nvSpPr>
-          <p:cNvPr id="25" name="Flecha: a la derecha 24">
-            <a:extLst>
-              <a:ext uri="{FF2B5EF4-FFF2-40B4-BE49-F238E27FC236}">
-                <a16:creationId xmlns:a16="http://schemas.microsoft.com/office/drawing/2014/main" id="{E62ABC6F-3EAE-B618-BEA5-614F84D5A035}"/>
-              </a:ext>
-            </a:extLst>
-          </p:cNvPr>
-          <p:cNvSpPr/>
-          <p:nvPr/>
-        </p:nvSpPr>
-        <p:spPr>
-          <a:xfrm rot="5400000">
-            <a:off x="8122897" y="3693182"/>
-            <a:ext cx="470777" cy="318155"/>
-          </a:xfrm>
-          <a:prstGeom prst="rightArrow">
-            <a:avLst/>
-          </a:prstGeom>
-        </p:spPr>
-        <p:style>
-          <a:lnRef idx="2">
-            <a:schemeClr val="accent1">
-              <a:shade val="15000"/>
-            </a:schemeClr>
-          </a:lnRef>
-          <a:fillRef idx="1">
-            <a:schemeClr val="accent1"/>
-          </a:fillRef>
-          <a:effectRef idx="0">
-            <a:schemeClr val="accent1"/>
-          </a:effectRef>
-          <a:fontRef idx="minor">
-            <a:schemeClr val="lt1"/>
-          </a:fontRef>
-        </p:style>
-        <p:txBody>
-          <a:bodyPr rtlCol="0" anchor="ctr"/>
-          <a:lstStyle/>
-          <a:p>
-            <a:pPr algn="ctr"/>
-            <a:endParaRPr lang="es-ES"/>
-          </a:p>
-        </p:txBody>
-      </p:sp>
-      <p:sp>
-        <p:nvSpPr>
-          <p:cNvPr id="26" name="Flecha: a la derecha 25">
-            <a:extLst>
-              <a:ext uri="{FF2B5EF4-FFF2-40B4-BE49-F238E27FC236}">
-                <a16:creationId xmlns:a16="http://schemas.microsoft.com/office/drawing/2014/main" id="{A3626D5F-F934-DD6B-5290-D2E925BA4676}"/>
-              </a:ext>
-            </a:extLst>
-          </p:cNvPr>
-          <p:cNvSpPr/>
-          <p:nvPr/>
-        </p:nvSpPr>
-        <p:spPr>
-          <a:xfrm rot="10800000">
-            <a:off x="5506162" y="5107027"/>
-            <a:ext cx="470777" cy="318155"/>
-          </a:xfrm>
-          <a:prstGeom prst="rightArrow">
-            <a:avLst/>
-          </a:prstGeom>
-        </p:spPr>
-        <p:style>
-          <a:lnRef idx="2">
-            <a:schemeClr val="accent1">
-              <a:shade val="15000"/>
-            </a:schemeClr>
-          </a:lnRef>
-          <a:fillRef idx="1">
-            <a:schemeClr val="accent1"/>
-          </a:fillRef>
-          <a:effectRef idx="0">
-            <a:schemeClr val="accent1"/>
-          </a:effectRef>
-          <a:fontRef idx="minor">
-            <a:schemeClr val="lt1"/>
-          </a:fontRef>
-        </p:style>
-        <p:txBody>
-          <a:bodyPr rtlCol="0" anchor="ctr"/>
-          <a:lstStyle/>
-          <a:p>
-            <a:pPr algn="ctr"/>
-            <a:endParaRPr lang="es-ES"/>
-          </a:p>
-        </p:txBody>
-      </p:sp>
-      <p:sp>
-        <p:nvSpPr>
-          <p:cNvPr id="30" name="CuadroTexto 29">
-            <a:hlinkClick r:id="rId8"/>
-            <a:extLst>
-              <a:ext uri="{FF2B5EF4-FFF2-40B4-BE49-F238E27FC236}">
-                <a16:creationId xmlns:a16="http://schemas.microsoft.com/office/drawing/2014/main" id="{2D6F2F82-8BA5-1799-8040-205FD7FC5F91}"/>
-              </a:ext>
-            </a:extLst>
-          </p:cNvPr>
-          <p:cNvSpPr txBox="1"/>
-          <p:nvPr/>
-        </p:nvSpPr>
-        <p:spPr>
-          <a:xfrm>
-            <a:off x="3095899" y="6471778"/>
-            <a:ext cx="2321987" cy="246221"/>
-          </a:xfrm>
-          <a:prstGeom prst="rect">
-            <a:avLst/>
-          </a:prstGeom>
-          <a:solidFill>
-            <a:schemeClr val="accent5">
-              <a:lumMod val="60000"/>
-              <a:lumOff val="40000"/>
-            </a:schemeClr>
-          </a:solidFill>
-          <a:ln>
-            <a:solidFill>
-              <a:schemeClr val="tx1"/>
-            </a:solidFill>
-          </a:ln>
-          <a:effectLst>
-            <a:softEdge rad="31750"/>
-          </a:effectLst>
+          <a:noFill/>
         </p:spPr>
         <p:txBody>
           <a:bodyPr wrap="square">
@@ -6782,66 +7608,1085 @@
           <a:lstStyle/>
           <a:p>
             <a:r>
-              <a:rPr lang="es-ES" sz="1000" dirty="0">
-                <a:solidFill>
-                  <a:srgbClr val="0070C0"/>
-                </a:solidFill>
-              </a:rPr>
-              <a:t>https://captwhite.github.io/newsletter/</a:t>
-            </a:r>
-          </a:p>
-        </p:txBody>
-      </p:sp>
-      <p:sp>
-        <p:nvSpPr>
-          <p:cNvPr id="31" name="Flecha: a la derecha 30">
-            <a:extLst>
-              <a:ext uri="{FF2B5EF4-FFF2-40B4-BE49-F238E27FC236}">
-                <a16:creationId xmlns:a16="http://schemas.microsoft.com/office/drawing/2014/main" id="{32328114-7987-DC59-0EF5-3D8C76E8D74C}"/>
-              </a:ext>
-            </a:extLst>
-          </p:cNvPr>
-          <p:cNvSpPr/>
+              <a:rPr lang="es-ES" u="sng" dirty="0"/>
+              <a:t>Alternativa a actualizar el fichero JSON desde una consola de comandos </a:t>
+            </a:r>
+          </a:p>
+          <a:p>
+            <a:endParaRPr lang="es-ES" dirty="0"/>
+          </a:p>
+          <a:p>
+            <a:r>
+              <a:rPr lang="es-ES" sz="1600" dirty="0"/>
+              <a:t>Debe tener el programa </a:t>
+            </a:r>
+            <a:r>
+              <a:rPr lang="es-ES" sz="1600" dirty="0" err="1"/>
+              <a:t>git</a:t>
+            </a:r>
+            <a:r>
+              <a:rPr lang="es-ES" sz="1600" dirty="0"/>
+              <a:t> instalado ( https://git-scm.com )</a:t>
+            </a:r>
+          </a:p>
+          <a:p>
+            <a:r>
+              <a:rPr lang="es-ES" sz="1600" dirty="0"/>
+              <a:t>Crear un directorio que contenga exclusivamente el fichero '</a:t>
+            </a:r>
+            <a:r>
+              <a:rPr lang="es-ES" sz="1600" dirty="0" err="1"/>
+              <a:t>newsletter.json</a:t>
+            </a:r>
+            <a:r>
+              <a:rPr lang="es-ES" sz="1600" dirty="0"/>
+              <a:t>' donde habremos copiado su contenido</a:t>
+            </a:r>
+          </a:p>
+          <a:p>
+            <a:r>
+              <a:rPr lang="es-ES" sz="1600" dirty="0"/>
+              <a:t>	La primera vez (y solo una vez):  				</a:t>
+            </a:r>
+          </a:p>
+          <a:p>
+            <a:r>
+              <a:rPr lang="es-ES" sz="1600" dirty="0"/>
+              <a:t>		</a:t>
+            </a:r>
+            <a:r>
+              <a:rPr lang="es-ES" sz="1600" dirty="0">
+                <a:solidFill>
+                  <a:schemeClr val="accent5">
+                    <a:lumMod val="75000"/>
+                  </a:schemeClr>
+                </a:solidFill>
+              </a:rPr>
+              <a:t>echo "# Borrar-</a:t>
+            </a:r>
+            <a:r>
+              <a:rPr lang="es-ES" sz="1600" dirty="0" err="1">
+                <a:solidFill>
+                  <a:schemeClr val="accent5">
+                    <a:lumMod val="75000"/>
+                  </a:schemeClr>
+                </a:solidFill>
+              </a:rPr>
+              <a:t>xyz</a:t>
+            </a:r>
+            <a:r>
+              <a:rPr lang="es-ES" sz="1600" dirty="0">
+                <a:solidFill>
+                  <a:schemeClr val="accent5">
+                    <a:lumMod val="75000"/>
+                  </a:schemeClr>
+                </a:solidFill>
+              </a:rPr>
+              <a:t>" &gt;&gt; README.md</a:t>
+            </a:r>
+          </a:p>
+          <a:p>
+            <a:r>
+              <a:rPr lang="es-ES" sz="1600" dirty="0">
+                <a:solidFill>
+                  <a:schemeClr val="accent5">
+                    <a:lumMod val="75000"/>
+                  </a:schemeClr>
+                </a:solidFill>
+              </a:rPr>
+              <a:t>		</a:t>
+            </a:r>
+            <a:r>
+              <a:rPr lang="es-ES" sz="1600" dirty="0" err="1">
+                <a:solidFill>
+                  <a:schemeClr val="accent5">
+                    <a:lumMod val="75000"/>
+                  </a:schemeClr>
+                </a:solidFill>
+              </a:rPr>
+              <a:t>git</a:t>
+            </a:r>
+            <a:r>
+              <a:rPr lang="es-ES" sz="1600" dirty="0">
+                <a:solidFill>
+                  <a:schemeClr val="accent5">
+                    <a:lumMod val="75000"/>
+                  </a:schemeClr>
+                </a:solidFill>
+              </a:rPr>
+              <a:t> </a:t>
+            </a:r>
+            <a:r>
+              <a:rPr lang="es-ES" sz="1600" dirty="0" err="1">
+                <a:solidFill>
+                  <a:schemeClr val="accent5">
+                    <a:lumMod val="75000"/>
+                  </a:schemeClr>
+                </a:solidFill>
+              </a:rPr>
+              <a:t>init</a:t>
+            </a:r>
+            <a:endParaRPr lang="es-ES" sz="1600" dirty="0">
+              <a:solidFill>
+                <a:schemeClr val="accent5">
+                  <a:lumMod val="75000"/>
+                </a:schemeClr>
+              </a:solidFill>
+            </a:endParaRPr>
+          </a:p>
+          <a:p>
+            <a:r>
+              <a:rPr lang="es-ES" sz="1600" dirty="0">
+                <a:solidFill>
+                  <a:schemeClr val="accent5">
+                    <a:lumMod val="75000"/>
+                  </a:schemeClr>
+                </a:solidFill>
+              </a:rPr>
+              <a:t>		</a:t>
+            </a:r>
+            <a:r>
+              <a:rPr lang="es-ES" sz="1600" dirty="0" err="1">
+                <a:solidFill>
+                  <a:schemeClr val="accent5">
+                    <a:lumMod val="75000"/>
+                  </a:schemeClr>
+                </a:solidFill>
+              </a:rPr>
+              <a:t>git</a:t>
+            </a:r>
+            <a:r>
+              <a:rPr lang="es-ES" sz="1600" dirty="0">
+                <a:solidFill>
+                  <a:schemeClr val="accent5">
+                    <a:lumMod val="75000"/>
+                  </a:schemeClr>
+                </a:solidFill>
+              </a:rPr>
+              <a:t> </a:t>
+            </a:r>
+            <a:r>
+              <a:rPr lang="es-ES" sz="1600" dirty="0" err="1">
+                <a:solidFill>
+                  <a:schemeClr val="accent5">
+                    <a:lumMod val="75000"/>
+                  </a:schemeClr>
+                </a:solidFill>
+              </a:rPr>
+              <a:t>add</a:t>
+            </a:r>
+            <a:r>
+              <a:rPr lang="es-ES" sz="1600" dirty="0">
+                <a:solidFill>
+                  <a:schemeClr val="accent5">
+                    <a:lumMod val="75000"/>
+                  </a:schemeClr>
+                </a:solidFill>
+              </a:rPr>
+              <a:t> README.md</a:t>
+            </a:r>
+          </a:p>
+          <a:p>
+            <a:r>
+              <a:rPr lang="es-ES" sz="1600" dirty="0">
+                <a:solidFill>
+                  <a:schemeClr val="accent5">
+                    <a:lumMod val="75000"/>
+                  </a:schemeClr>
+                </a:solidFill>
+              </a:rPr>
+              <a:t>		</a:t>
+            </a:r>
+            <a:r>
+              <a:rPr lang="es-ES" sz="1600" dirty="0" err="1">
+                <a:solidFill>
+                  <a:schemeClr val="accent5">
+                    <a:lumMod val="75000"/>
+                  </a:schemeClr>
+                </a:solidFill>
+              </a:rPr>
+              <a:t>git</a:t>
+            </a:r>
+            <a:r>
+              <a:rPr lang="es-ES" sz="1600" dirty="0">
+                <a:solidFill>
+                  <a:schemeClr val="accent5">
+                    <a:lumMod val="75000"/>
+                  </a:schemeClr>
+                </a:solidFill>
+              </a:rPr>
+              <a:t> </a:t>
+            </a:r>
+            <a:r>
+              <a:rPr lang="es-ES" sz="1600" dirty="0" err="1">
+                <a:solidFill>
+                  <a:schemeClr val="accent5">
+                    <a:lumMod val="75000"/>
+                  </a:schemeClr>
+                </a:solidFill>
+              </a:rPr>
+              <a:t>commit</a:t>
+            </a:r>
+            <a:r>
+              <a:rPr lang="es-ES" sz="1600" dirty="0">
+                <a:solidFill>
+                  <a:schemeClr val="accent5">
+                    <a:lumMod val="75000"/>
+                  </a:schemeClr>
+                </a:solidFill>
+              </a:rPr>
+              <a:t> -m "</a:t>
+            </a:r>
+            <a:r>
+              <a:rPr lang="es-ES" sz="1600" dirty="0" err="1">
+                <a:solidFill>
+                  <a:schemeClr val="accent5">
+                    <a:lumMod val="75000"/>
+                  </a:schemeClr>
+                </a:solidFill>
+              </a:rPr>
+              <a:t>first</a:t>
+            </a:r>
+            <a:r>
+              <a:rPr lang="es-ES" sz="1600" dirty="0">
+                <a:solidFill>
+                  <a:schemeClr val="accent5">
+                    <a:lumMod val="75000"/>
+                  </a:schemeClr>
+                </a:solidFill>
+              </a:rPr>
+              <a:t> </a:t>
+            </a:r>
+            <a:r>
+              <a:rPr lang="es-ES" sz="1600" dirty="0" err="1">
+                <a:solidFill>
+                  <a:schemeClr val="accent5">
+                    <a:lumMod val="75000"/>
+                  </a:schemeClr>
+                </a:solidFill>
+              </a:rPr>
+              <a:t>commit</a:t>
+            </a:r>
+            <a:r>
+              <a:rPr lang="es-ES" sz="1600" dirty="0">
+                <a:solidFill>
+                  <a:schemeClr val="accent5">
+                    <a:lumMod val="75000"/>
+                  </a:schemeClr>
+                </a:solidFill>
+              </a:rPr>
+              <a:t>"</a:t>
+            </a:r>
+          </a:p>
+          <a:p>
+            <a:r>
+              <a:rPr lang="es-ES" sz="1600" dirty="0">
+                <a:solidFill>
+                  <a:schemeClr val="accent5">
+                    <a:lumMod val="75000"/>
+                  </a:schemeClr>
+                </a:solidFill>
+              </a:rPr>
+              <a:t>		</a:t>
+            </a:r>
+            <a:r>
+              <a:rPr lang="es-ES" sz="1600" dirty="0" err="1">
+                <a:solidFill>
+                  <a:schemeClr val="accent5">
+                    <a:lumMod val="75000"/>
+                  </a:schemeClr>
+                </a:solidFill>
+              </a:rPr>
+              <a:t>git</a:t>
+            </a:r>
+            <a:r>
+              <a:rPr lang="es-ES" sz="1600" dirty="0">
+                <a:solidFill>
+                  <a:schemeClr val="accent5">
+                    <a:lumMod val="75000"/>
+                  </a:schemeClr>
+                </a:solidFill>
+              </a:rPr>
+              <a:t> </a:t>
+            </a:r>
+            <a:r>
+              <a:rPr lang="es-ES" sz="1600" dirty="0" err="1">
+                <a:solidFill>
+                  <a:schemeClr val="accent5">
+                    <a:lumMod val="75000"/>
+                  </a:schemeClr>
+                </a:solidFill>
+              </a:rPr>
+              <a:t>branch</a:t>
+            </a:r>
+            <a:r>
+              <a:rPr lang="es-ES" sz="1600" dirty="0">
+                <a:solidFill>
+                  <a:schemeClr val="accent5">
+                    <a:lumMod val="75000"/>
+                  </a:schemeClr>
+                </a:solidFill>
+              </a:rPr>
+              <a:t> -M </a:t>
+            </a:r>
+            <a:r>
+              <a:rPr lang="es-ES" sz="1600" dirty="0" err="1">
+                <a:solidFill>
+                  <a:schemeClr val="accent5">
+                    <a:lumMod val="75000"/>
+                  </a:schemeClr>
+                </a:solidFill>
+              </a:rPr>
+              <a:t>main</a:t>
+            </a:r>
+            <a:endParaRPr lang="es-ES" sz="1600" dirty="0">
+              <a:solidFill>
+                <a:schemeClr val="accent5">
+                  <a:lumMod val="75000"/>
+                </a:schemeClr>
+              </a:solidFill>
+            </a:endParaRPr>
+          </a:p>
+          <a:p>
+            <a:r>
+              <a:rPr lang="es-ES" sz="1600" dirty="0">
+                <a:solidFill>
+                  <a:schemeClr val="accent5">
+                    <a:lumMod val="75000"/>
+                  </a:schemeClr>
+                </a:solidFill>
+              </a:rPr>
+              <a:t>		</a:t>
+            </a:r>
+            <a:r>
+              <a:rPr lang="es-ES" sz="1400" dirty="0" err="1">
+                <a:solidFill>
+                  <a:schemeClr val="accent5">
+                    <a:lumMod val="75000"/>
+                  </a:schemeClr>
+                </a:solidFill>
+              </a:rPr>
+              <a:t>git</a:t>
+            </a:r>
+            <a:r>
+              <a:rPr lang="es-ES" sz="1400" dirty="0">
+                <a:solidFill>
+                  <a:schemeClr val="accent5">
+                    <a:lumMod val="75000"/>
+                  </a:schemeClr>
+                </a:solidFill>
+              </a:rPr>
+              <a:t> remote </a:t>
+            </a:r>
+            <a:r>
+              <a:rPr lang="es-ES" sz="1400" dirty="0" err="1">
+                <a:solidFill>
+                  <a:schemeClr val="accent5">
+                    <a:lumMod val="75000"/>
+                  </a:schemeClr>
+                </a:solidFill>
+              </a:rPr>
+              <a:t>add</a:t>
+            </a:r>
+            <a:r>
+              <a:rPr lang="es-ES" sz="1400" dirty="0">
+                <a:solidFill>
+                  <a:schemeClr val="accent5">
+                    <a:lumMod val="75000"/>
+                  </a:schemeClr>
+                </a:solidFill>
+              </a:rPr>
+              <a:t> </a:t>
+            </a:r>
+            <a:r>
+              <a:rPr lang="es-ES" sz="1400" dirty="0" err="1">
+                <a:solidFill>
+                  <a:schemeClr val="accent5">
+                    <a:lumMod val="75000"/>
+                  </a:schemeClr>
+                </a:solidFill>
+              </a:rPr>
+              <a:t>origin</a:t>
+            </a:r>
+            <a:r>
+              <a:rPr lang="es-ES" sz="1400" dirty="0">
+                <a:solidFill>
+                  <a:schemeClr val="accent5">
+                    <a:lumMod val="75000"/>
+                  </a:schemeClr>
+                </a:solidFill>
+              </a:rPr>
+              <a:t> https://github.com/CaptWhite/newsletter.git</a:t>
+            </a:r>
+            <a:endParaRPr lang="es-ES" sz="1600" dirty="0">
+              <a:solidFill>
+                <a:schemeClr val="accent5">
+                  <a:lumMod val="75000"/>
+                </a:schemeClr>
+              </a:solidFill>
+            </a:endParaRPr>
+          </a:p>
+          <a:p>
+            <a:r>
+              <a:rPr lang="es-ES" sz="1600" dirty="0">
+                <a:solidFill>
+                  <a:schemeClr val="accent5">
+                    <a:lumMod val="75000"/>
+                  </a:schemeClr>
+                </a:solidFill>
+              </a:rPr>
+              <a:t>		</a:t>
+            </a:r>
+            <a:r>
+              <a:rPr lang="es-ES" sz="1600" dirty="0" err="1">
+                <a:solidFill>
+                  <a:schemeClr val="accent5">
+                    <a:lumMod val="75000"/>
+                  </a:schemeClr>
+                </a:solidFill>
+              </a:rPr>
+              <a:t>git</a:t>
+            </a:r>
+            <a:r>
+              <a:rPr lang="es-ES" sz="1600" dirty="0">
+                <a:solidFill>
+                  <a:schemeClr val="accent5">
+                    <a:lumMod val="75000"/>
+                  </a:schemeClr>
+                </a:solidFill>
+              </a:rPr>
+              <a:t> </a:t>
+            </a:r>
+            <a:r>
+              <a:rPr lang="es-ES" sz="1600" dirty="0" err="1">
+                <a:solidFill>
+                  <a:schemeClr val="accent5">
+                    <a:lumMod val="75000"/>
+                  </a:schemeClr>
+                </a:solidFill>
+              </a:rPr>
+              <a:t>push</a:t>
+            </a:r>
+            <a:r>
+              <a:rPr lang="es-ES" sz="1600" dirty="0">
+                <a:solidFill>
+                  <a:schemeClr val="accent5">
+                    <a:lumMod val="75000"/>
+                  </a:schemeClr>
+                </a:solidFill>
+              </a:rPr>
+              <a:t> -u </a:t>
+            </a:r>
+            <a:r>
+              <a:rPr lang="es-ES" sz="1600" dirty="0" err="1">
+                <a:solidFill>
+                  <a:schemeClr val="accent5">
+                    <a:lumMod val="75000"/>
+                  </a:schemeClr>
+                </a:solidFill>
+              </a:rPr>
+              <a:t>origin</a:t>
+            </a:r>
+            <a:r>
+              <a:rPr lang="es-ES" sz="1600" dirty="0">
+                <a:solidFill>
+                  <a:schemeClr val="accent5">
+                    <a:lumMod val="75000"/>
+                  </a:schemeClr>
+                </a:solidFill>
+              </a:rPr>
+              <a:t> </a:t>
+            </a:r>
+            <a:r>
+              <a:rPr lang="es-ES" sz="1600" dirty="0" err="1">
+                <a:solidFill>
+                  <a:schemeClr val="accent5">
+                    <a:lumMod val="75000"/>
+                  </a:schemeClr>
+                </a:solidFill>
+              </a:rPr>
+              <a:t>main</a:t>
+            </a:r>
+            <a:endParaRPr lang="es-ES" sz="1600" dirty="0">
+              <a:solidFill>
+                <a:schemeClr val="accent5">
+                  <a:lumMod val="75000"/>
+                </a:schemeClr>
+              </a:solidFill>
+            </a:endParaRPr>
+          </a:p>
+          <a:p>
+            <a:r>
+              <a:rPr lang="es-ES" sz="1600" dirty="0"/>
+              <a:t>	En veces sucesivas:</a:t>
+            </a:r>
+          </a:p>
+          <a:p>
+            <a:r>
+              <a:rPr lang="es-ES" sz="1600" dirty="0"/>
+              <a:t>		</a:t>
+            </a:r>
+            <a:r>
+              <a:rPr lang="es-ES" sz="1600" dirty="0" err="1">
+                <a:solidFill>
+                  <a:srgbClr val="FF0000"/>
+                </a:solidFill>
+              </a:rPr>
+              <a:t>git</a:t>
+            </a:r>
+            <a:r>
+              <a:rPr lang="es-ES" sz="1600" dirty="0">
+                <a:solidFill>
+                  <a:srgbClr val="FF0000"/>
+                </a:solidFill>
+              </a:rPr>
+              <a:t> </a:t>
+            </a:r>
+            <a:r>
+              <a:rPr lang="es-ES" sz="1600" dirty="0" err="1">
+                <a:solidFill>
+                  <a:srgbClr val="FF0000"/>
+                </a:solidFill>
+              </a:rPr>
+              <a:t>add</a:t>
+            </a:r>
+            <a:r>
+              <a:rPr lang="es-ES" sz="1600" dirty="0">
+                <a:solidFill>
+                  <a:srgbClr val="FF0000"/>
+                </a:solidFill>
+              </a:rPr>
+              <a:t> .</a:t>
+            </a:r>
+          </a:p>
+          <a:p>
+            <a:r>
+              <a:rPr lang="es-ES" sz="1600" dirty="0">
+                <a:solidFill>
+                  <a:srgbClr val="FF0000"/>
+                </a:solidFill>
+              </a:rPr>
+              <a:t>		</a:t>
+            </a:r>
+            <a:r>
+              <a:rPr lang="es-ES" sz="1600" dirty="0" err="1">
+                <a:solidFill>
+                  <a:srgbClr val="FF0000"/>
+                </a:solidFill>
+              </a:rPr>
+              <a:t>git</a:t>
+            </a:r>
+            <a:r>
+              <a:rPr lang="es-ES" sz="1600" dirty="0">
+                <a:solidFill>
+                  <a:srgbClr val="FF0000"/>
+                </a:solidFill>
+              </a:rPr>
+              <a:t> </a:t>
+            </a:r>
+            <a:r>
+              <a:rPr lang="es-ES" sz="1600" dirty="0" err="1">
+                <a:solidFill>
+                  <a:srgbClr val="FF0000"/>
+                </a:solidFill>
+              </a:rPr>
+              <a:t>commit</a:t>
+            </a:r>
+            <a:r>
+              <a:rPr lang="es-ES" sz="1600" dirty="0">
+                <a:solidFill>
+                  <a:srgbClr val="FF0000"/>
+                </a:solidFill>
+              </a:rPr>
+              <a:t> -m "</a:t>
+            </a:r>
+            <a:r>
+              <a:rPr lang="es-ES" sz="1600" b="1" noProof="1">
+                <a:solidFill>
+                  <a:srgbClr val="FF0000"/>
+                </a:solidFill>
+              </a:rPr>
+              <a:t> </a:t>
+            </a:r>
+            <a:r>
+              <a:rPr lang="es-ES" sz="1400" noProof="1">
+                <a:solidFill>
+                  <a:srgbClr val="FF0000"/>
+                </a:solidFill>
+              </a:rPr>
+              <a:t>Butlletí 102 </a:t>
+            </a:r>
+            <a:r>
+              <a:rPr lang="es-ES" sz="1600" dirty="0">
+                <a:solidFill>
+                  <a:srgbClr val="FF0000"/>
+                </a:solidFill>
+              </a:rPr>
+              <a:t>"</a:t>
+            </a:r>
+          </a:p>
+          <a:p>
+            <a:r>
+              <a:rPr lang="es-ES" sz="1600" dirty="0">
+                <a:solidFill>
+                  <a:srgbClr val="FF0000"/>
+                </a:solidFill>
+              </a:rPr>
+              <a:t>		</a:t>
+            </a:r>
+            <a:r>
+              <a:rPr lang="es-ES" sz="1600" dirty="0" err="1">
+                <a:solidFill>
+                  <a:srgbClr val="FF0000"/>
+                </a:solidFill>
+              </a:rPr>
+              <a:t>git</a:t>
+            </a:r>
+            <a:r>
+              <a:rPr lang="es-ES" sz="1600" dirty="0">
+                <a:solidFill>
+                  <a:srgbClr val="FF0000"/>
+                </a:solidFill>
+              </a:rPr>
+              <a:t> </a:t>
+            </a:r>
+            <a:r>
+              <a:rPr lang="es-ES" sz="1600" dirty="0" err="1">
+                <a:solidFill>
+                  <a:srgbClr val="FF0000"/>
+                </a:solidFill>
+              </a:rPr>
+              <a:t>push</a:t>
+            </a:r>
+            <a:r>
+              <a:rPr lang="es-ES" sz="1600" dirty="0">
+                <a:solidFill>
+                  <a:srgbClr val="FF0000"/>
+                </a:solidFill>
+              </a:rPr>
+              <a:t> -u </a:t>
+            </a:r>
+            <a:r>
+              <a:rPr lang="es-ES" sz="1600" dirty="0" err="1">
+                <a:solidFill>
+                  <a:srgbClr val="FF0000"/>
+                </a:solidFill>
+              </a:rPr>
+              <a:t>origin</a:t>
+            </a:r>
+            <a:r>
+              <a:rPr lang="es-ES" sz="1600" dirty="0">
+                <a:solidFill>
+                  <a:srgbClr val="FF0000"/>
+                </a:solidFill>
+              </a:rPr>
+              <a:t> </a:t>
+            </a:r>
+            <a:r>
+              <a:rPr lang="es-ES" sz="1600" dirty="0" err="1">
+                <a:solidFill>
+                  <a:srgbClr val="FF0000"/>
+                </a:solidFill>
+              </a:rPr>
+              <a:t>main</a:t>
+            </a:r>
+            <a:endParaRPr lang="es-ES" sz="1600" dirty="0">
+              <a:solidFill>
+                <a:srgbClr val="FF0000"/>
+              </a:solidFill>
+            </a:endParaRPr>
+          </a:p>
+        </p:txBody>
+      </p:sp>
+      <p:sp>
+        <p:nvSpPr>
+          <p:cNvPr id="4" name="CuadroTexto 3">
+            <a:extLst>
+              <a:ext uri="{FF2B5EF4-FFF2-40B4-BE49-F238E27FC236}">
+                <a16:creationId xmlns:a16="http://schemas.microsoft.com/office/drawing/2014/main" id="{6D0A0C43-712A-7BF1-84AC-6D3037F8AED8}"/>
+              </a:ext>
+            </a:extLst>
+          </p:cNvPr>
+          <p:cNvSpPr txBox="1"/>
           <p:nvPr/>
         </p:nvSpPr>
         <p:spPr>
-          <a:xfrm rot="5400000">
-            <a:off x="4433077" y="6077312"/>
-            <a:ext cx="470777" cy="318155"/>
-          </a:xfrm>
-          <a:prstGeom prst="rightArrow">
+          <a:xfrm>
+            <a:off x="7051250" y="560824"/>
+            <a:ext cx="4946715" cy="5816977"/>
+          </a:xfrm>
+          <a:prstGeom prst="rect">
             <a:avLst/>
           </a:prstGeom>
-        </p:spPr>
-        <p:style>
-          <a:lnRef idx="2">
-            <a:schemeClr val="accent1">
-              <a:shade val="15000"/>
-            </a:schemeClr>
-          </a:lnRef>
-          <a:fillRef idx="1">
-            <a:schemeClr val="accent1"/>
-          </a:fillRef>
-          <a:effectRef idx="0">
-            <a:schemeClr val="accent1"/>
-          </a:effectRef>
-          <a:fontRef idx="minor">
-            <a:schemeClr val="lt1"/>
-          </a:fontRef>
-        </p:style>
-        <p:txBody>
-          <a:bodyPr rtlCol="0" anchor="ctr"/>
+          <a:noFill/>
+        </p:spPr>
+        <p:txBody>
+          <a:bodyPr wrap="square">
+            <a:spAutoFit/>
+          </a:bodyPr>
           <a:lstStyle/>
           <a:p>
-            <a:pPr algn="ctr"/>
-            <a:endParaRPr lang="es-ES"/>
+            <a:r>
+              <a:rPr lang="es-ES" sz="800" dirty="0"/>
+              <a:t>(</a:t>
+            </a:r>
+            <a:r>
+              <a:rPr lang="es-ES" sz="800" noProof="1"/>
+              <a:t>base) PS C:\Users\captw\workspaces\Astronomia\WEB ASTER\Repository</a:t>
+            </a:r>
+            <a:r>
+              <a:rPr lang="es-ES" sz="800" b="1" noProof="1">
+                <a:solidFill>
+                  <a:srgbClr val="FF0000"/>
+                </a:solidFill>
+              </a:rPr>
+              <a:t>&gt; </a:t>
+            </a:r>
+            <a:r>
+              <a:rPr lang="es-ES" sz="900" b="1" noProof="1">
+                <a:solidFill>
+                  <a:srgbClr val="FF0000"/>
+                </a:solidFill>
+              </a:rPr>
+              <a:t>git add .</a:t>
+            </a:r>
+          </a:p>
+          <a:p>
+            <a:r>
+              <a:rPr lang="es-ES" sz="800" noProof="1"/>
+              <a:t>(base) PS C:\Users\captw\workspaces\Astronomia\WEB ASTER\Repository</a:t>
+            </a:r>
+            <a:r>
+              <a:rPr lang="es-ES" sz="900" b="1" noProof="1">
+                <a:solidFill>
+                  <a:srgbClr val="FF0000"/>
+                </a:solidFill>
+              </a:rPr>
+              <a:t>&gt; git commit -m "Butlletí 102"</a:t>
+            </a:r>
+          </a:p>
+          <a:p>
+            <a:r>
+              <a:rPr lang="es-ES" sz="800" noProof="1"/>
+              <a:t>[main 18f84a9] Butlletí 102</a:t>
+            </a:r>
+          </a:p>
+          <a:p>
+            <a:r>
+              <a:rPr lang="es-ES" sz="800" noProof="1"/>
+              <a:t> 1 file changed, 1 insertion(+), 1 deletion(-)</a:t>
+            </a:r>
+          </a:p>
+          <a:p>
+            <a:r>
+              <a:rPr lang="es-ES" sz="800" noProof="1"/>
+              <a:t>(base) PS C:\Users\captw\workspaces\Astronomia\WEB ASTER\Repository&gt; </a:t>
+            </a:r>
+            <a:r>
+              <a:rPr lang="es-ES" sz="900" b="1" noProof="1">
+                <a:solidFill>
+                  <a:srgbClr val="FF0000"/>
+                </a:solidFill>
+              </a:rPr>
+              <a:t>git push -u origin main     </a:t>
+            </a:r>
+          </a:p>
+          <a:p>
+            <a:r>
+              <a:rPr lang="es-ES" sz="800" noProof="1"/>
+              <a:t>To https://github.com/CaptWhite/aster-newsletter.git</a:t>
+            </a:r>
+          </a:p>
+          <a:p>
+            <a:r>
+              <a:rPr lang="es-ES" sz="800" noProof="1"/>
+              <a:t> ! [rejected]        main -&gt; main (fetch first)</a:t>
+            </a:r>
+          </a:p>
+          <a:p>
+            <a:r>
+              <a:rPr lang="es-ES" sz="800" noProof="1"/>
+              <a:t>error: failed to push some refs to 'https://github.com/CaptWhite/aster-newsletter.git'</a:t>
+            </a:r>
+          </a:p>
+          <a:p>
+            <a:r>
+              <a:rPr lang="es-ES" sz="800" noProof="1"/>
+              <a:t>hint: Updates were rejected because the remote contains work that you do</a:t>
+            </a:r>
+          </a:p>
+          <a:p>
+            <a:r>
+              <a:rPr lang="es-ES" sz="800" noProof="1"/>
+              <a:t>hint: not have locally. This is usually caused by another repository pushing</a:t>
+            </a:r>
+          </a:p>
+          <a:p>
+            <a:r>
+              <a:rPr lang="es-ES" sz="800" noProof="1"/>
+              <a:t>hint: to the same ref. You may want to first integrate the remote changes</a:t>
+            </a:r>
+          </a:p>
+          <a:p>
+            <a:r>
+              <a:rPr lang="es-ES" sz="800" noProof="1"/>
+              <a:t>hint: (e.g., 'git pull ...') before pushing again.</a:t>
+            </a:r>
+          </a:p>
+          <a:p>
+            <a:r>
+              <a:rPr lang="es-ES" sz="800" noProof="1"/>
+              <a:t>hint: See the 'Note about fast-forwards' in 'git push --help' for details.</a:t>
+            </a:r>
+          </a:p>
+          <a:p>
+            <a:r>
+              <a:rPr lang="es-ES" sz="800" noProof="1"/>
+              <a:t>(base) PS C:\Users\captw\workspaces\Astronomia\WEB ASTER\Repository&gt; </a:t>
+            </a:r>
+            <a:r>
+              <a:rPr lang="es-ES" sz="900" b="1" noProof="1">
+                <a:solidFill>
+                  <a:srgbClr val="FF0000"/>
+                </a:solidFill>
+              </a:rPr>
+              <a:t>git pull</a:t>
+            </a:r>
+            <a:endParaRPr lang="es-ES" sz="800" b="1" noProof="1">
+              <a:solidFill>
+                <a:srgbClr val="FF0000"/>
+              </a:solidFill>
+            </a:endParaRPr>
+          </a:p>
+          <a:p>
+            <a:r>
+              <a:rPr lang="es-ES" sz="800" noProof="1"/>
+              <a:t>remote: Enumerating objects: 5, done.</a:t>
+            </a:r>
+          </a:p>
+          <a:p>
+            <a:r>
+              <a:rPr lang="es-ES" sz="800" noProof="1"/>
+              <a:t>remote: Counting objects: 100% (5/5), done.</a:t>
+            </a:r>
+          </a:p>
+          <a:p>
+            <a:r>
+              <a:rPr lang="es-ES" sz="800" noProof="1"/>
+              <a:t>remote: Compressing objects: 100% (3/3), done.</a:t>
+            </a:r>
+          </a:p>
+          <a:p>
+            <a:r>
+              <a:rPr lang="es-ES" sz="800" noProof="1"/>
+              <a:t>remote: Total 3 (delta 2), reused 0 (delta 0), pack-reused 0</a:t>
+            </a:r>
+          </a:p>
+          <a:p>
+            <a:r>
+              <a:rPr lang="es-ES" sz="800" noProof="1"/>
+              <a:t>Unpacking objects: 100% (3/3), 656 bytes | 16.00 KiB/s, done.</a:t>
+            </a:r>
+          </a:p>
+          <a:p>
+            <a:r>
+              <a:rPr lang="es-ES" sz="800" noProof="1"/>
+              <a:t>From https://github.com/CaptWhite/aster-newsletter</a:t>
+            </a:r>
+          </a:p>
+          <a:p>
+            <a:r>
+              <a:rPr lang="es-ES" sz="800" noProof="1"/>
+              <a:t>   09493c1..13390f3  main       -&gt; origin/main</a:t>
+            </a:r>
+          </a:p>
+          <a:p>
+            <a:r>
+              <a:rPr lang="es-ES" sz="800" noProof="1"/>
+              <a:t>Auto-merging db.json</a:t>
+            </a:r>
+          </a:p>
+          <a:p>
+            <a:r>
+              <a:rPr lang="es-ES" sz="800" noProof="1"/>
+              <a:t>Merge made by the 'recursive' strategy.</a:t>
+            </a:r>
+          </a:p>
+          <a:p>
+            <a:r>
+              <a:rPr lang="es-ES" sz="800" noProof="1"/>
+              <a:t> db.json | 4 ++--</a:t>
+            </a:r>
+          </a:p>
+          <a:p>
+            <a:r>
+              <a:rPr lang="es-ES" sz="800" noProof="1"/>
+              <a:t> 1 file changed, 2 insertions(+), 2 deletions(-)</a:t>
+            </a:r>
+          </a:p>
+          <a:p>
+            <a:r>
+              <a:rPr lang="es-ES" sz="800" noProof="1"/>
+              <a:t>(base) PS C:\Users\captw\workspaces\Astronomia\WEB ASTER\Repository</a:t>
+            </a:r>
+            <a:r>
+              <a:rPr lang="es-ES" sz="900" b="1" noProof="1">
+                <a:solidFill>
+                  <a:srgbClr val="FF0000"/>
+                </a:solidFill>
+              </a:rPr>
+              <a:t>&gt; git add .</a:t>
+            </a:r>
+          </a:p>
+          <a:p>
+            <a:r>
+              <a:rPr lang="es-ES" sz="800" noProof="1"/>
+              <a:t>(base) PS C:\Users\captw\workspaces\Astronomia\WEB ASTER\Repository&gt; </a:t>
+            </a:r>
+            <a:r>
+              <a:rPr lang="es-ES" sz="900" b="1" noProof="1">
+                <a:solidFill>
+                  <a:srgbClr val="FF0000"/>
+                </a:solidFill>
+              </a:rPr>
+              <a:t>git commit -m "Butlletí 102"</a:t>
+            </a:r>
+            <a:endParaRPr lang="es-ES" sz="800" b="1" noProof="1">
+              <a:solidFill>
+                <a:srgbClr val="FF0000"/>
+              </a:solidFill>
+            </a:endParaRPr>
+          </a:p>
+          <a:p>
+            <a:r>
+              <a:rPr lang="es-ES" sz="800" noProof="1"/>
+              <a:t>On branch main</a:t>
+            </a:r>
+          </a:p>
+          <a:p>
+            <a:r>
+              <a:rPr lang="es-ES" sz="800" noProof="1"/>
+              <a:t>Your branch is ahead of 'origin/main' by 2 commits.</a:t>
+            </a:r>
+          </a:p>
+          <a:p>
+            <a:r>
+              <a:rPr lang="es-ES" sz="800" noProof="1"/>
+              <a:t>  (use "git push" to publish your local commits)</a:t>
+            </a:r>
+          </a:p>
+          <a:p>
+            <a:endParaRPr lang="es-ES" sz="800" noProof="1"/>
+          </a:p>
+          <a:p>
+            <a:r>
+              <a:rPr lang="es-ES" sz="800" noProof="1"/>
+              <a:t>nothing to commit, working tree clean</a:t>
+            </a:r>
+          </a:p>
+          <a:p>
+            <a:r>
+              <a:rPr lang="es-ES" sz="800" noProof="1"/>
+              <a:t>(base) PS C:\Users\captw\workspaces\Astronomia\WEB ASTER\Repository</a:t>
+            </a:r>
+            <a:r>
+              <a:rPr lang="es-ES" sz="900" b="1" noProof="1">
+                <a:solidFill>
+                  <a:srgbClr val="FF0000"/>
+                </a:solidFill>
+              </a:rPr>
+              <a:t>                                  </a:t>
+            </a:r>
+            <a:endParaRPr lang="es-ES" sz="800" b="1" noProof="1">
+              <a:solidFill>
+                <a:srgbClr val="FF0000"/>
+              </a:solidFill>
+            </a:endParaRPr>
+          </a:p>
+          <a:p>
+            <a:r>
+              <a:rPr lang="es-ES" sz="800" noProof="1"/>
+              <a:t>Enumerating objects: 10, done.</a:t>
+            </a:r>
+          </a:p>
+          <a:p>
+            <a:r>
+              <a:rPr lang="es-ES" sz="800" noProof="1"/>
+              <a:t>Counting objects: 100% (10/10), done.</a:t>
+            </a:r>
+          </a:p>
+          <a:p>
+            <a:r>
+              <a:rPr lang="es-ES" sz="800" noProof="1"/>
+              <a:t>Delta compression using up to 8 threads</a:t>
+            </a:r>
+          </a:p>
+          <a:p>
+            <a:r>
+              <a:rPr lang="es-ES" sz="800" noProof="1"/>
+              <a:t>Compressing objects: 100% (6/6), done.</a:t>
+            </a:r>
+          </a:p>
+          <a:p>
+            <a:r>
+              <a:rPr lang="es-ES" sz="800" noProof="1"/>
+              <a:t>Writing objects: 100% (6/6), 622 bytes | 622.00 KiB/s, done.</a:t>
+            </a:r>
+          </a:p>
+          <a:p>
+            <a:r>
+              <a:rPr lang="es-ES" sz="800" noProof="1"/>
+              <a:t>Total 6 (delta 4), reused 0 (delta 0), pack-reused 0</a:t>
+            </a:r>
+          </a:p>
+          <a:p>
+            <a:r>
+              <a:rPr lang="es-ES" sz="800" noProof="1"/>
+              <a:t>remote: Resolving deltas: 100% (4/4), completed with 2 local objects.</a:t>
+            </a:r>
+          </a:p>
+          <a:p>
+            <a:r>
+              <a:rPr lang="es-ES" sz="800" noProof="1"/>
+              <a:t>remote: This repository moved. Please use the new location:</a:t>
+            </a:r>
+          </a:p>
+          <a:p>
+            <a:r>
+              <a:rPr lang="es-ES" sz="800" noProof="1"/>
+              <a:t>remote:   https://github.com/CaptWhite/aster-repository.git</a:t>
+            </a:r>
+          </a:p>
+          <a:p>
+            <a:r>
+              <a:rPr lang="es-ES" sz="800" noProof="1"/>
+              <a:t>To https://github.com/CaptWhite/aster-newsletter.git</a:t>
+            </a:r>
+          </a:p>
+          <a:p>
+            <a:r>
+              <a:rPr lang="es-ES" sz="800" noProof="1"/>
+              <a:t>   13390f3..327c69f  main -&gt; main</a:t>
+            </a:r>
+          </a:p>
+          <a:p>
+            <a:r>
+              <a:rPr lang="es-ES" sz="800" noProof="1"/>
+              <a:t>Branch 'main' set up to track remote branch 'main' from 'origin'.</a:t>
+            </a:r>
+          </a:p>
+          <a:p>
+            <a:r>
+              <a:rPr lang="es-ES" sz="800" noProof="1"/>
+              <a:t>(base) PS C:\Users\captw\workspaces\Astronomia\WEB ASTER\Repository&gt;</a:t>
+            </a:r>
           </a:p>
         </p:txBody>
       </p:sp>
     </p:spTree>
     <p:extLst>
       <p:ext uri="{BB962C8B-B14F-4D97-AF65-F5344CB8AC3E}">
-        <p14:creationId xmlns:p14="http://schemas.microsoft.com/office/powerpoint/2010/main" val="1528465908"/>
+        <p14:creationId xmlns:p14="http://schemas.microsoft.com/office/powerpoint/2010/main" val="3200502280"/>
       </p:ext>
     </p:extLst>
   </p:cSld>
@@ -6914,7 +8759,7 @@
           <a:p>
             <a:r>
               <a:rPr lang="es-ES" dirty="0"/>
-              <a:t>3 – Actualizar el programa de generación de páginas</a:t>
+              <a:t>2 – Regenerar la página web</a:t>
             </a:r>
           </a:p>
         </p:txBody>
@@ -6922,7 +8767,7 @@
     </p:spTree>
     <p:extLst>
       <p:ext uri="{BB962C8B-B14F-4D97-AF65-F5344CB8AC3E}">
-        <p14:creationId xmlns:p14="http://schemas.microsoft.com/office/powerpoint/2010/main" val="2362875730"/>
+        <p14:creationId xmlns:p14="http://schemas.microsoft.com/office/powerpoint/2010/main" val="3472020467"/>
       </p:ext>
     </p:extLst>
   </p:cSld>
@@ -6951,59 +8796,673 @@
       </p:grpSpPr>
       <p:sp>
         <p:nvSpPr>
-          <p:cNvPr id="2" name="Título 1">
-            <a:extLst>
-              <a:ext uri="{FF2B5EF4-FFF2-40B4-BE49-F238E27FC236}">
-                <a16:creationId xmlns:a16="http://schemas.microsoft.com/office/drawing/2014/main" id="{680D64C3-6C7E-8C50-A64D-53C166B94EB0}"/>
-              </a:ext>
-            </a:extLst>
-          </p:cNvPr>
-          <p:cNvSpPr txBox="1">
-            <a:spLocks/>
-          </p:cNvSpPr>
+          <p:cNvPr id="5" name="CuadroTexto 4">
+            <a:hlinkClick r:id="rId2"/>
+            <a:extLst>
+              <a:ext uri="{FF2B5EF4-FFF2-40B4-BE49-F238E27FC236}">
+                <a16:creationId xmlns:a16="http://schemas.microsoft.com/office/drawing/2014/main" id="{6B21F938-9186-7AED-5449-B4A9E66BD36F}"/>
+              </a:ext>
+            </a:extLst>
+          </p:cNvPr>
+          <p:cNvSpPr txBox="1"/>
           <p:nvPr/>
         </p:nvSpPr>
         <p:spPr>
-          <a:xfrm>
-            <a:off x="1524000" y="1122363"/>
-            <a:ext cx="9144000" cy="2387600"/>
+          <a:xfrm rot="16200000">
+            <a:off x="-713803" y="1452739"/>
+            <a:ext cx="2916004" cy="246221"/>
           </a:xfrm>
           <a:prstGeom prst="rect">
             <a:avLst/>
           </a:prstGeom>
-        </p:spPr>
-        <p:txBody>
-          <a:bodyPr vert="horz" lIns="91440" tIns="45720" rIns="91440" bIns="45720" rtlCol="0" anchor="b">
-            <a:normAutofit/>
+          <a:solidFill>
+            <a:schemeClr val="accent5">
+              <a:lumMod val="60000"/>
+              <a:lumOff val="40000"/>
+            </a:schemeClr>
+          </a:solidFill>
+          <a:ln>
+            <a:solidFill>
+              <a:schemeClr val="tx1"/>
+            </a:solidFill>
+          </a:ln>
+          <a:effectLst>
+            <a:softEdge rad="31750"/>
+          </a:effectLst>
+        </p:spPr>
+        <p:txBody>
+          <a:bodyPr wrap="square">
+            <a:spAutoFit/>
           </a:bodyPr>
           <a:lstStyle>
-            <a:lvl1pPr algn="ctr">
-              <a:lnSpc>
-                <a:spcPct val="90000"/>
-              </a:lnSpc>
-              <a:spcBef>
-                <a:spcPct val="0"/>
-              </a:spcBef>
-              <a:buNone/>
-              <a:defRPr sz="6000">
-                <a:latin typeface="+mj-lt"/>
-                <a:ea typeface="+mj-ea"/>
-                <a:cs typeface="+mj-cs"/>
+            <a:defPPr>
+              <a:defRPr lang="es-ES"/>
+            </a:defPPr>
+            <a:lvl1pPr>
+              <a:defRPr sz="1000">
+                <a:solidFill>
+                  <a:srgbClr val="0070C0"/>
+                </a:solidFill>
               </a:defRPr>
             </a:lvl1pPr>
           </a:lstStyle>
           <a:p>
             <a:r>
               <a:rPr lang="es-ES" dirty="0"/>
-              <a:t>4 – Envío de emails</a:t>
-            </a:r>
+              <a:t>https://github.com/CaptWhite/newsletter/actions</a:t>
+            </a:r>
+          </a:p>
+        </p:txBody>
+      </p:sp>
+      <p:pic>
+        <p:nvPicPr>
+          <p:cNvPr id="7" name="Imagen 6">
+            <a:extLst>
+              <a:ext uri="{FF2B5EF4-FFF2-40B4-BE49-F238E27FC236}">
+                <a16:creationId xmlns:a16="http://schemas.microsoft.com/office/drawing/2014/main" id="{8EABCE2F-C8ED-8E25-88DE-40401394EF88}"/>
+              </a:ext>
+            </a:extLst>
+          </p:cNvPr>
+          <p:cNvPicPr>
+            <a:picLocks noChangeAspect="1"/>
+          </p:cNvPicPr>
+          <p:nvPr/>
+        </p:nvPicPr>
+        <p:blipFill>
+          <a:blip r:embed="rId3"/>
+          <a:stretch>
+            <a:fillRect/>
+          </a:stretch>
+        </p:blipFill>
+        <p:spPr>
+          <a:xfrm>
+            <a:off x="1357568" y="135844"/>
+            <a:ext cx="3666918" cy="2638628"/>
+          </a:xfrm>
+          <a:prstGeom prst="rect">
+            <a:avLst/>
+          </a:prstGeom>
+        </p:spPr>
+      </p:pic>
+      <p:cxnSp>
+        <p:nvCxnSpPr>
+          <p:cNvPr id="11" name="Conector recto de flecha 10">
+            <a:extLst>
+              <a:ext uri="{FF2B5EF4-FFF2-40B4-BE49-F238E27FC236}">
+                <a16:creationId xmlns:a16="http://schemas.microsoft.com/office/drawing/2014/main" id="{C93D9B34-3530-0DF8-C56D-A3EEB0B083F8}"/>
+              </a:ext>
+            </a:extLst>
+          </p:cNvPr>
+          <p:cNvCxnSpPr/>
+          <p:nvPr/>
+        </p:nvCxnSpPr>
+        <p:spPr>
+          <a:xfrm flipH="1">
+            <a:off x="2931790" y="1706252"/>
+            <a:ext cx="518474" cy="480767"/>
+          </a:xfrm>
+          <a:prstGeom prst="straightConnector1">
+            <a:avLst/>
+          </a:prstGeom>
+          <a:ln w="50800">
+            <a:solidFill>
+              <a:srgbClr val="FF0000"/>
+            </a:solidFill>
+            <a:tailEnd type="triangle"/>
+          </a:ln>
+        </p:spPr>
+        <p:style>
+          <a:lnRef idx="1">
+            <a:schemeClr val="accent1"/>
+          </a:lnRef>
+          <a:fillRef idx="0">
+            <a:schemeClr val="accent1"/>
+          </a:fillRef>
+          <a:effectRef idx="0">
+            <a:schemeClr val="accent1"/>
+          </a:effectRef>
+          <a:fontRef idx="minor">
+            <a:schemeClr val="tx1"/>
+          </a:fontRef>
+        </p:style>
+      </p:cxnSp>
+      <p:pic>
+        <p:nvPicPr>
+          <p:cNvPr id="13" name="Imagen 12">
+            <a:extLst>
+              <a:ext uri="{FF2B5EF4-FFF2-40B4-BE49-F238E27FC236}">
+                <a16:creationId xmlns:a16="http://schemas.microsoft.com/office/drawing/2014/main" id="{D61EF1A5-E891-E2FF-687B-BFA4EF0BB2E9}"/>
+              </a:ext>
+            </a:extLst>
+          </p:cNvPr>
+          <p:cNvPicPr>
+            <a:picLocks noChangeAspect="1"/>
+          </p:cNvPicPr>
+          <p:nvPr/>
+        </p:nvPicPr>
+        <p:blipFill>
+          <a:blip r:embed="rId4"/>
+          <a:stretch>
+            <a:fillRect/>
+          </a:stretch>
+        </p:blipFill>
+        <p:spPr>
+          <a:xfrm>
+            <a:off x="6458614" y="137417"/>
+            <a:ext cx="3998855" cy="2638628"/>
+          </a:xfrm>
+          <a:prstGeom prst="rect">
+            <a:avLst/>
+          </a:prstGeom>
+        </p:spPr>
+      </p:pic>
+      <p:cxnSp>
+        <p:nvCxnSpPr>
+          <p:cNvPr id="14" name="Conector recto de flecha 13">
+            <a:extLst>
+              <a:ext uri="{FF2B5EF4-FFF2-40B4-BE49-F238E27FC236}">
+                <a16:creationId xmlns:a16="http://schemas.microsoft.com/office/drawing/2014/main" id="{4B54F26D-0E30-FF7C-B27D-3EB6FC61BC0B}"/>
+              </a:ext>
+            </a:extLst>
+          </p:cNvPr>
+          <p:cNvCxnSpPr/>
+          <p:nvPr/>
+        </p:nvCxnSpPr>
+        <p:spPr>
+          <a:xfrm flipH="1">
+            <a:off x="10075319" y="538900"/>
+            <a:ext cx="518474" cy="480767"/>
+          </a:xfrm>
+          <a:prstGeom prst="straightConnector1">
+            <a:avLst/>
+          </a:prstGeom>
+          <a:ln w="50800">
+            <a:solidFill>
+              <a:srgbClr val="FF0000"/>
+            </a:solidFill>
+            <a:tailEnd type="triangle"/>
+          </a:ln>
+        </p:spPr>
+        <p:style>
+          <a:lnRef idx="1">
+            <a:schemeClr val="accent1"/>
+          </a:lnRef>
+          <a:fillRef idx="0">
+            <a:schemeClr val="accent1"/>
+          </a:fillRef>
+          <a:effectRef idx="0">
+            <a:schemeClr val="accent1"/>
+          </a:effectRef>
+          <a:fontRef idx="minor">
+            <a:schemeClr val="tx1"/>
+          </a:fontRef>
+        </p:style>
+      </p:cxnSp>
+      <p:pic>
+        <p:nvPicPr>
+          <p:cNvPr id="16" name="Imagen 15">
+            <a:extLst>
+              <a:ext uri="{FF2B5EF4-FFF2-40B4-BE49-F238E27FC236}">
+                <a16:creationId xmlns:a16="http://schemas.microsoft.com/office/drawing/2014/main" id="{9E372567-E826-FAB1-F50D-54B5F6082AC4}"/>
+              </a:ext>
+            </a:extLst>
+          </p:cNvPr>
+          <p:cNvPicPr>
+            <a:picLocks noChangeAspect="1"/>
+          </p:cNvPicPr>
+          <p:nvPr/>
+        </p:nvPicPr>
+        <p:blipFill>
+          <a:blip r:embed="rId5"/>
+          <a:stretch>
+            <a:fillRect/>
+          </a:stretch>
+        </p:blipFill>
+        <p:spPr>
+          <a:xfrm>
+            <a:off x="7172877" y="2922001"/>
+            <a:ext cx="2370819" cy="819079"/>
+          </a:xfrm>
+          <a:prstGeom prst="rect">
+            <a:avLst/>
+          </a:prstGeom>
+        </p:spPr>
+      </p:pic>
+      <p:pic>
+        <p:nvPicPr>
+          <p:cNvPr id="18" name="Imagen 17">
+            <a:extLst>
+              <a:ext uri="{FF2B5EF4-FFF2-40B4-BE49-F238E27FC236}">
+                <a16:creationId xmlns:a16="http://schemas.microsoft.com/office/drawing/2014/main" id="{043EE056-315C-A257-A88B-19EEEDB36BD5}"/>
+              </a:ext>
+            </a:extLst>
+          </p:cNvPr>
+          <p:cNvPicPr>
+            <a:picLocks noChangeAspect="1"/>
+          </p:cNvPicPr>
+          <p:nvPr/>
+        </p:nvPicPr>
+        <p:blipFill>
+          <a:blip r:embed="rId6"/>
+          <a:stretch>
+            <a:fillRect/>
+          </a:stretch>
+        </p:blipFill>
+        <p:spPr>
+          <a:xfrm>
+            <a:off x="6458614" y="3949948"/>
+            <a:ext cx="4290995" cy="2644941"/>
+          </a:xfrm>
+          <a:prstGeom prst="rect">
+            <a:avLst/>
+          </a:prstGeom>
+        </p:spPr>
+      </p:pic>
+      <p:pic>
+        <p:nvPicPr>
+          <p:cNvPr id="20" name="Imagen 19">
+            <a:extLst>
+              <a:ext uri="{FF2B5EF4-FFF2-40B4-BE49-F238E27FC236}">
+                <a16:creationId xmlns:a16="http://schemas.microsoft.com/office/drawing/2014/main" id="{2CDB78A6-187F-86F9-FE7E-645819D79D02}"/>
+              </a:ext>
+            </a:extLst>
+          </p:cNvPr>
+          <p:cNvPicPr>
+            <a:picLocks noChangeAspect="1"/>
+          </p:cNvPicPr>
+          <p:nvPr/>
+        </p:nvPicPr>
+        <p:blipFill>
+          <a:blip r:embed="rId7"/>
+          <a:stretch>
+            <a:fillRect/>
+          </a:stretch>
+        </p:blipFill>
+        <p:spPr>
+          <a:xfrm>
+            <a:off x="1367048" y="3616871"/>
+            <a:ext cx="3666918" cy="2644942"/>
+          </a:xfrm>
+          <a:prstGeom prst="rect">
+            <a:avLst/>
+          </a:prstGeom>
+        </p:spPr>
+      </p:pic>
+      <p:sp>
+        <p:nvSpPr>
+          <p:cNvPr id="21" name="Flecha: a la derecha 20">
+            <a:extLst>
+              <a:ext uri="{FF2B5EF4-FFF2-40B4-BE49-F238E27FC236}">
+                <a16:creationId xmlns:a16="http://schemas.microsoft.com/office/drawing/2014/main" id="{D133209A-F9A9-72E1-DF66-B3204AE055AC}"/>
+              </a:ext>
+            </a:extLst>
+          </p:cNvPr>
+          <p:cNvSpPr/>
+          <p:nvPr/>
+        </p:nvSpPr>
+        <p:spPr>
+          <a:xfrm>
+            <a:off x="5621697" y="1455158"/>
+            <a:ext cx="470777" cy="318155"/>
+          </a:xfrm>
+          <a:prstGeom prst="rightArrow">
+            <a:avLst/>
+          </a:prstGeom>
+        </p:spPr>
+        <p:style>
+          <a:lnRef idx="2">
+            <a:schemeClr val="accent1">
+              <a:shade val="15000"/>
+            </a:schemeClr>
+          </a:lnRef>
+          <a:fillRef idx="1">
+            <a:schemeClr val="accent1"/>
+          </a:fillRef>
+          <a:effectRef idx="0">
+            <a:schemeClr val="accent1"/>
+          </a:effectRef>
+          <a:fontRef idx="minor">
+            <a:schemeClr val="lt1"/>
+          </a:fontRef>
+        </p:style>
+        <p:txBody>
+          <a:bodyPr rtlCol="0" anchor="ctr"/>
+          <a:lstStyle/>
+          <a:p>
+            <a:pPr algn="ctr"/>
+            <a:endParaRPr lang="es-ES"/>
+          </a:p>
+        </p:txBody>
+      </p:sp>
+      <p:sp>
+        <p:nvSpPr>
+          <p:cNvPr id="22" name="Flecha: a la derecha 21">
+            <a:extLst>
+              <a:ext uri="{FF2B5EF4-FFF2-40B4-BE49-F238E27FC236}">
+                <a16:creationId xmlns:a16="http://schemas.microsoft.com/office/drawing/2014/main" id="{69E5AD6E-45D9-4C1C-C3F2-D0A0FAFE7EF4}"/>
+              </a:ext>
+            </a:extLst>
+          </p:cNvPr>
+          <p:cNvSpPr/>
+          <p:nvPr/>
+        </p:nvSpPr>
+        <p:spPr>
+          <a:xfrm>
+            <a:off x="867310" y="1455158"/>
+            <a:ext cx="470777" cy="318155"/>
+          </a:xfrm>
+          <a:prstGeom prst="rightArrow">
+            <a:avLst/>
+          </a:prstGeom>
+        </p:spPr>
+        <p:style>
+          <a:lnRef idx="2">
+            <a:schemeClr val="accent1">
+              <a:shade val="15000"/>
+            </a:schemeClr>
+          </a:lnRef>
+          <a:fillRef idx="1">
+            <a:schemeClr val="accent1"/>
+          </a:fillRef>
+          <a:effectRef idx="0">
+            <a:schemeClr val="accent1"/>
+          </a:effectRef>
+          <a:fontRef idx="minor">
+            <a:schemeClr val="lt1"/>
+          </a:fontRef>
+        </p:style>
+        <p:txBody>
+          <a:bodyPr rtlCol="0" anchor="ctr"/>
+          <a:lstStyle/>
+          <a:p>
+            <a:pPr algn="ctr"/>
+            <a:endParaRPr lang="es-ES"/>
+          </a:p>
+        </p:txBody>
+      </p:sp>
+      <p:sp>
+        <p:nvSpPr>
+          <p:cNvPr id="23" name="Flecha: a la derecha 22">
+            <a:extLst>
+              <a:ext uri="{FF2B5EF4-FFF2-40B4-BE49-F238E27FC236}">
+                <a16:creationId xmlns:a16="http://schemas.microsoft.com/office/drawing/2014/main" id="{216DCAAC-2C3C-0100-3F1A-84DC9576ACC3}"/>
+              </a:ext>
+            </a:extLst>
+          </p:cNvPr>
+          <p:cNvSpPr/>
+          <p:nvPr/>
+        </p:nvSpPr>
+        <p:spPr>
+          <a:xfrm rot="5400000">
+            <a:off x="8122897" y="2642628"/>
+            <a:ext cx="470777" cy="318155"/>
+          </a:xfrm>
+          <a:prstGeom prst="rightArrow">
+            <a:avLst/>
+          </a:prstGeom>
+        </p:spPr>
+        <p:style>
+          <a:lnRef idx="2">
+            <a:schemeClr val="accent1">
+              <a:shade val="15000"/>
+            </a:schemeClr>
+          </a:lnRef>
+          <a:fillRef idx="1">
+            <a:schemeClr val="accent1"/>
+          </a:fillRef>
+          <a:effectRef idx="0">
+            <a:schemeClr val="accent1"/>
+          </a:effectRef>
+          <a:fontRef idx="minor">
+            <a:schemeClr val="lt1"/>
+          </a:fontRef>
+        </p:style>
+        <p:txBody>
+          <a:bodyPr rtlCol="0" anchor="ctr"/>
+          <a:lstStyle/>
+          <a:p>
+            <a:pPr algn="ctr"/>
+            <a:endParaRPr lang="es-ES"/>
+          </a:p>
+        </p:txBody>
+      </p:sp>
+      <p:cxnSp>
+        <p:nvCxnSpPr>
+          <p:cNvPr id="24" name="Conector recto de flecha 23">
+            <a:extLst>
+              <a:ext uri="{FF2B5EF4-FFF2-40B4-BE49-F238E27FC236}">
+                <a16:creationId xmlns:a16="http://schemas.microsoft.com/office/drawing/2014/main" id="{E0270ECA-DF36-CE84-D362-9395FB8EF64A}"/>
+              </a:ext>
+            </a:extLst>
+          </p:cNvPr>
+          <p:cNvCxnSpPr/>
+          <p:nvPr/>
+        </p:nvCxnSpPr>
+        <p:spPr>
+          <a:xfrm flipH="1">
+            <a:off x="9388154" y="3122613"/>
+            <a:ext cx="518474" cy="480767"/>
+          </a:xfrm>
+          <a:prstGeom prst="straightConnector1">
+            <a:avLst/>
+          </a:prstGeom>
+          <a:ln w="50800">
+            <a:solidFill>
+              <a:srgbClr val="FF0000"/>
+            </a:solidFill>
+            <a:tailEnd type="triangle"/>
+          </a:ln>
+        </p:spPr>
+        <p:style>
+          <a:lnRef idx="1">
+            <a:schemeClr val="accent1"/>
+          </a:lnRef>
+          <a:fillRef idx="0">
+            <a:schemeClr val="accent1"/>
+          </a:fillRef>
+          <a:effectRef idx="0">
+            <a:schemeClr val="accent1"/>
+          </a:effectRef>
+          <a:fontRef idx="minor">
+            <a:schemeClr val="tx1"/>
+          </a:fontRef>
+        </p:style>
+      </p:cxnSp>
+      <p:sp>
+        <p:nvSpPr>
+          <p:cNvPr id="25" name="Flecha: a la derecha 24">
+            <a:extLst>
+              <a:ext uri="{FF2B5EF4-FFF2-40B4-BE49-F238E27FC236}">
+                <a16:creationId xmlns:a16="http://schemas.microsoft.com/office/drawing/2014/main" id="{E62ABC6F-3EAE-B618-BEA5-614F84D5A035}"/>
+              </a:ext>
+            </a:extLst>
+          </p:cNvPr>
+          <p:cNvSpPr/>
+          <p:nvPr/>
+        </p:nvSpPr>
+        <p:spPr>
+          <a:xfrm rot="5400000">
+            <a:off x="8122897" y="3693182"/>
+            <a:ext cx="470777" cy="318155"/>
+          </a:xfrm>
+          <a:prstGeom prst="rightArrow">
+            <a:avLst/>
+          </a:prstGeom>
+        </p:spPr>
+        <p:style>
+          <a:lnRef idx="2">
+            <a:schemeClr val="accent1">
+              <a:shade val="15000"/>
+            </a:schemeClr>
+          </a:lnRef>
+          <a:fillRef idx="1">
+            <a:schemeClr val="accent1"/>
+          </a:fillRef>
+          <a:effectRef idx="0">
+            <a:schemeClr val="accent1"/>
+          </a:effectRef>
+          <a:fontRef idx="minor">
+            <a:schemeClr val="lt1"/>
+          </a:fontRef>
+        </p:style>
+        <p:txBody>
+          <a:bodyPr rtlCol="0" anchor="ctr"/>
+          <a:lstStyle/>
+          <a:p>
+            <a:pPr algn="ctr"/>
+            <a:endParaRPr lang="es-ES"/>
+          </a:p>
+        </p:txBody>
+      </p:sp>
+      <p:sp>
+        <p:nvSpPr>
+          <p:cNvPr id="26" name="Flecha: a la derecha 25">
+            <a:extLst>
+              <a:ext uri="{FF2B5EF4-FFF2-40B4-BE49-F238E27FC236}">
+                <a16:creationId xmlns:a16="http://schemas.microsoft.com/office/drawing/2014/main" id="{A3626D5F-F934-DD6B-5290-D2E925BA4676}"/>
+              </a:ext>
+            </a:extLst>
+          </p:cNvPr>
+          <p:cNvSpPr/>
+          <p:nvPr/>
+        </p:nvSpPr>
+        <p:spPr>
+          <a:xfrm rot="10800000">
+            <a:off x="5506162" y="5107027"/>
+            <a:ext cx="470777" cy="318155"/>
+          </a:xfrm>
+          <a:prstGeom prst="rightArrow">
+            <a:avLst/>
+          </a:prstGeom>
+        </p:spPr>
+        <p:style>
+          <a:lnRef idx="2">
+            <a:schemeClr val="accent1">
+              <a:shade val="15000"/>
+            </a:schemeClr>
+          </a:lnRef>
+          <a:fillRef idx="1">
+            <a:schemeClr val="accent1"/>
+          </a:fillRef>
+          <a:effectRef idx="0">
+            <a:schemeClr val="accent1"/>
+          </a:effectRef>
+          <a:fontRef idx="minor">
+            <a:schemeClr val="lt1"/>
+          </a:fontRef>
+        </p:style>
+        <p:txBody>
+          <a:bodyPr rtlCol="0" anchor="ctr"/>
+          <a:lstStyle/>
+          <a:p>
+            <a:pPr algn="ctr"/>
+            <a:endParaRPr lang="es-ES"/>
+          </a:p>
+        </p:txBody>
+      </p:sp>
+      <p:sp>
+        <p:nvSpPr>
+          <p:cNvPr id="30" name="CuadroTexto 29">
+            <a:hlinkClick r:id="rId8"/>
+            <a:extLst>
+              <a:ext uri="{FF2B5EF4-FFF2-40B4-BE49-F238E27FC236}">
+                <a16:creationId xmlns:a16="http://schemas.microsoft.com/office/drawing/2014/main" id="{2D6F2F82-8BA5-1799-8040-205FD7FC5F91}"/>
+              </a:ext>
+            </a:extLst>
+          </p:cNvPr>
+          <p:cNvSpPr txBox="1"/>
+          <p:nvPr/>
+        </p:nvSpPr>
+        <p:spPr>
+          <a:xfrm>
+            <a:off x="3095899" y="6471778"/>
+            <a:ext cx="2321987" cy="246221"/>
+          </a:xfrm>
+          <a:prstGeom prst="rect">
+            <a:avLst/>
+          </a:prstGeom>
+          <a:solidFill>
+            <a:schemeClr val="accent5">
+              <a:lumMod val="60000"/>
+              <a:lumOff val="40000"/>
+            </a:schemeClr>
+          </a:solidFill>
+          <a:ln>
+            <a:solidFill>
+              <a:schemeClr val="tx1"/>
+            </a:solidFill>
+          </a:ln>
+          <a:effectLst>
+            <a:softEdge rad="31750"/>
+          </a:effectLst>
+        </p:spPr>
+        <p:txBody>
+          <a:bodyPr wrap="square">
+            <a:spAutoFit/>
+          </a:bodyPr>
+          <a:lstStyle/>
+          <a:p>
+            <a:r>
+              <a:rPr lang="es-ES" sz="1000" dirty="0">
+                <a:solidFill>
+                  <a:srgbClr val="0070C0"/>
+                </a:solidFill>
+              </a:rPr>
+              <a:t>https://captwhite.github.io/newsletter/</a:t>
+            </a:r>
+          </a:p>
+        </p:txBody>
+      </p:sp>
+      <p:sp>
+        <p:nvSpPr>
+          <p:cNvPr id="31" name="Flecha: a la derecha 30">
+            <a:extLst>
+              <a:ext uri="{FF2B5EF4-FFF2-40B4-BE49-F238E27FC236}">
+                <a16:creationId xmlns:a16="http://schemas.microsoft.com/office/drawing/2014/main" id="{32328114-7987-DC59-0EF5-3D8C76E8D74C}"/>
+              </a:ext>
+            </a:extLst>
+          </p:cNvPr>
+          <p:cNvSpPr/>
+          <p:nvPr/>
+        </p:nvSpPr>
+        <p:spPr>
+          <a:xfrm rot="5400000">
+            <a:off x="4433077" y="6077312"/>
+            <a:ext cx="470777" cy="318155"/>
+          </a:xfrm>
+          <a:prstGeom prst="rightArrow">
+            <a:avLst/>
+          </a:prstGeom>
+        </p:spPr>
+        <p:style>
+          <a:lnRef idx="2">
+            <a:schemeClr val="accent1">
+              <a:shade val="15000"/>
+            </a:schemeClr>
+          </a:lnRef>
+          <a:fillRef idx="1">
+            <a:schemeClr val="accent1"/>
+          </a:fillRef>
+          <a:effectRef idx="0">
+            <a:schemeClr val="accent1"/>
+          </a:effectRef>
+          <a:fontRef idx="minor">
+            <a:schemeClr val="lt1"/>
+          </a:fontRef>
+        </p:style>
+        <p:txBody>
+          <a:bodyPr rtlCol="0" anchor="ctr"/>
+          <a:lstStyle/>
+          <a:p>
+            <a:pPr algn="ctr"/>
+            <a:endParaRPr lang="es-ES"/>
           </a:p>
         </p:txBody>
       </p:sp>
     </p:spTree>
     <p:extLst>
       <p:ext uri="{BB962C8B-B14F-4D97-AF65-F5344CB8AC3E}">
-        <p14:creationId xmlns:p14="http://schemas.microsoft.com/office/powerpoint/2010/main" val="1029428208"/>
+        <p14:creationId xmlns:p14="http://schemas.microsoft.com/office/powerpoint/2010/main" val="1528465908"/>
       </p:ext>
     </p:extLst>
   </p:cSld>
@@ -7030,40 +9489,61 @@
           <a:chExt cx="0" cy="0"/>
         </a:xfrm>
       </p:grpSpPr>
-      <p:pic>
-        <p:nvPicPr>
-          <p:cNvPr id="2" name="Imagen 1">
-            <a:extLst>
-              <a:ext uri="{FF2B5EF4-FFF2-40B4-BE49-F238E27FC236}">
-                <a16:creationId xmlns:a16="http://schemas.microsoft.com/office/drawing/2014/main" id="{4444CD85-E2A9-C74C-A26C-E26E8E2BB8AB}"/>
-              </a:ext>
-            </a:extLst>
-          </p:cNvPr>
-          <p:cNvPicPr>
-            <a:picLocks noChangeAspect="1"/>
-          </p:cNvPicPr>
+      <p:sp>
+        <p:nvSpPr>
+          <p:cNvPr id="2" name="Título 1">
+            <a:extLst>
+              <a:ext uri="{FF2B5EF4-FFF2-40B4-BE49-F238E27FC236}">
+                <a16:creationId xmlns:a16="http://schemas.microsoft.com/office/drawing/2014/main" id="{680D64C3-6C7E-8C50-A64D-53C166B94EB0}"/>
+              </a:ext>
+            </a:extLst>
+          </p:cNvPr>
+          <p:cNvSpPr txBox="1">
+            <a:spLocks/>
+          </p:cNvSpPr>
           <p:nvPr/>
-        </p:nvPicPr>
-        <p:blipFill>
-          <a:blip r:embed="rId2"/>
-          <a:stretch>
-            <a:fillRect/>
-          </a:stretch>
-        </p:blipFill>
+        </p:nvSpPr>
         <p:spPr>
           <a:xfrm>
-            <a:off x="202301" y="2522911"/>
-            <a:ext cx="3855812" cy="2757638"/>
+            <a:off x="1524000" y="1122363"/>
+            <a:ext cx="9144000" cy="2387600"/>
           </a:xfrm>
           <a:prstGeom prst="rect">
             <a:avLst/>
           </a:prstGeom>
         </p:spPr>
-      </p:pic>
+        <p:txBody>
+          <a:bodyPr vert="horz" lIns="91440" tIns="45720" rIns="91440" bIns="45720" rtlCol="0" anchor="b">
+            <a:normAutofit/>
+          </a:bodyPr>
+          <a:lstStyle>
+            <a:lvl1pPr algn="ctr">
+              <a:lnSpc>
+                <a:spcPct val="90000"/>
+              </a:lnSpc>
+              <a:spcBef>
+                <a:spcPct val="0"/>
+              </a:spcBef>
+              <a:buNone/>
+              <a:defRPr sz="6000">
+                <a:latin typeface="+mj-lt"/>
+                <a:ea typeface="+mj-ea"/>
+                <a:cs typeface="+mj-cs"/>
+              </a:defRPr>
+            </a:lvl1pPr>
+          </a:lstStyle>
+          <a:p>
+            <a:r>
+              <a:rPr lang="es-ES" dirty="0"/>
+              <a:t>3 – Actualizar el programa de generación de páginas</a:t>
+            </a:r>
+          </a:p>
+        </p:txBody>
+      </p:sp>
     </p:spTree>
     <p:extLst>
       <p:ext uri="{BB962C8B-B14F-4D97-AF65-F5344CB8AC3E}">
-        <p14:creationId xmlns:p14="http://schemas.microsoft.com/office/powerpoint/2010/main" val="3244459405"/>
+        <p14:creationId xmlns:p14="http://schemas.microsoft.com/office/powerpoint/2010/main" val="2362875730"/>
       </p:ext>
     </p:extLst>
   </p:cSld>

--- a/Documents/Newsletter.pptx
+++ b/Documents/Newsletter.pptx
@@ -10,13 +10,15 @@
     <p:sldId id="267" r:id="rId4"/>
     <p:sldId id="257" r:id="rId5"/>
     <p:sldId id="258" r:id="rId6"/>
-    <p:sldId id="259" r:id="rId7"/>
-    <p:sldId id="260" r:id="rId8"/>
-    <p:sldId id="261" r:id="rId9"/>
-    <p:sldId id="262" r:id="rId10"/>
-    <p:sldId id="263" r:id="rId11"/>
-    <p:sldId id="265" r:id="rId12"/>
-    <p:sldId id="264" r:id="rId13"/>
+    <p:sldId id="268" r:id="rId7"/>
+    <p:sldId id="259" r:id="rId8"/>
+    <p:sldId id="260" r:id="rId9"/>
+    <p:sldId id="261" r:id="rId10"/>
+    <p:sldId id="262" r:id="rId11"/>
+    <p:sldId id="269" r:id="rId12"/>
+    <p:sldId id="263" r:id="rId13"/>
+    <p:sldId id="265" r:id="rId14"/>
+    <p:sldId id="264" r:id="rId15"/>
   </p:sldIdLst>
   <p:sldSz cx="12192000" cy="6858000"/>
   <p:notesSz cx="6858000" cy="9144000"/>
@@ -270,7 +272,7 @@
           <a:p>
             <a:fld id="{79A50466-656F-490F-AF25-ED87A19EECF4}" type="datetimeFigureOut">
               <a:rPr lang="es-ES" smtClean="0"/>
-              <a:t>10/12/2023</a:t>
+              <a:t>11/12/2023</a:t>
             </a:fld>
             <a:endParaRPr lang="es-ES"/>
           </a:p>
@@ -468,7 +470,7 @@
           <a:p>
             <a:fld id="{79A50466-656F-490F-AF25-ED87A19EECF4}" type="datetimeFigureOut">
               <a:rPr lang="es-ES" smtClean="0"/>
-              <a:t>10/12/2023</a:t>
+              <a:t>11/12/2023</a:t>
             </a:fld>
             <a:endParaRPr lang="es-ES"/>
           </a:p>
@@ -676,7 +678,7 @@
           <a:p>
             <a:fld id="{79A50466-656F-490F-AF25-ED87A19EECF4}" type="datetimeFigureOut">
               <a:rPr lang="es-ES" smtClean="0"/>
-              <a:t>10/12/2023</a:t>
+              <a:t>11/12/2023</a:t>
             </a:fld>
             <a:endParaRPr lang="es-ES"/>
           </a:p>
@@ -874,7 +876,7 @@
           <a:p>
             <a:fld id="{79A50466-656F-490F-AF25-ED87A19EECF4}" type="datetimeFigureOut">
               <a:rPr lang="es-ES" smtClean="0"/>
-              <a:t>10/12/2023</a:t>
+              <a:t>11/12/2023</a:t>
             </a:fld>
             <a:endParaRPr lang="es-ES"/>
           </a:p>
@@ -1149,7 +1151,7 @@
           <a:p>
             <a:fld id="{79A50466-656F-490F-AF25-ED87A19EECF4}" type="datetimeFigureOut">
               <a:rPr lang="es-ES" smtClean="0"/>
-              <a:t>10/12/2023</a:t>
+              <a:t>11/12/2023</a:t>
             </a:fld>
             <a:endParaRPr lang="es-ES"/>
           </a:p>
@@ -1414,7 +1416,7 @@
           <a:p>
             <a:fld id="{79A50466-656F-490F-AF25-ED87A19EECF4}" type="datetimeFigureOut">
               <a:rPr lang="es-ES" smtClean="0"/>
-              <a:t>10/12/2023</a:t>
+              <a:t>11/12/2023</a:t>
             </a:fld>
             <a:endParaRPr lang="es-ES"/>
           </a:p>
@@ -1826,7 +1828,7 @@
           <a:p>
             <a:fld id="{79A50466-656F-490F-AF25-ED87A19EECF4}" type="datetimeFigureOut">
               <a:rPr lang="es-ES" smtClean="0"/>
-              <a:t>10/12/2023</a:t>
+              <a:t>11/12/2023</a:t>
             </a:fld>
             <a:endParaRPr lang="es-ES"/>
           </a:p>
@@ -1967,7 +1969,7 @@
           <a:p>
             <a:fld id="{79A50466-656F-490F-AF25-ED87A19EECF4}" type="datetimeFigureOut">
               <a:rPr lang="es-ES" smtClean="0"/>
-              <a:t>10/12/2023</a:t>
+              <a:t>11/12/2023</a:t>
             </a:fld>
             <a:endParaRPr lang="es-ES"/>
           </a:p>
@@ -2080,7 +2082,7 @@
           <a:p>
             <a:fld id="{79A50466-656F-490F-AF25-ED87A19EECF4}" type="datetimeFigureOut">
               <a:rPr lang="es-ES" smtClean="0"/>
-              <a:t>10/12/2023</a:t>
+              <a:t>11/12/2023</a:t>
             </a:fld>
             <a:endParaRPr lang="es-ES"/>
           </a:p>
@@ -2391,7 +2393,7 @@
           <a:p>
             <a:fld id="{79A50466-656F-490F-AF25-ED87A19EECF4}" type="datetimeFigureOut">
               <a:rPr lang="es-ES" smtClean="0"/>
-              <a:t>10/12/2023</a:t>
+              <a:t>11/12/2023</a:t>
             </a:fld>
             <a:endParaRPr lang="es-ES"/>
           </a:p>
@@ -2679,7 +2681,7 @@
           <a:p>
             <a:fld id="{79A50466-656F-490F-AF25-ED87A19EECF4}" type="datetimeFigureOut">
               <a:rPr lang="es-ES" smtClean="0"/>
-              <a:t>10/12/2023</a:t>
+              <a:t>11/12/2023</a:t>
             </a:fld>
             <a:endParaRPr lang="es-ES"/>
           </a:p>
@@ -2920,7 +2922,7 @@
           <a:p>
             <a:fld id="{79A50466-656F-490F-AF25-ED87A19EECF4}" type="datetimeFigureOut">
               <a:rPr lang="es-ES" smtClean="0"/>
-              <a:t>10/12/2023</a:t>
+              <a:t>11/12/2023</a:t>
             </a:fld>
             <a:endParaRPr lang="es-ES"/>
           </a:p>
@@ -3441,7 +3443,7 @@
           <a:p>
             <a:r>
               <a:rPr lang="es-ES" dirty="0"/>
-              <a:t>4 – Envío de emails</a:t>
+              <a:t>3 – Actualizar el programa de generación de páginas</a:t>
             </a:r>
           </a:p>
         </p:txBody>
@@ -3449,7 +3451,7 @@
     </p:spTree>
     <p:extLst>
       <p:ext uri="{BB962C8B-B14F-4D97-AF65-F5344CB8AC3E}">
-        <p14:creationId xmlns:p14="http://schemas.microsoft.com/office/powerpoint/2010/main" val="1029428208"/>
+        <p14:creationId xmlns:p14="http://schemas.microsoft.com/office/powerpoint/2010/main" val="2362875730"/>
       </p:ext>
     </p:extLst>
   </p:cSld>
@@ -3476,6 +3478,186 @@
           <a:chExt cx="0" cy="0"/>
         </a:xfrm>
       </p:grpSpPr>
+      <p:sp>
+        <p:nvSpPr>
+          <p:cNvPr id="2" name="CuadroTexto 1">
+            <a:extLst>
+              <a:ext uri="{FF2B5EF4-FFF2-40B4-BE49-F238E27FC236}">
+                <a16:creationId xmlns:a16="http://schemas.microsoft.com/office/drawing/2014/main" id="{870E3FBC-6953-7DFB-35F8-DA7EA9480373}"/>
+              </a:ext>
+            </a:extLst>
+          </p:cNvPr>
+          <p:cNvSpPr txBox="1"/>
+          <p:nvPr/>
+        </p:nvSpPr>
+        <p:spPr>
+          <a:xfrm>
+            <a:off x="1380340" y="266117"/>
+            <a:ext cx="1671295" cy="430887"/>
+          </a:xfrm>
+          <a:prstGeom prst="rect">
+            <a:avLst/>
+          </a:prstGeom>
+          <a:noFill/>
+        </p:spPr>
+        <p:txBody>
+          <a:bodyPr wrap="square">
+            <a:spAutoFit/>
+          </a:bodyPr>
+          <a:lstStyle/>
+          <a:p>
+            <a:pPr algn="ctr"/>
+            <a:r>
+              <a:rPr lang="es-ES" sz="1100" dirty="0">
+                <a:hlinkClick r:id="rId2"/>
+              </a:rPr>
+              <a:t>https://asterbcn.github.io/newsletter </a:t>
+            </a:r>
+            <a:endParaRPr lang="es-ES" sz="1100" dirty="0"/>
+          </a:p>
+        </p:txBody>
+      </p:sp>
+      <p:pic>
+        <p:nvPicPr>
+          <p:cNvPr id="3" name="Imagen 2">
+            <a:extLst>
+              <a:ext uri="{FF2B5EF4-FFF2-40B4-BE49-F238E27FC236}">
+                <a16:creationId xmlns:a16="http://schemas.microsoft.com/office/drawing/2014/main" id="{D80F2696-7DBE-9520-24B2-7BDB25E43D2D}"/>
+              </a:ext>
+            </a:extLst>
+          </p:cNvPr>
+          <p:cNvPicPr>
+            <a:picLocks noChangeAspect="1"/>
+          </p:cNvPicPr>
+          <p:nvPr/>
+        </p:nvPicPr>
+        <p:blipFill>
+          <a:blip r:embed="rId3"/>
+          <a:stretch>
+            <a:fillRect/>
+          </a:stretch>
+        </p:blipFill>
+        <p:spPr>
+          <a:xfrm>
+            <a:off x="156344" y="802257"/>
+            <a:ext cx="3496377" cy="5305246"/>
+          </a:xfrm>
+          <a:prstGeom prst="rect">
+            <a:avLst/>
+          </a:prstGeom>
+        </p:spPr>
+      </p:pic>
+    </p:spTree>
+    <p:extLst>
+      <p:ext uri="{BB962C8B-B14F-4D97-AF65-F5344CB8AC3E}">
+        <p14:creationId xmlns:p14="http://schemas.microsoft.com/office/powerpoint/2010/main" val="3673786273"/>
+      </p:ext>
+    </p:extLst>
+  </p:cSld>
+  <p:clrMapOvr>
+    <a:masterClrMapping/>
+  </p:clrMapOvr>
+</p:sld>
+</file>
+
+<file path=ppt/slides/slide12.xml><?xml version="1.0" encoding="utf-8"?>
+<p:sld xmlns:a="http://schemas.openxmlformats.org/drawingml/2006/main" xmlns:r="http://schemas.openxmlformats.org/officeDocument/2006/relationships" xmlns:p="http://schemas.openxmlformats.org/presentationml/2006/main">
+  <p:cSld>
+    <p:spTree>
+      <p:nvGrpSpPr>
+        <p:cNvPr id="1" name=""/>
+        <p:cNvGrpSpPr/>
+        <p:nvPr/>
+      </p:nvGrpSpPr>
+      <p:grpSpPr>
+        <a:xfrm>
+          <a:off x="0" y="0"/>
+          <a:ext cx="0" cy="0"/>
+          <a:chOff x="0" y="0"/>
+          <a:chExt cx="0" cy="0"/>
+        </a:xfrm>
+      </p:grpSpPr>
+      <p:sp>
+        <p:nvSpPr>
+          <p:cNvPr id="2" name="Título 1">
+            <a:extLst>
+              <a:ext uri="{FF2B5EF4-FFF2-40B4-BE49-F238E27FC236}">
+                <a16:creationId xmlns:a16="http://schemas.microsoft.com/office/drawing/2014/main" id="{680D64C3-6C7E-8C50-A64D-53C166B94EB0}"/>
+              </a:ext>
+            </a:extLst>
+          </p:cNvPr>
+          <p:cNvSpPr txBox="1">
+            <a:spLocks/>
+          </p:cNvSpPr>
+          <p:nvPr/>
+        </p:nvSpPr>
+        <p:spPr>
+          <a:xfrm>
+            <a:off x="1524000" y="1122363"/>
+            <a:ext cx="9144000" cy="2387600"/>
+          </a:xfrm>
+          <a:prstGeom prst="rect">
+            <a:avLst/>
+          </a:prstGeom>
+        </p:spPr>
+        <p:txBody>
+          <a:bodyPr vert="horz" lIns="91440" tIns="45720" rIns="91440" bIns="45720" rtlCol="0" anchor="b">
+            <a:normAutofit/>
+          </a:bodyPr>
+          <a:lstStyle>
+            <a:lvl1pPr algn="ctr">
+              <a:lnSpc>
+                <a:spcPct val="90000"/>
+              </a:lnSpc>
+              <a:spcBef>
+                <a:spcPct val="0"/>
+              </a:spcBef>
+              <a:buNone/>
+              <a:defRPr sz="6000">
+                <a:latin typeface="+mj-lt"/>
+                <a:ea typeface="+mj-ea"/>
+                <a:cs typeface="+mj-cs"/>
+              </a:defRPr>
+            </a:lvl1pPr>
+          </a:lstStyle>
+          <a:p>
+            <a:r>
+              <a:rPr lang="es-ES" dirty="0"/>
+              <a:t>4 – Envío de emails</a:t>
+            </a:r>
+          </a:p>
+        </p:txBody>
+      </p:sp>
+    </p:spTree>
+    <p:extLst>
+      <p:ext uri="{BB962C8B-B14F-4D97-AF65-F5344CB8AC3E}">
+        <p14:creationId xmlns:p14="http://schemas.microsoft.com/office/powerpoint/2010/main" val="1029428208"/>
+      </p:ext>
+    </p:extLst>
+  </p:cSld>
+  <p:clrMapOvr>
+    <a:masterClrMapping/>
+  </p:clrMapOvr>
+</p:sld>
+</file>
+
+<file path=ppt/slides/slide13.xml><?xml version="1.0" encoding="utf-8"?>
+<p:sld xmlns:a="http://schemas.openxmlformats.org/drawingml/2006/main" xmlns:r="http://schemas.openxmlformats.org/officeDocument/2006/relationships" xmlns:p="http://schemas.openxmlformats.org/presentationml/2006/main">
+  <p:cSld>
+    <p:spTree>
+      <p:nvGrpSpPr>
+        <p:cNvPr id="1" name=""/>
+        <p:cNvGrpSpPr/>
+        <p:nvPr/>
+      </p:nvGrpSpPr>
+      <p:grpSpPr>
+        <a:xfrm>
+          <a:off x="0" y="0"/>
+          <a:ext cx="0" cy="0"/>
+          <a:chOff x="0" y="0"/>
+          <a:chExt cx="0" cy="0"/>
+        </a:xfrm>
+      </p:grpSpPr>
       <p:pic>
         <p:nvPicPr>
           <p:cNvPr id="2" name="Imagen 1">
@@ -3519,7 +3701,7 @@
 </p:sld>
 </file>
 
-<file path=ppt/slides/slide12.xml><?xml version="1.0" encoding="utf-8"?>
+<file path=ppt/slides/slide14.xml><?xml version="1.0" encoding="utf-8"?>
 <p:sld xmlns:a="http://schemas.openxmlformats.org/drawingml/2006/main" xmlns:r="http://schemas.openxmlformats.org/officeDocument/2006/relationships" xmlns:p="http://schemas.openxmlformats.org/presentationml/2006/main">
   <p:cSld>
     <p:spTree>
@@ -6477,6 +6659,45 @@
           </a:fontRef>
         </p:style>
       </p:cxnSp>
+      <p:sp>
+        <p:nvSpPr>
+          <p:cNvPr id="3" name="CuadroTexto 2">
+            <a:extLst>
+              <a:ext uri="{FF2B5EF4-FFF2-40B4-BE49-F238E27FC236}">
+                <a16:creationId xmlns:a16="http://schemas.microsoft.com/office/drawing/2014/main" id="{DA1A7077-DB4A-C94E-FF94-25B742EC8FBA}"/>
+              </a:ext>
+            </a:extLst>
+          </p:cNvPr>
+          <p:cNvSpPr txBox="1"/>
+          <p:nvPr/>
+        </p:nvSpPr>
+        <p:spPr>
+          <a:xfrm>
+            <a:off x="183364" y="30605"/>
+            <a:ext cx="1108667" cy="2646878"/>
+          </a:xfrm>
+          <a:prstGeom prst="rect">
+            <a:avLst/>
+          </a:prstGeom>
+          <a:noFill/>
+        </p:spPr>
+        <p:txBody>
+          <a:bodyPr wrap="square" rtlCol="0">
+            <a:spAutoFit/>
+          </a:bodyPr>
+          <a:lstStyle/>
+          <a:p>
+            <a:r>
+              <a:rPr lang="es-ES" sz="16600" dirty="0">
+                <a:solidFill>
+                  <a:srgbClr val="FF0000"/>
+                </a:solidFill>
+              </a:rPr>
+              <a:t>1</a:t>
+            </a:r>
+          </a:p>
+        </p:txBody>
+      </p:sp>
     </p:spTree>
     <p:extLst>
       <p:ext uri="{BB962C8B-B14F-4D97-AF65-F5344CB8AC3E}">
@@ -6509,10 +6730,10 @@
       </p:grpSpPr>
       <p:pic>
         <p:nvPicPr>
-          <p:cNvPr id="5" name="Imagen 4">
-            <a:extLst>
-              <a:ext uri="{FF2B5EF4-FFF2-40B4-BE49-F238E27FC236}">
-                <a16:creationId xmlns:a16="http://schemas.microsoft.com/office/drawing/2014/main" id="{FD674CAB-7AA8-17C6-B6C2-B79BDD315760}"/>
+          <p:cNvPr id="6" name="Imagen 5">
+            <a:extLst>
+              <a:ext uri="{FF2B5EF4-FFF2-40B4-BE49-F238E27FC236}">
+                <a16:creationId xmlns:a16="http://schemas.microsoft.com/office/drawing/2014/main" id="{79DB28EC-2553-B346-036F-BFD9D6E2E149}"/>
               </a:ext>
             </a:extLst>
           </p:cNvPr>
@@ -6529,8 +6750,8 @@
         </p:blipFill>
         <p:spPr>
           <a:xfrm>
-            <a:off x="445374" y="801273"/>
-            <a:ext cx="4836085" cy="5594808"/>
+            <a:off x="5604931" y="384956"/>
+            <a:ext cx="5093021" cy="6532026"/>
           </a:xfrm>
           <a:prstGeom prst="rect">
             <a:avLst/>
@@ -6539,10 +6760,10 @@
       </p:pic>
       <p:pic>
         <p:nvPicPr>
-          <p:cNvPr id="7" name="Imagen 6">
-            <a:extLst>
-              <a:ext uri="{FF2B5EF4-FFF2-40B4-BE49-F238E27FC236}">
-                <a16:creationId xmlns:a16="http://schemas.microsoft.com/office/drawing/2014/main" id="{BDB4286E-B9E8-B0D1-58A2-B66025255F5A}"/>
+          <p:cNvPr id="3" name="Imagen 2">
+            <a:extLst>
+              <a:ext uri="{FF2B5EF4-FFF2-40B4-BE49-F238E27FC236}">
+                <a16:creationId xmlns:a16="http://schemas.microsoft.com/office/drawing/2014/main" id="{CCED97EC-DB1C-330B-AF34-191F162D036A}"/>
               </a:ext>
             </a:extLst>
           </p:cNvPr>
@@ -6559,8 +6780,8 @@
         </p:blipFill>
         <p:spPr>
           <a:xfrm>
-            <a:off x="6247269" y="904967"/>
-            <a:ext cx="5671354" cy="5660796"/>
+            <a:off x="1234422" y="325974"/>
+            <a:ext cx="3391619" cy="6405517"/>
           </a:xfrm>
           <a:prstGeom prst="rect">
             <a:avLst/>
@@ -6583,8 +6804,8 @@
         </p:nvCxnSpPr>
         <p:spPr>
           <a:xfrm flipH="1">
-            <a:off x="3553905" y="2537227"/>
-            <a:ext cx="3356638" cy="215394"/>
+            <a:off x="3355675" y="560918"/>
+            <a:ext cx="2597463" cy="941563"/>
           </a:xfrm>
           <a:prstGeom prst="straightConnector1">
             <a:avLst/>
@@ -6627,8 +6848,8 @@
         </p:nvCxnSpPr>
         <p:spPr>
           <a:xfrm flipH="1">
-            <a:off x="3553905" y="2709222"/>
-            <a:ext cx="3356638" cy="215394"/>
+            <a:off x="3269411" y="722340"/>
+            <a:ext cx="2587925" cy="956103"/>
           </a:xfrm>
           <a:prstGeom prst="straightConnector1">
             <a:avLst/>
@@ -6671,8 +6892,8 @@
         </p:nvCxnSpPr>
         <p:spPr>
           <a:xfrm flipH="1">
-            <a:off x="3553905" y="3096611"/>
-            <a:ext cx="3614646" cy="252300"/>
+            <a:off x="3269411" y="1367465"/>
+            <a:ext cx="2826589" cy="611071"/>
           </a:xfrm>
           <a:prstGeom prst="straightConnector1">
             <a:avLst/>
@@ -6712,8 +6933,8 @@
         </p:nvCxnSpPr>
         <p:spPr>
           <a:xfrm flipH="1">
-            <a:off x="3076577" y="3226674"/>
-            <a:ext cx="4091974" cy="555959"/>
+            <a:off x="2380891" y="1525879"/>
+            <a:ext cx="3715109" cy="868044"/>
           </a:xfrm>
           <a:prstGeom prst="straightConnector1">
             <a:avLst/>
@@ -6758,8 +6979,8 @@
         </p:nvCxnSpPr>
         <p:spPr>
           <a:xfrm flipH="1">
-            <a:off x="4317476" y="3377977"/>
-            <a:ext cx="2861368" cy="1038584"/>
+            <a:off x="3502325" y="1898847"/>
+            <a:ext cx="2450813" cy="914406"/>
           </a:xfrm>
           <a:prstGeom prst="straightConnector1">
             <a:avLst/>
@@ -6798,9 +7019,9 @@
           <p:nvPr/>
         </p:nvCxnSpPr>
         <p:spPr>
-          <a:xfrm flipH="1">
-            <a:off x="3076577" y="3528733"/>
-            <a:ext cx="4091974" cy="303058"/>
+          <a:xfrm flipH="1" flipV="1">
+            <a:off x="4123426" y="3821502"/>
+            <a:ext cx="2053087" cy="93325"/>
           </a:xfrm>
           <a:prstGeom prst="straightConnector1">
             <a:avLst/>
@@ -6845,8 +7066,8 @@
         </p:nvCxnSpPr>
         <p:spPr>
           <a:xfrm flipH="1">
-            <a:off x="4317476" y="3222761"/>
-            <a:ext cx="2830490" cy="1161455"/>
+            <a:off x="3890513" y="1540931"/>
+            <a:ext cx="2209388" cy="876390"/>
           </a:xfrm>
           <a:prstGeom prst="straightConnector1">
             <a:avLst/>
@@ -6891,8 +7112,8 @@
         </p:nvCxnSpPr>
         <p:spPr>
           <a:xfrm flipH="1">
-            <a:off x="3076577" y="3650969"/>
-            <a:ext cx="4071389" cy="611011"/>
+            <a:off x="3890513" y="4044748"/>
+            <a:ext cx="2139351" cy="192141"/>
           </a:xfrm>
           <a:prstGeom prst="straightConnector1">
             <a:avLst/>
@@ -6923,10 +7144,10 @@
       </p:cxnSp>
       <p:sp>
         <p:nvSpPr>
-          <p:cNvPr id="41" name="CuadroTexto 40">
-            <a:extLst>
-              <a:ext uri="{FF2B5EF4-FFF2-40B4-BE49-F238E27FC236}">
-                <a16:creationId xmlns:a16="http://schemas.microsoft.com/office/drawing/2014/main" id="{F63253A6-F975-B891-51CD-2B36388BB11D}"/>
+          <p:cNvPr id="31" name="CuadroTexto 30">
+            <a:extLst>
+              <a:ext uri="{FF2B5EF4-FFF2-40B4-BE49-F238E27FC236}">
+                <a16:creationId xmlns:a16="http://schemas.microsoft.com/office/drawing/2014/main" id="{947D9320-8839-A0FB-8F0E-1681DE0903F3}"/>
               </a:ext>
             </a:extLst>
           </p:cNvPr>
@@ -6935,8 +7156,8 @@
         </p:nvSpPr>
         <p:spPr>
           <a:xfrm>
-            <a:off x="6703636" y="595623"/>
-            <a:ext cx="4347027" cy="276999"/>
+            <a:off x="1572238" y="25881"/>
+            <a:ext cx="2447672" cy="261610"/>
           </a:xfrm>
           <a:prstGeom prst="rect">
             <a:avLst/>
@@ -6949,22 +7170,23 @@
           </a:bodyPr>
           <a:lstStyle/>
           <a:p>
-            <a:r>
-              <a:rPr lang="es-ES" sz="1200" dirty="0">
+            <a:pPr algn="ctr"/>
+            <a:r>
+              <a:rPr lang="es-ES" sz="1100" dirty="0">
                 <a:hlinkClick r:id="rId4"/>
               </a:rPr>
-              <a:t>https://github.com/CaptWhite/aster-repository/blob/main/db.json</a:t>
-            </a:r>
-            <a:endParaRPr lang="es-ES" sz="1200" dirty="0"/>
-          </a:p>
-        </p:txBody>
-      </p:sp>
-      <p:sp>
-        <p:nvSpPr>
-          <p:cNvPr id="42" name="CuadroTexto 41">
-            <a:extLst>
-              <a:ext uri="{FF2B5EF4-FFF2-40B4-BE49-F238E27FC236}">
-                <a16:creationId xmlns:a16="http://schemas.microsoft.com/office/drawing/2014/main" id="{B0A9D0CF-6315-148B-8E9B-8B26F667A051}"/>
+              <a:t>https://asterbcn.github.io/newsletter </a:t>
+            </a:r>
+            <a:endParaRPr lang="es-ES" sz="1100" dirty="0"/>
+          </a:p>
+        </p:txBody>
+      </p:sp>
+      <p:sp>
+        <p:nvSpPr>
+          <p:cNvPr id="32" name="CuadroTexto 31">
+            <a:extLst>
+              <a:ext uri="{FF2B5EF4-FFF2-40B4-BE49-F238E27FC236}">
+                <a16:creationId xmlns:a16="http://schemas.microsoft.com/office/drawing/2014/main" id="{6981824E-EDB5-2747-1DFC-9D8BDBC5820C}"/>
               </a:ext>
             </a:extLst>
           </p:cNvPr>
@@ -6973,8 +7195,8 @@
         </p:nvSpPr>
         <p:spPr>
           <a:xfrm>
-            <a:off x="1264938" y="505586"/>
-            <a:ext cx="2713174" cy="276999"/>
+            <a:off x="6130506" y="72047"/>
+            <a:ext cx="3858883" cy="261610"/>
           </a:xfrm>
           <a:prstGeom prst="rect">
             <a:avLst/>
@@ -6987,13 +7209,53 @@
           </a:bodyPr>
           <a:lstStyle/>
           <a:p>
-            <a:r>
-              <a:rPr lang="es-ES" sz="1200" dirty="0">
+            <a:pPr algn="ctr"/>
+            <a:r>
+              <a:rPr lang="es-ES" sz="1100" dirty="0">
                 <a:hlinkClick r:id="rId5"/>
               </a:rPr>
-              <a:t>https://captwhite.github.io/newsletter/</a:t>
-            </a:r>
-            <a:endParaRPr lang="es-ES" sz="1200" dirty="0"/>
+              <a:t>https://github.com/AsterBCN/repository/edit/main/db.json</a:t>
+            </a:r>
+            <a:endParaRPr lang="es-ES" sz="1100" dirty="0"/>
+          </a:p>
+        </p:txBody>
+      </p:sp>
+      <p:sp>
+        <p:nvSpPr>
+          <p:cNvPr id="33" name="CuadroTexto 32">
+            <a:extLst>
+              <a:ext uri="{FF2B5EF4-FFF2-40B4-BE49-F238E27FC236}">
+                <a16:creationId xmlns:a16="http://schemas.microsoft.com/office/drawing/2014/main" id="{7FFCC2BC-A752-2143-2659-437057FAA964}"/>
+              </a:ext>
+            </a:extLst>
+          </p:cNvPr>
+          <p:cNvSpPr txBox="1"/>
+          <p:nvPr/>
+        </p:nvSpPr>
+        <p:spPr>
+          <a:xfrm>
+            <a:off x="-68339" y="2105561"/>
+            <a:ext cx="1108667" cy="2646878"/>
+          </a:xfrm>
+          <a:prstGeom prst="rect">
+            <a:avLst/>
+          </a:prstGeom>
+          <a:noFill/>
+        </p:spPr>
+        <p:txBody>
+          <a:bodyPr wrap="square" rtlCol="0">
+            <a:spAutoFit/>
+          </a:bodyPr>
+          <a:lstStyle/>
+          <a:p>
+            <a:r>
+              <a:rPr lang="es-ES" sz="16600" dirty="0">
+                <a:solidFill>
+                  <a:srgbClr val="FF0000"/>
+                </a:solidFill>
+              </a:rPr>
+              <a:t>1</a:t>
+            </a:r>
           </a:p>
         </p:txBody>
       </p:sp>
@@ -7049,8 +7311,8 @@
         </p:blipFill>
         <p:spPr>
           <a:xfrm>
-            <a:off x="930415" y="384583"/>
-            <a:ext cx="3707438" cy="3949749"/>
+            <a:off x="506027" y="963413"/>
+            <a:ext cx="5205660" cy="5545891"/>
           </a:xfrm>
           <a:prstGeom prst="rect">
             <a:avLst/>
@@ -7059,10 +7321,10 @@
       </p:pic>
       <p:sp>
         <p:nvSpPr>
-          <p:cNvPr id="3" name="CuadroTexto 2">
-            <a:extLst>
-              <a:ext uri="{FF2B5EF4-FFF2-40B4-BE49-F238E27FC236}">
-                <a16:creationId xmlns:a16="http://schemas.microsoft.com/office/drawing/2014/main" id="{1D6BAC1C-A484-4687-EB45-E4AF3E33F0A8}"/>
+          <p:cNvPr id="5" name="CuadroTexto 4">
+            <a:extLst>
+              <a:ext uri="{FF2B5EF4-FFF2-40B4-BE49-F238E27FC236}">
+                <a16:creationId xmlns:a16="http://schemas.microsoft.com/office/drawing/2014/main" id="{6284AA95-26C5-0CED-1FFE-7EB3DEDB99FD}"/>
               </a:ext>
             </a:extLst>
           </p:cNvPr>
@@ -7071,46 +7333,8 @@
         </p:nvSpPr>
         <p:spPr>
           <a:xfrm>
-            <a:off x="930416" y="138362"/>
-            <a:ext cx="3707437" cy="246221"/>
-          </a:xfrm>
-          <a:prstGeom prst="rect">
-            <a:avLst/>
-          </a:prstGeom>
-          <a:noFill/>
-        </p:spPr>
-        <p:txBody>
-          <a:bodyPr wrap="square">
-            <a:spAutoFit/>
-          </a:bodyPr>
-          <a:lstStyle/>
-          <a:p>
-            <a:r>
-              <a:rPr lang="es-ES" sz="1000" dirty="0">
-                <a:hlinkClick r:id="rId3"/>
-              </a:rPr>
-              <a:t>https://github.com/CaptWhite/aster-repository/blob/main/db.json</a:t>
-            </a:r>
-            <a:endParaRPr lang="es-ES" sz="1000" dirty="0"/>
-          </a:p>
-        </p:txBody>
-      </p:sp>
-      <p:sp>
-        <p:nvSpPr>
-          <p:cNvPr id="5" name="CuadroTexto 4">
-            <a:extLst>
-              <a:ext uri="{FF2B5EF4-FFF2-40B4-BE49-F238E27FC236}">
-                <a16:creationId xmlns:a16="http://schemas.microsoft.com/office/drawing/2014/main" id="{6284AA95-26C5-0CED-1FFE-7EB3DEDB99FD}"/>
-              </a:ext>
-            </a:extLst>
-          </p:cNvPr>
-          <p:cNvSpPr txBox="1"/>
-          <p:nvPr/>
-        </p:nvSpPr>
-        <p:spPr>
-          <a:xfrm>
-            <a:off x="336040" y="4580553"/>
-            <a:ext cx="4792141" cy="2185214"/>
+            <a:off x="6221936" y="1096202"/>
+            <a:ext cx="4792141" cy="4431983"/>
           </a:xfrm>
           <a:prstGeom prst="rect">
             <a:avLst/>
@@ -7129,93 +7353,197 @@
           <a:lstStyle/>
           <a:p>
             <a:r>
-              <a:rPr lang="es-ES" sz="1000" dirty="0" err="1">
+              <a:rPr lang="es-ES" sz="1100" dirty="0">
                 <a:solidFill>
                   <a:schemeClr val="accent6">
                     <a:lumMod val="75000"/>
                   </a:schemeClr>
                 </a:solidFill>
               </a:rPr>
-              <a:t>category</a:t>
-            </a:r>
-            <a:r>
-              <a:rPr lang="es-ES" sz="1000" dirty="0"/>
-              <a:t>: Los comunicados se agrupan por categorías.</a:t>
-            </a:r>
-          </a:p>
-          <a:p>
-            <a:endParaRPr lang="es-ES" sz="1000" dirty="0"/>
-          </a:p>
-          <a:p>
-            <a:r>
-              <a:rPr lang="es-ES" sz="1000" dirty="0" err="1">
+              <a:t>id</a:t>
+            </a:r>
+            <a:r>
+              <a:rPr lang="es-ES" sz="1100" dirty="0"/>
+              <a:t>: Representa el número de publicación.  Es importante que el comunicado que queremos que se visualice tenga el número de Id más alto</a:t>
+            </a:r>
+          </a:p>
+          <a:p>
+            <a:endParaRPr lang="es-ES" sz="1100" dirty="0">
+              <a:solidFill>
+                <a:schemeClr val="accent6">
+                  <a:lumMod val="75000"/>
+                </a:schemeClr>
+              </a:solidFill>
+            </a:endParaRPr>
+          </a:p>
+          <a:p>
+            <a:r>
+              <a:rPr lang="es-ES" sz="1100" dirty="0" err="1">
                 <a:solidFill>
                   <a:schemeClr val="accent6">
                     <a:lumMod val="75000"/>
                   </a:schemeClr>
                 </a:solidFill>
               </a:rPr>
-              <a:t>order</a:t>
-            </a:r>
-            <a:r>
-              <a:rPr lang="es-ES" sz="1000" dirty="0"/>
-              <a:t>:      Dentro de cada categoría, los comunicados se ordenan por este campo. </a:t>
-            </a:r>
-          </a:p>
-          <a:p>
-            <a:r>
-              <a:rPr lang="es-ES" sz="1000" dirty="0"/>
-              <a:t>                  Si el orden es impar la foto sale a la izquierda, si es par a la derecha.</a:t>
-            </a:r>
-          </a:p>
-          <a:p>
-            <a:endParaRPr lang="es-ES" sz="1000" dirty="0"/>
-          </a:p>
-          <a:p>
-            <a:r>
-              <a:rPr lang="es-ES" sz="1000" dirty="0" err="1">
+              <a:t>category</a:t>
+            </a:r>
+            <a:r>
+              <a:rPr lang="es-ES" sz="1100" dirty="0"/>
+              <a:t>: Los comunicados se agrupan por categorías.</a:t>
+            </a:r>
+          </a:p>
+          <a:p>
+            <a:endParaRPr lang="es-ES" sz="1100" dirty="0"/>
+          </a:p>
+          <a:p>
+            <a:r>
+              <a:rPr lang="es-ES" sz="1100" dirty="0" err="1">
                 <a:solidFill>
                   <a:schemeClr val="accent6">
                     <a:lumMod val="75000"/>
                   </a:schemeClr>
                 </a:solidFill>
               </a:rPr>
+              <a:t>order</a:t>
+            </a:r>
+            <a:r>
+              <a:rPr lang="es-ES" sz="1100" dirty="0"/>
+              <a:t>:      Dentro de cada categoría, los comunicados se ordenan por este campo. </a:t>
+            </a:r>
+          </a:p>
+          <a:p>
+            <a:r>
+              <a:rPr lang="es-ES" sz="1100" dirty="0"/>
+              <a:t>                  Si el orden es impar la foto sale a la izquierda, si es par a la derecha.</a:t>
+            </a:r>
+          </a:p>
+          <a:p>
+            <a:endParaRPr lang="es-ES" sz="1100" dirty="0"/>
+          </a:p>
+          <a:p>
+            <a:r>
+              <a:rPr lang="es-ES" sz="1100" dirty="0" err="1">
+                <a:solidFill>
+                  <a:schemeClr val="accent6">
+                    <a:lumMod val="75000"/>
+                  </a:schemeClr>
+                </a:solidFill>
+              </a:rPr>
               <a:t>summary</a:t>
             </a:r>
             <a:r>
-              <a:rPr lang="es-ES" sz="1000" dirty="0"/>
-              <a:t>:  No pueden haber 'saltos de línea'.  Se representan con los valores '</a:t>
-            </a:r>
-            <a:r>
-              <a:rPr lang="es-ES" sz="1000" dirty="0">
+              <a:rPr lang="es-ES" sz="1100" dirty="0"/>
+              <a:t>:  No pu</a:t>
+            </a:r>
+            <a:r>
+              <a:rPr lang="es-ES" sz="1100" dirty="0">
+                <a:solidFill>
+                  <a:schemeClr val="accent6">
+                    <a:lumMod val="75000"/>
+                  </a:schemeClr>
+                </a:solidFill>
+              </a:rPr>
+              <a:t>ede</a:t>
+            </a:r>
+            <a:r>
+              <a:rPr lang="es-ES" sz="1100" dirty="0"/>
+              <a:t>n haber 'saltos de línea'.  Se representan con los valores ‘</a:t>
+            </a:r>
+            <a:r>
+              <a:rPr lang="es-ES" sz="1100" dirty="0">
                 <a:solidFill>
                   <a:srgbClr val="FF0000"/>
                 </a:solidFill>
               </a:rPr>
-              <a:t>/n</a:t>
-            </a:r>
-            <a:r>
-              <a:rPr lang="es-ES" sz="1000" dirty="0"/>
+              <a:t>\n</a:t>
+            </a:r>
+            <a:r>
+              <a:rPr lang="es-ES" sz="1100" dirty="0"/>
               <a:t>'</a:t>
             </a:r>
           </a:p>
           <a:p>
             <a:r>
-              <a:rPr lang="es-ES" sz="1000" dirty="0"/>
-              <a:t>                     Para representar una 'comilla doble’ usar '</a:t>
-            </a:r>
-            <a:r>
-              <a:rPr lang="es-ES" sz="1000" dirty="0">
+              <a:rPr lang="es-ES" sz="1100" dirty="0"/>
+              <a:t>                     Para representar una 'comilla doble’ usar ‘</a:t>
+            </a:r>
+            <a:r>
+              <a:rPr lang="es-ES" sz="1100" dirty="0">
                 <a:solidFill>
                   <a:srgbClr val="FF0000"/>
                 </a:solidFill>
               </a:rPr>
-              <a:t>/''</a:t>
-            </a:r>
-            <a:r>
-              <a:rPr lang="es-ES" sz="1000" dirty="0"/>
+              <a:t>\'‘</a:t>
+            </a:r>
+            <a:r>
+              <a:rPr lang="es-ES" sz="1100" dirty="0"/>
+              <a:t>’. </a:t>
+            </a:r>
+          </a:p>
+          <a:p>
+            <a:r>
+              <a:rPr lang="es-ES" sz="1100" dirty="0"/>
+              <a:t>:  No pueden haber 'saltos de línea'.  Se representan con los valores ‘</a:t>
+            </a:r>
+            <a:r>
+              <a:rPr lang="es-ES" sz="1100" dirty="0">
+                <a:solidFill>
+                  <a:srgbClr val="FF0000"/>
+                </a:solidFill>
+              </a:rPr>
+              <a:t>\n</a:t>
+            </a:r>
+            <a:r>
+              <a:rPr lang="es-ES" sz="1100" dirty="0"/>
+              <a:t>'</a:t>
+            </a:r>
+          </a:p>
+          <a:p>
+            <a:r>
+              <a:rPr lang="es-ES" sz="1100" dirty="0"/>
+              <a:t>                     Para representar una 'comilla doble’ usar ‘</a:t>
+            </a:r>
+            <a:r>
+              <a:rPr lang="es-ES" sz="1100" dirty="0">
+                <a:solidFill>
+                  <a:srgbClr val="FF0000"/>
+                </a:solidFill>
+              </a:rPr>
+              <a:t>\''</a:t>
+            </a:r>
+            <a:r>
+              <a:rPr lang="es-ES" sz="1100" dirty="0"/>
               <a:t>'. </a:t>
             </a:r>
+          </a:p>
+          <a:p>
+            <a:r>
+              <a:rPr lang="es-ES" sz="1100" dirty="0" err="1">
+                <a:solidFill>
+                  <a:schemeClr val="accent6">
+                    <a:lumMod val="75000"/>
+                  </a:schemeClr>
+                </a:solidFill>
+              </a:rPr>
+              <a:t>widthPhoto</a:t>
+            </a:r>
+            <a:r>
+              <a:rPr lang="es-ES" sz="1100" dirty="0">
+                <a:solidFill>
+                  <a:schemeClr val="accent6">
+                    <a:lumMod val="75000"/>
+                  </a:schemeClr>
+                </a:solidFill>
+              </a:rPr>
+              <a:t>: </a:t>
+            </a:r>
+            <a:r>
+              <a:rPr lang="es-ES" sz="1100" dirty="0"/>
+              <a:t>Representa el tanto por ciento de la fila que ocupa la foto </a:t>
+            </a:r>
+          </a:p>
+          <a:p>
+            <a:endParaRPr lang="es-ES" sz="1000" dirty="0"/>
           </a:p>
           <a:p>
             <a:r>
@@ -7308,35 +7636,55 @@
             <a:pPr algn="ctr"/>
             <a:r>
               <a:rPr lang="es-ES" sz="1400" dirty="0">
-                <a:hlinkClick r:id="rId4"/>
+                <a:hlinkClick r:id="rId3"/>
               </a:rPr>
               <a:t>JSON </a:t>
             </a:r>
             <a:r>
               <a:rPr lang="es-ES" sz="1400" dirty="0" err="1">
-                <a:hlinkClick r:id="rId4"/>
+                <a:hlinkClick r:id="rId3"/>
               </a:rPr>
               <a:t>Validator</a:t>
             </a:r>
             <a:r>
               <a:rPr lang="es-ES" sz="1400" dirty="0">
-                <a:hlinkClick r:id="rId4"/>
+                <a:hlinkClick r:id="rId3"/>
               </a:rPr>
               <a:t> (piliapp.com)</a:t>
             </a:r>
             <a:endParaRPr lang="es-ES" sz="1400" dirty="0"/>
           </a:p>
           <a:p>
+            <a:pPr algn="ctr"/>
+            <a:endParaRPr lang="es-ES" sz="1400" dirty="0"/>
+          </a:p>
+          <a:p>
+            <a:pPr algn="ctr"/>
+            <a:endParaRPr lang="es-ES" sz="1400" dirty="0"/>
+          </a:p>
+          <a:p>
+            <a:pPr algn="ctr"/>
+            <a:r>
+              <a:rPr lang="es-ES" sz="1200" dirty="0">
+                <a:solidFill>
+                  <a:srgbClr val="FF0000"/>
+                </a:solidFill>
+              </a:rPr>
+              <a:t>¡¡¡ Es importante comprobar que el fichero está bien formado antes de subirlo al repositorio !!!</a:t>
+            </a:r>
+          </a:p>
+          <a:p>
+            <a:pPr algn="ctr"/>
             <a:endParaRPr lang="es-ES" sz="1200" dirty="0"/>
           </a:p>
         </p:txBody>
       </p:sp>
       <p:sp>
         <p:nvSpPr>
-          <p:cNvPr id="11" name="CuadroTexto 10">
-            <a:extLst>
-              <a:ext uri="{FF2B5EF4-FFF2-40B4-BE49-F238E27FC236}">
-                <a16:creationId xmlns:a16="http://schemas.microsoft.com/office/drawing/2014/main" id="{62FE6205-29E2-277C-C74F-DD05D5FB617D}"/>
+          <p:cNvPr id="4" name="CuadroTexto 3">
+            <a:extLst>
+              <a:ext uri="{FF2B5EF4-FFF2-40B4-BE49-F238E27FC236}">
+                <a16:creationId xmlns:a16="http://schemas.microsoft.com/office/drawing/2014/main" id="{6C4DFA37-3CAF-3155-683D-A215570C33C0}"/>
               </a:ext>
             </a:extLst>
           </p:cNvPr>
@@ -7345,18 +7693,52 @@
         </p:nvSpPr>
         <p:spPr>
           <a:xfrm>
-            <a:off x="5588526" y="1359183"/>
-            <a:ext cx="6603474" cy="2000548"/>
+            <a:off x="-166027" y="1159129"/>
+            <a:ext cx="1108667" cy="2646878"/>
           </a:xfrm>
           <a:prstGeom prst="rect">
             <a:avLst/>
           </a:prstGeom>
           <a:noFill/>
-          <a:ln>
-            <a:solidFill>
-              <a:schemeClr val="tx1"/>
-            </a:solidFill>
-          </a:ln>
+        </p:spPr>
+        <p:txBody>
+          <a:bodyPr wrap="square" rtlCol="0">
+            <a:spAutoFit/>
+          </a:bodyPr>
+          <a:lstStyle/>
+          <a:p>
+            <a:r>
+              <a:rPr lang="es-ES" sz="16600" dirty="0">
+                <a:solidFill>
+                  <a:srgbClr val="FF0000"/>
+                </a:solidFill>
+              </a:rPr>
+              <a:t>1</a:t>
+            </a:r>
+          </a:p>
+        </p:txBody>
+      </p:sp>
+      <p:sp>
+        <p:nvSpPr>
+          <p:cNvPr id="8" name="CuadroTexto 7">
+            <a:extLst>
+              <a:ext uri="{FF2B5EF4-FFF2-40B4-BE49-F238E27FC236}">
+                <a16:creationId xmlns:a16="http://schemas.microsoft.com/office/drawing/2014/main" id="{70A8A642-74B5-1558-217E-23B1F11E29FC}"/>
+              </a:ext>
+            </a:extLst>
+          </p:cNvPr>
+          <p:cNvSpPr txBox="1"/>
+          <p:nvPr/>
+        </p:nvSpPr>
+        <p:spPr>
+          <a:xfrm>
+            <a:off x="942640" y="593503"/>
+            <a:ext cx="3858883" cy="261610"/>
+          </a:xfrm>
+          <a:prstGeom prst="rect">
+            <a:avLst/>
+          </a:prstGeom>
+          <a:noFill/>
         </p:spPr>
         <p:txBody>
           <a:bodyPr wrap="square">
@@ -7364,191 +7746,17 @@
           </a:bodyPr>
           <a:lstStyle/>
           <a:p>
-            <a:r>
-              <a:rPr lang="es-ES" sz="1200" dirty="0"/>
-              <a:t>Para modificar los contenidos debe accederse al fichero a través de la URL de </a:t>
-            </a:r>
-            <a:r>
-              <a:rPr lang="es-ES" sz="1200" dirty="0" err="1"/>
-              <a:t>github</a:t>
-            </a:r>
-            <a:r>
-              <a:rPr lang="es-ES" sz="1200" dirty="0"/>
-              <a:t>.  </a:t>
-            </a:r>
-          </a:p>
-          <a:p>
-            <a:r>
-              <a:rPr lang="es-ES" sz="1200" dirty="0"/>
-              <a:t>1 - Tendremos en un editor el fichero JSON. Lo seleccionamos todo y cortamos en el portapapeles</a:t>
-            </a:r>
-          </a:p>
-          <a:p>
-            <a:r>
-              <a:rPr lang="es-ES" sz="1200" dirty="0"/>
-              <a:t>2 - Picar sobre el icono del lápiz para editar.</a:t>
-            </a:r>
-          </a:p>
-          <a:p>
-            <a:r>
-              <a:rPr lang="es-ES" sz="1200" dirty="0"/>
-              <a:t>3 - Modificar el fichero </a:t>
-            </a:r>
-            <a:r>
-              <a:rPr lang="es-ES" sz="1200" dirty="0" err="1"/>
-              <a:t>github</a:t>
-            </a:r>
-            <a:r>
-              <a:rPr lang="es-ES" sz="1200" dirty="0"/>
-              <a:t>. Generalmente será borrarlo todo y pegar el contenido del portapapeles. </a:t>
-            </a:r>
-          </a:p>
-          <a:p>
-            <a:r>
-              <a:rPr lang="es-ES" sz="1200" dirty="0"/>
-              <a:t>4 - Pulsar el botón '</a:t>
-            </a:r>
-            <a:r>
-              <a:rPr lang="es-ES" sz="1200" dirty="0" err="1"/>
-              <a:t>Commit</a:t>
-            </a:r>
-            <a:r>
-              <a:rPr lang="es-ES" sz="1200" dirty="0"/>
-              <a:t> </a:t>
-            </a:r>
-            <a:r>
-              <a:rPr lang="es-ES" sz="1200" dirty="0" err="1"/>
-              <a:t>changes</a:t>
-            </a:r>
-            <a:r>
-              <a:rPr lang="es-ES" sz="1200" dirty="0"/>
-              <a:t>'. En la ventana emergente poner en el campo '</a:t>
-            </a:r>
-            <a:r>
-              <a:rPr lang="es-ES" sz="1200" dirty="0" err="1"/>
-              <a:t>Commit</a:t>
-            </a:r>
-            <a:r>
-              <a:rPr lang="es-ES" sz="1200" dirty="0"/>
-              <a:t> </a:t>
-            </a:r>
-            <a:r>
-              <a:rPr lang="es-ES" sz="1200" dirty="0" err="1"/>
-              <a:t>change</a:t>
-            </a:r>
-            <a:r>
-              <a:rPr lang="es-ES" sz="1200" dirty="0"/>
-              <a:t>' el </a:t>
-            </a:r>
-            <a:r>
-              <a:rPr lang="es-ES" sz="1200" dirty="0" err="1"/>
-              <a:t>text</a:t>
-            </a:r>
-            <a:r>
-              <a:rPr lang="es-ES" sz="1200" dirty="0"/>
-              <a:t> '</a:t>
-            </a:r>
-            <a:r>
-              <a:rPr lang="es-ES" sz="1200" dirty="0" err="1"/>
-              <a:t>Butlletí</a:t>
-            </a:r>
-            <a:r>
-              <a:rPr lang="es-ES" sz="1200" dirty="0"/>
-              <a:t> XXX' y pulsar </a:t>
-            </a:r>
-            <a:r>
-              <a:rPr lang="es-ES" sz="1200" dirty="0" err="1"/>
-              <a:t>Commit</a:t>
-            </a:r>
-            <a:r>
-              <a:rPr lang="es-ES" sz="1200" dirty="0"/>
-              <a:t> </a:t>
-            </a:r>
-            <a:r>
-              <a:rPr lang="es-ES" sz="1200" dirty="0" err="1"/>
-              <a:t>changes</a:t>
-            </a:r>
-            <a:endParaRPr lang="es-ES" sz="1200" dirty="0"/>
-          </a:p>
-          <a:p>
-            <a:endParaRPr lang="es-ES" sz="1200" dirty="0"/>
-          </a:p>
-          <a:p>
-            <a:r>
-              <a:rPr lang="es-ES" sz="1200" dirty="0"/>
-              <a:t>El fichero queda modificado y pasado un minuto </a:t>
-            </a:r>
-            <a:r>
-              <a:rPr lang="es-ES" sz="1200" dirty="0" err="1"/>
-              <a:t>serrá</a:t>
-            </a:r>
-            <a:r>
-              <a:rPr lang="es-ES" sz="1200" dirty="0"/>
-              <a:t> accesible desde: </a:t>
-            </a:r>
-          </a:p>
-          <a:p>
-            <a:endParaRPr lang="es-ES" sz="1200" dirty="0"/>
-          </a:p>
-          <a:p>
             <a:pPr algn="ctr"/>
             <a:r>
-              <a:rPr lang="es-ES" sz="1600" dirty="0">
-                <a:solidFill>
-                  <a:schemeClr val="accent5">
-                    <a:lumMod val="75000"/>
-                  </a:schemeClr>
-                </a:solidFill>
-                <a:hlinkClick r:id="rId5">
-                  <a:extLst>
-                    <a:ext uri="{A12FA001-AC4F-418D-AE19-62706E023703}">
-                      <ahyp:hlinkClr xmlns:ahyp="http://schemas.microsoft.com/office/drawing/2018/hyperlinkcolor" val="tx"/>
-                    </a:ext>
-                  </a:extLst>
-                </a:hlinkClick>
-              </a:rPr>
-              <a:t>https://my-json-server.typicode.com/CaptWhite/aster-newsletter/data </a:t>
-            </a:r>
-            <a:endParaRPr lang="es-ES" sz="1600" dirty="0">
-              <a:solidFill>
-                <a:schemeClr val="accent5">
-                  <a:lumMod val="75000"/>
-                </a:schemeClr>
-              </a:solidFill>
-            </a:endParaRPr>
-          </a:p>
-        </p:txBody>
-      </p:sp>
-      <p:pic>
-        <p:nvPicPr>
-          <p:cNvPr id="13" name="Imagen 12">
-            <a:extLst>
-              <a:ext uri="{FF2B5EF4-FFF2-40B4-BE49-F238E27FC236}">
-                <a16:creationId xmlns:a16="http://schemas.microsoft.com/office/drawing/2014/main" id="{22F50EFC-02FB-A764-922E-9BE7EC1D2EB7}"/>
-              </a:ext>
-            </a:extLst>
-          </p:cNvPr>
-          <p:cNvPicPr>
-            <a:picLocks noChangeAspect="1"/>
-          </p:cNvPicPr>
-          <p:nvPr/>
-        </p:nvPicPr>
-        <p:blipFill>
-          <a:blip r:embed="rId6"/>
-          <a:stretch>
-            <a:fillRect/>
-          </a:stretch>
-        </p:blipFill>
-        <p:spPr>
-          <a:xfrm>
-            <a:off x="5722071" y="3498270"/>
-            <a:ext cx="6133889" cy="2940293"/>
-          </a:xfrm>
-          <a:prstGeom prst="rect">
-            <a:avLst/>
-          </a:prstGeom>
-        </p:spPr>
-      </p:pic>
+              <a:rPr lang="es-ES" sz="1100" dirty="0">
+                <a:hlinkClick r:id="rId4"/>
+              </a:rPr>
+              <a:t>https://github.com/AsterBCN/repository/edit/main/db.json</a:t>
+            </a:r>
+            <a:endParaRPr lang="es-ES" sz="1100" dirty="0"/>
+          </a:p>
+        </p:txBody>
+      </p:sp>
     </p:spTree>
     <p:extLst>
       <p:ext uri="{BB962C8B-B14F-4D97-AF65-F5344CB8AC3E}">
@@ -7581,10 +7789,10 @@
       </p:grpSpPr>
       <p:sp>
         <p:nvSpPr>
-          <p:cNvPr id="3" name="CuadroTexto 2">
-            <a:extLst>
-              <a:ext uri="{FF2B5EF4-FFF2-40B4-BE49-F238E27FC236}">
-                <a16:creationId xmlns:a16="http://schemas.microsoft.com/office/drawing/2014/main" id="{F2782D3D-4B03-6B0C-0B83-95C9480DC136}"/>
+          <p:cNvPr id="2" name="CuadroTexto 1">
+            <a:extLst>
+              <a:ext uri="{FF2B5EF4-FFF2-40B4-BE49-F238E27FC236}">
+                <a16:creationId xmlns:a16="http://schemas.microsoft.com/office/drawing/2014/main" id="{92CD9D44-22DC-79FB-290D-7AACABE8E27D}"/>
               </a:ext>
             </a:extLst>
           </p:cNvPr>
@@ -7593,13 +7801,18 @@
         </p:nvSpPr>
         <p:spPr>
           <a:xfrm>
-            <a:off x="122549" y="574893"/>
-            <a:ext cx="6862713" cy="4339650"/>
+            <a:off x="2397849" y="703522"/>
+            <a:ext cx="6603474" cy="2554545"/>
           </a:xfrm>
           <a:prstGeom prst="rect">
             <a:avLst/>
           </a:prstGeom>
           <a:noFill/>
+          <a:ln>
+            <a:solidFill>
+              <a:schemeClr val="tx1"/>
+            </a:solidFill>
+          </a:ln>
         </p:spPr>
         <p:txBody>
           <a:bodyPr wrap="square">
@@ -7608,52 +7821,125 @@
           <a:lstStyle/>
           <a:p>
             <a:r>
-              <a:rPr lang="es-ES" u="sng" dirty="0"/>
-              <a:t>Alternativa a actualizar el fichero JSON desde una consola de comandos </a:t>
-            </a:r>
-          </a:p>
-          <a:p>
-            <a:endParaRPr lang="es-ES" dirty="0"/>
-          </a:p>
-          <a:p>
-            <a:r>
-              <a:rPr lang="es-ES" sz="1600" dirty="0"/>
-              <a:t>Debe tener el programa </a:t>
-            </a:r>
-            <a:r>
-              <a:rPr lang="es-ES" sz="1600" dirty="0" err="1"/>
-              <a:t>git</a:t>
-            </a:r>
-            <a:r>
-              <a:rPr lang="es-ES" sz="1600" dirty="0"/>
-              <a:t> instalado ( https://git-scm.com )</a:t>
-            </a:r>
-          </a:p>
-          <a:p>
-            <a:r>
-              <a:rPr lang="es-ES" sz="1600" dirty="0"/>
-              <a:t>Crear un directorio que contenga exclusivamente el fichero '</a:t>
-            </a:r>
-            <a:r>
-              <a:rPr lang="es-ES" sz="1600" dirty="0" err="1"/>
-              <a:t>newsletter.json</a:t>
-            </a:r>
-            <a:r>
-              <a:rPr lang="es-ES" sz="1600" dirty="0"/>
-              <a:t>' donde habremos copiado su contenido</a:t>
-            </a:r>
-          </a:p>
-          <a:p>
-            <a:r>
-              <a:rPr lang="es-ES" sz="1600" dirty="0"/>
-              <a:t>	La primera vez (y solo una vez):  				</a:t>
-            </a:r>
-          </a:p>
-          <a:p>
-            <a:r>
-              <a:rPr lang="es-ES" sz="1600" dirty="0"/>
-              <a:t>		</a:t>
-            </a:r>
+              <a:rPr lang="es-ES" sz="1200" dirty="0"/>
+              <a:t>Para modificar los contenidos debe accederse al fichero a través de la URL de </a:t>
+            </a:r>
+            <a:r>
+              <a:rPr lang="es-ES" sz="1200" dirty="0" err="1"/>
+              <a:t>github</a:t>
+            </a:r>
+            <a:r>
+              <a:rPr lang="es-ES" sz="1200" dirty="0"/>
+              <a:t>.  </a:t>
+            </a:r>
+          </a:p>
+          <a:p>
+            <a:r>
+              <a:rPr lang="es-ES" sz="1200" dirty="0"/>
+              <a:t>1 - Tendremos en un editor el fichero JSON. Lo seleccionamos todo y cortamos en el portapapeles</a:t>
+            </a:r>
+          </a:p>
+          <a:p>
+            <a:r>
+              <a:rPr lang="es-ES" sz="1200" dirty="0"/>
+              <a:t>2 - Picar sobre el icono del lápiz para editar.</a:t>
+            </a:r>
+          </a:p>
+          <a:p>
+            <a:r>
+              <a:rPr lang="es-ES" sz="1200" dirty="0"/>
+              <a:t>3 - Modificar el fichero </a:t>
+            </a:r>
+            <a:r>
+              <a:rPr lang="es-ES" sz="1200" dirty="0" err="1"/>
+              <a:t>github</a:t>
+            </a:r>
+            <a:r>
+              <a:rPr lang="es-ES" sz="1200" dirty="0"/>
+              <a:t>. Generalmente será borrarlo todo y pegar el contenido del portapapeles. </a:t>
+            </a:r>
+          </a:p>
+          <a:p>
+            <a:r>
+              <a:rPr lang="es-ES" sz="1200" dirty="0"/>
+              <a:t>4 - Pulsar el botón '</a:t>
+            </a:r>
+            <a:r>
+              <a:rPr lang="es-ES" sz="1200" dirty="0" err="1"/>
+              <a:t>Commit</a:t>
+            </a:r>
+            <a:r>
+              <a:rPr lang="es-ES" sz="1200" dirty="0"/>
+              <a:t> </a:t>
+            </a:r>
+            <a:r>
+              <a:rPr lang="es-ES" sz="1200" dirty="0" err="1"/>
+              <a:t>changes</a:t>
+            </a:r>
+            <a:r>
+              <a:rPr lang="es-ES" sz="1200" dirty="0"/>
+              <a:t>'. En la ventana emergente poner en el campo '</a:t>
+            </a:r>
+            <a:r>
+              <a:rPr lang="es-ES" sz="1200" dirty="0" err="1"/>
+              <a:t>Commit</a:t>
+            </a:r>
+            <a:r>
+              <a:rPr lang="es-ES" sz="1200" dirty="0"/>
+              <a:t> </a:t>
+            </a:r>
+            <a:r>
+              <a:rPr lang="es-ES" sz="1200" dirty="0" err="1"/>
+              <a:t>change</a:t>
+            </a:r>
+            <a:r>
+              <a:rPr lang="es-ES" sz="1200" dirty="0"/>
+              <a:t>' el </a:t>
+            </a:r>
+            <a:r>
+              <a:rPr lang="es-ES" sz="1200" dirty="0" err="1"/>
+              <a:t>text</a:t>
+            </a:r>
+            <a:r>
+              <a:rPr lang="es-ES" sz="1200" dirty="0"/>
+              <a:t> '</a:t>
+            </a:r>
+            <a:r>
+              <a:rPr lang="es-ES" sz="1200" dirty="0" err="1"/>
+              <a:t>Butlletí</a:t>
+            </a:r>
+            <a:r>
+              <a:rPr lang="es-ES" sz="1200" dirty="0"/>
+              <a:t> XXX' y pulsar ‘</a:t>
+            </a:r>
+            <a:r>
+              <a:rPr lang="es-ES" sz="1200" dirty="0" err="1"/>
+              <a:t>Commit</a:t>
+            </a:r>
+            <a:r>
+              <a:rPr lang="es-ES" sz="1200" dirty="0"/>
+              <a:t> </a:t>
+            </a:r>
+            <a:r>
+              <a:rPr lang="es-ES" sz="1200" dirty="0" err="1"/>
+              <a:t>changes</a:t>
+            </a:r>
+            <a:r>
+              <a:rPr lang="es-ES" sz="1200" dirty="0"/>
+              <a:t>’</a:t>
+            </a:r>
+          </a:p>
+          <a:p>
+            <a:endParaRPr lang="es-ES" sz="1200" dirty="0"/>
+          </a:p>
+          <a:p>
+            <a:r>
+              <a:rPr lang="es-ES" sz="1200" dirty="0"/>
+              <a:t>El fichero queda modificado y pasado un minuto será accesible desde: </a:t>
+            </a:r>
+          </a:p>
+          <a:p>
+            <a:pPr algn="ctr"/>
             <a:r>
               <a:rPr lang="es-ES" sz="1600" dirty="0">
                 <a:solidFill>
@@ -7661,70 +7947,9 @@
                     <a:lumMod val="75000"/>
                   </a:schemeClr>
                 </a:solidFill>
-              </a:rPr>
-              <a:t>echo "# Borrar-</a:t>
-            </a:r>
-            <a:r>
-              <a:rPr lang="es-ES" sz="1600" dirty="0" err="1">
-                <a:solidFill>
-                  <a:schemeClr val="accent5">
-                    <a:lumMod val="75000"/>
-                  </a:schemeClr>
-                </a:solidFill>
-              </a:rPr>
-              <a:t>xyz</a:t>
-            </a:r>
-            <a:r>
-              <a:rPr lang="es-ES" sz="1600" dirty="0">
-                <a:solidFill>
-                  <a:schemeClr val="accent5">
-                    <a:lumMod val="75000"/>
-                  </a:schemeClr>
-                </a:solidFill>
-              </a:rPr>
-              <a:t>" &gt;&gt; README.md</a:t>
-            </a:r>
-          </a:p>
-          <a:p>
-            <a:r>
-              <a:rPr lang="es-ES" sz="1600" dirty="0">
-                <a:solidFill>
-                  <a:schemeClr val="accent5">
-                    <a:lumMod val="75000"/>
-                  </a:schemeClr>
-                </a:solidFill>
-              </a:rPr>
-              <a:t>		</a:t>
-            </a:r>
-            <a:r>
-              <a:rPr lang="es-ES" sz="1600" dirty="0" err="1">
-                <a:solidFill>
-                  <a:schemeClr val="accent5">
-                    <a:lumMod val="75000"/>
-                  </a:schemeClr>
-                </a:solidFill>
-              </a:rPr>
-              <a:t>git</a:t>
-            </a:r>
-            <a:r>
-              <a:rPr lang="es-ES" sz="1600" dirty="0">
-                <a:solidFill>
-                  <a:schemeClr val="accent5">
-                    <a:lumMod val="75000"/>
-                  </a:schemeClr>
-                </a:solidFill>
-              </a:rPr>
-              <a:t> </a:t>
-            </a:r>
-            <a:r>
-              <a:rPr lang="es-ES" sz="1600" dirty="0" err="1">
-                <a:solidFill>
-                  <a:schemeClr val="accent5">
-                    <a:lumMod val="75000"/>
-                  </a:schemeClr>
-                </a:solidFill>
-              </a:rPr>
-              <a:t>init</a:t>
+                <a:hlinkClick r:id="rId2"/>
+              </a:rPr>
+              <a:t>https://my-json-server.typicode.com/AsterBCN/repository/db</a:t>
             </a:r>
             <a:endParaRPr lang="es-ES" sz="1600" dirty="0">
               <a:solidFill>
@@ -7735,210 +7960,7 @@
             </a:endParaRPr>
           </a:p>
           <a:p>
-            <a:r>
-              <a:rPr lang="es-ES" sz="1600" dirty="0">
-                <a:solidFill>
-                  <a:schemeClr val="accent5">
-                    <a:lumMod val="75000"/>
-                  </a:schemeClr>
-                </a:solidFill>
-              </a:rPr>
-              <a:t>		</a:t>
-            </a:r>
-            <a:r>
-              <a:rPr lang="es-ES" sz="1600" dirty="0" err="1">
-                <a:solidFill>
-                  <a:schemeClr val="accent5">
-                    <a:lumMod val="75000"/>
-                  </a:schemeClr>
-                </a:solidFill>
-              </a:rPr>
-              <a:t>git</a:t>
-            </a:r>
-            <a:r>
-              <a:rPr lang="es-ES" sz="1600" dirty="0">
-                <a:solidFill>
-                  <a:schemeClr val="accent5">
-                    <a:lumMod val="75000"/>
-                  </a:schemeClr>
-                </a:solidFill>
-              </a:rPr>
-              <a:t> </a:t>
-            </a:r>
-            <a:r>
-              <a:rPr lang="es-ES" sz="1600" dirty="0" err="1">
-                <a:solidFill>
-                  <a:schemeClr val="accent5">
-                    <a:lumMod val="75000"/>
-                  </a:schemeClr>
-                </a:solidFill>
-              </a:rPr>
-              <a:t>add</a:t>
-            </a:r>
-            <a:r>
-              <a:rPr lang="es-ES" sz="1600" dirty="0">
-                <a:solidFill>
-                  <a:schemeClr val="accent5">
-                    <a:lumMod val="75000"/>
-                  </a:schemeClr>
-                </a:solidFill>
-              </a:rPr>
-              <a:t> README.md</a:t>
-            </a:r>
-          </a:p>
-          <a:p>
-            <a:r>
-              <a:rPr lang="es-ES" sz="1600" dirty="0">
-                <a:solidFill>
-                  <a:schemeClr val="accent5">
-                    <a:lumMod val="75000"/>
-                  </a:schemeClr>
-                </a:solidFill>
-              </a:rPr>
-              <a:t>		</a:t>
-            </a:r>
-            <a:r>
-              <a:rPr lang="es-ES" sz="1600" dirty="0" err="1">
-                <a:solidFill>
-                  <a:schemeClr val="accent5">
-                    <a:lumMod val="75000"/>
-                  </a:schemeClr>
-                </a:solidFill>
-              </a:rPr>
-              <a:t>git</a:t>
-            </a:r>
-            <a:r>
-              <a:rPr lang="es-ES" sz="1600" dirty="0">
-                <a:solidFill>
-                  <a:schemeClr val="accent5">
-                    <a:lumMod val="75000"/>
-                  </a:schemeClr>
-                </a:solidFill>
-              </a:rPr>
-              <a:t> </a:t>
-            </a:r>
-            <a:r>
-              <a:rPr lang="es-ES" sz="1600" dirty="0" err="1">
-                <a:solidFill>
-                  <a:schemeClr val="accent5">
-                    <a:lumMod val="75000"/>
-                  </a:schemeClr>
-                </a:solidFill>
-              </a:rPr>
-              <a:t>commit</a:t>
-            </a:r>
-            <a:r>
-              <a:rPr lang="es-ES" sz="1600" dirty="0">
-                <a:solidFill>
-                  <a:schemeClr val="accent5">
-                    <a:lumMod val="75000"/>
-                  </a:schemeClr>
-                </a:solidFill>
-              </a:rPr>
-              <a:t> -m "</a:t>
-            </a:r>
-            <a:r>
-              <a:rPr lang="es-ES" sz="1600" dirty="0" err="1">
-                <a:solidFill>
-                  <a:schemeClr val="accent5">
-                    <a:lumMod val="75000"/>
-                  </a:schemeClr>
-                </a:solidFill>
-              </a:rPr>
-              <a:t>first</a:t>
-            </a:r>
-            <a:r>
-              <a:rPr lang="es-ES" sz="1600" dirty="0">
-                <a:solidFill>
-                  <a:schemeClr val="accent5">
-                    <a:lumMod val="75000"/>
-                  </a:schemeClr>
-                </a:solidFill>
-              </a:rPr>
-              <a:t> </a:t>
-            </a:r>
-            <a:r>
-              <a:rPr lang="es-ES" sz="1600" dirty="0" err="1">
-                <a:solidFill>
-                  <a:schemeClr val="accent5">
-                    <a:lumMod val="75000"/>
-                  </a:schemeClr>
-                </a:solidFill>
-              </a:rPr>
-              <a:t>commit</a:t>
-            </a:r>
-            <a:r>
-              <a:rPr lang="es-ES" sz="1600" dirty="0">
-                <a:solidFill>
-                  <a:schemeClr val="accent5">
-                    <a:lumMod val="75000"/>
-                  </a:schemeClr>
-                </a:solidFill>
-              </a:rPr>
-              <a:t>"</a:t>
-            </a:r>
-          </a:p>
-          <a:p>
-            <a:r>
-              <a:rPr lang="es-ES" sz="1600" dirty="0">
-                <a:solidFill>
-                  <a:schemeClr val="accent5">
-                    <a:lumMod val="75000"/>
-                  </a:schemeClr>
-                </a:solidFill>
-              </a:rPr>
-              <a:t>		</a:t>
-            </a:r>
-            <a:r>
-              <a:rPr lang="es-ES" sz="1600" dirty="0" err="1">
-                <a:solidFill>
-                  <a:schemeClr val="accent5">
-                    <a:lumMod val="75000"/>
-                  </a:schemeClr>
-                </a:solidFill>
-              </a:rPr>
-              <a:t>git</a:t>
-            </a:r>
-            <a:r>
-              <a:rPr lang="es-ES" sz="1600" dirty="0">
-                <a:solidFill>
-                  <a:schemeClr val="accent5">
-                    <a:lumMod val="75000"/>
-                  </a:schemeClr>
-                </a:solidFill>
-              </a:rPr>
-              <a:t> </a:t>
-            </a:r>
-            <a:r>
-              <a:rPr lang="es-ES" sz="1600" dirty="0" err="1">
-                <a:solidFill>
-                  <a:schemeClr val="accent5">
-                    <a:lumMod val="75000"/>
-                  </a:schemeClr>
-                </a:solidFill>
-              </a:rPr>
-              <a:t>branch</a:t>
-            </a:r>
-            <a:r>
-              <a:rPr lang="es-ES" sz="1600" dirty="0">
-                <a:solidFill>
-                  <a:schemeClr val="accent5">
-                    <a:lumMod val="75000"/>
-                  </a:schemeClr>
-                </a:solidFill>
-              </a:rPr>
-              <a:t> -M </a:t>
-            </a:r>
-            <a:r>
-              <a:rPr lang="es-ES" sz="1600" dirty="0" err="1">
-                <a:solidFill>
-                  <a:schemeClr val="accent5">
-                    <a:lumMod val="75000"/>
-                  </a:schemeClr>
-                </a:solidFill>
-              </a:rPr>
-              <a:t>main</a:t>
-            </a:r>
+            <a:pPr algn="ctr"/>
             <a:endParaRPr lang="es-ES" sz="1600" dirty="0">
               <a:solidFill>
                 <a:schemeClr val="accent5">
@@ -7948,76 +7970,18 @@
             </a:endParaRPr>
           </a:p>
           <a:p>
+            <a:pPr algn="ctr"/>
             <a:r>
               <a:rPr lang="es-ES" sz="1600" dirty="0">
                 <a:solidFill>
-                  <a:schemeClr val="accent5">
-                    <a:lumMod val="75000"/>
-                  </a:schemeClr>
-                </a:solidFill>
-              </a:rPr>
-              <a:t>		</a:t>
-            </a:r>
-            <a:r>
-              <a:rPr lang="es-ES" sz="1400" dirty="0" err="1">
-                <a:solidFill>
-                  <a:schemeClr val="accent5">
-                    <a:lumMod val="75000"/>
-                  </a:schemeClr>
-                </a:solidFill>
-              </a:rPr>
-              <a:t>git</a:t>
-            </a:r>
-            <a:r>
-              <a:rPr lang="es-ES" sz="1400" dirty="0">
-                <a:solidFill>
-                  <a:schemeClr val="accent5">
-                    <a:lumMod val="75000"/>
-                  </a:schemeClr>
-                </a:solidFill>
-              </a:rPr>
-              <a:t> remote </a:t>
-            </a:r>
-            <a:r>
-              <a:rPr lang="es-ES" sz="1400" dirty="0" err="1">
-                <a:solidFill>
-                  <a:schemeClr val="accent5">
-                    <a:lumMod val="75000"/>
-                  </a:schemeClr>
-                </a:solidFill>
-              </a:rPr>
-              <a:t>add</a:t>
-            </a:r>
-            <a:r>
-              <a:rPr lang="es-ES" sz="1400" dirty="0">
-                <a:solidFill>
-                  <a:schemeClr val="accent5">
-                    <a:lumMod val="75000"/>
-                  </a:schemeClr>
-                </a:solidFill>
-              </a:rPr>
-              <a:t> </a:t>
-            </a:r>
-            <a:r>
-              <a:rPr lang="es-ES" sz="1400" dirty="0" err="1">
-                <a:solidFill>
-                  <a:schemeClr val="accent5">
-                    <a:lumMod val="75000"/>
-                  </a:schemeClr>
-                </a:solidFill>
-              </a:rPr>
-              <a:t>origin</a:t>
-            </a:r>
-            <a:r>
-              <a:rPr lang="es-ES" sz="1400" dirty="0">
-                <a:solidFill>
-                  <a:schemeClr val="accent5">
-                    <a:lumMod val="75000"/>
-                  </a:schemeClr>
-                </a:solidFill>
-              </a:rPr>
-              <a:t> https://github.com/CaptWhite/newsletter.git</a:t>
-            </a:r>
+                  <a:srgbClr val="FF0000"/>
+                </a:solidFill>
+              </a:rPr>
+              <a:t>¡¡¡ Es importante comprobar que el fichero ha sido modificado !!!</a:t>
+            </a:r>
+          </a:p>
+          <a:p>
+            <a:pPr algn="ctr"/>
             <a:endParaRPr lang="es-ES" sz="1600" dirty="0">
               <a:solidFill>
                 <a:schemeClr val="accent5">
@@ -8026,284 +7990,44 @@
               </a:solidFill>
             </a:endParaRPr>
           </a:p>
-          <a:p>
-            <a:r>
-              <a:rPr lang="es-ES" sz="1600" dirty="0">
-                <a:solidFill>
-                  <a:schemeClr val="accent5">
-                    <a:lumMod val="75000"/>
-                  </a:schemeClr>
-                </a:solidFill>
-              </a:rPr>
-              <a:t>		</a:t>
-            </a:r>
-            <a:r>
-              <a:rPr lang="es-ES" sz="1600" dirty="0" err="1">
-                <a:solidFill>
-                  <a:schemeClr val="accent5">
-                    <a:lumMod val="75000"/>
-                  </a:schemeClr>
-                </a:solidFill>
-              </a:rPr>
-              <a:t>git</a:t>
-            </a:r>
-            <a:r>
-              <a:rPr lang="es-ES" sz="1600" dirty="0">
-                <a:solidFill>
-                  <a:schemeClr val="accent5">
-                    <a:lumMod val="75000"/>
-                  </a:schemeClr>
-                </a:solidFill>
-              </a:rPr>
-              <a:t> </a:t>
-            </a:r>
-            <a:r>
-              <a:rPr lang="es-ES" sz="1600" dirty="0" err="1">
-                <a:solidFill>
-                  <a:schemeClr val="accent5">
-                    <a:lumMod val="75000"/>
-                  </a:schemeClr>
-                </a:solidFill>
-              </a:rPr>
-              <a:t>push</a:t>
-            </a:r>
-            <a:r>
-              <a:rPr lang="es-ES" sz="1600" dirty="0">
-                <a:solidFill>
-                  <a:schemeClr val="accent5">
-                    <a:lumMod val="75000"/>
-                  </a:schemeClr>
-                </a:solidFill>
-              </a:rPr>
-              <a:t> -u </a:t>
-            </a:r>
-            <a:r>
-              <a:rPr lang="es-ES" sz="1600" dirty="0" err="1">
-                <a:solidFill>
-                  <a:schemeClr val="accent5">
-                    <a:lumMod val="75000"/>
-                  </a:schemeClr>
-                </a:solidFill>
-              </a:rPr>
-              <a:t>origin</a:t>
-            </a:r>
-            <a:r>
-              <a:rPr lang="es-ES" sz="1600" dirty="0">
-                <a:solidFill>
-                  <a:schemeClr val="accent5">
-                    <a:lumMod val="75000"/>
-                  </a:schemeClr>
-                </a:solidFill>
-              </a:rPr>
-              <a:t> </a:t>
-            </a:r>
-            <a:r>
-              <a:rPr lang="es-ES" sz="1600" dirty="0" err="1">
-                <a:solidFill>
-                  <a:schemeClr val="accent5">
-                    <a:lumMod val="75000"/>
-                  </a:schemeClr>
-                </a:solidFill>
-              </a:rPr>
-              <a:t>main</a:t>
-            </a:r>
-            <a:endParaRPr lang="es-ES" sz="1600" dirty="0">
-              <a:solidFill>
-                <a:schemeClr val="accent5">
-                  <a:lumMod val="75000"/>
-                </a:schemeClr>
-              </a:solidFill>
-            </a:endParaRPr>
-          </a:p>
-          <a:p>
-            <a:r>
-              <a:rPr lang="es-ES" sz="1600" dirty="0"/>
-              <a:t>	En veces sucesivas:</a:t>
-            </a:r>
-          </a:p>
-          <a:p>
-            <a:r>
-              <a:rPr lang="es-ES" sz="1600" dirty="0"/>
-              <a:t>		</a:t>
-            </a:r>
-            <a:r>
-              <a:rPr lang="es-ES" sz="1600" dirty="0" err="1">
-                <a:solidFill>
-                  <a:srgbClr val="FF0000"/>
-                </a:solidFill>
-              </a:rPr>
-              <a:t>git</a:t>
-            </a:r>
-            <a:r>
-              <a:rPr lang="es-ES" sz="1600" dirty="0">
-                <a:solidFill>
-                  <a:srgbClr val="FF0000"/>
-                </a:solidFill>
-              </a:rPr>
-              <a:t> </a:t>
-            </a:r>
-            <a:r>
-              <a:rPr lang="es-ES" sz="1600" dirty="0" err="1">
-                <a:solidFill>
-                  <a:srgbClr val="FF0000"/>
-                </a:solidFill>
-              </a:rPr>
-              <a:t>add</a:t>
-            </a:r>
-            <a:r>
-              <a:rPr lang="es-ES" sz="1600" dirty="0">
-                <a:solidFill>
-                  <a:srgbClr val="FF0000"/>
-                </a:solidFill>
-              </a:rPr>
-              <a:t> .</a:t>
-            </a:r>
-          </a:p>
-          <a:p>
-            <a:r>
-              <a:rPr lang="es-ES" sz="1600" dirty="0">
-                <a:solidFill>
-                  <a:srgbClr val="FF0000"/>
-                </a:solidFill>
-              </a:rPr>
-              <a:t>		</a:t>
-            </a:r>
-            <a:r>
-              <a:rPr lang="es-ES" sz="1600" dirty="0" err="1">
-                <a:solidFill>
-                  <a:srgbClr val="FF0000"/>
-                </a:solidFill>
-              </a:rPr>
-              <a:t>git</a:t>
-            </a:r>
-            <a:r>
-              <a:rPr lang="es-ES" sz="1600" dirty="0">
-                <a:solidFill>
-                  <a:srgbClr val="FF0000"/>
-                </a:solidFill>
-              </a:rPr>
-              <a:t> </a:t>
-            </a:r>
-            <a:r>
-              <a:rPr lang="es-ES" sz="1600" dirty="0" err="1">
-                <a:solidFill>
-                  <a:srgbClr val="FF0000"/>
-                </a:solidFill>
-              </a:rPr>
-              <a:t>commit</a:t>
-            </a:r>
-            <a:r>
-              <a:rPr lang="es-ES" sz="1600" dirty="0">
-                <a:solidFill>
-                  <a:srgbClr val="FF0000"/>
-                </a:solidFill>
-              </a:rPr>
-              <a:t> -m "</a:t>
-            </a:r>
-            <a:r>
-              <a:rPr lang="es-ES" sz="1600" b="1" noProof="1">
-                <a:solidFill>
-                  <a:srgbClr val="FF0000"/>
-                </a:solidFill>
-              </a:rPr>
-              <a:t> </a:t>
-            </a:r>
-            <a:r>
-              <a:rPr lang="es-ES" sz="1400" noProof="1">
-                <a:solidFill>
-                  <a:srgbClr val="FF0000"/>
-                </a:solidFill>
-              </a:rPr>
-              <a:t>Butlletí 102 </a:t>
-            </a:r>
-            <a:r>
-              <a:rPr lang="es-ES" sz="1600" dirty="0">
-                <a:solidFill>
-                  <a:srgbClr val="FF0000"/>
-                </a:solidFill>
-              </a:rPr>
-              <a:t>"</a:t>
-            </a:r>
-          </a:p>
-          <a:p>
-            <a:r>
-              <a:rPr lang="es-ES" sz="1600" dirty="0">
-                <a:solidFill>
-                  <a:srgbClr val="FF0000"/>
-                </a:solidFill>
-              </a:rPr>
-              <a:t>		</a:t>
-            </a:r>
-            <a:r>
-              <a:rPr lang="es-ES" sz="1600" dirty="0" err="1">
-                <a:solidFill>
-                  <a:srgbClr val="FF0000"/>
-                </a:solidFill>
-              </a:rPr>
-              <a:t>git</a:t>
-            </a:r>
-            <a:r>
-              <a:rPr lang="es-ES" sz="1600" dirty="0">
-                <a:solidFill>
-                  <a:srgbClr val="FF0000"/>
-                </a:solidFill>
-              </a:rPr>
-              <a:t> </a:t>
-            </a:r>
-            <a:r>
-              <a:rPr lang="es-ES" sz="1600" dirty="0" err="1">
-                <a:solidFill>
-                  <a:srgbClr val="FF0000"/>
-                </a:solidFill>
-              </a:rPr>
-              <a:t>push</a:t>
-            </a:r>
-            <a:r>
-              <a:rPr lang="es-ES" sz="1600" dirty="0">
-                <a:solidFill>
-                  <a:srgbClr val="FF0000"/>
-                </a:solidFill>
-              </a:rPr>
-              <a:t> -u </a:t>
-            </a:r>
-            <a:r>
-              <a:rPr lang="es-ES" sz="1600" dirty="0" err="1">
-                <a:solidFill>
-                  <a:srgbClr val="FF0000"/>
-                </a:solidFill>
-              </a:rPr>
-              <a:t>origin</a:t>
-            </a:r>
-            <a:r>
-              <a:rPr lang="es-ES" sz="1600" dirty="0">
-                <a:solidFill>
-                  <a:srgbClr val="FF0000"/>
-                </a:solidFill>
-              </a:rPr>
-              <a:t> </a:t>
-            </a:r>
-            <a:r>
-              <a:rPr lang="es-ES" sz="1600" dirty="0" err="1">
-                <a:solidFill>
-                  <a:srgbClr val="FF0000"/>
-                </a:solidFill>
-              </a:rPr>
-              <a:t>main</a:t>
-            </a:r>
-            <a:endParaRPr lang="es-ES" sz="1600" dirty="0">
-              <a:solidFill>
-                <a:srgbClr val="FF0000"/>
-              </a:solidFill>
-            </a:endParaRPr>
-          </a:p>
-        </p:txBody>
-      </p:sp>
-      <p:sp>
-        <p:nvSpPr>
-          <p:cNvPr id="4" name="CuadroTexto 3">
-            <a:extLst>
-              <a:ext uri="{FF2B5EF4-FFF2-40B4-BE49-F238E27FC236}">
-                <a16:creationId xmlns:a16="http://schemas.microsoft.com/office/drawing/2014/main" id="{6D0A0C43-712A-7BF1-84AC-6D3037F8AED8}"/>
+        </p:txBody>
+      </p:sp>
+      <p:pic>
+        <p:nvPicPr>
+          <p:cNvPr id="3" name="Imagen 2">
+            <a:extLst>
+              <a:ext uri="{FF2B5EF4-FFF2-40B4-BE49-F238E27FC236}">
+                <a16:creationId xmlns:a16="http://schemas.microsoft.com/office/drawing/2014/main" id="{E506D213-EE6D-9303-8243-316463E3322A}"/>
+              </a:ext>
+            </a:extLst>
+          </p:cNvPr>
+          <p:cNvPicPr>
+            <a:picLocks noChangeAspect="1"/>
+          </p:cNvPicPr>
+          <p:nvPr/>
+        </p:nvPicPr>
+        <p:blipFill>
+          <a:blip r:embed="rId3"/>
+          <a:stretch>
+            <a:fillRect/>
+          </a:stretch>
+        </p:blipFill>
+        <p:spPr>
+          <a:xfrm>
+            <a:off x="2632641" y="3587047"/>
+            <a:ext cx="6133889" cy="2940293"/>
+          </a:xfrm>
+          <a:prstGeom prst="rect">
+            <a:avLst/>
+          </a:prstGeom>
+        </p:spPr>
+      </p:pic>
+      <p:sp>
+        <p:nvSpPr>
+          <p:cNvPr id="6" name="CuadroTexto 5">
+            <a:extLst>
+              <a:ext uri="{FF2B5EF4-FFF2-40B4-BE49-F238E27FC236}">
+                <a16:creationId xmlns:a16="http://schemas.microsoft.com/office/drawing/2014/main" id="{9AE52FED-F7DE-B49D-04BC-49046733157C}"/>
               </a:ext>
             </a:extLst>
           </p:cNvPr>
@@ -8312,8 +8036,8 @@
         </p:nvSpPr>
         <p:spPr>
           <a:xfrm>
-            <a:off x="7051250" y="560824"/>
-            <a:ext cx="4946715" cy="5816977"/>
+            <a:off x="-166027" y="1159129"/>
+            <a:ext cx="1108667" cy="2646878"/>
           </a:xfrm>
           <a:prstGeom prst="rect">
             <a:avLst/>
@@ -8321,364 +8045,18 @@
           <a:noFill/>
         </p:spPr>
         <p:txBody>
-          <a:bodyPr wrap="square">
+          <a:bodyPr wrap="square" rtlCol="0">
             <a:spAutoFit/>
           </a:bodyPr>
           <a:lstStyle/>
           <a:p>
             <a:r>
-              <a:rPr lang="es-ES" sz="800" dirty="0"/>
-              <a:t>(</a:t>
-            </a:r>
-            <a:r>
-              <a:rPr lang="es-ES" sz="800" noProof="1"/>
-              <a:t>base) PS C:\Users\captw\workspaces\Astronomia\WEB ASTER\Repository</a:t>
-            </a:r>
-            <a:r>
-              <a:rPr lang="es-ES" sz="800" b="1" noProof="1">
+              <a:rPr lang="es-ES" sz="16600" dirty="0">
                 <a:solidFill>
                   <a:srgbClr val="FF0000"/>
                 </a:solidFill>
               </a:rPr>
-              <a:t>&gt; </a:t>
-            </a:r>
-            <a:r>
-              <a:rPr lang="es-ES" sz="900" b="1" noProof="1">
-                <a:solidFill>
-                  <a:srgbClr val="FF0000"/>
-                </a:solidFill>
-              </a:rPr>
-              <a:t>git add .</a:t>
-            </a:r>
-          </a:p>
-          <a:p>
-            <a:r>
-              <a:rPr lang="es-ES" sz="800" noProof="1"/>
-              <a:t>(base) PS C:\Users\captw\workspaces\Astronomia\WEB ASTER\Repository</a:t>
-            </a:r>
-            <a:r>
-              <a:rPr lang="es-ES" sz="900" b="1" noProof="1">
-                <a:solidFill>
-                  <a:srgbClr val="FF0000"/>
-                </a:solidFill>
-              </a:rPr>
-              <a:t>&gt; git commit -m "Butlletí 102"</a:t>
-            </a:r>
-          </a:p>
-          <a:p>
-            <a:r>
-              <a:rPr lang="es-ES" sz="800" noProof="1"/>
-              <a:t>[main 18f84a9] Butlletí 102</a:t>
-            </a:r>
-          </a:p>
-          <a:p>
-            <a:r>
-              <a:rPr lang="es-ES" sz="800" noProof="1"/>
-              <a:t> 1 file changed, 1 insertion(+), 1 deletion(-)</a:t>
-            </a:r>
-          </a:p>
-          <a:p>
-            <a:r>
-              <a:rPr lang="es-ES" sz="800" noProof="1"/>
-              <a:t>(base) PS C:\Users\captw\workspaces\Astronomia\WEB ASTER\Repository&gt; </a:t>
-            </a:r>
-            <a:r>
-              <a:rPr lang="es-ES" sz="900" b="1" noProof="1">
-                <a:solidFill>
-                  <a:srgbClr val="FF0000"/>
-                </a:solidFill>
-              </a:rPr>
-              <a:t>git push -u origin main     </a:t>
-            </a:r>
-          </a:p>
-          <a:p>
-            <a:r>
-              <a:rPr lang="es-ES" sz="800" noProof="1"/>
-              <a:t>To https://github.com/CaptWhite/aster-newsletter.git</a:t>
-            </a:r>
-          </a:p>
-          <a:p>
-            <a:r>
-              <a:rPr lang="es-ES" sz="800" noProof="1"/>
-              <a:t> ! [rejected]        main -&gt; main (fetch first)</a:t>
-            </a:r>
-          </a:p>
-          <a:p>
-            <a:r>
-              <a:rPr lang="es-ES" sz="800" noProof="1"/>
-              <a:t>error: failed to push some refs to 'https://github.com/CaptWhite/aster-newsletter.git'</a:t>
-            </a:r>
-          </a:p>
-          <a:p>
-            <a:r>
-              <a:rPr lang="es-ES" sz="800" noProof="1"/>
-              <a:t>hint: Updates were rejected because the remote contains work that you do</a:t>
-            </a:r>
-          </a:p>
-          <a:p>
-            <a:r>
-              <a:rPr lang="es-ES" sz="800" noProof="1"/>
-              <a:t>hint: not have locally. This is usually caused by another repository pushing</a:t>
-            </a:r>
-          </a:p>
-          <a:p>
-            <a:r>
-              <a:rPr lang="es-ES" sz="800" noProof="1"/>
-              <a:t>hint: to the same ref. You may want to first integrate the remote changes</a:t>
-            </a:r>
-          </a:p>
-          <a:p>
-            <a:r>
-              <a:rPr lang="es-ES" sz="800" noProof="1"/>
-              <a:t>hint: (e.g., 'git pull ...') before pushing again.</a:t>
-            </a:r>
-          </a:p>
-          <a:p>
-            <a:r>
-              <a:rPr lang="es-ES" sz="800" noProof="1"/>
-              <a:t>hint: See the 'Note about fast-forwards' in 'git push --help' for details.</a:t>
-            </a:r>
-          </a:p>
-          <a:p>
-            <a:r>
-              <a:rPr lang="es-ES" sz="800" noProof="1"/>
-              <a:t>(base) PS C:\Users\captw\workspaces\Astronomia\WEB ASTER\Repository&gt; </a:t>
-            </a:r>
-            <a:r>
-              <a:rPr lang="es-ES" sz="900" b="1" noProof="1">
-                <a:solidFill>
-                  <a:srgbClr val="FF0000"/>
-                </a:solidFill>
-              </a:rPr>
-              <a:t>git pull</a:t>
-            </a:r>
-            <a:endParaRPr lang="es-ES" sz="800" b="1" noProof="1">
-              <a:solidFill>
-                <a:srgbClr val="FF0000"/>
-              </a:solidFill>
-            </a:endParaRPr>
-          </a:p>
-          <a:p>
-            <a:r>
-              <a:rPr lang="es-ES" sz="800" noProof="1"/>
-              <a:t>remote: Enumerating objects: 5, done.</a:t>
-            </a:r>
-          </a:p>
-          <a:p>
-            <a:r>
-              <a:rPr lang="es-ES" sz="800" noProof="1"/>
-              <a:t>remote: Counting objects: 100% (5/5), done.</a:t>
-            </a:r>
-          </a:p>
-          <a:p>
-            <a:r>
-              <a:rPr lang="es-ES" sz="800" noProof="1"/>
-              <a:t>remote: Compressing objects: 100% (3/3), done.</a:t>
-            </a:r>
-          </a:p>
-          <a:p>
-            <a:r>
-              <a:rPr lang="es-ES" sz="800" noProof="1"/>
-              <a:t>remote: Total 3 (delta 2), reused 0 (delta 0), pack-reused 0</a:t>
-            </a:r>
-          </a:p>
-          <a:p>
-            <a:r>
-              <a:rPr lang="es-ES" sz="800" noProof="1"/>
-              <a:t>Unpacking objects: 100% (3/3), 656 bytes | 16.00 KiB/s, done.</a:t>
-            </a:r>
-          </a:p>
-          <a:p>
-            <a:r>
-              <a:rPr lang="es-ES" sz="800" noProof="1"/>
-              <a:t>From https://github.com/CaptWhite/aster-newsletter</a:t>
-            </a:r>
-          </a:p>
-          <a:p>
-            <a:r>
-              <a:rPr lang="es-ES" sz="800" noProof="1"/>
-              <a:t>   09493c1..13390f3  main       -&gt; origin/main</a:t>
-            </a:r>
-          </a:p>
-          <a:p>
-            <a:r>
-              <a:rPr lang="es-ES" sz="800" noProof="1"/>
-              <a:t>Auto-merging db.json</a:t>
-            </a:r>
-          </a:p>
-          <a:p>
-            <a:r>
-              <a:rPr lang="es-ES" sz="800" noProof="1"/>
-              <a:t>Merge made by the 'recursive' strategy.</a:t>
-            </a:r>
-          </a:p>
-          <a:p>
-            <a:r>
-              <a:rPr lang="es-ES" sz="800" noProof="1"/>
-              <a:t> db.json | 4 ++--</a:t>
-            </a:r>
-          </a:p>
-          <a:p>
-            <a:r>
-              <a:rPr lang="es-ES" sz="800" noProof="1"/>
-              <a:t> 1 file changed, 2 insertions(+), 2 deletions(-)</a:t>
-            </a:r>
-          </a:p>
-          <a:p>
-            <a:r>
-              <a:rPr lang="es-ES" sz="800" noProof="1"/>
-              <a:t>(base) PS C:\Users\captw\workspaces\Astronomia\WEB ASTER\Repository</a:t>
-            </a:r>
-            <a:r>
-              <a:rPr lang="es-ES" sz="900" b="1" noProof="1">
-                <a:solidFill>
-                  <a:srgbClr val="FF0000"/>
-                </a:solidFill>
-              </a:rPr>
-              <a:t>&gt; git add .</a:t>
-            </a:r>
-          </a:p>
-          <a:p>
-            <a:r>
-              <a:rPr lang="es-ES" sz="800" noProof="1"/>
-              <a:t>(base) PS C:\Users\captw\workspaces\Astronomia\WEB ASTER\Repository&gt; </a:t>
-            </a:r>
-            <a:r>
-              <a:rPr lang="es-ES" sz="900" b="1" noProof="1">
-                <a:solidFill>
-                  <a:srgbClr val="FF0000"/>
-                </a:solidFill>
-              </a:rPr>
-              <a:t>git commit -m "Butlletí 102"</a:t>
-            </a:r>
-            <a:endParaRPr lang="es-ES" sz="800" b="1" noProof="1">
-              <a:solidFill>
-                <a:srgbClr val="FF0000"/>
-              </a:solidFill>
-            </a:endParaRPr>
-          </a:p>
-          <a:p>
-            <a:r>
-              <a:rPr lang="es-ES" sz="800" noProof="1"/>
-              <a:t>On branch main</a:t>
-            </a:r>
-          </a:p>
-          <a:p>
-            <a:r>
-              <a:rPr lang="es-ES" sz="800" noProof="1"/>
-              <a:t>Your branch is ahead of 'origin/main' by 2 commits.</a:t>
-            </a:r>
-          </a:p>
-          <a:p>
-            <a:r>
-              <a:rPr lang="es-ES" sz="800" noProof="1"/>
-              <a:t>  (use "git push" to publish your local commits)</a:t>
-            </a:r>
-          </a:p>
-          <a:p>
-            <a:endParaRPr lang="es-ES" sz="800" noProof="1"/>
-          </a:p>
-          <a:p>
-            <a:r>
-              <a:rPr lang="es-ES" sz="800" noProof="1"/>
-              <a:t>nothing to commit, working tree clean</a:t>
-            </a:r>
-          </a:p>
-          <a:p>
-            <a:r>
-              <a:rPr lang="es-ES" sz="800" noProof="1"/>
-              <a:t>(base) PS C:\Users\captw\workspaces\Astronomia\WEB ASTER\Repository</a:t>
-            </a:r>
-            <a:r>
-              <a:rPr lang="es-ES" sz="900" b="1" noProof="1">
-                <a:solidFill>
-                  <a:srgbClr val="FF0000"/>
-                </a:solidFill>
-              </a:rPr>
-              <a:t>                                  </a:t>
-            </a:r>
-            <a:endParaRPr lang="es-ES" sz="800" b="1" noProof="1">
-              <a:solidFill>
-                <a:srgbClr val="FF0000"/>
-              </a:solidFill>
-            </a:endParaRPr>
-          </a:p>
-          <a:p>
-            <a:r>
-              <a:rPr lang="es-ES" sz="800" noProof="1"/>
-              <a:t>Enumerating objects: 10, done.</a:t>
-            </a:r>
-          </a:p>
-          <a:p>
-            <a:r>
-              <a:rPr lang="es-ES" sz="800" noProof="1"/>
-              <a:t>Counting objects: 100% (10/10), done.</a:t>
-            </a:r>
-          </a:p>
-          <a:p>
-            <a:r>
-              <a:rPr lang="es-ES" sz="800" noProof="1"/>
-              <a:t>Delta compression using up to 8 threads</a:t>
-            </a:r>
-          </a:p>
-          <a:p>
-            <a:r>
-              <a:rPr lang="es-ES" sz="800" noProof="1"/>
-              <a:t>Compressing objects: 100% (6/6), done.</a:t>
-            </a:r>
-          </a:p>
-          <a:p>
-            <a:r>
-              <a:rPr lang="es-ES" sz="800" noProof="1"/>
-              <a:t>Writing objects: 100% (6/6), 622 bytes | 622.00 KiB/s, done.</a:t>
-            </a:r>
-          </a:p>
-          <a:p>
-            <a:r>
-              <a:rPr lang="es-ES" sz="800" noProof="1"/>
-              <a:t>Total 6 (delta 4), reused 0 (delta 0), pack-reused 0</a:t>
-            </a:r>
-          </a:p>
-          <a:p>
-            <a:r>
-              <a:rPr lang="es-ES" sz="800" noProof="1"/>
-              <a:t>remote: Resolving deltas: 100% (4/4), completed with 2 local objects.</a:t>
-            </a:r>
-          </a:p>
-          <a:p>
-            <a:r>
-              <a:rPr lang="es-ES" sz="800" noProof="1"/>
-              <a:t>remote: This repository moved. Please use the new location:</a:t>
-            </a:r>
-          </a:p>
-          <a:p>
-            <a:r>
-              <a:rPr lang="es-ES" sz="800" noProof="1"/>
-              <a:t>remote:   https://github.com/CaptWhite/aster-repository.git</a:t>
-            </a:r>
-          </a:p>
-          <a:p>
-            <a:r>
-              <a:rPr lang="es-ES" sz="800" noProof="1"/>
-              <a:t>To https://github.com/CaptWhite/aster-newsletter.git</a:t>
-            </a:r>
-          </a:p>
-          <a:p>
-            <a:r>
-              <a:rPr lang="es-ES" sz="800" noProof="1"/>
-              <a:t>   13390f3..327c69f  main -&gt; main</a:t>
-            </a:r>
-          </a:p>
-          <a:p>
-            <a:r>
-              <a:rPr lang="es-ES" sz="800" noProof="1"/>
-              <a:t>Branch 'main' set up to track remote branch 'main' from 'origin'.</a:t>
-            </a:r>
-          </a:p>
-          <a:p>
-            <a:r>
-              <a:rPr lang="es-ES" sz="800" noProof="1"/>
-              <a:t>(base) PS C:\Users\captw\workspaces\Astronomia\WEB ASTER\Repository&gt;</a:t>
+              <a:t>1</a:t>
             </a:r>
           </a:p>
         </p:txBody>
@@ -8686,7 +8064,7 @@
     </p:spTree>
     <p:extLst>
       <p:ext uri="{BB962C8B-B14F-4D97-AF65-F5344CB8AC3E}">
-        <p14:creationId xmlns:p14="http://schemas.microsoft.com/office/powerpoint/2010/main" val="3200502280"/>
+        <p14:creationId xmlns:p14="http://schemas.microsoft.com/office/powerpoint/2010/main" val="1914974210"/>
       </p:ext>
     </p:extLst>
   </p:cSld>
@@ -8715,51 +8093,1104 @@
       </p:grpSpPr>
       <p:sp>
         <p:nvSpPr>
-          <p:cNvPr id="2" name="Título 1">
-            <a:extLst>
-              <a:ext uri="{FF2B5EF4-FFF2-40B4-BE49-F238E27FC236}">
-                <a16:creationId xmlns:a16="http://schemas.microsoft.com/office/drawing/2014/main" id="{680D64C3-6C7E-8C50-A64D-53C166B94EB0}"/>
-              </a:ext>
-            </a:extLst>
-          </p:cNvPr>
-          <p:cNvSpPr txBox="1">
-            <a:spLocks/>
-          </p:cNvSpPr>
+          <p:cNvPr id="3" name="CuadroTexto 2">
+            <a:extLst>
+              <a:ext uri="{FF2B5EF4-FFF2-40B4-BE49-F238E27FC236}">
+                <a16:creationId xmlns:a16="http://schemas.microsoft.com/office/drawing/2014/main" id="{F2782D3D-4B03-6B0C-0B83-95C9480DC136}"/>
+              </a:ext>
+            </a:extLst>
+          </p:cNvPr>
+          <p:cNvSpPr txBox="1"/>
           <p:nvPr/>
         </p:nvSpPr>
         <p:spPr>
           <a:xfrm>
-            <a:off x="1524000" y="1122363"/>
-            <a:ext cx="9144000" cy="2387600"/>
+            <a:off x="122549" y="574893"/>
+            <a:ext cx="6862713" cy="4339650"/>
           </a:xfrm>
           <a:prstGeom prst="rect">
             <a:avLst/>
           </a:prstGeom>
-        </p:spPr>
-        <p:txBody>
-          <a:bodyPr vert="horz" lIns="91440" tIns="45720" rIns="91440" bIns="45720" rtlCol="0" anchor="b">
-            <a:normAutofit/>
+          <a:noFill/>
+        </p:spPr>
+        <p:txBody>
+          <a:bodyPr wrap="square">
+            <a:spAutoFit/>
           </a:bodyPr>
-          <a:lstStyle>
-            <a:lvl1pPr algn="ctr">
-              <a:lnSpc>
-                <a:spcPct val="90000"/>
-              </a:lnSpc>
-              <a:spcBef>
-                <a:spcPct val="0"/>
-              </a:spcBef>
-              <a:buNone/>
-              <a:defRPr sz="6000">
-                <a:latin typeface="+mj-lt"/>
-                <a:ea typeface="+mj-ea"/>
-                <a:cs typeface="+mj-cs"/>
-              </a:defRPr>
-            </a:lvl1pPr>
-          </a:lstStyle>
-          <a:p>
-            <a:r>
-              <a:rPr lang="es-ES" dirty="0"/>
-              <a:t>2 – Regenerar la página web</a:t>
+          <a:lstStyle/>
+          <a:p>
+            <a:r>
+              <a:rPr lang="es-ES" u="sng" dirty="0"/>
+              <a:t>Alternativa a actualizar el fichero JSON desde una consola de comandos </a:t>
+            </a:r>
+          </a:p>
+          <a:p>
+            <a:endParaRPr lang="es-ES" dirty="0"/>
+          </a:p>
+          <a:p>
+            <a:r>
+              <a:rPr lang="es-ES" sz="1600" dirty="0"/>
+              <a:t>Debe tener el programa </a:t>
+            </a:r>
+            <a:r>
+              <a:rPr lang="es-ES" sz="1600" dirty="0" err="1"/>
+              <a:t>git</a:t>
+            </a:r>
+            <a:r>
+              <a:rPr lang="es-ES" sz="1600" dirty="0"/>
+              <a:t> instalado ( https://git-scm.com )</a:t>
+            </a:r>
+          </a:p>
+          <a:p>
+            <a:r>
+              <a:rPr lang="es-ES" sz="1600" dirty="0"/>
+              <a:t>Crear un directorio que contenga exclusivamente el fichero '</a:t>
+            </a:r>
+            <a:r>
+              <a:rPr lang="es-ES" sz="1600" dirty="0" err="1"/>
+              <a:t>newsletter.json</a:t>
+            </a:r>
+            <a:r>
+              <a:rPr lang="es-ES" sz="1600" dirty="0"/>
+              <a:t>' donde habremos copiado su contenido</a:t>
+            </a:r>
+          </a:p>
+          <a:p>
+            <a:r>
+              <a:rPr lang="es-ES" sz="1600" dirty="0"/>
+              <a:t>	La primera vez (y solo una vez):  				</a:t>
+            </a:r>
+          </a:p>
+          <a:p>
+            <a:r>
+              <a:rPr lang="es-ES" sz="1600" dirty="0"/>
+              <a:t>		</a:t>
+            </a:r>
+            <a:r>
+              <a:rPr lang="es-ES" sz="1600" dirty="0">
+                <a:solidFill>
+                  <a:schemeClr val="accent5">
+                    <a:lumMod val="75000"/>
+                  </a:schemeClr>
+                </a:solidFill>
+              </a:rPr>
+              <a:t>echo "# Borrar-</a:t>
+            </a:r>
+            <a:r>
+              <a:rPr lang="es-ES" sz="1600" dirty="0" err="1">
+                <a:solidFill>
+                  <a:schemeClr val="accent5">
+                    <a:lumMod val="75000"/>
+                  </a:schemeClr>
+                </a:solidFill>
+              </a:rPr>
+              <a:t>xyz</a:t>
+            </a:r>
+            <a:r>
+              <a:rPr lang="es-ES" sz="1600" dirty="0">
+                <a:solidFill>
+                  <a:schemeClr val="accent5">
+                    <a:lumMod val="75000"/>
+                  </a:schemeClr>
+                </a:solidFill>
+              </a:rPr>
+              <a:t>" &gt;&gt; README.md</a:t>
+            </a:r>
+          </a:p>
+          <a:p>
+            <a:r>
+              <a:rPr lang="es-ES" sz="1600" dirty="0">
+                <a:solidFill>
+                  <a:schemeClr val="accent5">
+                    <a:lumMod val="75000"/>
+                  </a:schemeClr>
+                </a:solidFill>
+              </a:rPr>
+              <a:t>		</a:t>
+            </a:r>
+            <a:r>
+              <a:rPr lang="es-ES" sz="1600" dirty="0" err="1">
+                <a:solidFill>
+                  <a:schemeClr val="accent5">
+                    <a:lumMod val="75000"/>
+                  </a:schemeClr>
+                </a:solidFill>
+              </a:rPr>
+              <a:t>git</a:t>
+            </a:r>
+            <a:r>
+              <a:rPr lang="es-ES" sz="1600" dirty="0">
+                <a:solidFill>
+                  <a:schemeClr val="accent5">
+                    <a:lumMod val="75000"/>
+                  </a:schemeClr>
+                </a:solidFill>
+              </a:rPr>
+              <a:t> </a:t>
+            </a:r>
+            <a:r>
+              <a:rPr lang="es-ES" sz="1600" dirty="0" err="1">
+                <a:solidFill>
+                  <a:schemeClr val="accent5">
+                    <a:lumMod val="75000"/>
+                  </a:schemeClr>
+                </a:solidFill>
+              </a:rPr>
+              <a:t>init</a:t>
+            </a:r>
+            <a:endParaRPr lang="es-ES" sz="1600" dirty="0">
+              <a:solidFill>
+                <a:schemeClr val="accent5">
+                  <a:lumMod val="75000"/>
+                </a:schemeClr>
+              </a:solidFill>
+            </a:endParaRPr>
+          </a:p>
+          <a:p>
+            <a:r>
+              <a:rPr lang="es-ES" sz="1600" dirty="0">
+                <a:solidFill>
+                  <a:schemeClr val="accent5">
+                    <a:lumMod val="75000"/>
+                  </a:schemeClr>
+                </a:solidFill>
+              </a:rPr>
+              <a:t>		</a:t>
+            </a:r>
+            <a:r>
+              <a:rPr lang="es-ES" sz="1600" dirty="0" err="1">
+                <a:solidFill>
+                  <a:schemeClr val="accent5">
+                    <a:lumMod val="75000"/>
+                  </a:schemeClr>
+                </a:solidFill>
+              </a:rPr>
+              <a:t>git</a:t>
+            </a:r>
+            <a:r>
+              <a:rPr lang="es-ES" sz="1600" dirty="0">
+                <a:solidFill>
+                  <a:schemeClr val="accent5">
+                    <a:lumMod val="75000"/>
+                  </a:schemeClr>
+                </a:solidFill>
+              </a:rPr>
+              <a:t> </a:t>
+            </a:r>
+            <a:r>
+              <a:rPr lang="es-ES" sz="1600" dirty="0" err="1">
+                <a:solidFill>
+                  <a:schemeClr val="accent5">
+                    <a:lumMod val="75000"/>
+                  </a:schemeClr>
+                </a:solidFill>
+              </a:rPr>
+              <a:t>add</a:t>
+            </a:r>
+            <a:r>
+              <a:rPr lang="es-ES" sz="1600" dirty="0">
+                <a:solidFill>
+                  <a:schemeClr val="accent5">
+                    <a:lumMod val="75000"/>
+                  </a:schemeClr>
+                </a:solidFill>
+              </a:rPr>
+              <a:t> README.md</a:t>
+            </a:r>
+          </a:p>
+          <a:p>
+            <a:r>
+              <a:rPr lang="es-ES" sz="1600" dirty="0">
+                <a:solidFill>
+                  <a:schemeClr val="accent5">
+                    <a:lumMod val="75000"/>
+                  </a:schemeClr>
+                </a:solidFill>
+              </a:rPr>
+              <a:t>		</a:t>
+            </a:r>
+            <a:r>
+              <a:rPr lang="es-ES" sz="1600" dirty="0" err="1">
+                <a:solidFill>
+                  <a:schemeClr val="accent5">
+                    <a:lumMod val="75000"/>
+                  </a:schemeClr>
+                </a:solidFill>
+              </a:rPr>
+              <a:t>git</a:t>
+            </a:r>
+            <a:r>
+              <a:rPr lang="es-ES" sz="1600" dirty="0">
+                <a:solidFill>
+                  <a:schemeClr val="accent5">
+                    <a:lumMod val="75000"/>
+                  </a:schemeClr>
+                </a:solidFill>
+              </a:rPr>
+              <a:t> </a:t>
+            </a:r>
+            <a:r>
+              <a:rPr lang="es-ES" sz="1600" dirty="0" err="1">
+                <a:solidFill>
+                  <a:schemeClr val="accent5">
+                    <a:lumMod val="75000"/>
+                  </a:schemeClr>
+                </a:solidFill>
+              </a:rPr>
+              <a:t>commit</a:t>
+            </a:r>
+            <a:r>
+              <a:rPr lang="es-ES" sz="1600" dirty="0">
+                <a:solidFill>
+                  <a:schemeClr val="accent5">
+                    <a:lumMod val="75000"/>
+                  </a:schemeClr>
+                </a:solidFill>
+              </a:rPr>
+              <a:t> -m "</a:t>
+            </a:r>
+            <a:r>
+              <a:rPr lang="es-ES" sz="1600" dirty="0" err="1">
+                <a:solidFill>
+                  <a:schemeClr val="accent5">
+                    <a:lumMod val="75000"/>
+                  </a:schemeClr>
+                </a:solidFill>
+              </a:rPr>
+              <a:t>first</a:t>
+            </a:r>
+            <a:r>
+              <a:rPr lang="es-ES" sz="1600" dirty="0">
+                <a:solidFill>
+                  <a:schemeClr val="accent5">
+                    <a:lumMod val="75000"/>
+                  </a:schemeClr>
+                </a:solidFill>
+              </a:rPr>
+              <a:t> </a:t>
+            </a:r>
+            <a:r>
+              <a:rPr lang="es-ES" sz="1600" dirty="0" err="1">
+                <a:solidFill>
+                  <a:schemeClr val="accent5">
+                    <a:lumMod val="75000"/>
+                  </a:schemeClr>
+                </a:solidFill>
+              </a:rPr>
+              <a:t>commit</a:t>
+            </a:r>
+            <a:r>
+              <a:rPr lang="es-ES" sz="1600" dirty="0">
+                <a:solidFill>
+                  <a:schemeClr val="accent5">
+                    <a:lumMod val="75000"/>
+                  </a:schemeClr>
+                </a:solidFill>
+              </a:rPr>
+              <a:t>"</a:t>
+            </a:r>
+          </a:p>
+          <a:p>
+            <a:r>
+              <a:rPr lang="es-ES" sz="1600" dirty="0">
+                <a:solidFill>
+                  <a:schemeClr val="accent5">
+                    <a:lumMod val="75000"/>
+                  </a:schemeClr>
+                </a:solidFill>
+              </a:rPr>
+              <a:t>		</a:t>
+            </a:r>
+            <a:r>
+              <a:rPr lang="es-ES" sz="1600" dirty="0" err="1">
+                <a:solidFill>
+                  <a:schemeClr val="accent5">
+                    <a:lumMod val="75000"/>
+                  </a:schemeClr>
+                </a:solidFill>
+              </a:rPr>
+              <a:t>git</a:t>
+            </a:r>
+            <a:r>
+              <a:rPr lang="es-ES" sz="1600" dirty="0">
+                <a:solidFill>
+                  <a:schemeClr val="accent5">
+                    <a:lumMod val="75000"/>
+                  </a:schemeClr>
+                </a:solidFill>
+              </a:rPr>
+              <a:t> </a:t>
+            </a:r>
+            <a:r>
+              <a:rPr lang="es-ES" sz="1600" dirty="0" err="1">
+                <a:solidFill>
+                  <a:schemeClr val="accent5">
+                    <a:lumMod val="75000"/>
+                  </a:schemeClr>
+                </a:solidFill>
+              </a:rPr>
+              <a:t>branch</a:t>
+            </a:r>
+            <a:r>
+              <a:rPr lang="es-ES" sz="1600" dirty="0">
+                <a:solidFill>
+                  <a:schemeClr val="accent5">
+                    <a:lumMod val="75000"/>
+                  </a:schemeClr>
+                </a:solidFill>
+              </a:rPr>
+              <a:t> -M </a:t>
+            </a:r>
+            <a:r>
+              <a:rPr lang="es-ES" sz="1600" dirty="0" err="1">
+                <a:solidFill>
+                  <a:schemeClr val="accent5">
+                    <a:lumMod val="75000"/>
+                  </a:schemeClr>
+                </a:solidFill>
+              </a:rPr>
+              <a:t>main</a:t>
+            </a:r>
+            <a:endParaRPr lang="es-ES" sz="1600" dirty="0">
+              <a:solidFill>
+                <a:schemeClr val="accent5">
+                  <a:lumMod val="75000"/>
+                </a:schemeClr>
+              </a:solidFill>
+            </a:endParaRPr>
+          </a:p>
+          <a:p>
+            <a:r>
+              <a:rPr lang="es-ES" sz="1600" dirty="0">
+                <a:solidFill>
+                  <a:schemeClr val="accent5">
+                    <a:lumMod val="75000"/>
+                  </a:schemeClr>
+                </a:solidFill>
+              </a:rPr>
+              <a:t>		</a:t>
+            </a:r>
+            <a:r>
+              <a:rPr lang="es-ES" sz="1400" dirty="0" err="1">
+                <a:solidFill>
+                  <a:schemeClr val="accent5">
+                    <a:lumMod val="75000"/>
+                  </a:schemeClr>
+                </a:solidFill>
+              </a:rPr>
+              <a:t>git</a:t>
+            </a:r>
+            <a:r>
+              <a:rPr lang="es-ES" sz="1400" dirty="0">
+                <a:solidFill>
+                  <a:schemeClr val="accent5">
+                    <a:lumMod val="75000"/>
+                  </a:schemeClr>
+                </a:solidFill>
+              </a:rPr>
+              <a:t> remote </a:t>
+            </a:r>
+            <a:r>
+              <a:rPr lang="es-ES" sz="1400" dirty="0" err="1">
+                <a:solidFill>
+                  <a:schemeClr val="accent5">
+                    <a:lumMod val="75000"/>
+                  </a:schemeClr>
+                </a:solidFill>
+              </a:rPr>
+              <a:t>add</a:t>
+            </a:r>
+            <a:r>
+              <a:rPr lang="es-ES" sz="1400" dirty="0">
+                <a:solidFill>
+                  <a:schemeClr val="accent5">
+                    <a:lumMod val="75000"/>
+                  </a:schemeClr>
+                </a:solidFill>
+              </a:rPr>
+              <a:t> </a:t>
+            </a:r>
+            <a:r>
+              <a:rPr lang="es-ES" sz="1400" dirty="0" err="1">
+                <a:solidFill>
+                  <a:schemeClr val="accent5">
+                    <a:lumMod val="75000"/>
+                  </a:schemeClr>
+                </a:solidFill>
+              </a:rPr>
+              <a:t>origin</a:t>
+            </a:r>
+            <a:r>
+              <a:rPr lang="es-ES" sz="1400" dirty="0">
+                <a:solidFill>
+                  <a:schemeClr val="accent5">
+                    <a:lumMod val="75000"/>
+                  </a:schemeClr>
+                </a:solidFill>
+              </a:rPr>
+              <a:t> https://github.com/CaptWhite/newsletter.git</a:t>
+            </a:r>
+            <a:endParaRPr lang="es-ES" sz="1600" dirty="0">
+              <a:solidFill>
+                <a:schemeClr val="accent5">
+                  <a:lumMod val="75000"/>
+                </a:schemeClr>
+              </a:solidFill>
+            </a:endParaRPr>
+          </a:p>
+          <a:p>
+            <a:r>
+              <a:rPr lang="es-ES" sz="1600" dirty="0">
+                <a:solidFill>
+                  <a:schemeClr val="accent5">
+                    <a:lumMod val="75000"/>
+                  </a:schemeClr>
+                </a:solidFill>
+              </a:rPr>
+              <a:t>		</a:t>
+            </a:r>
+            <a:r>
+              <a:rPr lang="es-ES" sz="1600" dirty="0" err="1">
+                <a:solidFill>
+                  <a:schemeClr val="accent5">
+                    <a:lumMod val="75000"/>
+                  </a:schemeClr>
+                </a:solidFill>
+              </a:rPr>
+              <a:t>git</a:t>
+            </a:r>
+            <a:r>
+              <a:rPr lang="es-ES" sz="1600" dirty="0">
+                <a:solidFill>
+                  <a:schemeClr val="accent5">
+                    <a:lumMod val="75000"/>
+                  </a:schemeClr>
+                </a:solidFill>
+              </a:rPr>
+              <a:t> </a:t>
+            </a:r>
+            <a:r>
+              <a:rPr lang="es-ES" sz="1600" dirty="0" err="1">
+                <a:solidFill>
+                  <a:schemeClr val="accent5">
+                    <a:lumMod val="75000"/>
+                  </a:schemeClr>
+                </a:solidFill>
+              </a:rPr>
+              <a:t>push</a:t>
+            </a:r>
+            <a:r>
+              <a:rPr lang="es-ES" sz="1600" dirty="0">
+                <a:solidFill>
+                  <a:schemeClr val="accent5">
+                    <a:lumMod val="75000"/>
+                  </a:schemeClr>
+                </a:solidFill>
+              </a:rPr>
+              <a:t> -u </a:t>
+            </a:r>
+            <a:r>
+              <a:rPr lang="es-ES" sz="1600" dirty="0" err="1">
+                <a:solidFill>
+                  <a:schemeClr val="accent5">
+                    <a:lumMod val="75000"/>
+                  </a:schemeClr>
+                </a:solidFill>
+              </a:rPr>
+              <a:t>origin</a:t>
+            </a:r>
+            <a:r>
+              <a:rPr lang="es-ES" sz="1600" dirty="0">
+                <a:solidFill>
+                  <a:schemeClr val="accent5">
+                    <a:lumMod val="75000"/>
+                  </a:schemeClr>
+                </a:solidFill>
+              </a:rPr>
+              <a:t> </a:t>
+            </a:r>
+            <a:r>
+              <a:rPr lang="es-ES" sz="1600" dirty="0" err="1">
+                <a:solidFill>
+                  <a:schemeClr val="accent5">
+                    <a:lumMod val="75000"/>
+                  </a:schemeClr>
+                </a:solidFill>
+              </a:rPr>
+              <a:t>main</a:t>
+            </a:r>
+            <a:endParaRPr lang="es-ES" sz="1600" dirty="0">
+              <a:solidFill>
+                <a:schemeClr val="accent5">
+                  <a:lumMod val="75000"/>
+                </a:schemeClr>
+              </a:solidFill>
+            </a:endParaRPr>
+          </a:p>
+          <a:p>
+            <a:r>
+              <a:rPr lang="es-ES" sz="1600" dirty="0"/>
+              <a:t>	En veces sucesivas:</a:t>
+            </a:r>
+          </a:p>
+          <a:p>
+            <a:r>
+              <a:rPr lang="es-ES" sz="1600" dirty="0"/>
+              <a:t>		</a:t>
+            </a:r>
+            <a:r>
+              <a:rPr lang="es-ES" sz="1600" dirty="0" err="1">
+                <a:solidFill>
+                  <a:srgbClr val="FF0000"/>
+                </a:solidFill>
+              </a:rPr>
+              <a:t>git</a:t>
+            </a:r>
+            <a:r>
+              <a:rPr lang="es-ES" sz="1600" dirty="0">
+                <a:solidFill>
+                  <a:srgbClr val="FF0000"/>
+                </a:solidFill>
+              </a:rPr>
+              <a:t> </a:t>
+            </a:r>
+            <a:r>
+              <a:rPr lang="es-ES" sz="1600" dirty="0" err="1">
+                <a:solidFill>
+                  <a:srgbClr val="FF0000"/>
+                </a:solidFill>
+              </a:rPr>
+              <a:t>add</a:t>
+            </a:r>
+            <a:r>
+              <a:rPr lang="es-ES" sz="1600" dirty="0">
+                <a:solidFill>
+                  <a:srgbClr val="FF0000"/>
+                </a:solidFill>
+              </a:rPr>
+              <a:t> .</a:t>
+            </a:r>
+          </a:p>
+          <a:p>
+            <a:r>
+              <a:rPr lang="es-ES" sz="1600" dirty="0">
+                <a:solidFill>
+                  <a:srgbClr val="FF0000"/>
+                </a:solidFill>
+              </a:rPr>
+              <a:t>		</a:t>
+            </a:r>
+            <a:r>
+              <a:rPr lang="es-ES" sz="1600" dirty="0" err="1">
+                <a:solidFill>
+                  <a:srgbClr val="FF0000"/>
+                </a:solidFill>
+              </a:rPr>
+              <a:t>git</a:t>
+            </a:r>
+            <a:r>
+              <a:rPr lang="es-ES" sz="1600" dirty="0">
+                <a:solidFill>
+                  <a:srgbClr val="FF0000"/>
+                </a:solidFill>
+              </a:rPr>
+              <a:t> </a:t>
+            </a:r>
+            <a:r>
+              <a:rPr lang="es-ES" sz="1600" dirty="0" err="1">
+                <a:solidFill>
+                  <a:srgbClr val="FF0000"/>
+                </a:solidFill>
+              </a:rPr>
+              <a:t>commit</a:t>
+            </a:r>
+            <a:r>
+              <a:rPr lang="es-ES" sz="1600" dirty="0">
+                <a:solidFill>
+                  <a:srgbClr val="FF0000"/>
+                </a:solidFill>
+              </a:rPr>
+              <a:t> -m "</a:t>
+            </a:r>
+            <a:r>
+              <a:rPr lang="es-ES" sz="1600" b="1" noProof="1">
+                <a:solidFill>
+                  <a:srgbClr val="FF0000"/>
+                </a:solidFill>
+              </a:rPr>
+              <a:t> </a:t>
+            </a:r>
+            <a:r>
+              <a:rPr lang="es-ES" sz="1400" noProof="1">
+                <a:solidFill>
+                  <a:srgbClr val="FF0000"/>
+                </a:solidFill>
+              </a:rPr>
+              <a:t>Butlletí 102 </a:t>
+            </a:r>
+            <a:r>
+              <a:rPr lang="es-ES" sz="1600" dirty="0">
+                <a:solidFill>
+                  <a:srgbClr val="FF0000"/>
+                </a:solidFill>
+              </a:rPr>
+              <a:t>"</a:t>
+            </a:r>
+          </a:p>
+          <a:p>
+            <a:r>
+              <a:rPr lang="es-ES" sz="1600" dirty="0">
+                <a:solidFill>
+                  <a:srgbClr val="FF0000"/>
+                </a:solidFill>
+              </a:rPr>
+              <a:t>		</a:t>
+            </a:r>
+            <a:r>
+              <a:rPr lang="es-ES" sz="1600" dirty="0" err="1">
+                <a:solidFill>
+                  <a:srgbClr val="FF0000"/>
+                </a:solidFill>
+              </a:rPr>
+              <a:t>git</a:t>
+            </a:r>
+            <a:r>
+              <a:rPr lang="es-ES" sz="1600" dirty="0">
+                <a:solidFill>
+                  <a:srgbClr val="FF0000"/>
+                </a:solidFill>
+              </a:rPr>
+              <a:t> </a:t>
+            </a:r>
+            <a:r>
+              <a:rPr lang="es-ES" sz="1600" dirty="0" err="1">
+                <a:solidFill>
+                  <a:srgbClr val="FF0000"/>
+                </a:solidFill>
+              </a:rPr>
+              <a:t>push</a:t>
+            </a:r>
+            <a:r>
+              <a:rPr lang="es-ES" sz="1600" dirty="0">
+                <a:solidFill>
+                  <a:srgbClr val="FF0000"/>
+                </a:solidFill>
+              </a:rPr>
+              <a:t> -u </a:t>
+            </a:r>
+            <a:r>
+              <a:rPr lang="es-ES" sz="1600" dirty="0" err="1">
+                <a:solidFill>
+                  <a:srgbClr val="FF0000"/>
+                </a:solidFill>
+              </a:rPr>
+              <a:t>origin</a:t>
+            </a:r>
+            <a:r>
+              <a:rPr lang="es-ES" sz="1600" dirty="0">
+                <a:solidFill>
+                  <a:srgbClr val="FF0000"/>
+                </a:solidFill>
+              </a:rPr>
+              <a:t> </a:t>
+            </a:r>
+            <a:r>
+              <a:rPr lang="es-ES" sz="1600" dirty="0" err="1">
+                <a:solidFill>
+                  <a:srgbClr val="FF0000"/>
+                </a:solidFill>
+              </a:rPr>
+              <a:t>main</a:t>
+            </a:r>
+            <a:endParaRPr lang="es-ES" sz="1600" dirty="0">
+              <a:solidFill>
+                <a:srgbClr val="FF0000"/>
+              </a:solidFill>
+            </a:endParaRPr>
+          </a:p>
+        </p:txBody>
+      </p:sp>
+      <p:sp>
+        <p:nvSpPr>
+          <p:cNvPr id="4" name="CuadroTexto 3">
+            <a:extLst>
+              <a:ext uri="{FF2B5EF4-FFF2-40B4-BE49-F238E27FC236}">
+                <a16:creationId xmlns:a16="http://schemas.microsoft.com/office/drawing/2014/main" id="{6D0A0C43-712A-7BF1-84AC-6D3037F8AED8}"/>
+              </a:ext>
+            </a:extLst>
+          </p:cNvPr>
+          <p:cNvSpPr txBox="1"/>
+          <p:nvPr/>
+        </p:nvSpPr>
+        <p:spPr>
+          <a:xfrm>
+            <a:off x="7051250" y="560824"/>
+            <a:ext cx="4946715" cy="5816977"/>
+          </a:xfrm>
+          <a:prstGeom prst="rect">
+            <a:avLst/>
+          </a:prstGeom>
+          <a:noFill/>
+        </p:spPr>
+        <p:txBody>
+          <a:bodyPr wrap="square">
+            <a:spAutoFit/>
+          </a:bodyPr>
+          <a:lstStyle/>
+          <a:p>
+            <a:r>
+              <a:rPr lang="es-ES" sz="800" dirty="0"/>
+              <a:t>(</a:t>
+            </a:r>
+            <a:r>
+              <a:rPr lang="es-ES" sz="800" noProof="1"/>
+              <a:t>base) PS C:\Users\captw\workspaces\Astronomia\WEB ASTER\Repository</a:t>
+            </a:r>
+            <a:r>
+              <a:rPr lang="es-ES" sz="800" b="1" noProof="1">
+                <a:solidFill>
+                  <a:srgbClr val="FF0000"/>
+                </a:solidFill>
+              </a:rPr>
+              <a:t>&gt; </a:t>
+            </a:r>
+            <a:r>
+              <a:rPr lang="es-ES" sz="900" b="1" noProof="1">
+                <a:solidFill>
+                  <a:srgbClr val="FF0000"/>
+                </a:solidFill>
+              </a:rPr>
+              <a:t>git add .</a:t>
+            </a:r>
+          </a:p>
+          <a:p>
+            <a:r>
+              <a:rPr lang="es-ES" sz="800" noProof="1"/>
+              <a:t>(base) PS C:\Users\captw\workspaces\Astronomia\WEB ASTER\Repository</a:t>
+            </a:r>
+            <a:r>
+              <a:rPr lang="es-ES" sz="900" b="1" noProof="1">
+                <a:solidFill>
+                  <a:srgbClr val="FF0000"/>
+                </a:solidFill>
+              </a:rPr>
+              <a:t>&gt; git commit -m "Butlletí 102"</a:t>
+            </a:r>
+          </a:p>
+          <a:p>
+            <a:r>
+              <a:rPr lang="es-ES" sz="800" noProof="1"/>
+              <a:t>[main 18f84a9] Butlletí 102</a:t>
+            </a:r>
+          </a:p>
+          <a:p>
+            <a:r>
+              <a:rPr lang="es-ES" sz="800" noProof="1"/>
+              <a:t> 1 file changed, 1 insertion(+), 1 deletion(-)</a:t>
+            </a:r>
+          </a:p>
+          <a:p>
+            <a:r>
+              <a:rPr lang="es-ES" sz="800" noProof="1"/>
+              <a:t>(base) PS C:\Users\captw\workspaces\Astronomia\WEB ASTER\Repository&gt; </a:t>
+            </a:r>
+            <a:r>
+              <a:rPr lang="es-ES" sz="900" b="1" noProof="1">
+                <a:solidFill>
+                  <a:srgbClr val="FF0000"/>
+                </a:solidFill>
+              </a:rPr>
+              <a:t>git push -u origin main     </a:t>
+            </a:r>
+          </a:p>
+          <a:p>
+            <a:r>
+              <a:rPr lang="es-ES" sz="800" noProof="1"/>
+              <a:t>To https://github.com/CaptWhite/aster-newsletter.git</a:t>
+            </a:r>
+          </a:p>
+          <a:p>
+            <a:r>
+              <a:rPr lang="es-ES" sz="800" noProof="1"/>
+              <a:t> ! [rejected]        main -&gt; main (fetch first)</a:t>
+            </a:r>
+          </a:p>
+          <a:p>
+            <a:r>
+              <a:rPr lang="es-ES" sz="800" noProof="1"/>
+              <a:t>error: failed to push some refs to 'https://github.com/CaptWhite/aster-newsletter.git'</a:t>
+            </a:r>
+          </a:p>
+          <a:p>
+            <a:r>
+              <a:rPr lang="es-ES" sz="800" noProof="1"/>
+              <a:t>hint: Updates were rejected because the remote contains work that you do</a:t>
+            </a:r>
+          </a:p>
+          <a:p>
+            <a:r>
+              <a:rPr lang="es-ES" sz="800" noProof="1"/>
+              <a:t>hint: not have locally. This is usually caused by another repository pushing</a:t>
+            </a:r>
+          </a:p>
+          <a:p>
+            <a:r>
+              <a:rPr lang="es-ES" sz="800" noProof="1"/>
+              <a:t>hint: to the same ref. You may want to first integrate the remote changes</a:t>
+            </a:r>
+          </a:p>
+          <a:p>
+            <a:r>
+              <a:rPr lang="es-ES" sz="800" noProof="1"/>
+              <a:t>hint: (e.g., 'git pull ...') before pushing again.</a:t>
+            </a:r>
+          </a:p>
+          <a:p>
+            <a:r>
+              <a:rPr lang="es-ES" sz="800" noProof="1"/>
+              <a:t>hint: See the 'Note about fast-forwards' in 'git push --help' for details.</a:t>
+            </a:r>
+          </a:p>
+          <a:p>
+            <a:r>
+              <a:rPr lang="es-ES" sz="800" noProof="1"/>
+              <a:t>(base) PS C:\Users\captw\workspaces\Astronomia\WEB ASTER\Repository&gt; </a:t>
+            </a:r>
+            <a:r>
+              <a:rPr lang="es-ES" sz="900" b="1" noProof="1">
+                <a:solidFill>
+                  <a:srgbClr val="FF0000"/>
+                </a:solidFill>
+              </a:rPr>
+              <a:t>git pull</a:t>
+            </a:r>
+            <a:endParaRPr lang="es-ES" sz="800" b="1" noProof="1">
+              <a:solidFill>
+                <a:srgbClr val="FF0000"/>
+              </a:solidFill>
+            </a:endParaRPr>
+          </a:p>
+          <a:p>
+            <a:r>
+              <a:rPr lang="es-ES" sz="800" noProof="1"/>
+              <a:t>remote: Enumerating objects: 5, done.</a:t>
+            </a:r>
+          </a:p>
+          <a:p>
+            <a:r>
+              <a:rPr lang="es-ES" sz="800" noProof="1"/>
+              <a:t>remote: Counting objects: 100% (5/5), done.</a:t>
+            </a:r>
+          </a:p>
+          <a:p>
+            <a:r>
+              <a:rPr lang="es-ES" sz="800" noProof="1"/>
+              <a:t>remote: Compressing objects: 100% (3/3), done.</a:t>
+            </a:r>
+          </a:p>
+          <a:p>
+            <a:r>
+              <a:rPr lang="es-ES" sz="800" noProof="1"/>
+              <a:t>remote: Total 3 (delta 2), reused 0 (delta 0), pack-reused 0</a:t>
+            </a:r>
+          </a:p>
+          <a:p>
+            <a:r>
+              <a:rPr lang="es-ES" sz="800" noProof="1"/>
+              <a:t>Unpacking objects: 100% (3/3), 656 bytes | 16.00 KiB/s, done.</a:t>
+            </a:r>
+          </a:p>
+          <a:p>
+            <a:r>
+              <a:rPr lang="es-ES" sz="800" noProof="1"/>
+              <a:t>From https://github.com/CaptWhite/aster-newsletter</a:t>
+            </a:r>
+          </a:p>
+          <a:p>
+            <a:r>
+              <a:rPr lang="es-ES" sz="800" noProof="1"/>
+              <a:t>   09493c1..13390f3  main       -&gt; origin/main</a:t>
+            </a:r>
+          </a:p>
+          <a:p>
+            <a:r>
+              <a:rPr lang="es-ES" sz="800" noProof="1"/>
+              <a:t>Auto-merging db.json</a:t>
+            </a:r>
+          </a:p>
+          <a:p>
+            <a:r>
+              <a:rPr lang="es-ES" sz="800" noProof="1"/>
+              <a:t>Merge made by the 'recursive' strategy.</a:t>
+            </a:r>
+          </a:p>
+          <a:p>
+            <a:r>
+              <a:rPr lang="es-ES" sz="800" noProof="1"/>
+              <a:t> db.json | 4 ++--</a:t>
+            </a:r>
+          </a:p>
+          <a:p>
+            <a:r>
+              <a:rPr lang="es-ES" sz="800" noProof="1"/>
+              <a:t> 1 file changed, 2 insertions(+), 2 deletions(-)</a:t>
+            </a:r>
+          </a:p>
+          <a:p>
+            <a:r>
+              <a:rPr lang="es-ES" sz="800" noProof="1"/>
+              <a:t>(base) PS C:\Users\captw\workspaces\Astronomia\WEB ASTER\Repository</a:t>
+            </a:r>
+            <a:r>
+              <a:rPr lang="es-ES" sz="900" b="1" noProof="1">
+                <a:solidFill>
+                  <a:srgbClr val="FF0000"/>
+                </a:solidFill>
+              </a:rPr>
+              <a:t>&gt; git add .</a:t>
+            </a:r>
+          </a:p>
+          <a:p>
+            <a:r>
+              <a:rPr lang="es-ES" sz="800" noProof="1"/>
+              <a:t>(base) PS C:\Users\captw\workspaces\Astronomia\WEB ASTER\Repository&gt; </a:t>
+            </a:r>
+            <a:r>
+              <a:rPr lang="es-ES" sz="900" b="1" noProof="1">
+                <a:solidFill>
+                  <a:srgbClr val="FF0000"/>
+                </a:solidFill>
+              </a:rPr>
+              <a:t>git commit -m "Butlletí 102"</a:t>
+            </a:r>
+            <a:endParaRPr lang="es-ES" sz="800" b="1" noProof="1">
+              <a:solidFill>
+                <a:srgbClr val="FF0000"/>
+              </a:solidFill>
+            </a:endParaRPr>
+          </a:p>
+          <a:p>
+            <a:r>
+              <a:rPr lang="es-ES" sz="800" noProof="1"/>
+              <a:t>On branch main</a:t>
+            </a:r>
+          </a:p>
+          <a:p>
+            <a:r>
+              <a:rPr lang="es-ES" sz="800" noProof="1"/>
+              <a:t>Your branch is ahead of 'origin/main' by 2 commits.</a:t>
+            </a:r>
+          </a:p>
+          <a:p>
+            <a:r>
+              <a:rPr lang="es-ES" sz="800" noProof="1"/>
+              <a:t>  (use "git push" to publish your local commits)</a:t>
+            </a:r>
+          </a:p>
+          <a:p>
+            <a:endParaRPr lang="es-ES" sz="800" noProof="1"/>
+          </a:p>
+          <a:p>
+            <a:r>
+              <a:rPr lang="es-ES" sz="800" noProof="1"/>
+              <a:t>nothing to commit, working tree clean</a:t>
+            </a:r>
+          </a:p>
+          <a:p>
+            <a:r>
+              <a:rPr lang="es-ES" sz="800" noProof="1"/>
+              <a:t>(base) PS C:\Users\captw\workspaces\Astronomia\WEB ASTER\Repository</a:t>
+            </a:r>
+            <a:r>
+              <a:rPr lang="es-ES" sz="900" b="1" noProof="1">
+                <a:solidFill>
+                  <a:srgbClr val="FF0000"/>
+                </a:solidFill>
+              </a:rPr>
+              <a:t>                                  </a:t>
+            </a:r>
+            <a:endParaRPr lang="es-ES" sz="800" b="1" noProof="1">
+              <a:solidFill>
+                <a:srgbClr val="FF0000"/>
+              </a:solidFill>
+            </a:endParaRPr>
+          </a:p>
+          <a:p>
+            <a:r>
+              <a:rPr lang="es-ES" sz="800" noProof="1"/>
+              <a:t>Enumerating objects: 10, done.</a:t>
+            </a:r>
+          </a:p>
+          <a:p>
+            <a:r>
+              <a:rPr lang="es-ES" sz="800" noProof="1"/>
+              <a:t>Counting objects: 100% (10/10), done.</a:t>
+            </a:r>
+          </a:p>
+          <a:p>
+            <a:r>
+              <a:rPr lang="es-ES" sz="800" noProof="1"/>
+              <a:t>Delta compression using up to 8 threads</a:t>
+            </a:r>
+          </a:p>
+          <a:p>
+            <a:r>
+              <a:rPr lang="es-ES" sz="800" noProof="1"/>
+              <a:t>Compressing objects: 100% (6/6), done.</a:t>
+            </a:r>
+          </a:p>
+          <a:p>
+            <a:r>
+              <a:rPr lang="es-ES" sz="800" noProof="1"/>
+              <a:t>Writing objects: 100% (6/6), 622 bytes | 622.00 KiB/s, done.</a:t>
+            </a:r>
+          </a:p>
+          <a:p>
+            <a:r>
+              <a:rPr lang="es-ES" sz="800" noProof="1"/>
+              <a:t>Total 6 (delta 4), reused 0 (delta 0), pack-reused 0</a:t>
+            </a:r>
+          </a:p>
+          <a:p>
+            <a:r>
+              <a:rPr lang="es-ES" sz="800" noProof="1"/>
+              <a:t>remote: Resolving deltas: 100% (4/4), completed with 2 local objects.</a:t>
+            </a:r>
+          </a:p>
+          <a:p>
+            <a:r>
+              <a:rPr lang="es-ES" sz="800" noProof="1"/>
+              <a:t>remote: This repository moved. Please use the new location:</a:t>
+            </a:r>
+          </a:p>
+          <a:p>
+            <a:r>
+              <a:rPr lang="es-ES" sz="800" noProof="1"/>
+              <a:t>remote:   https://github.com/CaptWhite/aster-repository.git</a:t>
+            </a:r>
+          </a:p>
+          <a:p>
+            <a:r>
+              <a:rPr lang="es-ES" sz="800" noProof="1"/>
+              <a:t>To https://github.com/CaptWhite/aster-newsletter.git</a:t>
+            </a:r>
+          </a:p>
+          <a:p>
+            <a:r>
+              <a:rPr lang="es-ES" sz="800" noProof="1"/>
+              <a:t>   13390f3..327c69f  main -&gt; main</a:t>
+            </a:r>
+          </a:p>
+          <a:p>
+            <a:r>
+              <a:rPr lang="es-ES" sz="800" noProof="1"/>
+              <a:t>Branch 'main' set up to track remote branch 'main' from 'origin'.</a:t>
+            </a:r>
+          </a:p>
+          <a:p>
+            <a:r>
+              <a:rPr lang="es-ES" sz="800" noProof="1"/>
+              <a:t>(base) PS C:\Users\captw\workspaces\Astronomia\WEB ASTER\Repository&gt;</a:t>
             </a:r>
           </a:p>
         </p:txBody>
@@ -8767,7 +9198,7 @@
     </p:spTree>
     <p:extLst>
       <p:ext uri="{BB962C8B-B14F-4D97-AF65-F5344CB8AC3E}">
-        <p14:creationId xmlns:p14="http://schemas.microsoft.com/office/powerpoint/2010/main" val="3472020467"/>
+        <p14:creationId xmlns:p14="http://schemas.microsoft.com/office/powerpoint/2010/main" val="3200502280"/>
       </p:ext>
     </p:extLst>
   </p:cSld>
@@ -8796,673 +9227,59 @@
       </p:grpSpPr>
       <p:sp>
         <p:nvSpPr>
-          <p:cNvPr id="5" name="CuadroTexto 4">
-            <a:hlinkClick r:id="rId2"/>
-            <a:extLst>
-              <a:ext uri="{FF2B5EF4-FFF2-40B4-BE49-F238E27FC236}">
-                <a16:creationId xmlns:a16="http://schemas.microsoft.com/office/drawing/2014/main" id="{6B21F938-9186-7AED-5449-B4A9E66BD36F}"/>
-              </a:ext>
-            </a:extLst>
-          </p:cNvPr>
-          <p:cNvSpPr txBox="1"/>
+          <p:cNvPr id="2" name="Título 1">
+            <a:extLst>
+              <a:ext uri="{FF2B5EF4-FFF2-40B4-BE49-F238E27FC236}">
+                <a16:creationId xmlns:a16="http://schemas.microsoft.com/office/drawing/2014/main" id="{680D64C3-6C7E-8C50-A64D-53C166B94EB0}"/>
+              </a:ext>
+            </a:extLst>
+          </p:cNvPr>
+          <p:cNvSpPr txBox="1">
+            <a:spLocks/>
+          </p:cNvSpPr>
           <p:nvPr/>
         </p:nvSpPr>
         <p:spPr>
-          <a:xfrm rot="16200000">
-            <a:off x="-713803" y="1452739"/>
-            <a:ext cx="2916004" cy="246221"/>
+          <a:xfrm>
+            <a:off x="1524000" y="1122363"/>
+            <a:ext cx="9144000" cy="2387600"/>
           </a:xfrm>
           <a:prstGeom prst="rect">
             <a:avLst/>
           </a:prstGeom>
-          <a:solidFill>
-            <a:schemeClr val="accent5">
-              <a:lumMod val="60000"/>
-              <a:lumOff val="40000"/>
-            </a:schemeClr>
-          </a:solidFill>
-          <a:ln>
-            <a:solidFill>
-              <a:schemeClr val="tx1"/>
-            </a:solidFill>
-          </a:ln>
-          <a:effectLst>
-            <a:softEdge rad="31750"/>
-          </a:effectLst>
-        </p:spPr>
-        <p:txBody>
-          <a:bodyPr wrap="square">
-            <a:spAutoFit/>
+        </p:spPr>
+        <p:txBody>
+          <a:bodyPr vert="horz" lIns="91440" tIns="45720" rIns="91440" bIns="45720" rtlCol="0" anchor="b">
+            <a:normAutofit/>
           </a:bodyPr>
           <a:lstStyle>
-            <a:defPPr>
-              <a:defRPr lang="es-ES"/>
-            </a:defPPr>
-            <a:lvl1pPr>
-              <a:defRPr sz="1000">
-                <a:solidFill>
-                  <a:srgbClr val="0070C0"/>
-                </a:solidFill>
+            <a:lvl1pPr algn="ctr">
+              <a:lnSpc>
+                <a:spcPct val="90000"/>
+              </a:lnSpc>
+              <a:spcBef>
+                <a:spcPct val="0"/>
+              </a:spcBef>
+              <a:buNone/>
+              <a:defRPr sz="6000">
+                <a:latin typeface="+mj-lt"/>
+                <a:ea typeface="+mj-ea"/>
+                <a:cs typeface="+mj-cs"/>
               </a:defRPr>
             </a:lvl1pPr>
           </a:lstStyle>
           <a:p>
             <a:r>
               <a:rPr lang="es-ES" dirty="0"/>
-              <a:t>https://github.com/CaptWhite/newsletter/actions</a:t>
-            </a:r>
-          </a:p>
-        </p:txBody>
-      </p:sp>
-      <p:pic>
-        <p:nvPicPr>
-          <p:cNvPr id="7" name="Imagen 6">
-            <a:extLst>
-              <a:ext uri="{FF2B5EF4-FFF2-40B4-BE49-F238E27FC236}">
-                <a16:creationId xmlns:a16="http://schemas.microsoft.com/office/drawing/2014/main" id="{8EABCE2F-C8ED-8E25-88DE-40401394EF88}"/>
-              </a:ext>
-            </a:extLst>
-          </p:cNvPr>
-          <p:cNvPicPr>
-            <a:picLocks noChangeAspect="1"/>
-          </p:cNvPicPr>
-          <p:nvPr/>
-        </p:nvPicPr>
-        <p:blipFill>
-          <a:blip r:embed="rId3"/>
-          <a:stretch>
-            <a:fillRect/>
-          </a:stretch>
-        </p:blipFill>
-        <p:spPr>
-          <a:xfrm>
-            <a:off x="1357568" y="135844"/>
-            <a:ext cx="3666918" cy="2638628"/>
-          </a:xfrm>
-          <a:prstGeom prst="rect">
-            <a:avLst/>
-          </a:prstGeom>
-        </p:spPr>
-      </p:pic>
-      <p:cxnSp>
-        <p:nvCxnSpPr>
-          <p:cNvPr id="11" name="Conector recto de flecha 10">
-            <a:extLst>
-              <a:ext uri="{FF2B5EF4-FFF2-40B4-BE49-F238E27FC236}">
-                <a16:creationId xmlns:a16="http://schemas.microsoft.com/office/drawing/2014/main" id="{C93D9B34-3530-0DF8-C56D-A3EEB0B083F8}"/>
-              </a:ext>
-            </a:extLst>
-          </p:cNvPr>
-          <p:cNvCxnSpPr/>
-          <p:nvPr/>
-        </p:nvCxnSpPr>
-        <p:spPr>
-          <a:xfrm flipH="1">
-            <a:off x="2931790" y="1706252"/>
-            <a:ext cx="518474" cy="480767"/>
-          </a:xfrm>
-          <a:prstGeom prst="straightConnector1">
-            <a:avLst/>
-          </a:prstGeom>
-          <a:ln w="50800">
-            <a:solidFill>
-              <a:srgbClr val="FF0000"/>
-            </a:solidFill>
-            <a:tailEnd type="triangle"/>
-          </a:ln>
-        </p:spPr>
-        <p:style>
-          <a:lnRef idx="1">
-            <a:schemeClr val="accent1"/>
-          </a:lnRef>
-          <a:fillRef idx="0">
-            <a:schemeClr val="accent1"/>
-          </a:fillRef>
-          <a:effectRef idx="0">
-            <a:schemeClr val="accent1"/>
-          </a:effectRef>
-          <a:fontRef idx="minor">
-            <a:schemeClr val="tx1"/>
-          </a:fontRef>
-        </p:style>
-      </p:cxnSp>
-      <p:pic>
-        <p:nvPicPr>
-          <p:cNvPr id="13" name="Imagen 12">
-            <a:extLst>
-              <a:ext uri="{FF2B5EF4-FFF2-40B4-BE49-F238E27FC236}">
-                <a16:creationId xmlns:a16="http://schemas.microsoft.com/office/drawing/2014/main" id="{D61EF1A5-E891-E2FF-687B-BFA4EF0BB2E9}"/>
-              </a:ext>
-            </a:extLst>
-          </p:cNvPr>
-          <p:cNvPicPr>
-            <a:picLocks noChangeAspect="1"/>
-          </p:cNvPicPr>
-          <p:nvPr/>
-        </p:nvPicPr>
-        <p:blipFill>
-          <a:blip r:embed="rId4"/>
-          <a:stretch>
-            <a:fillRect/>
-          </a:stretch>
-        </p:blipFill>
-        <p:spPr>
-          <a:xfrm>
-            <a:off x="6458614" y="137417"/>
-            <a:ext cx="3998855" cy="2638628"/>
-          </a:xfrm>
-          <a:prstGeom prst="rect">
-            <a:avLst/>
-          </a:prstGeom>
-        </p:spPr>
-      </p:pic>
-      <p:cxnSp>
-        <p:nvCxnSpPr>
-          <p:cNvPr id="14" name="Conector recto de flecha 13">
-            <a:extLst>
-              <a:ext uri="{FF2B5EF4-FFF2-40B4-BE49-F238E27FC236}">
-                <a16:creationId xmlns:a16="http://schemas.microsoft.com/office/drawing/2014/main" id="{4B54F26D-0E30-FF7C-B27D-3EB6FC61BC0B}"/>
-              </a:ext>
-            </a:extLst>
-          </p:cNvPr>
-          <p:cNvCxnSpPr/>
-          <p:nvPr/>
-        </p:nvCxnSpPr>
-        <p:spPr>
-          <a:xfrm flipH="1">
-            <a:off x="10075319" y="538900"/>
-            <a:ext cx="518474" cy="480767"/>
-          </a:xfrm>
-          <a:prstGeom prst="straightConnector1">
-            <a:avLst/>
-          </a:prstGeom>
-          <a:ln w="50800">
-            <a:solidFill>
-              <a:srgbClr val="FF0000"/>
-            </a:solidFill>
-            <a:tailEnd type="triangle"/>
-          </a:ln>
-        </p:spPr>
-        <p:style>
-          <a:lnRef idx="1">
-            <a:schemeClr val="accent1"/>
-          </a:lnRef>
-          <a:fillRef idx="0">
-            <a:schemeClr val="accent1"/>
-          </a:fillRef>
-          <a:effectRef idx="0">
-            <a:schemeClr val="accent1"/>
-          </a:effectRef>
-          <a:fontRef idx="minor">
-            <a:schemeClr val="tx1"/>
-          </a:fontRef>
-        </p:style>
-      </p:cxnSp>
-      <p:pic>
-        <p:nvPicPr>
-          <p:cNvPr id="16" name="Imagen 15">
-            <a:extLst>
-              <a:ext uri="{FF2B5EF4-FFF2-40B4-BE49-F238E27FC236}">
-                <a16:creationId xmlns:a16="http://schemas.microsoft.com/office/drawing/2014/main" id="{9E372567-E826-FAB1-F50D-54B5F6082AC4}"/>
-              </a:ext>
-            </a:extLst>
-          </p:cNvPr>
-          <p:cNvPicPr>
-            <a:picLocks noChangeAspect="1"/>
-          </p:cNvPicPr>
-          <p:nvPr/>
-        </p:nvPicPr>
-        <p:blipFill>
-          <a:blip r:embed="rId5"/>
-          <a:stretch>
-            <a:fillRect/>
-          </a:stretch>
-        </p:blipFill>
-        <p:spPr>
-          <a:xfrm>
-            <a:off x="7172877" y="2922001"/>
-            <a:ext cx="2370819" cy="819079"/>
-          </a:xfrm>
-          <a:prstGeom prst="rect">
-            <a:avLst/>
-          </a:prstGeom>
-        </p:spPr>
-      </p:pic>
-      <p:pic>
-        <p:nvPicPr>
-          <p:cNvPr id="18" name="Imagen 17">
-            <a:extLst>
-              <a:ext uri="{FF2B5EF4-FFF2-40B4-BE49-F238E27FC236}">
-                <a16:creationId xmlns:a16="http://schemas.microsoft.com/office/drawing/2014/main" id="{043EE056-315C-A257-A88B-19EEEDB36BD5}"/>
-              </a:ext>
-            </a:extLst>
-          </p:cNvPr>
-          <p:cNvPicPr>
-            <a:picLocks noChangeAspect="1"/>
-          </p:cNvPicPr>
-          <p:nvPr/>
-        </p:nvPicPr>
-        <p:blipFill>
-          <a:blip r:embed="rId6"/>
-          <a:stretch>
-            <a:fillRect/>
-          </a:stretch>
-        </p:blipFill>
-        <p:spPr>
-          <a:xfrm>
-            <a:off x="6458614" y="3949948"/>
-            <a:ext cx="4290995" cy="2644941"/>
-          </a:xfrm>
-          <a:prstGeom prst="rect">
-            <a:avLst/>
-          </a:prstGeom>
-        </p:spPr>
-      </p:pic>
-      <p:pic>
-        <p:nvPicPr>
-          <p:cNvPr id="20" name="Imagen 19">
-            <a:extLst>
-              <a:ext uri="{FF2B5EF4-FFF2-40B4-BE49-F238E27FC236}">
-                <a16:creationId xmlns:a16="http://schemas.microsoft.com/office/drawing/2014/main" id="{2CDB78A6-187F-86F9-FE7E-645819D79D02}"/>
-              </a:ext>
-            </a:extLst>
-          </p:cNvPr>
-          <p:cNvPicPr>
-            <a:picLocks noChangeAspect="1"/>
-          </p:cNvPicPr>
-          <p:nvPr/>
-        </p:nvPicPr>
-        <p:blipFill>
-          <a:blip r:embed="rId7"/>
-          <a:stretch>
-            <a:fillRect/>
-          </a:stretch>
-        </p:blipFill>
-        <p:spPr>
-          <a:xfrm>
-            <a:off x="1367048" y="3616871"/>
-            <a:ext cx="3666918" cy="2644942"/>
-          </a:xfrm>
-          <a:prstGeom prst="rect">
-            <a:avLst/>
-          </a:prstGeom>
-        </p:spPr>
-      </p:pic>
-      <p:sp>
-        <p:nvSpPr>
-          <p:cNvPr id="21" name="Flecha: a la derecha 20">
-            <a:extLst>
-              <a:ext uri="{FF2B5EF4-FFF2-40B4-BE49-F238E27FC236}">
-                <a16:creationId xmlns:a16="http://schemas.microsoft.com/office/drawing/2014/main" id="{D133209A-F9A9-72E1-DF66-B3204AE055AC}"/>
-              </a:ext>
-            </a:extLst>
-          </p:cNvPr>
-          <p:cNvSpPr/>
-          <p:nvPr/>
-        </p:nvSpPr>
-        <p:spPr>
-          <a:xfrm>
-            <a:off x="5621697" y="1455158"/>
-            <a:ext cx="470777" cy="318155"/>
-          </a:xfrm>
-          <a:prstGeom prst="rightArrow">
-            <a:avLst/>
-          </a:prstGeom>
-        </p:spPr>
-        <p:style>
-          <a:lnRef idx="2">
-            <a:schemeClr val="accent1">
-              <a:shade val="15000"/>
-            </a:schemeClr>
-          </a:lnRef>
-          <a:fillRef idx="1">
-            <a:schemeClr val="accent1"/>
-          </a:fillRef>
-          <a:effectRef idx="0">
-            <a:schemeClr val="accent1"/>
-          </a:effectRef>
-          <a:fontRef idx="minor">
-            <a:schemeClr val="lt1"/>
-          </a:fontRef>
-        </p:style>
-        <p:txBody>
-          <a:bodyPr rtlCol="0" anchor="ctr"/>
-          <a:lstStyle/>
-          <a:p>
-            <a:pPr algn="ctr"/>
-            <a:endParaRPr lang="es-ES"/>
-          </a:p>
-        </p:txBody>
-      </p:sp>
-      <p:sp>
-        <p:nvSpPr>
-          <p:cNvPr id="22" name="Flecha: a la derecha 21">
-            <a:extLst>
-              <a:ext uri="{FF2B5EF4-FFF2-40B4-BE49-F238E27FC236}">
-                <a16:creationId xmlns:a16="http://schemas.microsoft.com/office/drawing/2014/main" id="{69E5AD6E-45D9-4C1C-C3F2-D0A0FAFE7EF4}"/>
-              </a:ext>
-            </a:extLst>
-          </p:cNvPr>
-          <p:cNvSpPr/>
-          <p:nvPr/>
-        </p:nvSpPr>
-        <p:spPr>
-          <a:xfrm>
-            <a:off x="867310" y="1455158"/>
-            <a:ext cx="470777" cy="318155"/>
-          </a:xfrm>
-          <a:prstGeom prst="rightArrow">
-            <a:avLst/>
-          </a:prstGeom>
-        </p:spPr>
-        <p:style>
-          <a:lnRef idx="2">
-            <a:schemeClr val="accent1">
-              <a:shade val="15000"/>
-            </a:schemeClr>
-          </a:lnRef>
-          <a:fillRef idx="1">
-            <a:schemeClr val="accent1"/>
-          </a:fillRef>
-          <a:effectRef idx="0">
-            <a:schemeClr val="accent1"/>
-          </a:effectRef>
-          <a:fontRef idx="minor">
-            <a:schemeClr val="lt1"/>
-          </a:fontRef>
-        </p:style>
-        <p:txBody>
-          <a:bodyPr rtlCol="0" anchor="ctr"/>
-          <a:lstStyle/>
-          <a:p>
-            <a:pPr algn="ctr"/>
-            <a:endParaRPr lang="es-ES"/>
-          </a:p>
-        </p:txBody>
-      </p:sp>
-      <p:sp>
-        <p:nvSpPr>
-          <p:cNvPr id="23" name="Flecha: a la derecha 22">
-            <a:extLst>
-              <a:ext uri="{FF2B5EF4-FFF2-40B4-BE49-F238E27FC236}">
-                <a16:creationId xmlns:a16="http://schemas.microsoft.com/office/drawing/2014/main" id="{216DCAAC-2C3C-0100-3F1A-84DC9576ACC3}"/>
-              </a:ext>
-            </a:extLst>
-          </p:cNvPr>
-          <p:cNvSpPr/>
-          <p:nvPr/>
-        </p:nvSpPr>
-        <p:spPr>
-          <a:xfrm rot="5400000">
-            <a:off x="8122897" y="2642628"/>
-            <a:ext cx="470777" cy="318155"/>
-          </a:xfrm>
-          <a:prstGeom prst="rightArrow">
-            <a:avLst/>
-          </a:prstGeom>
-        </p:spPr>
-        <p:style>
-          <a:lnRef idx="2">
-            <a:schemeClr val="accent1">
-              <a:shade val="15000"/>
-            </a:schemeClr>
-          </a:lnRef>
-          <a:fillRef idx="1">
-            <a:schemeClr val="accent1"/>
-          </a:fillRef>
-          <a:effectRef idx="0">
-            <a:schemeClr val="accent1"/>
-          </a:effectRef>
-          <a:fontRef idx="minor">
-            <a:schemeClr val="lt1"/>
-          </a:fontRef>
-        </p:style>
-        <p:txBody>
-          <a:bodyPr rtlCol="0" anchor="ctr"/>
-          <a:lstStyle/>
-          <a:p>
-            <a:pPr algn="ctr"/>
-            <a:endParaRPr lang="es-ES"/>
-          </a:p>
-        </p:txBody>
-      </p:sp>
-      <p:cxnSp>
-        <p:nvCxnSpPr>
-          <p:cNvPr id="24" name="Conector recto de flecha 23">
-            <a:extLst>
-              <a:ext uri="{FF2B5EF4-FFF2-40B4-BE49-F238E27FC236}">
-                <a16:creationId xmlns:a16="http://schemas.microsoft.com/office/drawing/2014/main" id="{E0270ECA-DF36-CE84-D362-9395FB8EF64A}"/>
-              </a:ext>
-            </a:extLst>
-          </p:cNvPr>
-          <p:cNvCxnSpPr/>
-          <p:nvPr/>
-        </p:nvCxnSpPr>
-        <p:spPr>
-          <a:xfrm flipH="1">
-            <a:off x="9388154" y="3122613"/>
-            <a:ext cx="518474" cy="480767"/>
-          </a:xfrm>
-          <a:prstGeom prst="straightConnector1">
-            <a:avLst/>
-          </a:prstGeom>
-          <a:ln w="50800">
-            <a:solidFill>
-              <a:srgbClr val="FF0000"/>
-            </a:solidFill>
-            <a:tailEnd type="triangle"/>
-          </a:ln>
-        </p:spPr>
-        <p:style>
-          <a:lnRef idx="1">
-            <a:schemeClr val="accent1"/>
-          </a:lnRef>
-          <a:fillRef idx="0">
-            <a:schemeClr val="accent1"/>
-          </a:fillRef>
-          <a:effectRef idx="0">
-            <a:schemeClr val="accent1"/>
-          </a:effectRef>
-          <a:fontRef idx="minor">
-            <a:schemeClr val="tx1"/>
-          </a:fontRef>
-        </p:style>
-      </p:cxnSp>
-      <p:sp>
-        <p:nvSpPr>
-          <p:cNvPr id="25" name="Flecha: a la derecha 24">
-            <a:extLst>
-              <a:ext uri="{FF2B5EF4-FFF2-40B4-BE49-F238E27FC236}">
-                <a16:creationId xmlns:a16="http://schemas.microsoft.com/office/drawing/2014/main" id="{E62ABC6F-3EAE-B618-BEA5-614F84D5A035}"/>
-              </a:ext>
-            </a:extLst>
-          </p:cNvPr>
-          <p:cNvSpPr/>
-          <p:nvPr/>
-        </p:nvSpPr>
-        <p:spPr>
-          <a:xfrm rot="5400000">
-            <a:off x="8122897" y="3693182"/>
-            <a:ext cx="470777" cy="318155"/>
-          </a:xfrm>
-          <a:prstGeom prst="rightArrow">
-            <a:avLst/>
-          </a:prstGeom>
-        </p:spPr>
-        <p:style>
-          <a:lnRef idx="2">
-            <a:schemeClr val="accent1">
-              <a:shade val="15000"/>
-            </a:schemeClr>
-          </a:lnRef>
-          <a:fillRef idx="1">
-            <a:schemeClr val="accent1"/>
-          </a:fillRef>
-          <a:effectRef idx="0">
-            <a:schemeClr val="accent1"/>
-          </a:effectRef>
-          <a:fontRef idx="minor">
-            <a:schemeClr val="lt1"/>
-          </a:fontRef>
-        </p:style>
-        <p:txBody>
-          <a:bodyPr rtlCol="0" anchor="ctr"/>
-          <a:lstStyle/>
-          <a:p>
-            <a:pPr algn="ctr"/>
-            <a:endParaRPr lang="es-ES"/>
-          </a:p>
-        </p:txBody>
-      </p:sp>
-      <p:sp>
-        <p:nvSpPr>
-          <p:cNvPr id="26" name="Flecha: a la derecha 25">
-            <a:extLst>
-              <a:ext uri="{FF2B5EF4-FFF2-40B4-BE49-F238E27FC236}">
-                <a16:creationId xmlns:a16="http://schemas.microsoft.com/office/drawing/2014/main" id="{A3626D5F-F934-DD6B-5290-D2E925BA4676}"/>
-              </a:ext>
-            </a:extLst>
-          </p:cNvPr>
-          <p:cNvSpPr/>
-          <p:nvPr/>
-        </p:nvSpPr>
-        <p:spPr>
-          <a:xfrm rot="10800000">
-            <a:off x="5506162" y="5107027"/>
-            <a:ext cx="470777" cy="318155"/>
-          </a:xfrm>
-          <a:prstGeom prst="rightArrow">
-            <a:avLst/>
-          </a:prstGeom>
-        </p:spPr>
-        <p:style>
-          <a:lnRef idx="2">
-            <a:schemeClr val="accent1">
-              <a:shade val="15000"/>
-            </a:schemeClr>
-          </a:lnRef>
-          <a:fillRef idx="1">
-            <a:schemeClr val="accent1"/>
-          </a:fillRef>
-          <a:effectRef idx="0">
-            <a:schemeClr val="accent1"/>
-          </a:effectRef>
-          <a:fontRef idx="minor">
-            <a:schemeClr val="lt1"/>
-          </a:fontRef>
-        </p:style>
-        <p:txBody>
-          <a:bodyPr rtlCol="0" anchor="ctr"/>
-          <a:lstStyle/>
-          <a:p>
-            <a:pPr algn="ctr"/>
-            <a:endParaRPr lang="es-ES"/>
-          </a:p>
-        </p:txBody>
-      </p:sp>
-      <p:sp>
-        <p:nvSpPr>
-          <p:cNvPr id="30" name="CuadroTexto 29">
-            <a:hlinkClick r:id="rId8"/>
-            <a:extLst>
-              <a:ext uri="{FF2B5EF4-FFF2-40B4-BE49-F238E27FC236}">
-                <a16:creationId xmlns:a16="http://schemas.microsoft.com/office/drawing/2014/main" id="{2D6F2F82-8BA5-1799-8040-205FD7FC5F91}"/>
-              </a:ext>
-            </a:extLst>
-          </p:cNvPr>
-          <p:cNvSpPr txBox="1"/>
-          <p:nvPr/>
-        </p:nvSpPr>
-        <p:spPr>
-          <a:xfrm>
-            <a:off x="3095899" y="6471778"/>
-            <a:ext cx="2321987" cy="246221"/>
-          </a:xfrm>
-          <a:prstGeom prst="rect">
-            <a:avLst/>
-          </a:prstGeom>
-          <a:solidFill>
-            <a:schemeClr val="accent5">
-              <a:lumMod val="60000"/>
-              <a:lumOff val="40000"/>
-            </a:schemeClr>
-          </a:solidFill>
-          <a:ln>
-            <a:solidFill>
-              <a:schemeClr val="tx1"/>
-            </a:solidFill>
-          </a:ln>
-          <a:effectLst>
-            <a:softEdge rad="31750"/>
-          </a:effectLst>
-        </p:spPr>
-        <p:txBody>
-          <a:bodyPr wrap="square">
-            <a:spAutoFit/>
-          </a:bodyPr>
-          <a:lstStyle/>
-          <a:p>
-            <a:r>
-              <a:rPr lang="es-ES" sz="1000" dirty="0">
-                <a:solidFill>
-                  <a:srgbClr val="0070C0"/>
-                </a:solidFill>
-              </a:rPr>
-              <a:t>https://captwhite.github.io/newsletter/</a:t>
-            </a:r>
-          </a:p>
-        </p:txBody>
-      </p:sp>
-      <p:sp>
-        <p:nvSpPr>
-          <p:cNvPr id="31" name="Flecha: a la derecha 30">
-            <a:extLst>
-              <a:ext uri="{FF2B5EF4-FFF2-40B4-BE49-F238E27FC236}">
-                <a16:creationId xmlns:a16="http://schemas.microsoft.com/office/drawing/2014/main" id="{32328114-7987-DC59-0EF5-3D8C76E8D74C}"/>
-              </a:ext>
-            </a:extLst>
-          </p:cNvPr>
-          <p:cNvSpPr/>
-          <p:nvPr/>
-        </p:nvSpPr>
-        <p:spPr>
-          <a:xfrm rot="5400000">
-            <a:off x="4433077" y="6077312"/>
-            <a:ext cx="470777" cy="318155"/>
-          </a:xfrm>
-          <a:prstGeom prst="rightArrow">
-            <a:avLst/>
-          </a:prstGeom>
-        </p:spPr>
-        <p:style>
-          <a:lnRef idx="2">
-            <a:schemeClr val="accent1">
-              <a:shade val="15000"/>
-            </a:schemeClr>
-          </a:lnRef>
-          <a:fillRef idx="1">
-            <a:schemeClr val="accent1"/>
-          </a:fillRef>
-          <a:effectRef idx="0">
-            <a:schemeClr val="accent1"/>
-          </a:effectRef>
-          <a:fontRef idx="minor">
-            <a:schemeClr val="lt1"/>
-          </a:fontRef>
-        </p:style>
-        <p:txBody>
-          <a:bodyPr rtlCol="0" anchor="ctr"/>
-          <a:lstStyle/>
-          <a:p>
-            <a:pPr algn="ctr"/>
-            <a:endParaRPr lang="es-ES"/>
+              <a:t>2 – Regenerar la página web</a:t>
+            </a:r>
           </a:p>
         </p:txBody>
       </p:sp>
     </p:spTree>
     <p:extLst>
       <p:ext uri="{BB962C8B-B14F-4D97-AF65-F5344CB8AC3E}">
-        <p14:creationId xmlns:p14="http://schemas.microsoft.com/office/powerpoint/2010/main" val="1528465908"/>
+        <p14:creationId xmlns:p14="http://schemas.microsoft.com/office/powerpoint/2010/main" val="3472020467"/>
       </p:ext>
     </p:extLst>
   </p:cSld>
@@ -9491,51 +9308,713 @@
       </p:grpSpPr>
       <p:sp>
         <p:nvSpPr>
-          <p:cNvPr id="2" name="Título 1">
-            <a:extLst>
-              <a:ext uri="{FF2B5EF4-FFF2-40B4-BE49-F238E27FC236}">
-                <a16:creationId xmlns:a16="http://schemas.microsoft.com/office/drawing/2014/main" id="{680D64C3-6C7E-8C50-A64D-53C166B94EB0}"/>
-              </a:ext>
-            </a:extLst>
-          </p:cNvPr>
-          <p:cNvSpPr txBox="1">
-            <a:spLocks/>
-          </p:cNvSpPr>
+          <p:cNvPr id="5" name="CuadroTexto 4">
+            <a:hlinkClick r:id="rId2"/>
+            <a:extLst>
+              <a:ext uri="{FF2B5EF4-FFF2-40B4-BE49-F238E27FC236}">
+                <a16:creationId xmlns:a16="http://schemas.microsoft.com/office/drawing/2014/main" id="{6B21F938-9186-7AED-5449-B4A9E66BD36F}"/>
+              </a:ext>
+            </a:extLst>
+          </p:cNvPr>
+          <p:cNvSpPr txBox="1"/>
           <p:nvPr/>
         </p:nvSpPr>
         <p:spPr>
-          <a:xfrm>
-            <a:off x="1524000" y="1122363"/>
-            <a:ext cx="9144000" cy="2387600"/>
+          <a:xfrm rot="16200000">
+            <a:off x="-713803" y="1452739"/>
+            <a:ext cx="2916004" cy="246221"/>
           </a:xfrm>
           <a:prstGeom prst="rect">
             <a:avLst/>
           </a:prstGeom>
-        </p:spPr>
-        <p:txBody>
-          <a:bodyPr vert="horz" lIns="91440" tIns="45720" rIns="91440" bIns="45720" rtlCol="0" anchor="b">
-            <a:normAutofit/>
+          <a:solidFill>
+            <a:schemeClr val="accent5">
+              <a:lumMod val="60000"/>
+              <a:lumOff val="40000"/>
+            </a:schemeClr>
+          </a:solidFill>
+          <a:ln>
+            <a:solidFill>
+              <a:schemeClr val="tx1"/>
+            </a:solidFill>
+          </a:ln>
+          <a:effectLst>
+            <a:softEdge rad="31750"/>
+          </a:effectLst>
+        </p:spPr>
+        <p:txBody>
+          <a:bodyPr wrap="square">
+            <a:spAutoFit/>
           </a:bodyPr>
           <a:lstStyle>
-            <a:lvl1pPr algn="ctr">
-              <a:lnSpc>
-                <a:spcPct val="90000"/>
-              </a:lnSpc>
-              <a:spcBef>
-                <a:spcPct val="0"/>
-              </a:spcBef>
-              <a:buNone/>
-              <a:defRPr sz="6000">
-                <a:latin typeface="+mj-lt"/>
-                <a:ea typeface="+mj-ea"/>
-                <a:cs typeface="+mj-cs"/>
+            <a:defPPr>
+              <a:defRPr lang="es-ES"/>
+            </a:defPPr>
+            <a:lvl1pPr>
+              <a:defRPr sz="1000">
+                <a:solidFill>
+                  <a:srgbClr val="0070C0"/>
+                </a:solidFill>
               </a:defRPr>
             </a:lvl1pPr>
           </a:lstStyle>
           <a:p>
             <a:r>
-              <a:rPr lang="es-ES" dirty="0"/>
-              <a:t>3 – Actualizar el programa de generación de páginas</a:t>
+              <a:rPr lang="es-ES" dirty="0">
+                <a:hlinkClick r:id="rId3"/>
+              </a:rPr>
+              <a:t>https://github.com/AsterBCN/newsletter/actions</a:t>
+            </a:r>
+            <a:endParaRPr lang="es-ES" dirty="0"/>
+          </a:p>
+        </p:txBody>
+      </p:sp>
+      <p:pic>
+        <p:nvPicPr>
+          <p:cNvPr id="7" name="Imagen 6">
+            <a:extLst>
+              <a:ext uri="{FF2B5EF4-FFF2-40B4-BE49-F238E27FC236}">
+                <a16:creationId xmlns:a16="http://schemas.microsoft.com/office/drawing/2014/main" id="{8EABCE2F-C8ED-8E25-88DE-40401394EF88}"/>
+              </a:ext>
+            </a:extLst>
+          </p:cNvPr>
+          <p:cNvPicPr>
+            <a:picLocks noChangeAspect="1"/>
+          </p:cNvPicPr>
+          <p:nvPr/>
+        </p:nvPicPr>
+        <p:blipFill>
+          <a:blip r:embed="rId4"/>
+          <a:stretch>
+            <a:fillRect/>
+          </a:stretch>
+        </p:blipFill>
+        <p:spPr>
+          <a:xfrm>
+            <a:off x="1357568" y="135844"/>
+            <a:ext cx="3666918" cy="2638628"/>
+          </a:xfrm>
+          <a:prstGeom prst="rect">
+            <a:avLst/>
+          </a:prstGeom>
+        </p:spPr>
+      </p:pic>
+      <p:cxnSp>
+        <p:nvCxnSpPr>
+          <p:cNvPr id="11" name="Conector recto de flecha 10">
+            <a:extLst>
+              <a:ext uri="{FF2B5EF4-FFF2-40B4-BE49-F238E27FC236}">
+                <a16:creationId xmlns:a16="http://schemas.microsoft.com/office/drawing/2014/main" id="{C93D9B34-3530-0DF8-C56D-A3EEB0B083F8}"/>
+              </a:ext>
+            </a:extLst>
+          </p:cNvPr>
+          <p:cNvCxnSpPr/>
+          <p:nvPr/>
+        </p:nvCxnSpPr>
+        <p:spPr>
+          <a:xfrm flipH="1">
+            <a:off x="2931790" y="1706252"/>
+            <a:ext cx="518474" cy="480767"/>
+          </a:xfrm>
+          <a:prstGeom prst="straightConnector1">
+            <a:avLst/>
+          </a:prstGeom>
+          <a:ln w="50800">
+            <a:solidFill>
+              <a:srgbClr val="FF0000"/>
+            </a:solidFill>
+            <a:tailEnd type="triangle"/>
+          </a:ln>
+        </p:spPr>
+        <p:style>
+          <a:lnRef idx="1">
+            <a:schemeClr val="accent1"/>
+          </a:lnRef>
+          <a:fillRef idx="0">
+            <a:schemeClr val="accent1"/>
+          </a:fillRef>
+          <a:effectRef idx="0">
+            <a:schemeClr val="accent1"/>
+          </a:effectRef>
+          <a:fontRef idx="minor">
+            <a:schemeClr val="tx1"/>
+          </a:fontRef>
+        </p:style>
+      </p:cxnSp>
+      <p:pic>
+        <p:nvPicPr>
+          <p:cNvPr id="13" name="Imagen 12">
+            <a:extLst>
+              <a:ext uri="{FF2B5EF4-FFF2-40B4-BE49-F238E27FC236}">
+                <a16:creationId xmlns:a16="http://schemas.microsoft.com/office/drawing/2014/main" id="{D61EF1A5-E891-E2FF-687B-BFA4EF0BB2E9}"/>
+              </a:ext>
+            </a:extLst>
+          </p:cNvPr>
+          <p:cNvPicPr>
+            <a:picLocks noChangeAspect="1"/>
+          </p:cNvPicPr>
+          <p:nvPr/>
+        </p:nvPicPr>
+        <p:blipFill>
+          <a:blip r:embed="rId5"/>
+          <a:stretch>
+            <a:fillRect/>
+          </a:stretch>
+        </p:blipFill>
+        <p:spPr>
+          <a:xfrm>
+            <a:off x="6458614" y="137417"/>
+            <a:ext cx="3998855" cy="2638628"/>
+          </a:xfrm>
+          <a:prstGeom prst="rect">
+            <a:avLst/>
+          </a:prstGeom>
+        </p:spPr>
+      </p:pic>
+      <p:cxnSp>
+        <p:nvCxnSpPr>
+          <p:cNvPr id="14" name="Conector recto de flecha 13">
+            <a:extLst>
+              <a:ext uri="{FF2B5EF4-FFF2-40B4-BE49-F238E27FC236}">
+                <a16:creationId xmlns:a16="http://schemas.microsoft.com/office/drawing/2014/main" id="{4B54F26D-0E30-FF7C-B27D-3EB6FC61BC0B}"/>
+              </a:ext>
+            </a:extLst>
+          </p:cNvPr>
+          <p:cNvCxnSpPr/>
+          <p:nvPr/>
+        </p:nvCxnSpPr>
+        <p:spPr>
+          <a:xfrm flipH="1">
+            <a:off x="10075319" y="538900"/>
+            <a:ext cx="518474" cy="480767"/>
+          </a:xfrm>
+          <a:prstGeom prst="straightConnector1">
+            <a:avLst/>
+          </a:prstGeom>
+          <a:ln w="50800">
+            <a:solidFill>
+              <a:srgbClr val="FF0000"/>
+            </a:solidFill>
+            <a:tailEnd type="triangle"/>
+          </a:ln>
+        </p:spPr>
+        <p:style>
+          <a:lnRef idx="1">
+            <a:schemeClr val="accent1"/>
+          </a:lnRef>
+          <a:fillRef idx="0">
+            <a:schemeClr val="accent1"/>
+          </a:fillRef>
+          <a:effectRef idx="0">
+            <a:schemeClr val="accent1"/>
+          </a:effectRef>
+          <a:fontRef idx="minor">
+            <a:schemeClr val="tx1"/>
+          </a:fontRef>
+        </p:style>
+      </p:cxnSp>
+      <p:pic>
+        <p:nvPicPr>
+          <p:cNvPr id="16" name="Imagen 15">
+            <a:extLst>
+              <a:ext uri="{FF2B5EF4-FFF2-40B4-BE49-F238E27FC236}">
+                <a16:creationId xmlns:a16="http://schemas.microsoft.com/office/drawing/2014/main" id="{9E372567-E826-FAB1-F50D-54B5F6082AC4}"/>
+              </a:ext>
+            </a:extLst>
+          </p:cNvPr>
+          <p:cNvPicPr>
+            <a:picLocks noChangeAspect="1"/>
+          </p:cNvPicPr>
+          <p:nvPr/>
+        </p:nvPicPr>
+        <p:blipFill>
+          <a:blip r:embed="rId6"/>
+          <a:stretch>
+            <a:fillRect/>
+          </a:stretch>
+        </p:blipFill>
+        <p:spPr>
+          <a:xfrm>
+            <a:off x="7172877" y="2922001"/>
+            <a:ext cx="2370819" cy="819079"/>
+          </a:xfrm>
+          <a:prstGeom prst="rect">
+            <a:avLst/>
+          </a:prstGeom>
+        </p:spPr>
+      </p:pic>
+      <p:pic>
+        <p:nvPicPr>
+          <p:cNvPr id="18" name="Imagen 17">
+            <a:extLst>
+              <a:ext uri="{FF2B5EF4-FFF2-40B4-BE49-F238E27FC236}">
+                <a16:creationId xmlns:a16="http://schemas.microsoft.com/office/drawing/2014/main" id="{043EE056-315C-A257-A88B-19EEEDB36BD5}"/>
+              </a:ext>
+            </a:extLst>
+          </p:cNvPr>
+          <p:cNvPicPr>
+            <a:picLocks noChangeAspect="1"/>
+          </p:cNvPicPr>
+          <p:nvPr/>
+        </p:nvPicPr>
+        <p:blipFill>
+          <a:blip r:embed="rId7"/>
+          <a:stretch>
+            <a:fillRect/>
+          </a:stretch>
+        </p:blipFill>
+        <p:spPr>
+          <a:xfrm>
+            <a:off x="6458614" y="3949948"/>
+            <a:ext cx="4290995" cy="2644941"/>
+          </a:xfrm>
+          <a:prstGeom prst="rect">
+            <a:avLst/>
+          </a:prstGeom>
+        </p:spPr>
+      </p:pic>
+      <p:pic>
+        <p:nvPicPr>
+          <p:cNvPr id="20" name="Imagen 19">
+            <a:extLst>
+              <a:ext uri="{FF2B5EF4-FFF2-40B4-BE49-F238E27FC236}">
+                <a16:creationId xmlns:a16="http://schemas.microsoft.com/office/drawing/2014/main" id="{2CDB78A6-187F-86F9-FE7E-645819D79D02}"/>
+              </a:ext>
+            </a:extLst>
+          </p:cNvPr>
+          <p:cNvPicPr>
+            <a:picLocks noChangeAspect="1"/>
+          </p:cNvPicPr>
+          <p:nvPr/>
+        </p:nvPicPr>
+        <p:blipFill>
+          <a:blip r:embed="rId8"/>
+          <a:stretch>
+            <a:fillRect/>
+          </a:stretch>
+        </p:blipFill>
+        <p:spPr>
+          <a:xfrm>
+            <a:off x="1367048" y="3616871"/>
+            <a:ext cx="3666918" cy="2644942"/>
+          </a:xfrm>
+          <a:prstGeom prst="rect">
+            <a:avLst/>
+          </a:prstGeom>
+        </p:spPr>
+      </p:pic>
+      <p:sp>
+        <p:nvSpPr>
+          <p:cNvPr id="21" name="Flecha: a la derecha 20">
+            <a:extLst>
+              <a:ext uri="{FF2B5EF4-FFF2-40B4-BE49-F238E27FC236}">
+                <a16:creationId xmlns:a16="http://schemas.microsoft.com/office/drawing/2014/main" id="{D133209A-F9A9-72E1-DF66-B3204AE055AC}"/>
+              </a:ext>
+            </a:extLst>
+          </p:cNvPr>
+          <p:cNvSpPr/>
+          <p:nvPr/>
+        </p:nvSpPr>
+        <p:spPr>
+          <a:xfrm>
+            <a:off x="5621697" y="1455158"/>
+            <a:ext cx="470777" cy="318155"/>
+          </a:xfrm>
+          <a:prstGeom prst="rightArrow">
+            <a:avLst/>
+          </a:prstGeom>
+        </p:spPr>
+        <p:style>
+          <a:lnRef idx="2">
+            <a:schemeClr val="accent1">
+              <a:shade val="15000"/>
+            </a:schemeClr>
+          </a:lnRef>
+          <a:fillRef idx="1">
+            <a:schemeClr val="accent1"/>
+          </a:fillRef>
+          <a:effectRef idx="0">
+            <a:schemeClr val="accent1"/>
+          </a:effectRef>
+          <a:fontRef idx="minor">
+            <a:schemeClr val="lt1"/>
+          </a:fontRef>
+        </p:style>
+        <p:txBody>
+          <a:bodyPr rtlCol="0" anchor="ctr"/>
+          <a:lstStyle/>
+          <a:p>
+            <a:pPr algn="ctr"/>
+            <a:endParaRPr lang="es-ES"/>
+          </a:p>
+        </p:txBody>
+      </p:sp>
+      <p:sp>
+        <p:nvSpPr>
+          <p:cNvPr id="22" name="Flecha: a la derecha 21">
+            <a:extLst>
+              <a:ext uri="{FF2B5EF4-FFF2-40B4-BE49-F238E27FC236}">
+                <a16:creationId xmlns:a16="http://schemas.microsoft.com/office/drawing/2014/main" id="{69E5AD6E-45D9-4C1C-C3F2-D0A0FAFE7EF4}"/>
+              </a:ext>
+            </a:extLst>
+          </p:cNvPr>
+          <p:cNvSpPr/>
+          <p:nvPr/>
+        </p:nvSpPr>
+        <p:spPr>
+          <a:xfrm>
+            <a:off x="867310" y="1455158"/>
+            <a:ext cx="470777" cy="318155"/>
+          </a:xfrm>
+          <a:prstGeom prst="rightArrow">
+            <a:avLst/>
+          </a:prstGeom>
+        </p:spPr>
+        <p:style>
+          <a:lnRef idx="2">
+            <a:schemeClr val="accent1">
+              <a:shade val="15000"/>
+            </a:schemeClr>
+          </a:lnRef>
+          <a:fillRef idx="1">
+            <a:schemeClr val="accent1"/>
+          </a:fillRef>
+          <a:effectRef idx="0">
+            <a:schemeClr val="accent1"/>
+          </a:effectRef>
+          <a:fontRef idx="minor">
+            <a:schemeClr val="lt1"/>
+          </a:fontRef>
+        </p:style>
+        <p:txBody>
+          <a:bodyPr rtlCol="0" anchor="ctr"/>
+          <a:lstStyle/>
+          <a:p>
+            <a:pPr algn="ctr"/>
+            <a:endParaRPr lang="es-ES"/>
+          </a:p>
+        </p:txBody>
+      </p:sp>
+      <p:sp>
+        <p:nvSpPr>
+          <p:cNvPr id="23" name="Flecha: a la derecha 22">
+            <a:extLst>
+              <a:ext uri="{FF2B5EF4-FFF2-40B4-BE49-F238E27FC236}">
+                <a16:creationId xmlns:a16="http://schemas.microsoft.com/office/drawing/2014/main" id="{216DCAAC-2C3C-0100-3F1A-84DC9576ACC3}"/>
+              </a:ext>
+            </a:extLst>
+          </p:cNvPr>
+          <p:cNvSpPr/>
+          <p:nvPr/>
+        </p:nvSpPr>
+        <p:spPr>
+          <a:xfrm rot="5400000">
+            <a:off x="8122897" y="2642628"/>
+            <a:ext cx="470777" cy="318155"/>
+          </a:xfrm>
+          <a:prstGeom prst="rightArrow">
+            <a:avLst/>
+          </a:prstGeom>
+        </p:spPr>
+        <p:style>
+          <a:lnRef idx="2">
+            <a:schemeClr val="accent1">
+              <a:shade val="15000"/>
+            </a:schemeClr>
+          </a:lnRef>
+          <a:fillRef idx="1">
+            <a:schemeClr val="accent1"/>
+          </a:fillRef>
+          <a:effectRef idx="0">
+            <a:schemeClr val="accent1"/>
+          </a:effectRef>
+          <a:fontRef idx="minor">
+            <a:schemeClr val="lt1"/>
+          </a:fontRef>
+        </p:style>
+        <p:txBody>
+          <a:bodyPr rtlCol="0" anchor="ctr"/>
+          <a:lstStyle/>
+          <a:p>
+            <a:pPr algn="ctr"/>
+            <a:endParaRPr lang="es-ES"/>
+          </a:p>
+        </p:txBody>
+      </p:sp>
+      <p:cxnSp>
+        <p:nvCxnSpPr>
+          <p:cNvPr id="24" name="Conector recto de flecha 23">
+            <a:extLst>
+              <a:ext uri="{FF2B5EF4-FFF2-40B4-BE49-F238E27FC236}">
+                <a16:creationId xmlns:a16="http://schemas.microsoft.com/office/drawing/2014/main" id="{E0270ECA-DF36-CE84-D362-9395FB8EF64A}"/>
+              </a:ext>
+            </a:extLst>
+          </p:cNvPr>
+          <p:cNvCxnSpPr/>
+          <p:nvPr/>
+        </p:nvCxnSpPr>
+        <p:spPr>
+          <a:xfrm flipH="1">
+            <a:off x="9388154" y="3122613"/>
+            <a:ext cx="518474" cy="480767"/>
+          </a:xfrm>
+          <a:prstGeom prst="straightConnector1">
+            <a:avLst/>
+          </a:prstGeom>
+          <a:ln w="50800">
+            <a:solidFill>
+              <a:srgbClr val="FF0000"/>
+            </a:solidFill>
+            <a:tailEnd type="triangle"/>
+          </a:ln>
+        </p:spPr>
+        <p:style>
+          <a:lnRef idx="1">
+            <a:schemeClr val="accent1"/>
+          </a:lnRef>
+          <a:fillRef idx="0">
+            <a:schemeClr val="accent1"/>
+          </a:fillRef>
+          <a:effectRef idx="0">
+            <a:schemeClr val="accent1"/>
+          </a:effectRef>
+          <a:fontRef idx="minor">
+            <a:schemeClr val="tx1"/>
+          </a:fontRef>
+        </p:style>
+      </p:cxnSp>
+      <p:sp>
+        <p:nvSpPr>
+          <p:cNvPr id="25" name="Flecha: a la derecha 24">
+            <a:extLst>
+              <a:ext uri="{FF2B5EF4-FFF2-40B4-BE49-F238E27FC236}">
+                <a16:creationId xmlns:a16="http://schemas.microsoft.com/office/drawing/2014/main" id="{E62ABC6F-3EAE-B618-BEA5-614F84D5A035}"/>
+              </a:ext>
+            </a:extLst>
+          </p:cNvPr>
+          <p:cNvSpPr/>
+          <p:nvPr/>
+        </p:nvSpPr>
+        <p:spPr>
+          <a:xfrm rot="5400000">
+            <a:off x="8122897" y="3693182"/>
+            <a:ext cx="470777" cy="318155"/>
+          </a:xfrm>
+          <a:prstGeom prst="rightArrow">
+            <a:avLst/>
+          </a:prstGeom>
+        </p:spPr>
+        <p:style>
+          <a:lnRef idx="2">
+            <a:schemeClr val="accent1">
+              <a:shade val="15000"/>
+            </a:schemeClr>
+          </a:lnRef>
+          <a:fillRef idx="1">
+            <a:schemeClr val="accent1"/>
+          </a:fillRef>
+          <a:effectRef idx="0">
+            <a:schemeClr val="accent1"/>
+          </a:effectRef>
+          <a:fontRef idx="minor">
+            <a:schemeClr val="lt1"/>
+          </a:fontRef>
+        </p:style>
+        <p:txBody>
+          <a:bodyPr rtlCol="0" anchor="ctr"/>
+          <a:lstStyle/>
+          <a:p>
+            <a:pPr algn="ctr"/>
+            <a:endParaRPr lang="es-ES"/>
+          </a:p>
+        </p:txBody>
+      </p:sp>
+      <p:sp>
+        <p:nvSpPr>
+          <p:cNvPr id="26" name="Flecha: a la derecha 25">
+            <a:extLst>
+              <a:ext uri="{FF2B5EF4-FFF2-40B4-BE49-F238E27FC236}">
+                <a16:creationId xmlns:a16="http://schemas.microsoft.com/office/drawing/2014/main" id="{A3626D5F-F934-DD6B-5290-D2E925BA4676}"/>
+              </a:ext>
+            </a:extLst>
+          </p:cNvPr>
+          <p:cNvSpPr/>
+          <p:nvPr/>
+        </p:nvSpPr>
+        <p:spPr>
+          <a:xfrm rot="10800000">
+            <a:off x="5506162" y="5107027"/>
+            <a:ext cx="470777" cy="318155"/>
+          </a:xfrm>
+          <a:prstGeom prst="rightArrow">
+            <a:avLst/>
+          </a:prstGeom>
+        </p:spPr>
+        <p:style>
+          <a:lnRef idx="2">
+            <a:schemeClr val="accent1">
+              <a:shade val="15000"/>
+            </a:schemeClr>
+          </a:lnRef>
+          <a:fillRef idx="1">
+            <a:schemeClr val="accent1"/>
+          </a:fillRef>
+          <a:effectRef idx="0">
+            <a:schemeClr val="accent1"/>
+          </a:effectRef>
+          <a:fontRef idx="minor">
+            <a:schemeClr val="lt1"/>
+          </a:fontRef>
+        </p:style>
+        <p:txBody>
+          <a:bodyPr rtlCol="0" anchor="ctr"/>
+          <a:lstStyle/>
+          <a:p>
+            <a:pPr algn="ctr"/>
+            <a:endParaRPr lang="es-ES"/>
+          </a:p>
+        </p:txBody>
+      </p:sp>
+      <p:sp>
+        <p:nvSpPr>
+          <p:cNvPr id="30" name="CuadroTexto 29">
+            <a:hlinkClick r:id="rId9"/>
+            <a:extLst>
+              <a:ext uri="{FF2B5EF4-FFF2-40B4-BE49-F238E27FC236}">
+                <a16:creationId xmlns:a16="http://schemas.microsoft.com/office/drawing/2014/main" id="{2D6F2F82-8BA5-1799-8040-205FD7FC5F91}"/>
+              </a:ext>
+            </a:extLst>
+          </p:cNvPr>
+          <p:cNvSpPr txBox="1"/>
+          <p:nvPr/>
+        </p:nvSpPr>
+        <p:spPr>
+          <a:xfrm>
+            <a:off x="3095899" y="6471778"/>
+            <a:ext cx="2321987" cy="246221"/>
+          </a:xfrm>
+          <a:prstGeom prst="rect">
+            <a:avLst/>
+          </a:prstGeom>
+          <a:solidFill>
+            <a:schemeClr val="accent5">
+              <a:lumMod val="60000"/>
+              <a:lumOff val="40000"/>
+            </a:schemeClr>
+          </a:solidFill>
+          <a:ln>
+            <a:solidFill>
+              <a:schemeClr val="tx1"/>
+            </a:solidFill>
+          </a:ln>
+          <a:effectLst>
+            <a:softEdge rad="31750"/>
+          </a:effectLst>
+        </p:spPr>
+        <p:txBody>
+          <a:bodyPr wrap="square">
+            <a:spAutoFit/>
+          </a:bodyPr>
+          <a:lstStyle/>
+          <a:p>
+            <a:r>
+              <a:rPr lang="es-ES" sz="1000" dirty="0">
+                <a:solidFill>
+                  <a:srgbClr val="0070C0"/>
+                </a:solidFill>
+                <a:hlinkClick r:id="rId10"/>
+              </a:rPr>
+              <a:t>https://asterbcn.github.io/newsletter</a:t>
+            </a:r>
+            <a:endParaRPr lang="es-ES" sz="1000" dirty="0">
+              <a:solidFill>
+                <a:srgbClr val="0070C0"/>
+              </a:solidFill>
+            </a:endParaRPr>
+          </a:p>
+        </p:txBody>
+      </p:sp>
+      <p:sp>
+        <p:nvSpPr>
+          <p:cNvPr id="31" name="Flecha: a la derecha 30">
+            <a:extLst>
+              <a:ext uri="{FF2B5EF4-FFF2-40B4-BE49-F238E27FC236}">
+                <a16:creationId xmlns:a16="http://schemas.microsoft.com/office/drawing/2014/main" id="{32328114-7987-DC59-0EF5-3D8C76E8D74C}"/>
+              </a:ext>
+            </a:extLst>
+          </p:cNvPr>
+          <p:cNvSpPr/>
+          <p:nvPr/>
+        </p:nvSpPr>
+        <p:spPr>
+          <a:xfrm rot="5400000">
+            <a:off x="4433077" y="6077312"/>
+            <a:ext cx="470777" cy="318155"/>
+          </a:xfrm>
+          <a:prstGeom prst="rightArrow">
+            <a:avLst/>
+          </a:prstGeom>
+        </p:spPr>
+        <p:style>
+          <a:lnRef idx="2">
+            <a:schemeClr val="accent1">
+              <a:shade val="15000"/>
+            </a:schemeClr>
+          </a:lnRef>
+          <a:fillRef idx="1">
+            <a:schemeClr val="accent1"/>
+          </a:fillRef>
+          <a:effectRef idx="0">
+            <a:schemeClr val="accent1"/>
+          </a:effectRef>
+          <a:fontRef idx="minor">
+            <a:schemeClr val="lt1"/>
+          </a:fontRef>
+        </p:style>
+        <p:txBody>
+          <a:bodyPr rtlCol="0" anchor="ctr"/>
+          <a:lstStyle/>
+          <a:p>
+            <a:pPr algn="ctr"/>
+            <a:endParaRPr lang="es-ES"/>
+          </a:p>
+        </p:txBody>
+      </p:sp>
+      <p:sp>
+        <p:nvSpPr>
+          <p:cNvPr id="2" name="CuadroTexto 1">
+            <a:extLst>
+              <a:ext uri="{FF2B5EF4-FFF2-40B4-BE49-F238E27FC236}">
+                <a16:creationId xmlns:a16="http://schemas.microsoft.com/office/drawing/2014/main" id="{5093881A-99D9-AA86-9DDA-0774EBA3C0C5}"/>
+              </a:ext>
+            </a:extLst>
+          </p:cNvPr>
+          <p:cNvSpPr txBox="1"/>
+          <p:nvPr/>
+        </p:nvSpPr>
+        <p:spPr>
+          <a:xfrm>
+            <a:off x="-57600" y="3362996"/>
+            <a:ext cx="1108667" cy="2646878"/>
+          </a:xfrm>
+          <a:prstGeom prst="rect">
+            <a:avLst/>
+          </a:prstGeom>
+          <a:noFill/>
+        </p:spPr>
+        <p:txBody>
+          <a:bodyPr wrap="square" rtlCol="0">
+            <a:spAutoFit/>
+          </a:bodyPr>
+          <a:lstStyle/>
+          <a:p>
+            <a:r>
+              <a:rPr lang="es-ES" sz="16600" dirty="0">
+                <a:solidFill>
+                  <a:srgbClr val="FF0000"/>
+                </a:solidFill>
+              </a:rPr>
+              <a:t>2</a:t>
             </a:r>
           </a:p>
         </p:txBody>
@@ -9543,7 +10022,7 @@
     </p:spTree>
     <p:extLst>
       <p:ext uri="{BB962C8B-B14F-4D97-AF65-F5344CB8AC3E}">
-        <p14:creationId xmlns:p14="http://schemas.microsoft.com/office/powerpoint/2010/main" val="2362875730"/>
+        <p14:creationId xmlns:p14="http://schemas.microsoft.com/office/powerpoint/2010/main" val="1528465908"/>
       </p:ext>
     </p:extLst>
   </p:cSld>
